--- a/camel-spotting.pptx
+++ b/camel-spotting.pptx
@@ -217,7 +217,7 @@
             <a:fld id="{B4D058B2-A8E2-4AEA-943B-63C0A4F38EB8}" type="datetimeFigureOut">
               <a:rPr lang="en-US" smtClean="0"/>
               <a:pPr/>
-              <a:t>8/23/2011</a:t>
+              <a:t>8/27/2011</a:t>
             </a:fld>
             <a:endParaRPr lang="en-US"/>
           </a:p>
@@ -386,6 +386,11 @@
         </p:txBody>
       </p:sp>
     </p:spTree>
+    <p:extLst>
+      <p:ext uri="{BB962C8B-B14F-4D97-AF65-F5344CB8AC3E}">
+        <p14:creationId xmlns:p14="http://schemas.microsoft.com/office/powerpoint/2010/main" val="1210390602"/>
+      </p:ext>
+    </p:extLst>
   </p:cSld>
   <p:clrMap bg1="lt1" tx1="dk1" bg2="lt2" tx2="dk2" accent1="accent1" accent2="accent2" accent3="accent3" accent4="accent4" accent5="accent5" accent6="accent6" hlink="hlink" folHlink="folHlink"/>
   <p:notesStyle>
@@ -883,11 +888,34 @@
           <a:p>
             <a:r>
               <a:rPr lang="nb-NO" dirty="0" smtClean="0"/>
-              <a:t>Særlig om du ikke har noe særlig eget,</a:t>
+              <a:t>Ja, hvorfor ikke? Du trenger ikke basere hele designet ditt på camel selv om du</a:t>
             </a:r>
             <a:r>
               <a:rPr lang="nb-NO" baseline="0" dirty="0" smtClean="0"/>
-              <a:t> og kanskje manglende erfaring med integrasjon?</a:t>
+              <a:t> tar det i bruk.</a:t>
+            </a:r>
+            <a:endParaRPr lang="nb-NO" dirty="0" smtClean="0"/>
+          </a:p>
+          <a:p>
+            <a:r>
+              <a:rPr lang="nb-NO" dirty="0" smtClean="0"/>
+              <a:t>Særlig </a:t>
+            </a:r>
+            <a:r>
+              <a:rPr lang="nb-NO" dirty="0" smtClean="0"/>
+              <a:t>om du ikke har noe særlig </a:t>
+            </a:r>
+            <a:r>
+              <a:rPr lang="nb-NO" dirty="0" smtClean="0"/>
+              <a:t>eget allerede for integrasjon,</a:t>
+            </a:r>
+            <a:r>
+              <a:rPr lang="nb-NO" baseline="0" dirty="0" smtClean="0"/>
+              <a:t> </a:t>
+            </a:r>
+            <a:r>
+              <a:rPr lang="nb-NO" baseline="0" dirty="0" smtClean="0"/>
+              <a:t>og kanskje manglende erfaring med integrasjon?</a:t>
             </a:r>
           </a:p>
           <a:p>
@@ -1854,7 +1882,7 @@
             <a:fld id="{1D8BD707-D9CF-40AE-B4C6-C98DA3205C09}" type="datetimeFigureOut">
               <a:rPr lang="en-US" smtClean="0"/>
               <a:pPr/>
-              <a:t>8/23/2011</a:t>
+              <a:t>8/27/2011</a:t>
             </a:fld>
             <a:endParaRPr lang="en-US"/>
           </a:p>
@@ -2021,7 +2049,7 @@
             <a:fld id="{1D8BD707-D9CF-40AE-B4C6-C98DA3205C09}" type="datetimeFigureOut">
               <a:rPr lang="en-US" smtClean="0"/>
               <a:pPr/>
-              <a:t>8/23/2011</a:t>
+              <a:t>8/27/2011</a:t>
             </a:fld>
             <a:endParaRPr lang="en-US"/>
           </a:p>
@@ -2198,7 +2226,7 @@
             <a:fld id="{1D8BD707-D9CF-40AE-B4C6-C98DA3205C09}" type="datetimeFigureOut">
               <a:rPr lang="en-US" smtClean="0"/>
               <a:pPr/>
-              <a:t>8/23/2011</a:t>
+              <a:t>8/27/2011</a:t>
             </a:fld>
             <a:endParaRPr lang="en-US"/>
           </a:p>
@@ -2365,7 +2393,7 @@
             <a:fld id="{1D8BD707-D9CF-40AE-B4C6-C98DA3205C09}" type="datetimeFigureOut">
               <a:rPr lang="en-US" smtClean="0"/>
               <a:pPr/>
-              <a:t>8/23/2011</a:t>
+              <a:t>8/27/2011</a:t>
             </a:fld>
             <a:endParaRPr lang="en-US"/>
           </a:p>
@@ -2608,7 +2636,7 @@
             <a:fld id="{1D8BD707-D9CF-40AE-B4C6-C98DA3205C09}" type="datetimeFigureOut">
               <a:rPr lang="en-US" smtClean="0"/>
               <a:pPr/>
-              <a:t>8/23/2011</a:t>
+              <a:t>8/27/2011</a:t>
             </a:fld>
             <a:endParaRPr lang="en-US"/>
           </a:p>
@@ -2893,7 +2921,7 @@
             <a:fld id="{1D8BD707-D9CF-40AE-B4C6-C98DA3205C09}" type="datetimeFigureOut">
               <a:rPr lang="en-US" smtClean="0"/>
               <a:pPr/>
-              <a:t>8/23/2011</a:t>
+              <a:t>8/27/2011</a:t>
             </a:fld>
             <a:endParaRPr lang="en-US"/>
           </a:p>
@@ -3312,7 +3340,7 @@
             <a:fld id="{1D8BD707-D9CF-40AE-B4C6-C98DA3205C09}" type="datetimeFigureOut">
               <a:rPr lang="en-US" smtClean="0"/>
               <a:pPr/>
-              <a:t>8/23/2011</a:t>
+              <a:t>8/27/2011</a:t>
             </a:fld>
             <a:endParaRPr lang="en-US"/>
           </a:p>
@@ -3427,7 +3455,7 @@
             <a:fld id="{1D8BD707-D9CF-40AE-B4C6-C98DA3205C09}" type="datetimeFigureOut">
               <a:rPr lang="en-US" smtClean="0"/>
               <a:pPr/>
-              <a:t>8/23/2011</a:t>
+              <a:t>8/27/2011</a:t>
             </a:fld>
             <a:endParaRPr lang="en-US"/>
           </a:p>
@@ -3519,7 +3547,7 @@
             <a:fld id="{1D8BD707-D9CF-40AE-B4C6-C98DA3205C09}" type="datetimeFigureOut">
               <a:rPr lang="en-US" smtClean="0"/>
               <a:pPr/>
-              <a:t>8/23/2011</a:t>
+              <a:t>8/27/2011</a:t>
             </a:fld>
             <a:endParaRPr lang="en-US"/>
           </a:p>
@@ -3793,7 +3821,7 @@
             <a:fld id="{1D8BD707-D9CF-40AE-B4C6-C98DA3205C09}" type="datetimeFigureOut">
               <a:rPr lang="en-US" smtClean="0"/>
               <a:pPr/>
-              <a:t>8/23/2011</a:t>
+              <a:t>8/27/2011</a:t>
             </a:fld>
             <a:endParaRPr lang="en-US"/>
           </a:p>
@@ -4043,7 +4071,7 @@
             <a:fld id="{1D8BD707-D9CF-40AE-B4C6-C98DA3205C09}" type="datetimeFigureOut">
               <a:rPr lang="en-US" smtClean="0"/>
               <a:pPr/>
-              <a:t>8/23/2011</a:t>
+              <a:t>8/27/2011</a:t>
             </a:fld>
             <a:endParaRPr lang="en-US"/>
           </a:p>
@@ -4253,7 +4281,7 @@
             <a:fld id="{1D8BD707-D9CF-40AE-B4C6-C98DA3205C09}" type="datetimeFigureOut">
               <a:rPr lang="en-US" smtClean="0"/>
               <a:pPr/>
-              <a:t>8/23/2011</a:t>
+              <a:t>8/27/2011</a:t>
             </a:fld>
             <a:endParaRPr lang="en-US"/>
           </a:p>
@@ -4647,6 +4675,70 @@
           </a:p>
         </p:txBody>
       </p:sp>
+      <p:pic>
+        <p:nvPicPr>
+          <p:cNvPr id="1026" name="Picture 2"/>
+          <p:cNvPicPr>
+            <a:picLocks noChangeAspect="1" noChangeArrowheads="1"/>
+          </p:cNvPicPr>
+          <p:nvPr/>
+        </p:nvPicPr>
+        <p:blipFill>
+          <a:blip r:embed="rId2">
+            <a:extLst>
+              <a:ext uri="{28A0092B-C50C-407E-A947-70E740481C1C}">
+                <a14:useLocalDpi xmlns:a14="http://schemas.microsoft.com/office/drawing/2010/main" val="0"/>
+              </a:ext>
+            </a:extLst>
+          </a:blip>
+          <a:srcRect/>
+          <a:stretch>
+            <a:fillRect/>
+          </a:stretch>
+        </p:blipFill>
+        <p:spPr bwMode="auto">
+          <a:xfrm>
+            <a:off x="4000500" y="3429000"/>
+            <a:ext cx="1143000" cy="857250"/>
+          </a:xfrm>
+          <a:prstGeom prst="rect">
+            <a:avLst/>
+          </a:prstGeom>
+          <a:noFill/>
+          <a:ln>
+            <a:noFill/>
+          </a:ln>
+          <a:effectLst/>
+          <a:extLst>
+            <a:ext uri="{909E8E84-426E-40DD-AFC4-6F175D3DCCD1}">
+              <a14:hiddenFill xmlns:a14="http://schemas.microsoft.com/office/drawing/2010/main">
+                <a:solidFill>
+                  <a:schemeClr val="accent1"/>
+                </a:solidFill>
+              </a14:hiddenFill>
+            </a:ext>
+            <a:ext uri="{91240B29-F687-4F45-9708-019B960494DF}">
+              <a14:hiddenLine xmlns:a14="http://schemas.microsoft.com/office/drawing/2010/main" w="9525">
+                <a:solidFill>
+                  <a:schemeClr val="tx1"/>
+                </a:solidFill>
+                <a:miter lim="800000"/>
+                <a:headEnd/>
+                <a:tailEnd/>
+              </a14:hiddenLine>
+            </a:ext>
+            <a:ext uri="{AF507438-7753-43E0-B8FC-AC1667EBCBE1}">
+              <a14:hiddenEffects xmlns:a14="http://schemas.microsoft.com/office/drawing/2010/main">
+                <a:effectLst>
+                  <a:outerShdw dist="35921" dir="2700000" algn="ctr" rotWithShape="0">
+                    <a:schemeClr val="bg2"/>
+                  </a:outerShdw>
+                </a:effectLst>
+              </a14:hiddenEffects>
+            </a:ext>
+          </a:extLst>
+        </p:spPr>
+      </p:pic>
     </p:spTree>
   </p:cSld>
   <p:clrMapOvr>
@@ -4696,7 +4788,7 @@
           <a:p>
             <a:r>
               <a:rPr lang="nb-NO" dirty="0" smtClean="0"/>
-              <a:t>Kravene</a:t>
+              <a:t>Krav</a:t>
             </a:r>
             <a:endParaRPr lang="en-US" dirty="0"/>
           </a:p>
@@ -5230,7 +5322,7 @@
           <a:p>
             <a:r>
               <a:rPr lang="nb-NO" dirty="0" smtClean="0"/>
-              <a:t>Implementer</a:t>
+              <a:t>Start coding</a:t>
             </a:r>
             <a:endParaRPr lang="en-US" dirty="0"/>
           </a:p>
@@ -5310,25 +5402,13 @@
           <a:p>
             <a:r>
               <a:rPr lang="nb-NO" dirty="0" smtClean="0"/>
-              <a:t>Hvis </a:t>
-            </a:r>
+              <a:t>Hvis noen transaksjoner mangler dekning skal ingen av transaksjonene i fila til clearing.</a:t>
+            </a:r>
+          </a:p>
+          <a:p>
             <a:r>
               <a:rPr lang="nb-NO" dirty="0" smtClean="0"/>
-              <a:t>noen transaksjoner mangler dekning </a:t>
-            </a:r>
-            <a:r>
-              <a:rPr lang="nb-NO" dirty="0" smtClean="0"/>
-              <a:t>skal ingen av transaksjonene i fila til clearing.</a:t>
-            </a:r>
-          </a:p>
-          <a:p>
-            <a:r>
-              <a:rPr lang="nb-NO" dirty="0" smtClean="0"/>
-              <a:t>Dersom det er gjort dekningskontroll, men en eller flere transaksjoner er feilet slik at det ikke blir sendt noe til clearing må alle andre dekningskontroller resettes da dette reserverer pengene på konto</a:t>
-            </a:r>
-            <a:r>
-              <a:rPr lang="nb-NO" dirty="0" smtClean="0"/>
-              <a:t>.</a:t>
+              <a:t>Dersom det er gjort dekningskontroll, men en eller flere transaksjoner er feilet slik at det ikke blir sendt noe til clearing må alle andre dekningskontroller resettes da dette reserverer pengene på konto.</a:t>
             </a:r>
           </a:p>
           <a:p>
@@ -5452,38 +5532,58 @@
             <p:ph type="title"/>
           </p:nvPr>
         </p:nvSpPr>
-        <p:spPr/>
-        <p:txBody>
-          <a:bodyPr/>
-          <a:lstStyle/>
-          <a:p>
-            <a:r>
-              <a:rPr lang="nb-NO" dirty="0" smtClean="0"/>
-              <a:t>Oj, en side til med krav..</a:t>
+        <p:spPr>
+          <a:xfrm>
+            <a:off x="381000" y="2667000"/>
+            <a:ext cx="8229600" cy="1143000"/>
+          </a:xfrm>
+        </p:spPr>
+        <p:txBody>
+          <a:bodyPr>
+            <a:normAutofit fontScale="90000"/>
+          </a:bodyPr>
+          <a:lstStyle/>
+          <a:p>
+            <a:r>
+              <a:rPr lang="en-US" dirty="0" smtClean="0"/>
+              <a:t>QA: </a:t>
+            </a:r>
+            <a:br>
+              <a:rPr lang="en-US" dirty="0" smtClean="0"/>
+            </a:br>
+            <a:r>
+              <a:rPr lang="en-US" dirty="0" err="1" smtClean="0"/>
+              <a:t>Systemet</a:t>
+            </a:r>
+            <a:r>
+              <a:rPr lang="en-US" dirty="0" smtClean="0"/>
+              <a:t> </a:t>
+            </a:r>
+            <a:r>
+              <a:rPr lang="en-US" dirty="0" err="1" smtClean="0"/>
+              <a:t>tåler</a:t>
+            </a:r>
+            <a:r>
+              <a:rPr lang="en-US" dirty="0" smtClean="0"/>
+              <a:t> </a:t>
+            </a:r>
+            <a:r>
+              <a:rPr lang="en-US" dirty="0" err="1" smtClean="0"/>
+              <a:t>ikke</a:t>
+            </a:r>
+            <a:r>
+              <a:rPr lang="en-US" dirty="0" smtClean="0"/>
+              <a:t> en </a:t>
+            </a:r>
+            <a:r>
+              <a:rPr lang="en-US" dirty="0" err="1" smtClean="0"/>
+              <a:t>strømstans</a:t>
+            </a:r>
+            <a:r>
+              <a:rPr lang="en-US" dirty="0" smtClean="0"/>
+              <a:t>!</a:t>
             </a:r>
             <a:endParaRPr lang="en-US" dirty="0"/>
-          </a:p>
-        </p:txBody>
-      </p:sp>
-      <p:sp>
-        <p:nvSpPr>
-          <p:cNvPr id="3" name="Content Placeholder 2"/>
-          <p:cNvSpPr>
-            <a:spLocks noGrp="1"/>
-          </p:cNvSpPr>
-          <p:nvPr>
-            <p:ph idx="1"/>
-          </p:nvPr>
-        </p:nvSpPr>
-        <p:spPr/>
-        <p:txBody>
-          <a:bodyPr/>
-          <a:lstStyle/>
-          <a:p>
-            <a:r>
-              <a:rPr lang="nb-NO" dirty="0" smtClean="0"/>
-              <a:t>Systemet skal tåle strømstans</a:t>
-            </a:r>
           </a:p>
         </p:txBody>
       </p:sp>
@@ -5663,7 +5763,12 @@
             <p:ph type="title"/>
           </p:nvPr>
         </p:nvSpPr>
-        <p:spPr/>
+        <p:spPr>
+          <a:xfrm>
+            <a:off x="533400" y="2819400"/>
+            <a:ext cx="8229600" cy="1143000"/>
+          </a:xfrm>
+        </p:spPr>
         <p:txBody>
           <a:bodyPr>
             <a:normAutofit/>
@@ -5675,28 +5780,6 @@
               <a:t>Det funket jo fint på Mac’en</a:t>
             </a:r>
             <a:endParaRPr lang="en-US" dirty="0"/>
-          </a:p>
-        </p:txBody>
-      </p:sp>
-      <p:sp>
-        <p:nvSpPr>
-          <p:cNvPr id="3" name="Content Placeholder 2"/>
-          <p:cNvSpPr>
-            <a:spLocks noGrp="1"/>
-          </p:cNvSpPr>
-          <p:nvPr>
-            <p:ph idx="1"/>
-          </p:nvPr>
-        </p:nvSpPr>
-        <p:spPr/>
-        <p:txBody>
-          <a:bodyPr/>
-          <a:lstStyle/>
-          <a:p>
-            <a:pPr>
-              <a:buNone/>
-            </a:pPr>
-            <a:endParaRPr lang="nb-NO" dirty="0" smtClean="0"/>
           </a:p>
         </p:txBody>
       </p:sp>
@@ -6128,7 +6211,7 @@
           <a:p>
             <a:r>
               <a:rPr lang="nb-NO" dirty="0" smtClean="0"/>
-              <a:t>Implementer...</a:t>
+              <a:t>Løs det!</a:t>
             </a:r>
             <a:endParaRPr lang="en-US" dirty="0"/>
           </a:p>
@@ -6243,7 +6326,11 @@
           <a:p>
             <a:r>
               <a:rPr lang="nb-NO" dirty="0" smtClean="0"/>
-              <a:t>Fordeler ved å</a:t>
+              <a:t>Noen fordeler </a:t>
+            </a:r>
+            <a:r>
+              <a:rPr lang="nb-NO" dirty="0" smtClean="0"/>
+              <a:t>ved å</a:t>
             </a:r>
             <a:r>
               <a:rPr lang="nb-NO" baseline="0" dirty="0" smtClean="0"/>
@@ -6372,6 +6459,70 @@
           </a:p>
         </p:txBody>
       </p:sp>
+      <p:pic>
+        <p:nvPicPr>
+          <p:cNvPr id="2050" name="Picture 2"/>
+          <p:cNvPicPr>
+            <a:picLocks noChangeAspect="1" noChangeArrowheads="1"/>
+          </p:cNvPicPr>
+          <p:nvPr/>
+        </p:nvPicPr>
+        <p:blipFill>
+          <a:blip r:embed="rId3">
+            <a:extLst>
+              <a:ext uri="{28A0092B-C50C-407E-A947-70E740481C1C}">
+                <a14:useLocalDpi xmlns:a14="http://schemas.microsoft.com/office/drawing/2010/main" val="0"/>
+              </a:ext>
+            </a:extLst>
+          </a:blip>
+          <a:srcRect/>
+          <a:stretch>
+            <a:fillRect/>
+          </a:stretch>
+        </p:blipFill>
+        <p:spPr bwMode="auto">
+          <a:xfrm>
+            <a:off x="2500313" y="2133600"/>
+            <a:ext cx="4143375" cy="2590800"/>
+          </a:xfrm>
+          <a:prstGeom prst="rect">
+            <a:avLst/>
+          </a:prstGeom>
+          <a:noFill/>
+          <a:ln>
+            <a:noFill/>
+          </a:ln>
+          <a:effectLst/>
+          <a:extLst>
+            <a:ext uri="{909E8E84-426E-40DD-AFC4-6F175D3DCCD1}">
+              <a14:hiddenFill xmlns:a14="http://schemas.microsoft.com/office/drawing/2010/main">
+                <a:solidFill>
+                  <a:schemeClr val="accent1"/>
+                </a:solidFill>
+              </a14:hiddenFill>
+            </a:ext>
+            <a:ext uri="{91240B29-F687-4F45-9708-019B960494DF}">
+              <a14:hiddenLine xmlns:a14="http://schemas.microsoft.com/office/drawing/2010/main" w="9525">
+                <a:solidFill>
+                  <a:schemeClr val="tx1"/>
+                </a:solidFill>
+                <a:miter lim="800000"/>
+                <a:headEnd/>
+                <a:tailEnd/>
+              </a14:hiddenLine>
+            </a:ext>
+            <a:ext uri="{AF507438-7753-43E0-B8FC-AC1667EBCBE1}">
+              <a14:hiddenEffects xmlns:a14="http://schemas.microsoft.com/office/drawing/2010/main">
+                <a:effectLst>
+                  <a:outerShdw dist="35921" dir="2700000" algn="ctr" rotWithShape="0">
+                    <a:schemeClr val="bg2"/>
+                  </a:outerShdw>
+                </a:effectLst>
+              </a14:hiddenEffects>
+            </a:ext>
+          </a:extLst>
+        </p:spPr>
+      </p:pic>
     </p:spTree>
   </p:cSld>
   <p:clrMapOvr>
@@ -6442,10 +6593,202 @@
           <a:bodyPr/>
           <a:lstStyle/>
           <a:p>
-            <a:endParaRPr lang="en-US"/>
-          </a:p>
-        </p:txBody>
-      </p:sp>
+            <a:endParaRPr lang="en-US" dirty="0"/>
+          </a:p>
+        </p:txBody>
+      </p:sp>
+      <p:pic>
+        <p:nvPicPr>
+          <p:cNvPr id="3074" name="Picture 2"/>
+          <p:cNvPicPr>
+            <a:picLocks noChangeAspect="1" noChangeArrowheads="1"/>
+          </p:cNvPicPr>
+          <p:nvPr/>
+        </p:nvPicPr>
+        <p:blipFill>
+          <a:blip r:embed="rId3">
+            <a:extLst>
+              <a:ext uri="{28A0092B-C50C-407E-A947-70E740481C1C}">
+                <a14:useLocalDpi xmlns:a14="http://schemas.microsoft.com/office/drawing/2010/main" val="0"/>
+              </a:ext>
+            </a:extLst>
+          </a:blip>
+          <a:srcRect/>
+          <a:stretch>
+            <a:fillRect/>
+          </a:stretch>
+        </p:blipFill>
+        <p:spPr bwMode="auto">
+          <a:xfrm>
+            <a:off x="914400" y="2886075"/>
+            <a:ext cx="3038475" cy="1152525"/>
+          </a:xfrm>
+          <a:prstGeom prst="rect">
+            <a:avLst/>
+          </a:prstGeom>
+          <a:noFill/>
+          <a:ln>
+            <a:noFill/>
+          </a:ln>
+          <a:effectLst/>
+          <a:extLst>
+            <a:ext uri="{909E8E84-426E-40DD-AFC4-6F175D3DCCD1}">
+              <a14:hiddenFill xmlns:a14="http://schemas.microsoft.com/office/drawing/2010/main">
+                <a:solidFill>
+                  <a:schemeClr val="accent1"/>
+                </a:solidFill>
+              </a14:hiddenFill>
+            </a:ext>
+            <a:ext uri="{91240B29-F687-4F45-9708-019B960494DF}">
+              <a14:hiddenLine xmlns:a14="http://schemas.microsoft.com/office/drawing/2010/main" w="9525">
+                <a:solidFill>
+                  <a:schemeClr val="tx1"/>
+                </a:solidFill>
+                <a:miter lim="800000"/>
+                <a:headEnd/>
+                <a:tailEnd/>
+              </a14:hiddenLine>
+            </a:ext>
+            <a:ext uri="{AF507438-7753-43E0-B8FC-AC1667EBCBE1}">
+              <a14:hiddenEffects xmlns:a14="http://schemas.microsoft.com/office/drawing/2010/main">
+                <a:effectLst>
+                  <a:outerShdw dist="35921" dir="2700000" algn="ctr" rotWithShape="0">
+                    <a:schemeClr val="bg2"/>
+                  </a:outerShdw>
+                </a:effectLst>
+              </a14:hiddenEffects>
+            </a:ext>
+          </a:extLst>
+        </p:spPr>
+      </p:pic>
+      <p:pic>
+        <p:nvPicPr>
+          <p:cNvPr id="3075" name="Picture 3"/>
+          <p:cNvPicPr>
+            <a:picLocks noChangeAspect="1" noChangeArrowheads="1"/>
+          </p:cNvPicPr>
+          <p:nvPr/>
+        </p:nvPicPr>
+        <p:blipFill>
+          <a:blip r:embed="rId4">
+            <a:extLst>
+              <a:ext uri="{28A0092B-C50C-407E-A947-70E740481C1C}">
+                <a14:useLocalDpi xmlns:a14="http://schemas.microsoft.com/office/drawing/2010/main" val="0"/>
+              </a:ext>
+            </a:extLst>
+          </a:blip>
+          <a:srcRect/>
+          <a:stretch>
+            <a:fillRect/>
+          </a:stretch>
+        </p:blipFill>
+        <p:spPr bwMode="auto">
+          <a:xfrm>
+            <a:off x="4558665" y="1919287"/>
+            <a:ext cx="2076450" cy="447675"/>
+          </a:xfrm>
+          <a:prstGeom prst="rect">
+            <a:avLst/>
+          </a:prstGeom>
+          <a:noFill/>
+          <a:ln>
+            <a:noFill/>
+          </a:ln>
+          <a:effectLst/>
+          <a:extLst>
+            <a:ext uri="{909E8E84-426E-40DD-AFC4-6F175D3DCCD1}">
+              <a14:hiddenFill xmlns:a14="http://schemas.microsoft.com/office/drawing/2010/main">
+                <a:solidFill>
+                  <a:schemeClr val="accent1"/>
+                </a:solidFill>
+              </a14:hiddenFill>
+            </a:ext>
+            <a:ext uri="{91240B29-F687-4F45-9708-019B960494DF}">
+              <a14:hiddenLine xmlns:a14="http://schemas.microsoft.com/office/drawing/2010/main" w="9525">
+                <a:solidFill>
+                  <a:schemeClr val="tx1"/>
+                </a:solidFill>
+                <a:miter lim="800000"/>
+                <a:headEnd/>
+                <a:tailEnd/>
+              </a14:hiddenLine>
+            </a:ext>
+            <a:ext uri="{AF507438-7753-43E0-B8FC-AC1667EBCBE1}">
+              <a14:hiddenEffects xmlns:a14="http://schemas.microsoft.com/office/drawing/2010/main">
+                <a:effectLst>
+                  <a:outerShdw dist="35921" dir="2700000" algn="ctr" rotWithShape="0">
+                    <a:schemeClr val="bg2"/>
+                  </a:outerShdw>
+                </a:effectLst>
+              </a14:hiddenEffects>
+            </a:ext>
+          </a:extLst>
+        </p:spPr>
+      </p:pic>
+      <p:pic>
+        <p:nvPicPr>
+          <p:cNvPr id="3076" name="Picture 4"/>
+          <p:cNvPicPr>
+            <a:picLocks noChangeAspect="1" noChangeArrowheads="1"/>
+          </p:cNvPicPr>
+          <p:nvPr/>
+        </p:nvPicPr>
+        <p:blipFill>
+          <a:blip r:embed="rId5">
+            <a:extLst>
+              <a:ext uri="{28A0092B-C50C-407E-A947-70E740481C1C}">
+                <a14:useLocalDpi xmlns:a14="http://schemas.microsoft.com/office/drawing/2010/main" val="0"/>
+              </a:ext>
+            </a:extLst>
+          </a:blip>
+          <a:srcRect/>
+          <a:stretch>
+            <a:fillRect/>
+          </a:stretch>
+        </p:blipFill>
+        <p:spPr bwMode="auto">
+          <a:xfrm>
+            <a:off x="5181600" y="4038600"/>
+            <a:ext cx="2628900" cy="1743075"/>
+          </a:xfrm>
+          <a:prstGeom prst="rect">
+            <a:avLst/>
+          </a:prstGeom>
+          <a:noFill/>
+          <a:ln>
+            <a:noFill/>
+          </a:ln>
+          <a:effectLst/>
+          <a:extLst>
+            <a:ext uri="{909E8E84-426E-40DD-AFC4-6F175D3DCCD1}">
+              <a14:hiddenFill xmlns:a14="http://schemas.microsoft.com/office/drawing/2010/main">
+                <a:solidFill>
+                  <a:schemeClr val="accent1"/>
+                </a:solidFill>
+              </a14:hiddenFill>
+            </a:ext>
+            <a:ext uri="{91240B29-F687-4F45-9708-019B960494DF}">
+              <a14:hiddenLine xmlns:a14="http://schemas.microsoft.com/office/drawing/2010/main" w="9525">
+                <a:solidFill>
+                  <a:schemeClr val="tx1"/>
+                </a:solidFill>
+                <a:miter lim="800000"/>
+                <a:headEnd/>
+                <a:tailEnd/>
+              </a14:hiddenLine>
+            </a:ext>
+            <a:ext uri="{AF507438-7753-43E0-B8FC-AC1667EBCBE1}">
+              <a14:hiddenEffects xmlns:a14="http://schemas.microsoft.com/office/drawing/2010/main">
+                <a:effectLst>
+                  <a:outerShdw dist="35921" dir="2700000" algn="ctr" rotWithShape="0">
+                    <a:schemeClr val="bg2"/>
+                  </a:outerShdw>
+                </a:effectLst>
+              </a14:hiddenEffects>
+            </a:ext>
+          </a:extLst>
+        </p:spPr>
+      </p:pic>
     </p:spTree>
   </p:cSld>
   <p:clrMapOvr>
@@ -6499,7 +6842,23 @@
             </a:r>
             <a:r>
               <a:rPr lang="nb-NO" baseline="0" dirty="0" smtClean="0"/>
-              <a:t> du ta det i bruk?</a:t>
+              <a:t> du ta </a:t>
+            </a:r>
+            <a:r>
+              <a:rPr lang="nb-NO" baseline="0" dirty="0" smtClean="0"/>
+              <a:t>ca</a:t>
+            </a:r>
+            <a:r>
+              <a:rPr lang="nb-NO" dirty="0" smtClean="0"/>
+              <a:t>mel </a:t>
+            </a:r>
+            <a:r>
+              <a:rPr lang="nb-NO" baseline="0" dirty="0" smtClean="0"/>
+              <a:t>i </a:t>
+            </a:r>
+            <a:r>
+              <a:rPr lang="nb-NO" baseline="0" dirty="0" smtClean="0"/>
+              <a:t>bruk?</a:t>
             </a:r>
             <a:endParaRPr lang="en-US" dirty="0"/>
           </a:p>
@@ -6581,6 +6940,10 @@
               <a:t>Litt </a:t>
             </a:r>
             <a:r>
+              <a:rPr lang="nb-NO" dirty="0" smtClean="0"/>
+              <a:t>om vår </a:t>
+            </a:r>
+            <a:r>
               <a:rPr lang="nb-NO" baseline="0" dirty="0" smtClean="0"/>
               <a:t>bakgrunn</a:t>
             </a:r>
@@ -6644,7 +7007,11 @@
           <a:p>
             <a:r>
               <a:rPr lang="nb-NO" dirty="0" smtClean="0"/>
-              <a:t>Motivasjon med å snakke om camel</a:t>
+              <a:t>Vår motivasjon til </a:t>
+            </a:r>
+            <a:r>
+              <a:rPr lang="nb-NO" dirty="0" smtClean="0"/>
+              <a:t>å snakke om camel</a:t>
             </a:r>
             <a:endParaRPr lang="en-US" dirty="0"/>
           </a:p>
@@ -7009,7 +7376,7 @@
           <a:p>
             <a:r>
               <a:rPr lang="nb-NO" dirty="0" smtClean="0"/>
-              <a:t>Kravene</a:t>
+              <a:t>Krav</a:t>
             </a:r>
             <a:endParaRPr lang="en-US" dirty="0"/>
           </a:p>

--- a/camel-spotting.pptx
+++ b/camel-spotting.pptx
@@ -5,7 +5,7 @@
     <p:sldMasterId id="2147483648" r:id="rId1"/>
   </p:sldMasterIdLst>
   <p:notesMasterIdLst>
-    <p:notesMasterId r:id="rId28"/>
+    <p:notesMasterId r:id="rId30"/>
   </p:notesMasterIdLst>
   <p:sldIdLst>
     <p:sldId id="256" r:id="rId2"/>
@@ -32,8 +32,10 @@
     <p:sldId id="268" r:id="rId23"/>
     <p:sldId id="269" r:id="rId24"/>
     <p:sldId id="270" r:id="rId25"/>
-    <p:sldId id="271" r:id="rId26"/>
-    <p:sldId id="272" r:id="rId27"/>
+    <p:sldId id="283" r:id="rId26"/>
+    <p:sldId id="284" r:id="rId27"/>
+    <p:sldId id="271" r:id="rId28"/>
+    <p:sldId id="272" r:id="rId29"/>
   </p:sldIdLst>
   <p:sldSz cx="9144000" cy="6858000" type="screen4x3"/>
   <p:notesSz cx="6858000" cy="9144000"/>
@@ -218,7 +220,7 @@
             <a:fld id="{B4D058B2-A8E2-4AEA-943B-63C0A4F38EB8}" type="datetimeFigureOut">
               <a:rPr lang="en-US" smtClean="0"/>
               <a:pPr/>
-              <a:t>8/28/2011</a:t>
+              <a:t>8/29/2011</a:t>
             </a:fld>
             <a:endParaRPr lang="en-US"/>
           </a:p>
@@ -389,7 +391,7 @@
     </p:spTree>
     <p:extLst>
       <p:ext uri="{BB962C8B-B14F-4D97-AF65-F5344CB8AC3E}">
-        <p14:creationId xmlns:p14="http://schemas.microsoft.com/office/powerpoint/2010/main" xmlns="" val="1210390602"/>
+        <p14:creationId xmlns="" xmlns:p14="http://schemas.microsoft.com/office/powerpoint/2010/main" val="1210390602"/>
       </p:ext>
     </p:extLst>
   </p:cSld>
@@ -717,11 +719,7 @@
             </a:r>
             <a:r>
               <a:rPr lang="nb-NO" baseline="0" dirty="0" smtClean="0"/>
-              <a:t> og lang rute i stedet for en enkelt service som opererer direkte mot database</a:t>
-            </a:r>
-            <a:r>
-              <a:rPr lang="nb-NO" baseline="0" dirty="0" smtClean="0"/>
-              <a:t>?</a:t>
+              <a:t> og lang rute i stedet for en enkelt service som opererer direkte mot database?</a:t>
             </a:r>
           </a:p>
           <a:p>
@@ -840,7 +838,7 @@
             <a:fld id="{C88AA438-770E-4DA9-BDFF-D4D28C8669B8}" type="slidenum">
               <a:rPr lang="en-US" smtClean="0"/>
               <a:pPr/>
-              <a:t>25</a:t>
+              <a:t>27</a:t>
             </a:fld>
             <a:endParaRPr lang="en-US"/>
           </a:p>
@@ -947,7 +945,7 @@
             <a:fld id="{C88AA438-770E-4DA9-BDFF-D4D28C8669B8}" type="slidenum">
               <a:rPr lang="en-US" smtClean="0"/>
               <a:pPr/>
-              <a:t>26</a:t>
+              <a:t>28</a:t>
             </a:fld>
             <a:endParaRPr lang="en-US"/>
           </a:p>
@@ -1886,7 +1884,7 @@
             <a:fld id="{1D8BD707-D9CF-40AE-B4C6-C98DA3205C09}" type="datetimeFigureOut">
               <a:rPr lang="en-US" smtClean="0"/>
               <a:pPr/>
-              <a:t>8/28/2011</a:t>
+              <a:t>8/29/2011</a:t>
             </a:fld>
             <a:endParaRPr lang="en-US"/>
           </a:p>
@@ -2053,7 +2051,7 @@
             <a:fld id="{1D8BD707-D9CF-40AE-B4C6-C98DA3205C09}" type="datetimeFigureOut">
               <a:rPr lang="en-US" smtClean="0"/>
               <a:pPr/>
-              <a:t>8/28/2011</a:t>
+              <a:t>8/29/2011</a:t>
             </a:fld>
             <a:endParaRPr lang="en-US"/>
           </a:p>
@@ -2230,7 +2228,7 @@
             <a:fld id="{1D8BD707-D9CF-40AE-B4C6-C98DA3205C09}" type="datetimeFigureOut">
               <a:rPr lang="en-US" smtClean="0"/>
               <a:pPr/>
-              <a:t>8/28/2011</a:t>
+              <a:t>8/29/2011</a:t>
             </a:fld>
             <a:endParaRPr lang="en-US"/>
           </a:p>
@@ -2397,7 +2395,7 @@
             <a:fld id="{1D8BD707-D9CF-40AE-B4C6-C98DA3205C09}" type="datetimeFigureOut">
               <a:rPr lang="en-US" smtClean="0"/>
               <a:pPr/>
-              <a:t>8/28/2011</a:t>
+              <a:t>8/29/2011</a:t>
             </a:fld>
             <a:endParaRPr lang="en-US"/>
           </a:p>
@@ -2640,7 +2638,7 @@
             <a:fld id="{1D8BD707-D9CF-40AE-B4C6-C98DA3205C09}" type="datetimeFigureOut">
               <a:rPr lang="en-US" smtClean="0"/>
               <a:pPr/>
-              <a:t>8/28/2011</a:t>
+              <a:t>8/29/2011</a:t>
             </a:fld>
             <a:endParaRPr lang="en-US"/>
           </a:p>
@@ -2925,7 +2923,7 @@
             <a:fld id="{1D8BD707-D9CF-40AE-B4C6-C98DA3205C09}" type="datetimeFigureOut">
               <a:rPr lang="en-US" smtClean="0"/>
               <a:pPr/>
-              <a:t>8/28/2011</a:t>
+              <a:t>8/29/2011</a:t>
             </a:fld>
             <a:endParaRPr lang="en-US"/>
           </a:p>
@@ -3344,7 +3342,7 @@
             <a:fld id="{1D8BD707-D9CF-40AE-B4C6-C98DA3205C09}" type="datetimeFigureOut">
               <a:rPr lang="en-US" smtClean="0"/>
               <a:pPr/>
-              <a:t>8/28/2011</a:t>
+              <a:t>8/29/2011</a:t>
             </a:fld>
             <a:endParaRPr lang="en-US"/>
           </a:p>
@@ -3459,7 +3457,7 @@
             <a:fld id="{1D8BD707-D9CF-40AE-B4C6-C98DA3205C09}" type="datetimeFigureOut">
               <a:rPr lang="en-US" smtClean="0"/>
               <a:pPr/>
-              <a:t>8/28/2011</a:t>
+              <a:t>8/29/2011</a:t>
             </a:fld>
             <a:endParaRPr lang="en-US"/>
           </a:p>
@@ -3551,7 +3549,7 @@
             <a:fld id="{1D8BD707-D9CF-40AE-B4C6-C98DA3205C09}" type="datetimeFigureOut">
               <a:rPr lang="en-US" smtClean="0"/>
               <a:pPr/>
-              <a:t>8/28/2011</a:t>
+              <a:t>8/29/2011</a:t>
             </a:fld>
             <a:endParaRPr lang="en-US"/>
           </a:p>
@@ -3825,7 +3823,7 @@
             <a:fld id="{1D8BD707-D9CF-40AE-B4C6-C98DA3205C09}" type="datetimeFigureOut">
               <a:rPr lang="en-US" smtClean="0"/>
               <a:pPr/>
-              <a:t>8/28/2011</a:t>
+              <a:t>8/29/2011</a:t>
             </a:fld>
             <a:endParaRPr lang="en-US"/>
           </a:p>
@@ -4075,7 +4073,7 @@
             <a:fld id="{1D8BD707-D9CF-40AE-B4C6-C98DA3205C09}" type="datetimeFigureOut">
               <a:rPr lang="en-US" smtClean="0"/>
               <a:pPr/>
-              <a:t>8/28/2011</a:t>
+              <a:t>8/29/2011</a:t>
             </a:fld>
             <a:endParaRPr lang="en-US"/>
           </a:p>
@@ -4285,7 +4283,7 @@
             <a:fld id="{1D8BD707-D9CF-40AE-B4C6-C98DA3205C09}" type="datetimeFigureOut">
               <a:rPr lang="en-US" smtClean="0"/>
               <a:pPr/>
-              <a:t>8/28/2011</a:t>
+              <a:t>8/29/2011</a:t>
             </a:fld>
             <a:endParaRPr lang="en-US"/>
           </a:p>
@@ -4691,7 +4689,7 @@
           <a:blip r:embed="rId2" cstate="print">
             <a:extLst>
               <a:ext uri="{28A0092B-C50C-407E-A947-70E740481C1C}">
-                <a14:useLocalDpi xmlns:a14="http://schemas.microsoft.com/office/drawing/2010/main" xmlns="" val="0"/>
+                <a14:useLocalDpi xmlns="" xmlns:a14="http://schemas.microsoft.com/office/drawing/2010/main" val="0"/>
               </a:ext>
             </a:extLst>
           </a:blip>
@@ -4715,14 +4713,14 @@
           <a:effectLst/>
           <a:extLst>
             <a:ext uri="{909E8E84-426E-40DD-AFC4-6F175D3DCCD1}">
-              <a14:hiddenFill xmlns:a14="http://schemas.microsoft.com/office/drawing/2010/main" xmlns="">
+              <a14:hiddenFill xmlns="" xmlns:a14="http://schemas.microsoft.com/office/drawing/2010/main">
                 <a:solidFill>
                   <a:schemeClr val="accent1"/>
                 </a:solidFill>
               </a14:hiddenFill>
             </a:ext>
             <a:ext uri="{91240B29-F687-4F45-9708-019B960494DF}">
-              <a14:hiddenLine xmlns:a14="http://schemas.microsoft.com/office/drawing/2010/main" xmlns="" w="9525">
+              <a14:hiddenLine xmlns="" xmlns:a14="http://schemas.microsoft.com/office/drawing/2010/main" w="9525">
                 <a:solidFill>
                   <a:schemeClr val="tx1"/>
                 </a:solidFill>
@@ -4732,7 +4730,7 @@
               </a14:hiddenLine>
             </a:ext>
             <a:ext uri="{AF507438-7753-43E0-B8FC-AC1667EBCBE1}">
-              <a14:hiddenEffects xmlns:a14="http://schemas.microsoft.com/office/drawing/2010/main" xmlns="">
+              <a14:hiddenEffects xmlns="" xmlns:a14="http://schemas.microsoft.com/office/drawing/2010/main">
                 <a:effectLst>
                   <a:outerShdw dist="35921" dir="2700000" algn="ctr" rotWithShape="0">
                     <a:schemeClr val="bg2"/>
@@ -6692,6 +6690,122 @@
           <a:chExt cx="0" cy="0"/>
         </a:xfrm>
       </p:grpSpPr>
+      <p:pic>
+        <p:nvPicPr>
+          <p:cNvPr id="1026" name="Picture 2"/>
+          <p:cNvPicPr>
+            <a:picLocks noChangeAspect="1" noChangeArrowheads="1"/>
+          </p:cNvPicPr>
+          <p:nvPr/>
+        </p:nvPicPr>
+        <p:blipFill>
+          <a:blip r:embed="rId2" cstate="print"/>
+          <a:srcRect/>
+          <a:stretch>
+            <a:fillRect/>
+          </a:stretch>
+        </p:blipFill>
+        <p:spPr bwMode="auto">
+          <a:xfrm>
+            <a:off x="1143000" y="762000"/>
+            <a:ext cx="6705600" cy="5029200"/>
+          </a:xfrm>
+          <a:prstGeom prst="rect">
+            <a:avLst/>
+          </a:prstGeom>
+          <a:noFill/>
+          <a:ln w="9525">
+            <a:noFill/>
+            <a:miter lim="800000"/>
+            <a:headEnd/>
+            <a:tailEnd/>
+          </a:ln>
+          <a:effectLst/>
+        </p:spPr>
+      </p:pic>
+    </p:spTree>
+  </p:cSld>
+  <p:clrMapOvr>
+    <a:masterClrMapping/>
+  </p:clrMapOvr>
+</p:sld>
+</file>
+
+<file path=ppt/slides/slide26.xml><?xml version="1.0" encoding="utf-8"?>
+<p:sld xmlns:a="http://schemas.openxmlformats.org/drawingml/2006/main" xmlns:r="http://schemas.openxmlformats.org/officeDocument/2006/relationships" xmlns:p="http://schemas.openxmlformats.org/presentationml/2006/main">
+  <p:cSld>
+    <p:spTree>
+      <p:nvGrpSpPr>
+        <p:cNvPr id="1" name=""/>
+        <p:cNvGrpSpPr/>
+        <p:nvPr/>
+      </p:nvGrpSpPr>
+      <p:grpSpPr>
+        <a:xfrm>
+          <a:off x="0" y="0"/>
+          <a:ext cx="0" cy="0"/>
+          <a:chOff x="0" y="0"/>
+          <a:chExt cx="0" cy="0"/>
+        </a:xfrm>
+      </p:grpSpPr>
+      <p:pic>
+        <p:nvPicPr>
+          <p:cNvPr id="2050" name="Picture 2"/>
+          <p:cNvPicPr>
+            <a:picLocks noChangeAspect="1" noChangeArrowheads="1"/>
+          </p:cNvPicPr>
+          <p:nvPr/>
+        </p:nvPicPr>
+        <p:blipFill>
+          <a:blip r:embed="rId2" cstate="print"/>
+          <a:srcRect/>
+          <a:stretch>
+            <a:fillRect/>
+          </a:stretch>
+        </p:blipFill>
+        <p:spPr bwMode="auto">
+          <a:xfrm>
+            <a:off x="1828800" y="228600"/>
+            <a:ext cx="4857750" cy="6477000"/>
+          </a:xfrm>
+          <a:prstGeom prst="rect">
+            <a:avLst/>
+          </a:prstGeom>
+          <a:noFill/>
+          <a:ln w="9525">
+            <a:noFill/>
+            <a:miter lim="800000"/>
+            <a:headEnd/>
+            <a:tailEnd/>
+          </a:ln>
+          <a:effectLst/>
+        </p:spPr>
+      </p:pic>
+    </p:spTree>
+  </p:cSld>
+  <p:clrMapOvr>
+    <a:masterClrMapping/>
+  </p:clrMapOvr>
+</p:sld>
+</file>
+
+<file path=ppt/slides/slide27.xml><?xml version="1.0" encoding="utf-8"?>
+<p:sld xmlns:a="http://schemas.openxmlformats.org/drawingml/2006/main" xmlns:r="http://schemas.openxmlformats.org/officeDocument/2006/relationships" xmlns:p="http://schemas.openxmlformats.org/presentationml/2006/main">
+  <p:cSld>
+    <p:spTree>
+      <p:nvGrpSpPr>
+        <p:cNvPr id="1" name=""/>
+        <p:cNvGrpSpPr/>
+        <p:nvPr/>
+      </p:nvGrpSpPr>
+      <p:grpSpPr>
+        <a:xfrm>
+          <a:off x="0" y="0"/>
+          <a:ext cx="0" cy="0"/>
+          <a:chOff x="0" y="0"/>
+          <a:chExt cx="0" cy="0"/>
+        </a:xfrm>
+      </p:grpSpPr>
       <p:sp>
         <p:nvSpPr>
           <p:cNvPr id="2" name="Title 1"/>
@@ -6746,7 +6860,7 @@
           <a:blip r:embed="rId3" cstate="print">
             <a:extLst>
               <a:ext uri="{28A0092B-C50C-407E-A947-70E740481C1C}">
-                <a14:useLocalDpi xmlns:a14="http://schemas.microsoft.com/office/drawing/2010/main" xmlns="" val="0"/>
+                <a14:useLocalDpi xmlns="" xmlns:a14="http://schemas.microsoft.com/office/drawing/2010/main" val="0"/>
               </a:ext>
             </a:extLst>
           </a:blip>
@@ -6770,14 +6884,14 @@
           <a:effectLst/>
           <a:extLst>
             <a:ext uri="{909E8E84-426E-40DD-AFC4-6F175D3DCCD1}">
-              <a14:hiddenFill xmlns:a14="http://schemas.microsoft.com/office/drawing/2010/main" xmlns="">
+              <a14:hiddenFill xmlns="" xmlns:a14="http://schemas.microsoft.com/office/drawing/2010/main">
                 <a:solidFill>
                   <a:schemeClr val="accent1"/>
                 </a:solidFill>
               </a14:hiddenFill>
             </a:ext>
             <a:ext uri="{91240B29-F687-4F45-9708-019B960494DF}">
-              <a14:hiddenLine xmlns:a14="http://schemas.microsoft.com/office/drawing/2010/main" xmlns="" w="9525">
+              <a14:hiddenLine xmlns="" xmlns:a14="http://schemas.microsoft.com/office/drawing/2010/main" w="9525">
                 <a:solidFill>
                   <a:schemeClr val="tx1"/>
                 </a:solidFill>
@@ -6787,7 +6901,7 @@
               </a14:hiddenLine>
             </a:ext>
             <a:ext uri="{AF507438-7753-43E0-B8FC-AC1667EBCBE1}">
-              <a14:hiddenEffects xmlns:a14="http://schemas.microsoft.com/office/drawing/2010/main" xmlns="">
+              <a14:hiddenEffects xmlns="" xmlns:a14="http://schemas.microsoft.com/office/drawing/2010/main">
                 <a:effectLst>
                   <a:outerShdw dist="35921" dir="2700000" algn="ctr" rotWithShape="0">
                     <a:schemeClr val="bg2"/>
@@ -6810,7 +6924,7 @@
           <a:blip r:embed="rId4" cstate="print">
             <a:extLst>
               <a:ext uri="{28A0092B-C50C-407E-A947-70E740481C1C}">
-                <a14:useLocalDpi xmlns:a14="http://schemas.microsoft.com/office/drawing/2010/main" xmlns="" val="0"/>
+                <a14:useLocalDpi xmlns="" xmlns:a14="http://schemas.microsoft.com/office/drawing/2010/main" val="0"/>
               </a:ext>
             </a:extLst>
           </a:blip>
@@ -6834,14 +6948,14 @@
           <a:effectLst/>
           <a:extLst>
             <a:ext uri="{909E8E84-426E-40DD-AFC4-6F175D3DCCD1}">
-              <a14:hiddenFill xmlns:a14="http://schemas.microsoft.com/office/drawing/2010/main" xmlns="">
+              <a14:hiddenFill xmlns="" xmlns:a14="http://schemas.microsoft.com/office/drawing/2010/main">
                 <a:solidFill>
                   <a:schemeClr val="accent1"/>
                 </a:solidFill>
               </a14:hiddenFill>
             </a:ext>
             <a:ext uri="{91240B29-F687-4F45-9708-019B960494DF}">
-              <a14:hiddenLine xmlns:a14="http://schemas.microsoft.com/office/drawing/2010/main" xmlns="" w="9525">
+              <a14:hiddenLine xmlns="" xmlns:a14="http://schemas.microsoft.com/office/drawing/2010/main" w="9525">
                 <a:solidFill>
                   <a:schemeClr val="tx1"/>
                 </a:solidFill>
@@ -6851,7 +6965,7 @@
               </a14:hiddenLine>
             </a:ext>
             <a:ext uri="{AF507438-7753-43E0-B8FC-AC1667EBCBE1}">
-              <a14:hiddenEffects xmlns:a14="http://schemas.microsoft.com/office/drawing/2010/main" xmlns="">
+              <a14:hiddenEffects xmlns="" xmlns:a14="http://schemas.microsoft.com/office/drawing/2010/main">
                 <a:effectLst>
                   <a:outerShdw dist="35921" dir="2700000" algn="ctr" rotWithShape="0">
                     <a:schemeClr val="bg2"/>
@@ -6874,7 +6988,7 @@
           <a:blip r:embed="rId5" cstate="print">
             <a:extLst>
               <a:ext uri="{28A0092B-C50C-407E-A947-70E740481C1C}">
-                <a14:useLocalDpi xmlns:a14="http://schemas.microsoft.com/office/drawing/2010/main" xmlns="" val="0"/>
+                <a14:useLocalDpi xmlns="" xmlns:a14="http://schemas.microsoft.com/office/drawing/2010/main" val="0"/>
               </a:ext>
             </a:extLst>
           </a:blip>
@@ -6898,14 +7012,14 @@
           <a:effectLst/>
           <a:extLst>
             <a:ext uri="{909E8E84-426E-40DD-AFC4-6F175D3DCCD1}">
-              <a14:hiddenFill xmlns:a14="http://schemas.microsoft.com/office/drawing/2010/main" xmlns="">
+              <a14:hiddenFill xmlns="" xmlns:a14="http://schemas.microsoft.com/office/drawing/2010/main">
                 <a:solidFill>
                   <a:schemeClr val="accent1"/>
                 </a:solidFill>
               </a14:hiddenFill>
             </a:ext>
             <a:ext uri="{91240B29-F687-4F45-9708-019B960494DF}">
-              <a14:hiddenLine xmlns:a14="http://schemas.microsoft.com/office/drawing/2010/main" xmlns="" w="9525">
+              <a14:hiddenLine xmlns="" xmlns:a14="http://schemas.microsoft.com/office/drawing/2010/main" w="9525">
                 <a:solidFill>
                   <a:schemeClr val="tx1"/>
                 </a:solidFill>
@@ -6915,7 +7029,7 @@
               </a14:hiddenLine>
             </a:ext>
             <a:ext uri="{AF507438-7753-43E0-B8FC-AC1667EBCBE1}">
-              <a14:hiddenEffects xmlns:a14="http://schemas.microsoft.com/office/drawing/2010/main" xmlns="">
+              <a14:hiddenEffects xmlns="" xmlns:a14="http://schemas.microsoft.com/office/drawing/2010/main">
                 <a:effectLst>
                   <a:outerShdw dist="35921" dir="2700000" algn="ctr" rotWithShape="0">
                     <a:schemeClr val="bg2"/>
@@ -6941,7 +7055,7 @@
 </p:sld>
 </file>
 
-<file path=ppt/slides/slide26.xml><?xml version="1.0" encoding="utf-8"?>
+<file path=ppt/slides/slide28.xml><?xml version="1.0" encoding="utf-8"?>
 <p:sld xmlns:a="http://schemas.openxmlformats.org/drawingml/2006/main" xmlns:r="http://schemas.openxmlformats.org/officeDocument/2006/relationships" xmlns:p="http://schemas.openxmlformats.org/presentationml/2006/main">
   <p:cSld>
     <p:spTree>
@@ -7786,15 +7900,7 @@
           <a:p>
             <a:r>
               <a:rPr lang="nb-NO" dirty="0" smtClean="0"/>
-              <a:t>Hva vi håper dere </a:t>
-            </a:r>
-            <a:r>
-              <a:rPr lang="nb-NO" dirty="0" smtClean="0"/>
-              <a:t>sitter igjen med </a:t>
-            </a:r>
-            <a:r>
-              <a:rPr lang="nb-NO" dirty="0" smtClean="0"/>
-              <a:t>etter dette foredraget?</a:t>
+              <a:t>Hva vi håper dere sitter igjen med etter dette foredraget?</a:t>
             </a:r>
             <a:endParaRPr lang="en-US" dirty="0"/>
           </a:p>

--- a/camel-spotting.pptx
+++ b/camel-spotting.pptx
@@ -5,37 +5,31 @@
     <p:sldMasterId id="2147483648" r:id="rId1"/>
   </p:sldMasterIdLst>
   <p:notesMasterIdLst>
-    <p:notesMasterId r:id="rId30"/>
+    <p:notesMasterId r:id="rId24"/>
   </p:notesMasterIdLst>
   <p:sldIdLst>
     <p:sldId id="256" r:id="rId2"/>
     <p:sldId id="257" r:id="rId3"/>
-    <p:sldId id="258" r:id="rId4"/>
-    <p:sldId id="282" r:id="rId5"/>
-    <p:sldId id="260" r:id="rId6"/>
-    <p:sldId id="259" r:id="rId7"/>
-    <p:sldId id="261" r:id="rId8"/>
-    <p:sldId id="262" r:id="rId9"/>
-    <p:sldId id="263" r:id="rId10"/>
-    <p:sldId id="264" r:id="rId11"/>
-    <p:sldId id="280" r:id="rId12"/>
-    <p:sldId id="265" r:id="rId13"/>
-    <p:sldId id="278" r:id="rId14"/>
-    <p:sldId id="276" r:id="rId15"/>
-    <p:sldId id="275" r:id="rId16"/>
-    <p:sldId id="277" r:id="rId17"/>
-    <p:sldId id="279" r:id="rId18"/>
-    <p:sldId id="266" r:id="rId19"/>
-    <p:sldId id="281" r:id="rId20"/>
-    <p:sldId id="273" r:id="rId21"/>
-    <p:sldId id="267" r:id="rId22"/>
-    <p:sldId id="268" r:id="rId23"/>
-    <p:sldId id="269" r:id="rId24"/>
-    <p:sldId id="270" r:id="rId25"/>
-    <p:sldId id="283" r:id="rId26"/>
-    <p:sldId id="284" r:id="rId27"/>
-    <p:sldId id="271" r:id="rId28"/>
-    <p:sldId id="272" r:id="rId29"/>
+    <p:sldId id="262" r:id="rId4"/>
+    <p:sldId id="264" r:id="rId5"/>
+    <p:sldId id="280" r:id="rId6"/>
+    <p:sldId id="278" r:id="rId7"/>
+    <p:sldId id="273" r:id="rId8"/>
+    <p:sldId id="267" r:id="rId9"/>
+    <p:sldId id="269" r:id="rId10"/>
+    <p:sldId id="270" r:id="rId11"/>
+    <p:sldId id="283" r:id="rId12"/>
+    <p:sldId id="284" r:id="rId13"/>
+    <p:sldId id="271" r:id="rId14"/>
+    <p:sldId id="272" r:id="rId15"/>
+    <p:sldId id="285" r:id="rId16"/>
+    <p:sldId id="286" r:id="rId17"/>
+    <p:sldId id="287" r:id="rId18"/>
+    <p:sldId id="258" r:id="rId19"/>
+    <p:sldId id="282" r:id="rId20"/>
+    <p:sldId id="260" r:id="rId21"/>
+    <p:sldId id="259" r:id="rId22"/>
+    <p:sldId id="261" r:id="rId23"/>
   </p:sldIdLst>
   <p:sldSz cx="9144000" cy="6858000" type="screen4x3"/>
   <p:notesSz cx="6858000" cy="9144000"/>
@@ -43,94 +37,124 @@
     <a:defPPr>
       <a:defRPr lang="en-US"/>
     </a:defPPr>
-    <a:lvl1pPr marL="0" algn="l" defTabSz="914400" rtl="0" eaLnBrk="1" latinLnBrk="0" hangingPunct="1">
-      <a:defRPr sz="1800" kern="1200">
+    <a:lvl1pPr algn="l" rtl="0" fontAlgn="base">
+      <a:spcBef>
+        <a:spcPct val="0"/>
+      </a:spcBef>
+      <a:spcAft>
+        <a:spcPct val="0"/>
+      </a:spcAft>
+      <a:defRPr kern="1200">
         <a:solidFill>
           <a:schemeClr val="tx1"/>
         </a:solidFill>
-        <a:latin typeface="+mn-lt"/>
+        <a:latin typeface="Arial" pitchFamily="34" charset="0"/>
         <a:ea typeface="+mn-ea"/>
-        <a:cs typeface="+mn-cs"/>
+        <a:cs typeface="Arial" pitchFamily="34" charset="0"/>
       </a:defRPr>
     </a:lvl1pPr>
-    <a:lvl2pPr marL="457200" algn="l" defTabSz="914400" rtl="0" eaLnBrk="1" latinLnBrk="0" hangingPunct="1">
-      <a:defRPr sz="1800" kern="1200">
+    <a:lvl2pPr marL="457200" algn="l" rtl="0" fontAlgn="base">
+      <a:spcBef>
+        <a:spcPct val="0"/>
+      </a:spcBef>
+      <a:spcAft>
+        <a:spcPct val="0"/>
+      </a:spcAft>
+      <a:defRPr kern="1200">
         <a:solidFill>
           <a:schemeClr val="tx1"/>
         </a:solidFill>
-        <a:latin typeface="+mn-lt"/>
+        <a:latin typeface="Arial" pitchFamily="34" charset="0"/>
         <a:ea typeface="+mn-ea"/>
-        <a:cs typeface="+mn-cs"/>
+        <a:cs typeface="Arial" pitchFamily="34" charset="0"/>
       </a:defRPr>
     </a:lvl2pPr>
-    <a:lvl3pPr marL="914400" algn="l" defTabSz="914400" rtl="0" eaLnBrk="1" latinLnBrk="0" hangingPunct="1">
-      <a:defRPr sz="1800" kern="1200">
+    <a:lvl3pPr marL="914400" algn="l" rtl="0" fontAlgn="base">
+      <a:spcBef>
+        <a:spcPct val="0"/>
+      </a:spcBef>
+      <a:spcAft>
+        <a:spcPct val="0"/>
+      </a:spcAft>
+      <a:defRPr kern="1200">
         <a:solidFill>
           <a:schemeClr val="tx1"/>
         </a:solidFill>
-        <a:latin typeface="+mn-lt"/>
+        <a:latin typeface="Arial" pitchFamily="34" charset="0"/>
         <a:ea typeface="+mn-ea"/>
-        <a:cs typeface="+mn-cs"/>
+        <a:cs typeface="Arial" pitchFamily="34" charset="0"/>
       </a:defRPr>
     </a:lvl3pPr>
-    <a:lvl4pPr marL="1371600" algn="l" defTabSz="914400" rtl="0" eaLnBrk="1" latinLnBrk="0" hangingPunct="1">
-      <a:defRPr sz="1800" kern="1200">
+    <a:lvl4pPr marL="1371600" algn="l" rtl="0" fontAlgn="base">
+      <a:spcBef>
+        <a:spcPct val="0"/>
+      </a:spcBef>
+      <a:spcAft>
+        <a:spcPct val="0"/>
+      </a:spcAft>
+      <a:defRPr kern="1200">
         <a:solidFill>
           <a:schemeClr val="tx1"/>
         </a:solidFill>
-        <a:latin typeface="+mn-lt"/>
+        <a:latin typeface="Arial" pitchFamily="34" charset="0"/>
         <a:ea typeface="+mn-ea"/>
-        <a:cs typeface="+mn-cs"/>
+        <a:cs typeface="Arial" pitchFamily="34" charset="0"/>
       </a:defRPr>
     </a:lvl4pPr>
-    <a:lvl5pPr marL="1828800" algn="l" defTabSz="914400" rtl="0" eaLnBrk="1" latinLnBrk="0" hangingPunct="1">
-      <a:defRPr sz="1800" kern="1200">
+    <a:lvl5pPr marL="1828800" algn="l" rtl="0" fontAlgn="base">
+      <a:spcBef>
+        <a:spcPct val="0"/>
+      </a:spcBef>
+      <a:spcAft>
+        <a:spcPct val="0"/>
+      </a:spcAft>
+      <a:defRPr kern="1200">
         <a:solidFill>
           <a:schemeClr val="tx1"/>
         </a:solidFill>
-        <a:latin typeface="+mn-lt"/>
+        <a:latin typeface="Arial" pitchFamily="34" charset="0"/>
         <a:ea typeface="+mn-ea"/>
-        <a:cs typeface="+mn-cs"/>
+        <a:cs typeface="Arial" pitchFamily="34" charset="0"/>
       </a:defRPr>
     </a:lvl5pPr>
     <a:lvl6pPr marL="2286000" algn="l" defTabSz="914400" rtl="0" eaLnBrk="1" latinLnBrk="0" hangingPunct="1">
-      <a:defRPr sz="1800" kern="1200">
+      <a:defRPr kern="1200">
         <a:solidFill>
           <a:schemeClr val="tx1"/>
         </a:solidFill>
-        <a:latin typeface="+mn-lt"/>
+        <a:latin typeface="Arial" pitchFamily="34" charset="0"/>
         <a:ea typeface="+mn-ea"/>
-        <a:cs typeface="+mn-cs"/>
+        <a:cs typeface="Arial" pitchFamily="34" charset="0"/>
       </a:defRPr>
     </a:lvl6pPr>
     <a:lvl7pPr marL="2743200" algn="l" defTabSz="914400" rtl="0" eaLnBrk="1" latinLnBrk="0" hangingPunct="1">
-      <a:defRPr sz="1800" kern="1200">
+      <a:defRPr kern="1200">
         <a:solidFill>
           <a:schemeClr val="tx1"/>
         </a:solidFill>
-        <a:latin typeface="+mn-lt"/>
+        <a:latin typeface="Arial" pitchFamily="34" charset="0"/>
         <a:ea typeface="+mn-ea"/>
-        <a:cs typeface="+mn-cs"/>
+        <a:cs typeface="Arial" pitchFamily="34" charset="0"/>
       </a:defRPr>
     </a:lvl7pPr>
     <a:lvl8pPr marL="3200400" algn="l" defTabSz="914400" rtl="0" eaLnBrk="1" latinLnBrk="0" hangingPunct="1">
-      <a:defRPr sz="1800" kern="1200">
+      <a:defRPr kern="1200">
         <a:solidFill>
           <a:schemeClr val="tx1"/>
         </a:solidFill>
-        <a:latin typeface="+mn-lt"/>
+        <a:latin typeface="Arial" pitchFamily="34" charset="0"/>
         <a:ea typeface="+mn-ea"/>
-        <a:cs typeface="+mn-cs"/>
+        <a:cs typeface="Arial" pitchFamily="34" charset="0"/>
       </a:defRPr>
     </a:lvl8pPr>
     <a:lvl9pPr marL="3657600" algn="l" defTabSz="914400" rtl="0" eaLnBrk="1" latinLnBrk="0" hangingPunct="1">
-      <a:defRPr sz="1800" kern="1200">
+      <a:defRPr kern="1200">
         <a:solidFill>
           <a:schemeClr val="tx1"/>
         </a:solidFill>
-        <a:latin typeface="+mn-lt"/>
+        <a:latin typeface="Arial" pitchFamily="34" charset="0"/>
         <a:ea typeface="+mn-ea"/>
-        <a:cs typeface="+mn-cs"/>
+        <a:cs typeface="Arial" pitchFamily="34" charset="0"/>
       </a:defRPr>
     </a:lvl9pPr>
   </p:defaultTextStyle>
@@ -181,11 +205,23 @@
         <p:txBody>
           <a:bodyPr vert="horz" lIns="91440" tIns="45720" rIns="91440" bIns="45720" rtlCol="0"/>
           <a:lstStyle>
-            <a:lvl1pPr algn="l">
-              <a:defRPr sz="1200"/>
+            <a:lvl1pPr algn="l" fontAlgn="auto">
+              <a:spcBef>
+                <a:spcPts val="0"/>
+              </a:spcBef>
+              <a:spcAft>
+                <a:spcPts val="0"/>
+              </a:spcAft>
+              <a:defRPr sz="1200">
+                <a:latin typeface="+mn-lt"/>
+                <a:cs typeface="+mn-cs"/>
+              </a:defRPr>
             </a:lvl1pPr>
           </a:lstStyle>
           <a:p>
+            <a:pPr>
+              <a:defRPr/>
+            </a:pPr>
             <a:endParaRPr lang="en-US"/>
           </a:p>
         </p:txBody>
@@ -212,15 +248,29 @@
         <p:txBody>
           <a:bodyPr vert="horz" lIns="91440" tIns="45720" rIns="91440" bIns="45720" rtlCol="0"/>
           <a:lstStyle>
-            <a:lvl1pPr algn="r">
-              <a:defRPr sz="1200"/>
+            <a:lvl1pPr algn="r" fontAlgn="auto">
+              <a:spcBef>
+                <a:spcPts val="0"/>
+              </a:spcBef>
+              <a:spcAft>
+                <a:spcPts val="0"/>
+              </a:spcAft>
+              <a:defRPr sz="1200" smtClean="0">
+                <a:latin typeface="+mn-lt"/>
+                <a:cs typeface="+mn-cs"/>
+              </a:defRPr>
             </a:lvl1pPr>
           </a:lstStyle>
           <a:p>
-            <a:fld id="{B4D058B2-A8E2-4AEA-943B-63C0A4F38EB8}" type="datetimeFigureOut">
-              <a:rPr lang="en-US" smtClean="0"/>
-              <a:pPr/>
-              <a:t>8/29/2011</a:t>
+            <a:pPr>
+              <a:defRPr/>
+            </a:pPr>
+            <a:fld id="{AFD12369-B08A-4827-8E5F-C8A9E3349FDE}" type="datetimeFigureOut">
+              <a:rPr lang="en-US"/>
+              <a:pPr>
+                <a:defRPr/>
+              </a:pPr>
+              <a:t>8/31/2011</a:t>
             </a:fld>
             <a:endParaRPr lang="en-US"/>
           </a:p>
@@ -255,7 +305,8 @@
           <a:bodyPr vert="horz" lIns="91440" tIns="45720" rIns="91440" bIns="45720" rtlCol="0" anchor="ctr"/>
           <a:lstStyle/>
           <a:p>
-            <a:endParaRPr lang="en-US"/>
+            <a:pPr lvl="0"/>
+            <a:endParaRPr lang="en-US" noProof="0"/>
           </a:p>
         </p:txBody>
       </p:sp>
@@ -286,38 +337,38 @@
           <a:p>
             <a:pPr lvl="0"/>
             <a:r>
-              <a:rPr lang="en-US" smtClean="0"/>
+              <a:rPr lang="en-US" noProof="0" smtClean="0"/>
               <a:t>Click to edit Master text styles</a:t>
             </a:r>
           </a:p>
           <a:p>
             <a:pPr lvl="1"/>
             <a:r>
-              <a:rPr lang="en-US" smtClean="0"/>
+              <a:rPr lang="en-US" noProof="0" smtClean="0"/>
               <a:t>Second level</a:t>
             </a:r>
           </a:p>
           <a:p>
             <a:pPr lvl="2"/>
             <a:r>
-              <a:rPr lang="en-US" smtClean="0"/>
+              <a:rPr lang="en-US" noProof="0" smtClean="0"/>
               <a:t>Third level</a:t>
             </a:r>
           </a:p>
           <a:p>
             <a:pPr lvl="3"/>
             <a:r>
-              <a:rPr lang="en-US" smtClean="0"/>
+              <a:rPr lang="en-US" noProof="0" smtClean="0"/>
               <a:t>Fourth level</a:t>
             </a:r>
           </a:p>
           <a:p>
             <a:pPr lvl="4"/>
             <a:r>
-              <a:rPr lang="en-US" smtClean="0"/>
+              <a:rPr lang="en-US" noProof="0" smtClean="0"/>
               <a:t>Fifth level</a:t>
             </a:r>
-            <a:endParaRPr lang="en-US"/>
+            <a:endParaRPr lang="en-US" noProof="0"/>
           </a:p>
         </p:txBody>
       </p:sp>
@@ -343,11 +394,23 @@
         <p:txBody>
           <a:bodyPr vert="horz" lIns="91440" tIns="45720" rIns="91440" bIns="45720" rtlCol="0" anchor="b"/>
           <a:lstStyle>
-            <a:lvl1pPr algn="l">
-              <a:defRPr sz="1200"/>
+            <a:lvl1pPr algn="l" fontAlgn="auto">
+              <a:spcBef>
+                <a:spcPts val="0"/>
+              </a:spcBef>
+              <a:spcAft>
+                <a:spcPts val="0"/>
+              </a:spcAft>
+              <a:defRPr sz="1200">
+                <a:latin typeface="+mn-lt"/>
+                <a:cs typeface="+mn-cs"/>
+              </a:defRPr>
             </a:lvl1pPr>
           </a:lstStyle>
           <a:p>
+            <a:pPr>
+              <a:defRPr/>
+            </a:pPr>
             <a:endParaRPr lang="en-US"/>
           </a:p>
         </p:txBody>
@@ -374,14 +437,28 @@
         <p:txBody>
           <a:bodyPr vert="horz" lIns="91440" tIns="45720" rIns="91440" bIns="45720" rtlCol="0" anchor="b"/>
           <a:lstStyle>
-            <a:lvl1pPr algn="r">
-              <a:defRPr sz="1200"/>
+            <a:lvl1pPr algn="r" fontAlgn="auto">
+              <a:spcBef>
+                <a:spcPts val="0"/>
+              </a:spcBef>
+              <a:spcAft>
+                <a:spcPts val="0"/>
+              </a:spcAft>
+              <a:defRPr sz="1200" smtClean="0">
+                <a:latin typeface="+mn-lt"/>
+                <a:cs typeface="+mn-cs"/>
+              </a:defRPr>
             </a:lvl1pPr>
           </a:lstStyle>
           <a:p>
-            <a:fld id="{C88AA438-770E-4DA9-BDFF-D4D28C8669B8}" type="slidenum">
-              <a:rPr lang="en-US" smtClean="0"/>
-              <a:pPr/>
+            <a:pPr>
+              <a:defRPr/>
+            </a:pPr>
+            <a:fld id="{FF53409E-C348-4C3A-B1BE-0620CA10F15A}" type="slidenum">
+              <a:rPr lang="en-US"/>
+              <a:pPr>
+                <a:defRPr/>
+              </a:pPr>
               <a:t>‹#›</a:t>
             </a:fld>
             <a:endParaRPr lang="en-US"/>
@@ -389,15 +466,16 @@
         </p:txBody>
       </p:sp>
     </p:spTree>
-    <p:extLst>
-      <p:ext uri="{BB962C8B-B14F-4D97-AF65-F5344CB8AC3E}">
-        <p14:creationId xmlns="" xmlns:p14="http://schemas.microsoft.com/office/powerpoint/2010/main" val="1210390602"/>
-      </p:ext>
-    </p:extLst>
   </p:cSld>
   <p:clrMap bg1="lt1" tx1="dk1" bg2="lt2" tx2="dk2" accent1="accent1" accent2="accent2" accent3="accent3" accent4="accent4" accent5="accent5" accent6="accent6" hlink="hlink" folHlink="folHlink"/>
   <p:notesStyle>
-    <a:lvl1pPr marL="0" algn="l" defTabSz="914400" rtl="0" eaLnBrk="1" latinLnBrk="0" hangingPunct="1">
+    <a:lvl1pPr algn="l" rtl="0" fontAlgn="base">
+      <a:spcBef>
+        <a:spcPct val="30000"/>
+      </a:spcBef>
+      <a:spcAft>
+        <a:spcPct val="0"/>
+      </a:spcAft>
       <a:defRPr sz="1200" kern="1200">
         <a:solidFill>
           <a:schemeClr val="tx1"/>
@@ -407,7 +485,13 @@
         <a:cs typeface="+mn-cs"/>
       </a:defRPr>
     </a:lvl1pPr>
-    <a:lvl2pPr marL="457200" algn="l" defTabSz="914400" rtl="0" eaLnBrk="1" latinLnBrk="0" hangingPunct="1">
+    <a:lvl2pPr marL="457200" algn="l" rtl="0" fontAlgn="base">
+      <a:spcBef>
+        <a:spcPct val="30000"/>
+      </a:spcBef>
+      <a:spcAft>
+        <a:spcPct val="0"/>
+      </a:spcAft>
       <a:defRPr sz="1200" kern="1200">
         <a:solidFill>
           <a:schemeClr val="tx1"/>
@@ -417,7 +501,13 @@
         <a:cs typeface="+mn-cs"/>
       </a:defRPr>
     </a:lvl2pPr>
-    <a:lvl3pPr marL="914400" algn="l" defTabSz="914400" rtl="0" eaLnBrk="1" latinLnBrk="0" hangingPunct="1">
+    <a:lvl3pPr marL="914400" algn="l" rtl="0" fontAlgn="base">
+      <a:spcBef>
+        <a:spcPct val="30000"/>
+      </a:spcBef>
+      <a:spcAft>
+        <a:spcPct val="0"/>
+      </a:spcAft>
       <a:defRPr sz="1200" kern="1200">
         <a:solidFill>
           <a:schemeClr val="tx1"/>
@@ -427,7 +517,13 @@
         <a:cs typeface="+mn-cs"/>
       </a:defRPr>
     </a:lvl3pPr>
-    <a:lvl4pPr marL="1371600" algn="l" defTabSz="914400" rtl="0" eaLnBrk="1" latinLnBrk="0" hangingPunct="1">
+    <a:lvl4pPr marL="1371600" algn="l" rtl="0" fontAlgn="base">
+      <a:spcBef>
+        <a:spcPct val="30000"/>
+      </a:spcBef>
+      <a:spcAft>
+        <a:spcPct val="0"/>
+      </a:spcAft>
       <a:defRPr sz="1200" kern="1200">
         <a:solidFill>
           <a:schemeClr val="tx1"/>
@@ -437,7 +533,13 @@
         <a:cs typeface="+mn-cs"/>
       </a:defRPr>
     </a:lvl4pPr>
-    <a:lvl5pPr marL="1828800" algn="l" defTabSz="914400" rtl="0" eaLnBrk="1" latinLnBrk="0" hangingPunct="1">
+    <a:lvl5pPr marL="1828800" algn="l" rtl="0" fontAlgn="base">
+      <a:spcBef>
+        <a:spcPct val="30000"/>
+      </a:spcBef>
+      <a:spcAft>
+        <a:spcPct val="0"/>
+      </a:spcAft>
       <a:defRPr sz="1200" kern="1200">
         <a:solidFill>
           <a:schemeClr val="tx1"/>
@@ -510,19 +612,29 @@
       </p:grpSpPr>
       <p:sp>
         <p:nvSpPr>
-          <p:cNvPr id="2" name="Slide Image Placeholder 1"/>
-          <p:cNvSpPr>
-            <a:spLocks noGrp="1" noRot="1" noChangeAspect="1"/>
+          <p:cNvPr id="25602" name="Slide Image Placeholder 1"/>
+          <p:cNvSpPr>
+            <a:spLocks noGrp="1" noRot="1" noChangeAspect="1" noTextEdit="1"/>
           </p:cNvSpPr>
           <p:nvPr>
             <p:ph type="sldImg"/>
           </p:nvPr>
         </p:nvSpPr>
-        <p:spPr/>
-      </p:sp>
-      <p:sp>
-        <p:nvSpPr>
-          <p:cNvPr id="3" name="Notes Placeholder 2"/>
+        <p:spPr bwMode="auto">
+          <a:noFill/>
+          <a:ln>
+            <a:solidFill>
+              <a:srgbClr val="000000"/>
+            </a:solidFill>
+            <a:miter lim="800000"/>
+            <a:headEnd/>
+            <a:tailEnd/>
+          </a:ln>
+        </p:spPr>
+      </p:sp>
+      <p:sp>
+        <p:nvSpPr>
+          <p:cNvPr id="25603" name="Notes Placeholder 2"/>
           <p:cNvSpPr>
             <a:spLocks noGrp="1"/>
           </p:cNvSpPr>
@@ -530,43 +642,113 @@
             <p:ph type="body" idx="1"/>
           </p:nvPr>
         </p:nvSpPr>
-        <p:spPr/>
-        <p:txBody>
-          <a:bodyPr>
-            <a:normAutofit/>
+        <p:spPr bwMode="auto">
+          <a:noFill/>
+        </p:spPr>
+        <p:txBody>
+          <a:bodyPr wrap="square" numCol="1" anchor="t" anchorCtr="0" compatLnSpc="1">
+            <a:prstTxWarp prst="textNoShape">
+              <a:avLst/>
+            </a:prstTxWarp>
           </a:bodyPr>
           <a:lstStyle/>
           <a:p>
-            <a:r>
-              <a:rPr lang="nb-NO" dirty="0" smtClean="0"/>
-              <a:t>Hva har michael</a:t>
-            </a:r>
-            <a:r>
-              <a:rPr lang="nb-NO" baseline="0" dirty="0" smtClean="0"/>
-              <a:t> palin med camel spotting å gjøre?</a:t>
-            </a:r>
-            <a:endParaRPr lang="en-US" dirty="0"/>
-          </a:p>
-        </p:txBody>
-      </p:sp>
-      <p:sp>
-        <p:nvSpPr>
-          <p:cNvPr id="4" name="Slide Number Placeholder 3"/>
-          <p:cNvSpPr>
-            <a:spLocks noGrp="1"/>
-          </p:cNvSpPr>
-          <p:nvPr>
-            <p:ph type="sldNum" sz="quarter" idx="10"/>
-          </p:nvPr>
-        </p:nvSpPr>
-        <p:spPr/>
-        <p:txBody>
-          <a:bodyPr/>
+            <a:pPr>
+              <a:spcBef>
+                <a:spcPct val="0"/>
+              </a:spcBef>
+            </a:pPr>
+            <a:r>
+              <a:rPr lang="nb-NO" smtClean="0"/>
+              <a:t>Hva har kompisen til mikael palin med camel spotting å gjøre?</a:t>
+            </a:r>
+            <a:endParaRPr lang="en-US" smtClean="0"/>
+          </a:p>
+          <a:p>
+            <a:pPr>
+              <a:spcBef>
+                <a:spcPct val="0"/>
+              </a:spcBef>
+            </a:pPr>
+            <a:endParaRPr lang="nb-NO" smtClean="0"/>
+          </a:p>
+          <a:p>
+            <a:pPr>
+              <a:spcBef>
+                <a:spcPct val="0"/>
+              </a:spcBef>
+            </a:pPr>
+            <a:endParaRPr lang="nb-NO" smtClean="0"/>
+          </a:p>
+          <a:p>
+            <a:pPr>
+              <a:spcBef>
+                <a:spcPct val="0"/>
+              </a:spcBef>
+            </a:pPr>
+            <a:r>
+              <a:rPr lang="nb-NO" smtClean="0"/>
+              <a:t>Om oss:</a:t>
+            </a:r>
+          </a:p>
+          <a:p>
+            <a:pPr>
+              <a:spcBef>
+                <a:spcPct val="0"/>
+              </a:spcBef>
+            </a:pPr>
+            <a:r>
+              <a:rPr lang="nb-NO" smtClean="0"/>
+              <a:t>Vi er nok en bedrift som er litt mer opptatt av transaksjonell sikkerhet enn andre...</a:t>
+            </a:r>
+            <a:endParaRPr lang="en-US" smtClean="0"/>
+          </a:p>
+        </p:txBody>
+      </p:sp>
+      <p:sp>
+        <p:nvSpPr>
+          <p:cNvPr id="25604" name="Slide Number Placeholder 3"/>
+          <p:cNvSpPr>
+            <a:spLocks noGrp="1"/>
+          </p:cNvSpPr>
+          <p:nvPr>
+            <p:ph type="sldNum" sz="quarter" idx="5"/>
+          </p:nvPr>
+        </p:nvSpPr>
+        <p:spPr bwMode="auto">
+          <a:noFill/>
+          <a:ln>
+            <a:miter lim="800000"/>
+            <a:headEnd/>
+            <a:tailEnd/>
+          </a:ln>
+        </p:spPr>
+        <p:txBody>
+          <a:bodyPr wrap="square" numCol="1" anchorCtr="0" compatLnSpc="1">
+            <a:prstTxWarp prst="textNoShape">
+              <a:avLst/>
+            </a:prstTxWarp>
+          </a:bodyPr>
           <a:lstStyle/>
           <a:p>
-            <a:fld id="{C88AA438-770E-4DA9-BDFF-D4D28C8669B8}" type="slidenum">
-              <a:rPr lang="en-US" smtClean="0"/>
-              <a:pPr/>
+            <a:pPr fontAlgn="base">
+              <a:spcBef>
+                <a:spcPct val="0"/>
+              </a:spcBef>
+              <a:spcAft>
+                <a:spcPct val="0"/>
+              </a:spcAft>
+            </a:pPr>
+            <a:fld id="{02F0CB04-6E6D-4FEB-B98A-C4C2173AE593}" type="slidenum">
+              <a:rPr lang="en-US"/>
+              <a:pPr fontAlgn="base">
+                <a:spcBef>
+                  <a:spcPct val="0"/>
+                </a:spcBef>
+                <a:spcAft>
+                  <a:spcPct val="0"/>
+                </a:spcAft>
+              </a:pPr>
               <a:t>2</a:t>
             </a:fld>
             <a:endParaRPr lang="en-US"/>
@@ -600,19 +782,29 @@
       </p:grpSpPr>
       <p:sp>
         <p:nvSpPr>
-          <p:cNvPr id="2" name="Slide Image Placeholder 1"/>
-          <p:cNvSpPr>
-            <a:spLocks noGrp="1" noRot="1" noChangeAspect="1"/>
+          <p:cNvPr id="34818" name="Slide Image Placeholder 1"/>
+          <p:cNvSpPr>
+            <a:spLocks noGrp="1" noRot="1" noChangeAspect="1" noTextEdit="1"/>
           </p:cNvSpPr>
           <p:nvPr>
             <p:ph type="sldImg"/>
           </p:nvPr>
         </p:nvSpPr>
-        <p:spPr/>
-      </p:sp>
-      <p:sp>
-        <p:nvSpPr>
-          <p:cNvPr id="3" name="Notes Placeholder 2"/>
+        <p:spPr bwMode="auto">
+          <a:noFill/>
+          <a:ln>
+            <a:solidFill>
+              <a:srgbClr val="000000"/>
+            </a:solidFill>
+            <a:miter lim="800000"/>
+            <a:headEnd/>
+            <a:tailEnd/>
+          </a:ln>
+        </p:spPr>
+      </p:sp>
+      <p:sp>
+        <p:nvSpPr>
+          <p:cNvPr id="34819" name="Notes Placeholder 2"/>
           <p:cNvSpPr>
             <a:spLocks noGrp="1"/>
           </p:cNvSpPr>
@@ -620,40 +812,75 @@
             <p:ph type="body" idx="1"/>
           </p:nvPr>
         </p:nvSpPr>
-        <p:spPr/>
-        <p:txBody>
-          <a:bodyPr>
-            <a:normAutofit/>
+        <p:spPr bwMode="auto">
+          <a:noFill/>
+        </p:spPr>
+        <p:txBody>
+          <a:bodyPr wrap="square" numCol="1" anchor="t" anchorCtr="0" compatLnSpc="1">
+            <a:prstTxWarp prst="textNoShape">
+              <a:avLst/>
+            </a:prstTxWarp>
           </a:bodyPr>
           <a:lstStyle/>
           <a:p>
-            <a:r>
-              <a:rPr lang="nb-NO" dirty="0" smtClean="0"/>
-              <a:t>Felles begrepsapparat =&gt; felles design og arkitektur?</a:t>
-            </a:r>
-            <a:endParaRPr lang="en-US" dirty="0"/>
-          </a:p>
-        </p:txBody>
-      </p:sp>
-      <p:sp>
-        <p:nvSpPr>
-          <p:cNvPr id="4" name="Slide Number Placeholder 3"/>
-          <p:cNvSpPr>
-            <a:spLocks noGrp="1"/>
-          </p:cNvSpPr>
-          <p:nvPr>
-            <p:ph type="sldNum" sz="quarter" idx="10"/>
-          </p:nvPr>
-        </p:nvSpPr>
-        <p:spPr/>
-        <p:txBody>
-          <a:bodyPr/>
+            <a:pPr>
+              <a:spcBef>
+                <a:spcPct val="0"/>
+              </a:spcBef>
+            </a:pPr>
+            <a:r>
+              <a:rPr lang="nb-NO" smtClean="0"/>
+              <a:t>Aktivt community, satsing på lettvektsutvikling.. Mange store bpel orienterte rammeverk etc...</a:t>
+            </a:r>
+            <a:endParaRPr lang="en-US" smtClean="0"/>
+          </a:p>
+        </p:txBody>
+      </p:sp>
+      <p:sp>
+        <p:nvSpPr>
+          <p:cNvPr id="34820" name="Slide Number Placeholder 3"/>
+          <p:cNvSpPr>
+            <a:spLocks noGrp="1"/>
+          </p:cNvSpPr>
+          <p:nvPr>
+            <p:ph type="sldNum" sz="quarter" idx="5"/>
+          </p:nvPr>
+        </p:nvSpPr>
+        <p:spPr bwMode="auto">
+          <a:noFill/>
+          <a:ln>
+            <a:miter lim="800000"/>
+            <a:headEnd/>
+            <a:tailEnd/>
+          </a:ln>
+        </p:spPr>
+        <p:txBody>
+          <a:bodyPr wrap="square" numCol="1" anchorCtr="0" compatLnSpc="1">
+            <a:prstTxWarp prst="textNoShape">
+              <a:avLst/>
+            </a:prstTxWarp>
+          </a:bodyPr>
           <a:lstStyle/>
           <a:p>
-            <a:fld id="{C88AA438-770E-4DA9-BDFF-D4D28C8669B8}" type="slidenum">
-              <a:rPr lang="en-US" smtClean="0"/>
-              <a:pPr/>
-              <a:t>23</a:t>
+            <a:pPr fontAlgn="base">
+              <a:spcBef>
+                <a:spcPct val="0"/>
+              </a:spcBef>
+              <a:spcAft>
+                <a:spcPct val="0"/>
+              </a:spcAft>
+            </a:pPr>
+            <a:fld id="{50F2DEF0-BAE7-42EB-98A0-346D655F9FD4}" type="slidenum">
+              <a:rPr lang="en-US"/>
+              <a:pPr fontAlgn="base">
+                <a:spcBef>
+                  <a:spcPct val="0"/>
+                </a:spcBef>
+                <a:spcAft>
+                  <a:spcPct val="0"/>
+                </a:spcAft>
+              </a:pPr>
+              <a:t>20</a:t>
             </a:fld>
             <a:endParaRPr lang="en-US"/>
           </a:p>
@@ -686,19 +913,29 @@
       </p:grpSpPr>
       <p:sp>
         <p:nvSpPr>
-          <p:cNvPr id="2" name="Slide Image Placeholder 1"/>
-          <p:cNvSpPr>
-            <a:spLocks noGrp="1" noRot="1" noChangeAspect="1"/>
+          <p:cNvPr id="35842" name="Slide Image Placeholder 1"/>
+          <p:cNvSpPr>
+            <a:spLocks noGrp="1" noRot="1" noChangeAspect="1" noTextEdit="1"/>
           </p:cNvSpPr>
           <p:nvPr>
             <p:ph type="sldImg"/>
           </p:nvPr>
         </p:nvSpPr>
-        <p:spPr/>
-      </p:sp>
-      <p:sp>
-        <p:nvSpPr>
-          <p:cNvPr id="3" name="Notes Placeholder 2"/>
+        <p:spPr bwMode="auto">
+          <a:noFill/>
+          <a:ln>
+            <a:solidFill>
+              <a:srgbClr val="000000"/>
+            </a:solidFill>
+            <a:miter lim="800000"/>
+            <a:headEnd/>
+            <a:tailEnd/>
+          </a:ln>
+        </p:spPr>
+      </p:sp>
+      <p:sp>
+        <p:nvSpPr>
+          <p:cNvPr id="35843" name="Notes Placeholder 2"/>
           <p:cNvSpPr>
             <a:spLocks noGrp="1"/>
           </p:cNvSpPr>
@@ -706,246 +943,82 @@
             <p:ph type="body" idx="1"/>
           </p:nvPr>
         </p:nvSpPr>
-        <p:spPr/>
-        <p:txBody>
-          <a:bodyPr>
-            <a:normAutofit/>
+        <p:spPr bwMode="auto">
+          <a:noFill/>
+        </p:spPr>
+        <p:txBody>
+          <a:bodyPr wrap="square" numCol="1" anchor="t" anchorCtr="0" compatLnSpc="1">
+            <a:prstTxWarp prst="textNoShape">
+              <a:avLst/>
+            </a:prstTxWarp>
           </a:bodyPr>
           <a:lstStyle/>
           <a:p>
-            <a:r>
-              <a:rPr lang="nb-NO" dirty="0" smtClean="0"/>
-              <a:t>Overdrevet kompleks</a:t>
-            </a:r>
-            <a:r>
-              <a:rPr lang="nb-NO" baseline="0" dirty="0" smtClean="0"/>
-              <a:t> og lang rute i stedet for en enkelt service som opererer direkte mot database?</a:t>
-            </a:r>
-          </a:p>
-          <a:p>
-            <a:endParaRPr lang="nb-NO" baseline="0" dirty="0" smtClean="0"/>
-          </a:p>
-          <a:p>
-            <a:r>
-              <a:rPr lang="nb-NO" baseline="0" smtClean="0"/>
-              <a:t>Choice when mrf filter til å hente inn filer med et suffix i stedet for file.listfile(.txt)..</a:t>
-            </a:r>
-            <a:endParaRPr lang="en-US" dirty="0"/>
-          </a:p>
-        </p:txBody>
-      </p:sp>
-      <p:sp>
-        <p:nvSpPr>
-          <p:cNvPr id="4" name="Slide Number Placeholder 3"/>
-          <p:cNvSpPr>
-            <a:spLocks noGrp="1"/>
-          </p:cNvSpPr>
-          <p:nvPr>
-            <p:ph type="sldNum" sz="quarter" idx="10"/>
-          </p:nvPr>
-        </p:nvSpPr>
-        <p:spPr/>
-        <p:txBody>
-          <a:bodyPr/>
-          <a:lstStyle/>
-          <a:p>
-            <a:fld id="{C88AA438-770E-4DA9-BDFF-D4D28C8669B8}" type="slidenum">
-              <a:rPr lang="en-US" smtClean="0"/>
-              <a:pPr/>
-              <a:t>24</a:t>
-            </a:fld>
-            <a:endParaRPr lang="en-US"/>
-          </a:p>
-        </p:txBody>
-      </p:sp>
-    </p:spTree>
-  </p:cSld>
-  <p:clrMapOvr>
-    <a:masterClrMapping/>
-  </p:clrMapOvr>
-</p:notes>
-</file>
-
-<file path=ppt/notesSlides/notesSlide12.xml><?xml version="1.0" encoding="utf-8"?>
-<p:notes xmlns:a="http://schemas.openxmlformats.org/drawingml/2006/main" xmlns:r="http://schemas.openxmlformats.org/officeDocument/2006/relationships" xmlns:p="http://schemas.openxmlformats.org/presentationml/2006/main">
-  <p:cSld>
-    <p:spTree>
-      <p:nvGrpSpPr>
-        <p:cNvPr id="1" name=""/>
-        <p:cNvGrpSpPr/>
-        <p:nvPr/>
-      </p:nvGrpSpPr>
-      <p:grpSpPr>
-        <a:xfrm>
-          <a:off x="0" y="0"/>
-          <a:ext cx="0" cy="0"/>
-          <a:chOff x="0" y="0"/>
-          <a:chExt cx="0" cy="0"/>
-        </a:xfrm>
-      </p:grpSpPr>
-      <p:sp>
-        <p:nvSpPr>
-          <p:cNvPr id="2" name="Slide Image Placeholder 1"/>
-          <p:cNvSpPr>
-            <a:spLocks noGrp="1" noRot="1" noChangeAspect="1"/>
-          </p:cNvSpPr>
-          <p:nvPr>
-            <p:ph type="sldImg"/>
-          </p:nvPr>
-        </p:nvSpPr>
-        <p:spPr/>
-      </p:sp>
-      <p:sp>
-        <p:nvSpPr>
-          <p:cNvPr id="3" name="Notes Placeholder 2"/>
-          <p:cNvSpPr>
-            <a:spLocks noGrp="1"/>
-          </p:cNvSpPr>
-          <p:nvPr>
-            <p:ph type="body" idx="1"/>
-          </p:nvPr>
-        </p:nvSpPr>
-        <p:spPr/>
-        <p:txBody>
-          <a:bodyPr>
-            <a:normAutofit/>
+            <a:pPr>
+              <a:spcBef>
+                <a:spcPct val="0"/>
+              </a:spcBef>
+            </a:pPr>
+            <a:r>
+              <a:rPr lang="nb-NO" smtClean="0"/>
+              <a:t>Camel har utrolig mye kraft i lite og konsis kode. Alt blir veldig enkelt, men det er veldig lett å trå feil!</a:t>
+            </a:r>
+          </a:p>
+          <a:p>
+            <a:pPr>
+              <a:spcBef>
+                <a:spcPct val="0"/>
+              </a:spcBef>
+            </a:pPr>
+            <a:endParaRPr lang="en-US" smtClean="0"/>
+          </a:p>
+        </p:txBody>
+      </p:sp>
+      <p:sp>
+        <p:nvSpPr>
+          <p:cNvPr id="35844" name="Slide Number Placeholder 3"/>
+          <p:cNvSpPr>
+            <a:spLocks noGrp="1"/>
+          </p:cNvSpPr>
+          <p:nvPr>
+            <p:ph type="sldNum" sz="quarter" idx="5"/>
+          </p:nvPr>
+        </p:nvSpPr>
+        <p:spPr bwMode="auto">
+          <a:noFill/>
+          <a:ln>
+            <a:miter lim="800000"/>
+            <a:headEnd/>
+            <a:tailEnd/>
+          </a:ln>
+        </p:spPr>
+        <p:txBody>
+          <a:bodyPr wrap="square" numCol="1" anchorCtr="0" compatLnSpc="1">
+            <a:prstTxWarp prst="textNoShape">
+              <a:avLst/>
+            </a:prstTxWarp>
           </a:bodyPr>
           <a:lstStyle/>
           <a:p>
-            <a:r>
-              <a:rPr lang="nb-NO" dirty="0" smtClean="0"/>
-              <a:t>Spring integration, mule, roll your own?</a:t>
-            </a:r>
-            <a:endParaRPr lang="en-US" dirty="0"/>
-          </a:p>
-        </p:txBody>
-      </p:sp>
-      <p:sp>
-        <p:nvSpPr>
-          <p:cNvPr id="4" name="Slide Number Placeholder 3"/>
-          <p:cNvSpPr>
-            <a:spLocks noGrp="1"/>
-          </p:cNvSpPr>
-          <p:nvPr>
-            <p:ph type="sldNum" sz="quarter" idx="10"/>
-          </p:nvPr>
-        </p:nvSpPr>
-        <p:spPr/>
-        <p:txBody>
-          <a:bodyPr/>
-          <a:lstStyle/>
-          <a:p>
-            <a:fld id="{C88AA438-770E-4DA9-BDFF-D4D28C8669B8}" type="slidenum">
-              <a:rPr lang="en-US" smtClean="0"/>
-              <a:pPr/>
-              <a:t>27</a:t>
-            </a:fld>
-            <a:endParaRPr lang="en-US"/>
-          </a:p>
-        </p:txBody>
-      </p:sp>
-    </p:spTree>
-  </p:cSld>
-  <p:clrMapOvr>
-    <a:masterClrMapping/>
-  </p:clrMapOvr>
-</p:notes>
-</file>
-
-<file path=ppt/notesSlides/notesSlide13.xml><?xml version="1.0" encoding="utf-8"?>
-<p:notes xmlns:a="http://schemas.openxmlformats.org/drawingml/2006/main" xmlns:r="http://schemas.openxmlformats.org/officeDocument/2006/relationships" xmlns:p="http://schemas.openxmlformats.org/presentationml/2006/main">
-  <p:cSld>
-    <p:spTree>
-      <p:nvGrpSpPr>
-        <p:cNvPr id="1" name=""/>
-        <p:cNvGrpSpPr/>
-        <p:nvPr/>
-      </p:nvGrpSpPr>
-      <p:grpSpPr>
-        <a:xfrm>
-          <a:off x="0" y="0"/>
-          <a:ext cx="0" cy="0"/>
-          <a:chOff x="0" y="0"/>
-          <a:chExt cx="0" cy="0"/>
-        </a:xfrm>
-      </p:grpSpPr>
-      <p:sp>
-        <p:nvSpPr>
-          <p:cNvPr id="2" name="Slide Image Placeholder 1"/>
-          <p:cNvSpPr>
-            <a:spLocks noGrp="1" noRot="1" noChangeAspect="1"/>
-          </p:cNvSpPr>
-          <p:nvPr>
-            <p:ph type="sldImg"/>
-          </p:nvPr>
-        </p:nvSpPr>
-        <p:spPr/>
-      </p:sp>
-      <p:sp>
-        <p:nvSpPr>
-          <p:cNvPr id="3" name="Notes Placeholder 2"/>
-          <p:cNvSpPr>
-            <a:spLocks noGrp="1"/>
-          </p:cNvSpPr>
-          <p:nvPr>
-            <p:ph type="body" idx="1"/>
-          </p:nvPr>
-        </p:nvSpPr>
-        <p:spPr/>
-        <p:txBody>
-          <a:bodyPr>
-            <a:normAutofit/>
-          </a:bodyPr>
-          <a:lstStyle/>
-          <a:p>
-            <a:r>
-              <a:rPr lang="nb-NO" dirty="0" smtClean="0"/>
-              <a:t>Ja, hvorfor ikke? Du trenger ikke basere hele designet ditt på camel selv om du</a:t>
-            </a:r>
-            <a:r>
-              <a:rPr lang="nb-NO" baseline="0" dirty="0" smtClean="0"/>
-              <a:t> tar det i bruk.</a:t>
-            </a:r>
-            <a:endParaRPr lang="nb-NO" dirty="0" smtClean="0"/>
-          </a:p>
-          <a:p>
-            <a:r>
-              <a:rPr lang="nb-NO" dirty="0" smtClean="0"/>
-              <a:t>Særlig om du ikke har noe særlig eget allerede for integrasjon,</a:t>
-            </a:r>
-            <a:r>
-              <a:rPr lang="nb-NO" baseline="0" dirty="0" smtClean="0"/>
-              <a:t> og kanskje manglende erfaring med integrasjon?</a:t>
-            </a:r>
-          </a:p>
-          <a:p>
-            <a:r>
-              <a:rPr lang="nb-NO" baseline="0" dirty="0" smtClean="0"/>
-              <a:t>Men du må fortsatt forvente å bruke meste parten av tiden på å forstå hva som skjer inni camel, antagelig nok tid til at du godt kunne skrevet alt selv, men det hadde ikke blitt noe bedre!</a:t>
-            </a:r>
-            <a:endParaRPr lang="en-US" dirty="0"/>
-          </a:p>
-        </p:txBody>
-      </p:sp>
-      <p:sp>
-        <p:nvSpPr>
-          <p:cNvPr id="4" name="Slide Number Placeholder 3"/>
-          <p:cNvSpPr>
-            <a:spLocks noGrp="1"/>
-          </p:cNvSpPr>
-          <p:nvPr>
-            <p:ph type="sldNum" sz="quarter" idx="10"/>
-          </p:nvPr>
-        </p:nvSpPr>
-        <p:spPr/>
-        <p:txBody>
-          <a:bodyPr/>
-          <a:lstStyle/>
-          <a:p>
-            <a:fld id="{C88AA438-770E-4DA9-BDFF-D4D28C8669B8}" type="slidenum">
-              <a:rPr lang="en-US" smtClean="0"/>
-              <a:pPr/>
-              <a:t>28</a:t>
+            <a:pPr fontAlgn="base">
+              <a:spcBef>
+                <a:spcPct val="0"/>
+              </a:spcBef>
+              <a:spcAft>
+                <a:spcPct val="0"/>
+              </a:spcAft>
+            </a:pPr>
+            <a:fld id="{28E2C480-B8A3-4B5C-86A3-C969409CFDC0}" type="slidenum">
+              <a:rPr lang="en-US"/>
+              <a:pPr fontAlgn="base">
+                <a:spcBef>
+                  <a:spcPct val="0"/>
+                </a:spcBef>
+                <a:spcAft>
+                  <a:spcPct val="0"/>
+                </a:spcAft>
+              </a:pPr>
+              <a:t>21</a:t>
             </a:fld>
             <a:endParaRPr lang="en-US"/>
           </a:p>
@@ -978,19 +1051,29 @@
       </p:grpSpPr>
       <p:sp>
         <p:nvSpPr>
-          <p:cNvPr id="2" name="Slide Image Placeholder 1"/>
-          <p:cNvSpPr>
-            <a:spLocks noGrp="1" noRot="1" noChangeAspect="1"/>
+          <p:cNvPr id="26626" name="Slide Image Placeholder 1"/>
+          <p:cNvSpPr>
+            <a:spLocks noGrp="1" noRot="1" noChangeAspect="1" noTextEdit="1"/>
           </p:cNvSpPr>
           <p:nvPr>
             <p:ph type="sldImg"/>
           </p:nvPr>
         </p:nvSpPr>
-        <p:spPr/>
-      </p:sp>
-      <p:sp>
-        <p:nvSpPr>
-          <p:cNvPr id="3" name="Notes Placeholder 2"/>
+        <p:spPr bwMode="auto">
+          <a:noFill/>
+          <a:ln>
+            <a:solidFill>
+              <a:srgbClr val="000000"/>
+            </a:solidFill>
+            <a:miter lim="800000"/>
+            <a:headEnd/>
+            <a:tailEnd/>
+          </a:ln>
+        </p:spPr>
+      </p:sp>
+      <p:sp>
+        <p:nvSpPr>
+          <p:cNvPr id="26627" name="Notes Placeholder 2"/>
           <p:cNvSpPr>
             <a:spLocks noGrp="1"/>
           </p:cNvSpPr>
@@ -998,46 +1081,75 @@
             <p:ph type="body" idx="1"/>
           </p:nvPr>
         </p:nvSpPr>
-        <p:spPr/>
-        <p:txBody>
-          <a:bodyPr>
-            <a:normAutofit/>
+        <p:spPr bwMode="auto">
+          <a:noFill/>
+        </p:spPr>
+        <p:txBody>
+          <a:bodyPr wrap="square" numCol="1" anchor="t" anchorCtr="0" compatLnSpc="1">
+            <a:prstTxWarp prst="textNoShape">
+              <a:avLst/>
+            </a:prstTxWarp>
           </a:bodyPr>
           <a:lstStyle/>
           <a:p>
-            <a:r>
-              <a:rPr lang="nb-NO" dirty="0" smtClean="0"/>
-              <a:t>Mainframe</a:t>
-            </a:r>
-          </a:p>
-          <a:p>
-            <a:r>
-              <a:rPr lang="nb-NO" dirty="0" smtClean="0"/>
-              <a:t>Java – stay etc..</a:t>
-            </a:r>
-            <a:endParaRPr lang="en-US" dirty="0"/>
-          </a:p>
-        </p:txBody>
-      </p:sp>
-      <p:sp>
-        <p:nvSpPr>
-          <p:cNvPr id="4" name="Slide Number Placeholder 3"/>
-          <p:cNvSpPr>
-            <a:spLocks noGrp="1"/>
-          </p:cNvSpPr>
-          <p:nvPr>
-            <p:ph type="sldNum" sz="quarter" idx="10"/>
-          </p:nvPr>
-        </p:nvSpPr>
-        <p:spPr/>
-        <p:txBody>
-          <a:bodyPr/>
+            <a:pPr>
+              <a:spcBef>
+                <a:spcPct val="0"/>
+              </a:spcBef>
+            </a:pPr>
+            <a:r>
+              <a:rPr lang="nb-NO" smtClean="0"/>
+              <a:t>For mye tekst</a:t>
+            </a:r>
+            <a:endParaRPr lang="en-US" smtClean="0"/>
+          </a:p>
+        </p:txBody>
+      </p:sp>
+      <p:sp>
+        <p:nvSpPr>
+          <p:cNvPr id="26628" name="Slide Number Placeholder 3"/>
+          <p:cNvSpPr>
+            <a:spLocks noGrp="1"/>
+          </p:cNvSpPr>
+          <p:nvPr>
+            <p:ph type="sldNum" sz="quarter" idx="5"/>
+          </p:nvPr>
+        </p:nvSpPr>
+        <p:spPr bwMode="auto">
+          <a:noFill/>
+          <a:ln>
+            <a:miter lim="800000"/>
+            <a:headEnd/>
+            <a:tailEnd/>
+          </a:ln>
+        </p:spPr>
+        <p:txBody>
+          <a:bodyPr wrap="square" numCol="1" anchorCtr="0" compatLnSpc="1">
+            <a:prstTxWarp prst="textNoShape">
+              <a:avLst/>
+            </a:prstTxWarp>
+          </a:bodyPr>
           <a:lstStyle/>
           <a:p>
-            <a:fld id="{C88AA438-770E-4DA9-BDFF-D4D28C8669B8}" type="slidenum">
-              <a:rPr lang="en-US" smtClean="0"/>
-              <a:pPr/>
-              <a:t>3</a:t>
+            <a:pPr fontAlgn="base">
+              <a:spcBef>
+                <a:spcPct val="0"/>
+              </a:spcBef>
+              <a:spcAft>
+                <a:spcPct val="0"/>
+              </a:spcAft>
+            </a:pPr>
+            <a:fld id="{66F81DCF-263E-42C1-BB78-187353538B67}" type="slidenum">
+              <a:rPr lang="en-US"/>
+              <a:pPr fontAlgn="base">
+                <a:spcBef>
+                  <a:spcPct val="0"/>
+                </a:spcBef>
+                <a:spcAft>
+                  <a:spcPct val="0"/>
+                </a:spcAft>
+              </a:pPr>
+              <a:t>4</a:t>
             </a:fld>
             <a:endParaRPr lang="en-US"/>
           </a:p>
@@ -1070,19 +1182,29 @@
       </p:grpSpPr>
       <p:sp>
         <p:nvSpPr>
-          <p:cNvPr id="2" name="Slide Image Placeholder 1"/>
-          <p:cNvSpPr>
-            <a:spLocks noGrp="1" noRot="1" noChangeAspect="1"/>
+          <p:cNvPr id="27650" name="Slide Image Placeholder 1"/>
+          <p:cNvSpPr>
+            <a:spLocks noGrp="1" noRot="1" noChangeAspect="1" noTextEdit="1"/>
           </p:cNvSpPr>
           <p:nvPr>
             <p:ph type="sldImg"/>
           </p:nvPr>
         </p:nvSpPr>
-        <p:spPr/>
-      </p:sp>
-      <p:sp>
-        <p:nvSpPr>
-          <p:cNvPr id="3" name="Notes Placeholder 2"/>
+        <p:spPr bwMode="auto">
+          <a:noFill/>
+          <a:ln>
+            <a:solidFill>
+              <a:srgbClr val="000000"/>
+            </a:solidFill>
+            <a:miter lim="800000"/>
+            <a:headEnd/>
+            <a:tailEnd/>
+          </a:ln>
+        </p:spPr>
+      </p:sp>
+      <p:sp>
+        <p:nvSpPr>
+          <p:cNvPr id="27651" name="Notes Placeholder 2"/>
           <p:cNvSpPr>
             <a:spLocks noGrp="1"/>
           </p:cNvSpPr>
@@ -1090,43 +1212,82 @@
             <p:ph type="body" idx="1"/>
           </p:nvPr>
         </p:nvSpPr>
-        <p:spPr/>
-        <p:txBody>
-          <a:bodyPr>
-            <a:normAutofit/>
+        <p:spPr bwMode="auto">
+          <a:noFill/>
+        </p:spPr>
+        <p:txBody>
+          <a:bodyPr wrap="square" numCol="1" anchor="t" anchorCtr="0" compatLnSpc="1">
+            <a:prstTxWarp prst="textNoShape">
+              <a:avLst/>
+            </a:prstTxWarp>
           </a:bodyPr>
           <a:lstStyle/>
           <a:p>
-            <a:r>
-              <a:rPr lang="nb-NO" dirty="0" smtClean="0"/>
-              <a:t>Aktivt</a:t>
-            </a:r>
-            <a:r>
-              <a:rPr lang="nb-NO" baseline="0" dirty="0" smtClean="0"/>
-              <a:t> community, satsing på lettvektsutvikling.. Mange store bpel orienterte rammeverk etc...</a:t>
-            </a:r>
-            <a:endParaRPr lang="en-US" dirty="0"/>
-          </a:p>
-        </p:txBody>
-      </p:sp>
-      <p:sp>
-        <p:nvSpPr>
-          <p:cNvPr id="4" name="Slide Number Placeholder 3"/>
-          <p:cNvSpPr>
-            <a:spLocks noGrp="1"/>
-          </p:cNvSpPr>
-          <p:nvPr>
-            <p:ph type="sldNum" sz="quarter" idx="10"/>
-          </p:nvPr>
-        </p:nvSpPr>
-        <p:spPr/>
-        <p:txBody>
-          <a:bodyPr/>
+            <a:pPr>
+              <a:spcBef>
+                <a:spcPct val="0"/>
+              </a:spcBef>
+            </a:pPr>
+            <a:r>
+              <a:rPr lang="nb-NO" smtClean="0"/>
+              <a:t>For mye tekst</a:t>
+            </a:r>
+            <a:endParaRPr lang="en-US" smtClean="0"/>
+          </a:p>
+          <a:p>
+            <a:pPr>
+              <a:spcBef>
+                <a:spcPct val="0"/>
+              </a:spcBef>
+            </a:pPr>
+            <a:endParaRPr lang="en-US" smtClean="0"/>
+          </a:p>
+        </p:txBody>
+      </p:sp>
+      <p:sp>
+        <p:nvSpPr>
+          <p:cNvPr id="27652" name="Slide Number Placeholder 3"/>
+          <p:cNvSpPr>
+            <a:spLocks noGrp="1"/>
+          </p:cNvSpPr>
+          <p:nvPr>
+            <p:ph type="sldNum" sz="quarter" idx="5"/>
+          </p:nvPr>
+        </p:nvSpPr>
+        <p:spPr bwMode="auto">
+          <a:noFill/>
+          <a:ln>
+            <a:miter lim="800000"/>
+            <a:headEnd/>
+            <a:tailEnd/>
+          </a:ln>
+        </p:spPr>
+        <p:txBody>
+          <a:bodyPr wrap="square" numCol="1" anchorCtr="0" compatLnSpc="1">
+            <a:prstTxWarp prst="textNoShape">
+              <a:avLst/>
+            </a:prstTxWarp>
+          </a:bodyPr>
           <a:lstStyle/>
           <a:p>
-            <a:fld id="{C88AA438-770E-4DA9-BDFF-D4D28C8669B8}" type="slidenum">
-              <a:rPr lang="en-US" smtClean="0"/>
-              <a:pPr/>
+            <a:pPr fontAlgn="base">
+              <a:spcBef>
+                <a:spcPct val="0"/>
+              </a:spcBef>
+              <a:spcAft>
+                <a:spcPct val="0"/>
+              </a:spcAft>
+            </a:pPr>
+            <a:fld id="{B019181C-F302-44A4-95C3-9FC7CF63AA23}" type="slidenum">
+              <a:rPr lang="en-US"/>
+              <a:pPr fontAlgn="base">
+                <a:spcBef>
+                  <a:spcPct val="0"/>
+                </a:spcBef>
+                <a:spcAft>
+                  <a:spcPct val="0"/>
+                </a:spcAft>
+              </a:pPr>
               <a:t>5</a:t>
             </a:fld>
             <a:endParaRPr lang="en-US"/>
@@ -1160,19 +1321,29 @@
       </p:grpSpPr>
       <p:sp>
         <p:nvSpPr>
-          <p:cNvPr id="2" name="Slide Image Placeholder 1"/>
-          <p:cNvSpPr>
-            <a:spLocks noGrp="1" noRot="1" noChangeAspect="1"/>
+          <p:cNvPr id="28674" name="Slide Image Placeholder 1"/>
+          <p:cNvSpPr>
+            <a:spLocks noGrp="1" noRot="1" noChangeAspect="1" noTextEdit="1"/>
           </p:cNvSpPr>
           <p:nvPr>
             <p:ph type="sldImg"/>
           </p:nvPr>
         </p:nvSpPr>
-        <p:spPr/>
-      </p:sp>
-      <p:sp>
-        <p:nvSpPr>
-          <p:cNvPr id="3" name="Notes Placeholder 2"/>
+        <p:spPr bwMode="auto">
+          <a:noFill/>
+          <a:ln>
+            <a:solidFill>
+              <a:srgbClr val="000000"/>
+            </a:solidFill>
+            <a:miter lim="800000"/>
+            <a:headEnd/>
+            <a:tailEnd/>
+          </a:ln>
+        </p:spPr>
+      </p:sp>
+      <p:sp>
+        <p:nvSpPr>
+          <p:cNvPr id="28675" name="Notes Placeholder 2"/>
           <p:cNvSpPr>
             <a:spLocks noGrp="1"/>
           </p:cNvSpPr>
@@ -1180,45 +1351,82 @@
             <p:ph type="body" idx="1"/>
           </p:nvPr>
         </p:nvSpPr>
-        <p:spPr/>
-        <p:txBody>
-          <a:bodyPr>
-            <a:normAutofit/>
+        <p:spPr bwMode="auto">
+          <a:noFill/>
+        </p:spPr>
+        <p:txBody>
+          <a:bodyPr wrap="square" numCol="1" anchor="t" anchorCtr="0" compatLnSpc="1">
+            <a:prstTxWarp prst="textNoShape">
+              <a:avLst/>
+            </a:prstTxWarp>
           </a:bodyPr>
           <a:lstStyle/>
           <a:p>
-            <a:r>
-              <a:rPr lang="nb-NO" dirty="0" smtClean="0"/>
-              <a:t>Camel har utrolig mye kraft i lite og konsis</a:t>
-            </a:r>
-            <a:r>
-              <a:rPr lang="nb-NO" baseline="0" dirty="0" smtClean="0"/>
-              <a:t> kode. Alt blir veldig enkelt, men det er veldig lett å trå feil!</a:t>
-            </a:r>
-          </a:p>
-          <a:p>
-            <a:endParaRPr lang="en-US" dirty="0"/>
-          </a:p>
-        </p:txBody>
-      </p:sp>
-      <p:sp>
-        <p:nvSpPr>
-          <p:cNvPr id="4" name="Slide Number Placeholder 3"/>
-          <p:cNvSpPr>
-            <a:spLocks noGrp="1"/>
-          </p:cNvSpPr>
-          <p:nvPr>
-            <p:ph type="sldNum" sz="quarter" idx="10"/>
-          </p:nvPr>
-        </p:nvSpPr>
-        <p:spPr/>
-        <p:txBody>
-          <a:bodyPr/>
+            <a:pPr>
+              <a:spcBef>
+                <a:spcPct val="0"/>
+              </a:spcBef>
+            </a:pPr>
+            <a:r>
+              <a:rPr lang="nb-NO" smtClean="0"/>
+              <a:t>For mye tekst</a:t>
+            </a:r>
+            <a:endParaRPr lang="en-US" smtClean="0"/>
+          </a:p>
+          <a:p>
+            <a:pPr>
+              <a:spcBef>
+                <a:spcPct val="0"/>
+              </a:spcBef>
+            </a:pPr>
+            <a:endParaRPr lang="en-US" smtClean="0"/>
+          </a:p>
+        </p:txBody>
+      </p:sp>
+      <p:sp>
+        <p:nvSpPr>
+          <p:cNvPr id="28676" name="Slide Number Placeholder 3"/>
+          <p:cNvSpPr>
+            <a:spLocks noGrp="1"/>
+          </p:cNvSpPr>
+          <p:nvPr>
+            <p:ph type="sldNum" sz="quarter" idx="5"/>
+          </p:nvPr>
+        </p:nvSpPr>
+        <p:spPr bwMode="auto">
+          <a:noFill/>
+          <a:ln>
+            <a:miter lim="800000"/>
+            <a:headEnd/>
+            <a:tailEnd/>
+          </a:ln>
+        </p:spPr>
+        <p:txBody>
+          <a:bodyPr wrap="square" numCol="1" anchorCtr="0" compatLnSpc="1">
+            <a:prstTxWarp prst="textNoShape">
+              <a:avLst/>
+            </a:prstTxWarp>
+          </a:bodyPr>
           <a:lstStyle/>
           <a:p>
-            <a:fld id="{C88AA438-770E-4DA9-BDFF-D4D28C8669B8}" type="slidenum">
-              <a:rPr lang="en-US" smtClean="0"/>
-              <a:pPr/>
+            <a:pPr fontAlgn="base">
+              <a:spcBef>
+                <a:spcPct val="0"/>
+              </a:spcBef>
+              <a:spcAft>
+                <a:spcPct val="0"/>
+              </a:spcAft>
+            </a:pPr>
+            <a:fld id="{D0E3F8AB-7201-4851-9411-E31018DECB05}" type="slidenum">
+              <a:rPr lang="en-US"/>
+              <a:pPr fontAlgn="base">
+                <a:spcBef>
+                  <a:spcPct val="0"/>
+                </a:spcBef>
+                <a:spcAft>
+                  <a:spcPct val="0"/>
+                </a:spcAft>
+              </a:pPr>
               <a:t>6</a:t>
             </a:fld>
             <a:endParaRPr lang="en-US"/>
@@ -1252,19 +1460,29 @@
       </p:grpSpPr>
       <p:sp>
         <p:nvSpPr>
-          <p:cNvPr id="2" name="Slide Image Placeholder 1"/>
-          <p:cNvSpPr>
-            <a:spLocks noGrp="1" noRot="1" noChangeAspect="1"/>
+          <p:cNvPr id="29698" name="Slide Image Placeholder 1"/>
+          <p:cNvSpPr>
+            <a:spLocks noGrp="1" noRot="1" noChangeAspect="1" noTextEdit="1"/>
           </p:cNvSpPr>
           <p:nvPr>
             <p:ph type="sldImg"/>
           </p:nvPr>
         </p:nvSpPr>
-        <p:spPr/>
-      </p:sp>
-      <p:sp>
-        <p:nvSpPr>
-          <p:cNvPr id="3" name="Notes Placeholder 2"/>
+        <p:spPr bwMode="auto">
+          <a:noFill/>
+          <a:ln>
+            <a:solidFill>
+              <a:srgbClr val="000000"/>
+            </a:solidFill>
+            <a:miter lim="800000"/>
+            <a:headEnd/>
+            <a:tailEnd/>
+          </a:ln>
+        </p:spPr>
+      </p:sp>
+      <p:sp>
+        <p:nvSpPr>
+          <p:cNvPr id="29699" name="Notes Placeholder 2"/>
           <p:cNvSpPr>
             <a:spLocks noGrp="1"/>
           </p:cNvSpPr>
@@ -1272,43 +1490,74 @@
             <p:ph type="body" idx="1"/>
           </p:nvPr>
         </p:nvSpPr>
-        <p:spPr/>
-        <p:txBody>
-          <a:bodyPr>
-            <a:normAutofit/>
+        <p:spPr bwMode="auto">
+          <a:noFill/>
+        </p:spPr>
+        <p:txBody>
+          <a:bodyPr wrap="square" numCol="1" anchor="t" anchorCtr="0" compatLnSpc="1">
+            <a:prstTxWarp prst="textNoShape">
+              <a:avLst/>
+            </a:prstTxWarp>
           </a:bodyPr>
           <a:lstStyle/>
           <a:p>
-            <a:r>
-              <a:rPr lang="nb-NO" dirty="0" smtClean="0"/>
-              <a:t>Dette ser jo ut til å passe </a:t>
-            </a:r>
-            <a:r>
-              <a:rPr lang="nb-NO" baseline="0" dirty="0" smtClean="0"/>
-              <a:t>jævlig bra med det nye betalingssystemet vi skal lage.</a:t>
-            </a:r>
-            <a:endParaRPr lang="en-US" dirty="0"/>
-          </a:p>
-        </p:txBody>
-      </p:sp>
-      <p:sp>
-        <p:nvSpPr>
-          <p:cNvPr id="4" name="Slide Number Placeholder 3"/>
-          <p:cNvSpPr>
-            <a:spLocks noGrp="1"/>
-          </p:cNvSpPr>
-          <p:nvPr>
-            <p:ph type="sldNum" sz="quarter" idx="10"/>
-          </p:nvPr>
-        </p:nvSpPr>
-        <p:spPr/>
-        <p:txBody>
-          <a:bodyPr/>
+            <a:pPr>
+              <a:spcBef>
+                <a:spcPct val="0"/>
+              </a:spcBef>
+            </a:pPr>
+            <a:r>
+              <a:rPr lang="nb-NO" smtClean="0"/>
+              <a:t>Felles begrepsapparat =&gt; felles design og arkitektur?</a:t>
+            </a:r>
+            <a:endParaRPr lang="en-US" smtClean="0"/>
+          </a:p>
+        </p:txBody>
+      </p:sp>
+      <p:sp>
+        <p:nvSpPr>
+          <p:cNvPr id="29700" name="Slide Number Placeholder 3"/>
+          <p:cNvSpPr>
+            <a:spLocks noGrp="1"/>
+          </p:cNvSpPr>
+          <p:nvPr>
+            <p:ph type="sldNum" sz="quarter" idx="5"/>
+          </p:nvPr>
+        </p:nvSpPr>
+        <p:spPr bwMode="auto">
+          <a:noFill/>
+          <a:ln>
+            <a:miter lim="800000"/>
+            <a:headEnd/>
+            <a:tailEnd/>
+          </a:ln>
+        </p:spPr>
+        <p:txBody>
+          <a:bodyPr wrap="square" numCol="1" anchorCtr="0" compatLnSpc="1">
+            <a:prstTxWarp prst="textNoShape">
+              <a:avLst/>
+            </a:prstTxWarp>
+          </a:bodyPr>
           <a:lstStyle/>
           <a:p>
-            <a:fld id="{C88AA438-770E-4DA9-BDFF-D4D28C8669B8}" type="slidenum">
-              <a:rPr lang="en-US" smtClean="0"/>
-              <a:pPr/>
+            <a:pPr fontAlgn="base">
+              <a:spcBef>
+                <a:spcPct val="0"/>
+              </a:spcBef>
+              <a:spcAft>
+                <a:spcPct val="0"/>
+              </a:spcAft>
+            </a:pPr>
+            <a:fld id="{5C69E5E7-6E97-4517-97D7-B5273B3DB77B}" type="slidenum">
+              <a:rPr lang="en-US"/>
+              <a:pPr fontAlgn="base">
+                <a:spcBef>
+                  <a:spcPct val="0"/>
+                </a:spcBef>
+                <a:spcAft>
+                  <a:spcPct val="0"/>
+                </a:spcAft>
+              </a:pPr>
               <a:t>9</a:t>
             </a:fld>
             <a:endParaRPr lang="en-US"/>
@@ -1342,19 +1591,29 @@
       </p:grpSpPr>
       <p:sp>
         <p:nvSpPr>
-          <p:cNvPr id="2" name="Slide Image Placeholder 1"/>
-          <p:cNvSpPr>
-            <a:spLocks noGrp="1" noRot="1" noChangeAspect="1"/>
+          <p:cNvPr id="30722" name="Slide Image Placeholder 1"/>
+          <p:cNvSpPr>
+            <a:spLocks noGrp="1" noRot="1" noChangeAspect="1" noTextEdit="1"/>
           </p:cNvSpPr>
           <p:nvPr>
             <p:ph type="sldImg"/>
           </p:nvPr>
         </p:nvSpPr>
-        <p:spPr/>
-      </p:sp>
-      <p:sp>
-        <p:nvSpPr>
-          <p:cNvPr id="3" name="Notes Placeholder 2"/>
+        <p:spPr bwMode="auto">
+          <a:noFill/>
+          <a:ln>
+            <a:solidFill>
+              <a:srgbClr val="000000"/>
+            </a:solidFill>
+            <a:miter lim="800000"/>
+            <a:headEnd/>
+            <a:tailEnd/>
+          </a:ln>
+        </p:spPr>
+      </p:sp>
+      <p:sp>
+        <p:nvSpPr>
+          <p:cNvPr id="30723" name="Notes Placeholder 2"/>
           <p:cNvSpPr>
             <a:spLocks noGrp="1"/>
           </p:cNvSpPr>
@@ -1362,50 +1621,94 @@
             <p:ph type="body" idx="1"/>
           </p:nvPr>
         </p:nvSpPr>
-        <p:spPr/>
-        <p:txBody>
-          <a:bodyPr>
-            <a:normAutofit/>
+        <p:spPr bwMode="auto">
+          <a:noFill/>
+        </p:spPr>
+        <p:txBody>
+          <a:bodyPr wrap="square" numCol="1" anchor="t" anchorCtr="0" compatLnSpc="1">
+            <a:prstTxWarp prst="textNoShape">
+              <a:avLst/>
+            </a:prstTxWarp>
           </a:bodyPr>
           <a:lstStyle/>
           <a:p>
-            <a:r>
-              <a:rPr lang="nb-NO" dirty="0" smtClean="0"/>
-              <a:t>Steg0-steg1 </a:t>
-            </a:r>
-          </a:p>
-          <a:p>
-            <a:r>
-              <a:rPr lang="nb-NO" dirty="0" smtClean="0"/>
-              <a:t>Alt</a:t>
-            </a:r>
-            <a:r>
-              <a:rPr lang="nb-NO" baseline="0" dirty="0" smtClean="0"/>
-              <a:t> g</a:t>
-            </a:r>
-            <a:endParaRPr lang="en-US" dirty="0"/>
-          </a:p>
-        </p:txBody>
-      </p:sp>
-      <p:sp>
-        <p:nvSpPr>
-          <p:cNvPr id="4" name="Slide Number Placeholder 3"/>
-          <p:cNvSpPr>
-            <a:spLocks noGrp="1"/>
-          </p:cNvSpPr>
-          <p:nvPr>
-            <p:ph type="sldNum" sz="quarter" idx="10"/>
-          </p:nvPr>
-        </p:nvSpPr>
-        <p:spPr/>
-        <p:txBody>
-          <a:bodyPr/>
+            <a:pPr>
+              <a:spcBef>
+                <a:spcPct val="0"/>
+              </a:spcBef>
+            </a:pPr>
+            <a:r>
+              <a:rPr lang="nb-NO" smtClean="0"/>
+              <a:t>Overdrevet kompleks og lang rute i stedet for en enkelt service som opererer direkte mot database?</a:t>
+            </a:r>
+          </a:p>
+          <a:p>
+            <a:pPr>
+              <a:spcBef>
+                <a:spcPct val="0"/>
+              </a:spcBef>
+            </a:pPr>
+            <a:endParaRPr lang="nb-NO" smtClean="0"/>
+          </a:p>
+          <a:p>
+            <a:pPr>
+              <a:spcBef>
+                <a:spcPct val="0"/>
+              </a:spcBef>
+            </a:pPr>
+            <a:r>
+              <a:rPr lang="nb-NO" smtClean="0"/>
+              <a:t>Choice when mrf filter til å hente inn filer med et suffix i stedet for file.listfile(.txt)..</a:t>
+            </a:r>
+            <a:endParaRPr lang="en-US" smtClean="0"/>
+          </a:p>
+        </p:txBody>
+      </p:sp>
+      <p:sp>
+        <p:nvSpPr>
+          <p:cNvPr id="30724" name="Slide Number Placeholder 3"/>
+          <p:cNvSpPr>
+            <a:spLocks noGrp="1"/>
+          </p:cNvSpPr>
+          <p:nvPr>
+            <p:ph type="sldNum" sz="quarter" idx="5"/>
+          </p:nvPr>
+        </p:nvSpPr>
+        <p:spPr bwMode="auto">
+          <a:noFill/>
+          <a:ln>
+            <a:miter lim="800000"/>
+            <a:headEnd/>
+            <a:tailEnd/>
+          </a:ln>
+        </p:spPr>
+        <p:txBody>
+          <a:bodyPr wrap="square" numCol="1" anchorCtr="0" compatLnSpc="1">
+            <a:prstTxWarp prst="textNoShape">
+              <a:avLst/>
+            </a:prstTxWarp>
+          </a:bodyPr>
           <a:lstStyle/>
           <a:p>
-            <a:fld id="{C88AA438-770E-4DA9-BDFF-D4D28C8669B8}" type="slidenum">
-              <a:rPr lang="en-US" smtClean="0"/>
-              <a:pPr/>
-              <a:t>12</a:t>
+            <a:pPr fontAlgn="base">
+              <a:spcBef>
+                <a:spcPct val="0"/>
+              </a:spcBef>
+              <a:spcAft>
+                <a:spcPct val="0"/>
+              </a:spcAft>
+            </a:pPr>
+            <a:fld id="{1EB17CFD-C084-4346-ACD9-9153B34AE76B}" type="slidenum">
+              <a:rPr lang="en-US"/>
+              <a:pPr fontAlgn="base">
+                <a:spcBef>
+                  <a:spcPct val="0"/>
+                </a:spcBef>
+                <a:spcAft>
+                  <a:spcPct val="0"/>
+                </a:spcAft>
+              </a:pPr>
+              <a:t>10</a:t>
             </a:fld>
             <a:endParaRPr lang="en-US"/>
           </a:p>
@@ -1438,19 +1741,29 @@
       </p:grpSpPr>
       <p:sp>
         <p:nvSpPr>
-          <p:cNvPr id="2" name="Slide Image Placeholder 1"/>
-          <p:cNvSpPr>
-            <a:spLocks noGrp="1" noRot="1" noChangeAspect="1"/>
+          <p:cNvPr id="31746" name="Slide Image Placeholder 1"/>
+          <p:cNvSpPr>
+            <a:spLocks noGrp="1" noRot="1" noChangeAspect="1" noTextEdit="1"/>
           </p:cNvSpPr>
           <p:nvPr>
             <p:ph type="sldImg"/>
           </p:nvPr>
         </p:nvSpPr>
-        <p:spPr/>
-      </p:sp>
-      <p:sp>
-        <p:nvSpPr>
-          <p:cNvPr id="3" name="Notes Placeholder 2"/>
+        <p:spPr bwMode="auto">
+          <a:noFill/>
+          <a:ln>
+            <a:solidFill>
+              <a:srgbClr val="000000"/>
+            </a:solidFill>
+            <a:miter lim="800000"/>
+            <a:headEnd/>
+            <a:tailEnd/>
+          </a:ln>
+        </p:spPr>
+      </p:sp>
+      <p:sp>
+        <p:nvSpPr>
+          <p:cNvPr id="31747" name="Notes Placeholder 2"/>
           <p:cNvSpPr>
             <a:spLocks noGrp="1"/>
           </p:cNvSpPr>
@@ -1458,40 +1771,75 @@
             <p:ph type="body" idx="1"/>
           </p:nvPr>
         </p:nvSpPr>
-        <p:spPr/>
-        <p:txBody>
-          <a:bodyPr>
-            <a:normAutofit/>
+        <p:spPr bwMode="auto">
+          <a:noFill/>
+        </p:spPr>
+        <p:txBody>
+          <a:bodyPr wrap="square" numCol="1" anchor="t" anchorCtr="0" compatLnSpc="1">
+            <a:prstTxWarp prst="textNoShape">
+              <a:avLst/>
+            </a:prstTxWarp>
           </a:bodyPr>
           <a:lstStyle/>
           <a:p>
-            <a:r>
-              <a:rPr lang="nb-NO" dirty="0" smtClean="0"/>
-              <a:t>rollback</a:t>
-            </a:r>
-            <a:endParaRPr lang="en-US" dirty="0"/>
-          </a:p>
-        </p:txBody>
-      </p:sp>
-      <p:sp>
-        <p:nvSpPr>
-          <p:cNvPr id="4" name="Slide Number Placeholder 3"/>
-          <p:cNvSpPr>
-            <a:spLocks noGrp="1"/>
-          </p:cNvSpPr>
-          <p:nvPr>
-            <p:ph type="sldNum" sz="quarter" idx="10"/>
-          </p:nvPr>
-        </p:nvSpPr>
-        <p:spPr/>
-        <p:txBody>
-          <a:bodyPr/>
+            <a:pPr>
+              <a:spcBef>
+                <a:spcPct val="0"/>
+              </a:spcBef>
+            </a:pPr>
+            <a:r>
+              <a:rPr lang="nb-NO" smtClean="0"/>
+              <a:t>Spring integration, mule, roll your own?</a:t>
+            </a:r>
+            <a:endParaRPr lang="en-US" smtClean="0"/>
+          </a:p>
+        </p:txBody>
+      </p:sp>
+      <p:sp>
+        <p:nvSpPr>
+          <p:cNvPr id="31748" name="Slide Number Placeholder 3"/>
+          <p:cNvSpPr>
+            <a:spLocks noGrp="1"/>
+          </p:cNvSpPr>
+          <p:nvPr>
+            <p:ph type="sldNum" sz="quarter" idx="5"/>
+          </p:nvPr>
+        </p:nvSpPr>
+        <p:spPr bwMode="auto">
+          <a:noFill/>
+          <a:ln>
+            <a:miter lim="800000"/>
+            <a:headEnd/>
+            <a:tailEnd/>
+          </a:ln>
+        </p:spPr>
+        <p:txBody>
+          <a:bodyPr wrap="square" numCol="1" anchorCtr="0" compatLnSpc="1">
+            <a:prstTxWarp prst="textNoShape">
+              <a:avLst/>
+            </a:prstTxWarp>
+          </a:bodyPr>
           <a:lstStyle/>
           <a:p>
-            <a:fld id="{C88AA438-770E-4DA9-BDFF-D4D28C8669B8}" type="slidenum">
-              <a:rPr lang="en-US" smtClean="0"/>
-              <a:pPr/>
-              <a:t>14</a:t>
+            <a:pPr fontAlgn="base">
+              <a:spcBef>
+                <a:spcPct val="0"/>
+              </a:spcBef>
+              <a:spcAft>
+                <a:spcPct val="0"/>
+              </a:spcAft>
+            </a:pPr>
+            <a:fld id="{65F6D26E-3947-40FB-850D-DCD63F1C490E}" type="slidenum">
+              <a:rPr lang="en-US"/>
+              <a:pPr fontAlgn="base">
+                <a:spcBef>
+                  <a:spcPct val="0"/>
+                </a:spcBef>
+                <a:spcAft>
+                  <a:spcPct val="0"/>
+                </a:spcAft>
+              </a:pPr>
+              <a:t>13</a:t>
             </a:fld>
             <a:endParaRPr lang="en-US"/>
           </a:p>
@@ -1524,19 +1872,29 @@
       </p:grpSpPr>
       <p:sp>
         <p:nvSpPr>
-          <p:cNvPr id="2" name="Slide Image Placeholder 1"/>
-          <p:cNvSpPr>
-            <a:spLocks noGrp="1" noRot="1" noChangeAspect="1"/>
+          <p:cNvPr id="32770" name="Slide Image Placeholder 1"/>
+          <p:cNvSpPr>
+            <a:spLocks noGrp="1" noRot="1" noChangeAspect="1" noTextEdit="1"/>
           </p:cNvSpPr>
           <p:nvPr>
             <p:ph type="sldImg"/>
           </p:nvPr>
         </p:nvSpPr>
-        <p:spPr/>
-      </p:sp>
-      <p:sp>
-        <p:nvSpPr>
-          <p:cNvPr id="3" name="Notes Placeholder 2"/>
+        <p:spPr bwMode="auto">
+          <a:noFill/>
+          <a:ln>
+            <a:solidFill>
+              <a:srgbClr val="000000"/>
+            </a:solidFill>
+            <a:miter lim="800000"/>
+            <a:headEnd/>
+            <a:tailEnd/>
+          </a:ln>
+        </p:spPr>
+      </p:sp>
+      <p:sp>
+        <p:nvSpPr>
+          <p:cNvPr id="32771" name="Notes Placeholder 2"/>
           <p:cNvSpPr>
             <a:spLocks noGrp="1"/>
           </p:cNvSpPr>
@@ -1544,65 +1902,116 @@
             <p:ph type="body" idx="1"/>
           </p:nvPr>
         </p:nvSpPr>
-        <p:spPr/>
-        <p:txBody>
-          <a:bodyPr>
-            <a:normAutofit/>
+        <p:spPr bwMode="auto">
+          <a:noFill/>
+        </p:spPr>
+        <p:txBody>
+          <a:bodyPr wrap="square" numCol="1" anchor="t" anchorCtr="0" compatLnSpc="1">
+            <a:prstTxWarp prst="textNoShape">
+              <a:avLst/>
+            </a:prstTxWarp>
           </a:bodyPr>
           <a:lstStyle/>
           <a:p>
-            <a:r>
-              <a:rPr lang="nb-NO" dirty="0" smtClean="0"/>
-              <a:t>Lag h2 filbasert base.</a:t>
-            </a:r>
-          </a:p>
-          <a:p>
-            <a:r>
-              <a:rPr lang="nb-NO" dirty="0" smtClean="0"/>
-              <a:t>Kjør en gang og avbryt i aggregeringen</a:t>
-            </a:r>
-          </a:p>
-          <a:p>
-            <a:r>
-              <a:rPr lang="nb-NO" dirty="0" smtClean="0"/>
-              <a:t>Fjern</a:t>
-            </a:r>
-            <a:r>
-              <a:rPr lang="nb-NO" baseline="0" dirty="0" smtClean="0"/>
-              <a:t> spring jdbc initialiseringen andre gang du kjører...</a:t>
-            </a:r>
-          </a:p>
-          <a:p>
-            <a:endParaRPr lang="nb-NO" baseline="0" dirty="0" smtClean="0"/>
-          </a:p>
-          <a:p>
-            <a:r>
-              <a:rPr lang="nb-NO" baseline="0" dirty="0" smtClean="0"/>
-              <a:t>Må legge på jdbc basert aggregeringsrepo</a:t>
-            </a:r>
-            <a:endParaRPr lang="en-US" dirty="0"/>
-          </a:p>
-        </p:txBody>
-      </p:sp>
-      <p:sp>
-        <p:nvSpPr>
-          <p:cNvPr id="4" name="Slide Number Placeholder 3"/>
-          <p:cNvSpPr>
-            <a:spLocks noGrp="1"/>
-          </p:cNvSpPr>
-          <p:nvPr>
-            <p:ph type="sldNum" sz="quarter" idx="10"/>
-          </p:nvPr>
-        </p:nvSpPr>
-        <p:spPr/>
-        <p:txBody>
-          <a:bodyPr/>
+            <a:pPr>
+              <a:spcBef>
+                <a:spcPct val="0"/>
+              </a:spcBef>
+            </a:pPr>
+            <a:r>
+              <a:rPr lang="nb-NO" smtClean="0"/>
+              <a:t>Ja, hvorfor ikke? Du trenger ikke basere hele designet ditt på camel selv om du tar det i bruk.</a:t>
+            </a:r>
+          </a:p>
+          <a:p>
+            <a:pPr>
+              <a:spcBef>
+                <a:spcPct val="0"/>
+              </a:spcBef>
+            </a:pPr>
+            <a:r>
+              <a:rPr lang="nb-NO" smtClean="0"/>
+              <a:t>Særlig om du ikke har noe særlig eget allerede for integrasjon, og kanskje manglende erfaring med integrasjon?</a:t>
+            </a:r>
+          </a:p>
+          <a:p>
+            <a:pPr>
+              <a:spcBef>
+                <a:spcPct val="0"/>
+              </a:spcBef>
+            </a:pPr>
+            <a:r>
+              <a:rPr lang="nb-NO" smtClean="0"/>
+              <a:t>Men du må fortsatt forvente å bruke meste parten av tiden på å forstå hva som skjer inni camel, antagelig nok tid til at du godt kunne skrevet alt selv, men det hadde ikke blitt noe bedre!</a:t>
+            </a:r>
+          </a:p>
+          <a:p>
+            <a:pPr>
+              <a:spcBef>
+                <a:spcPct val="0"/>
+              </a:spcBef>
+            </a:pPr>
+            <a:endParaRPr lang="nb-NO" smtClean="0"/>
+          </a:p>
+          <a:p>
+            <a:pPr>
+              <a:spcBef>
+                <a:spcPct val="0"/>
+              </a:spcBef>
+            </a:pPr>
+            <a:r>
+              <a:rPr lang="nb-NO" smtClean="0"/>
+              <a:t>Hvis du er som oss veldig opptatt av transaksjoner vil du måtte gjøre en hel del for å få camel ruta di sikker, men dersom du lager applikasjoner som gjør veldig mye integrasjon, og hvor hver melding kanskje ikke har så høy verdi og krav til sikkerhet så vil du kunne få det mye enklere...</a:t>
+            </a:r>
+            <a:endParaRPr lang="en-US" smtClean="0"/>
+          </a:p>
+        </p:txBody>
+      </p:sp>
+      <p:sp>
+        <p:nvSpPr>
+          <p:cNvPr id="32772" name="Slide Number Placeholder 3"/>
+          <p:cNvSpPr>
+            <a:spLocks noGrp="1"/>
+          </p:cNvSpPr>
+          <p:nvPr>
+            <p:ph type="sldNum" sz="quarter" idx="5"/>
+          </p:nvPr>
+        </p:nvSpPr>
+        <p:spPr bwMode="auto">
+          <a:noFill/>
+          <a:ln>
+            <a:miter lim="800000"/>
+            <a:headEnd/>
+            <a:tailEnd/>
+          </a:ln>
+        </p:spPr>
+        <p:txBody>
+          <a:bodyPr wrap="square" numCol="1" anchorCtr="0" compatLnSpc="1">
+            <a:prstTxWarp prst="textNoShape">
+              <a:avLst/>
+            </a:prstTxWarp>
+          </a:bodyPr>
           <a:lstStyle/>
           <a:p>
-            <a:fld id="{C88AA438-770E-4DA9-BDFF-D4D28C8669B8}" type="slidenum">
-              <a:rPr lang="en-US" smtClean="0"/>
-              <a:pPr/>
-              <a:t>15</a:t>
+            <a:pPr fontAlgn="base">
+              <a:spcBef>
+                <a:spcPct val="0"/>
+              </a:spcBef>
+              <a:spcAft>
+                <a:spcPct val="0"/>
+              </a:spcAft>
+            </a:pPr>
+            <a:fld id="{291480E2-4D1C-4BFD-B4A4-375A3FAA87D7}" type="slidenum">
+              <a:rPr lang="en-US"/>
+              <a:pPr fontAlgn="base">
+                <a:spcBef>
+                  <a:spcPct val="0"/>
+                </a:spcBef>
+                <a:spcAft>
+                  <a:spcPct val="0"/>
+                </a:spcAft>
+              </a:pPr>
+              <a:t>14</a:t>
             </a:fld>
             <a:endParaRPr lang="en-US"/>
           </a:p>
@@ -1635,19 +2044,29 @@
       </p:grpSpPr>
       <p:sp>
         <p:nvSpPr>
-          <p:cNvPr id="2" name="Slide Image Placeholder 1"/>
-          <p:cNvSpPr>
-            <a:spLocks noGrp="1" noRot="1" noChangeAspect="1"/>
+          <p:cNvPr id="33794" name="Slide Image Placeholder 1"/>
+          <p:cNvSpPr>
+            <a:spLocks noGrp="1" noRot="1" noChangeAspect="1" noTextEdit="1"/>
           </p:cNvSpPr>
           <p:nvPr>
             <p:ph type="sldImg"/>
           </p:nvPr>
         </p:nvSpPr>
-        <p:spPr/>
-      </p:sp>
-      <p:sp>
-        <p:nvSpPr>
-          <p:cNvPr id="3" name="Notes Placeholder 2"/>
+        <p:spPr bwMode="auto">
+          <a:noFill/>
+          <a:ln>
+            <a:solidFill>
+              <a:srgbClr val="000000"/>
+            </a:solidFill>
+            <a:miter lim="800000"/>
+            <a:headEnd/>
+            <a:tailEnd/>
+          </a:ln>
+        </p:spPr>
+      </p:sp>
+      <p:sp>
+        <p:nvSpPr>
+          <p:cNvPr id="33795" name="Notes Placeholder 2"/>
           <p:cNvSpPr>
             <a:spLocks noGrp="1"/>
           </p:cNvSpPr>
@@ -1655,40 +2074,86 @@
             <p:ph type="body" idx="1"/>
           </p:nvPr>
         </p:nvSpPr>
-        <p:spPr/>
-        <p:txBody>
-          <a:bodyPr>
-            <a:normAutofit/>
+        <p:spPr bwMode="auto">
+          <a:noFill/>
+        </p:spPr>
+        <p:txBody>
+          <a:bodyPr wrap="square" numCol="1" anchor="t" anchorCtr="0" compatLnSpc="1">
+            <a:prstTxWarp prst="textNoShape">
+              <a:avLst/>
+            </a:prstTxWarp>
           </a:bodyPr>
           <a:lstStyle/>
           <a:p>
-            <a:r>
-              <a:rPr lang="nb-NO" dirty="0" smtClean="0"/>
-              <a:t>aggregator repo</a:t>
-            </a:r>
-            <a:endParaRPr lang="en-US" dirty="0"/>
-          </a:p>
-        </p:txBody>
-      </p:sp>
-      <p:sp>
-        <p:nvSpPr>
-          <p:cNvPr id="4" name="Slide Number Placeholder 3"/>
-          <p:cNvSpPr>
-            <a:spLocks noGrp="1"/>
-          </p:cNvSpPr>
-          <p:nvPr>
-            <p:ph type="sldNum" sz="quarter" idx="10"/>
-          </p:nvPr>
-        </p:nvSpPr>
-        <p:spPr/>
-        <p:txBody>
-          <a:bodyPr/>
+            <a:pPr>
+              <a:spcBef>
+                <a:spcPct val="0"/>
+              </a:spcBef>
+            </a:pPr>
+            <a:r>
+              <a:rPr lang="nb-NO" smtClean="0"/>
+              <a:t>Mainframe</a:t>
+            </a:r>
+          </a:p>
+          <a:p>
+            <a:pPr>
+              <a:spcBef>
+                <a:spcPct val="0"/>
+              </a:spcBef>
+            </a:pPr>
+            <a:r>
+              <a:rPr lang="nb-NO" smtClean="0"/>
+              <a:t>Java – stay etc..</a:t>
+            </a:r>
+            <a:endParaRPr lang="en-US" smtClean="0"/>
+          </a:p>
+        </p:txBody>
+      </p:sp>
+      <p:sp>
+        <p:nvSpPr>
+          <p:cNvPr id="33796" name="Slide Number Placeholder 3"/>
+          <p:cNvSpPr>
+            <a:spLocks noGrp="1"/>
+          </p:cNvSpPr>
+          <p:nvPr>
+            <p:ph type="sldNum" sz="quarter" idx="5"/>
+          </p:nvPr>
+        </p:nvSpPr>
+        <p:spPr bwMode="auto">
+          <a:noFill/>
+          <a:ln>
+            <a:miter lim="800000"/>
+            <a:headEnd/>
+            <a:tailEnd/>
+          </a:ln>
+        </p:spPr>
+        <p:txBody>
+          <a:bodyPr wrap="square" numCol="1" anchorCtr="0" compatLnSpc="1">
+            <a:prstTxWarp prst="textNoShape">
+              <a:avLst/>
+            </a:prstTxWarp>
+          </a:bodyPr>
           <a:lstStyle/>
           <a:p>
-            <a:fld id="{C88AA438-770E-4DA9-BDFF-D4D28C8669B8}" type="slidenum">
-              <a:rPr lang="en-US" smtClean="0"/>
-              <a:pPr/>
-              <a:t>16</a:t>
+            <a:pPr fontAlgn="base">
+              <a:spcBef>
+                <a:spcPct val="0"/>
+              </a:spcBef>
+              <a:spcAft>
+                <a:spcPct val="0"/>
+              </a:spcAft>
+            </a:pPr>
+            <a:fld id="{1351403D-4B64-421B-B3F4-DDBFC716405E}" type="slidenum">
+              <a:rPr lang="en-US"/>
+              <a:pPr fontAlgn="base">
+                <a:spcBef>
+                  <a:spcPct val="0"/>
+                </a:spcBef>
+                <a:spcAft>
+                  <a:spcPct val="0"/>
+                </a:spcAft>
+              </a:pPr>
+              <a:t>18</a:t>
             </a:fld>
             <a:endParaRPr lang="en-US"/>
           </a:p>
@@ -1879,12 +2344,21 @@
         <p:spPr/>
         <p:txBody>
           <a:bodyPr/>
-          <a:lstStyle/>
-          <a:p>
-            <a:fld id="{1D8BD707-D9CF-40AE-B4C6-C98DA3205C09}" type="datetimeFigureOut">
-              <a:rPr lang="en-US" smtClean="0"/>
-              <a:pPr/>
-              <a:t>8/29/2011</a:t>
+          <a:lstStyle>
+            <a:lvl1pPr>
+              <a:defRPr/>
+            </a:lvl1pPr>
+          </a:lstStyle>
+          <a:p>
+            <a:pPr>
+              <a:defRPr/>
+            </a:pPr>
+            <a:fld id="{1906A0A7-229B-4CB8-AD7F-DE45A4285B3B}" type="datetimeFigureOut">
+              <a:rPr lang="en-US"/>
+              <a:pPr>
+                <a:defRPr/>
+              </a:pPr>
+              <a:t>8/31/2011</a:t>
             </a:fld>
             <a:endParaRPr lang="en-US"/>
           </a:p>
@@ -1903,8 +2377,15 @@
         <p:spPr/>
         <p:txBody>
           <a:bodyPr/>
-          <a:lstStyle/>
-          <a:p>
+          <a:lstStyle>
+            <a:lvl1pPr>
+              <a:defRPr/>
+            </a:lvl1pPr>
+          </a:lstStyle>
+          <a:p>
+            <a:pPr>
+              <a:defRPr/>
+            </a:pPr>
             <a:endParaRPr lang="en-US"/>
           </a:p>
         </p:txBody>
@@ -1922,11 +2403,20 @@
         <p:spPr/>
         <p:txBody>
           <a:bodyPr/>
-          <a:lstStyle/>
-          <a:p>
-            <a:fld id="{B6F15528-21DE-4FAA-801E-634DDDAF4B2B}" type="slidenum">
-              <a:rPr lang="en-US" smtClean="0"/>
-              <a:pPr/>
+          <a:lstStyle>
+            <a:lvl1pPr>
+              <a:defRPr/>
+            </a:lvl1pPr>
+          </a:lstStyle>
+          <a:p>
+            <a:pPr>
+              <a:defRPr/>
+            </a:pPr>
+            <a:fld id="{3BF32480-6B68-43CD-ADF9-28D667015771}" type="slidenum">
+              <a:rPr lang="en-US"/>
+              <a:pPr>
+                <a:defRPr/>
+              </a:pPr>
               <a:t>‹#›</a:t>
             </a:fld>
             <a:endParaRPr lang="en-US"/>
@@ -2046,12 +2536,21 @@
         <p:spPr/>
         <p:txBody>
           <a:bodyPr/>
-          <a:lstStyle/>
-          <a:p>
-            <a:fld id="{1D8BD707-D9CF-40AE-B4C6-C98DA3205C09}" type="datetimeFigureOut">
-              <a:rPr lang="en-US" smtClean="0"/>
-              <a:pPr/>
-              <a:t>8/29/2011</a:t>
+          <a:lstStyle>
+            <a:lvl1pPr>
+              <a:defRPr/>
+            </a:lvl1pPr>
+          </a:lstStyle>
+          <a:p>
+            <a:pPr>
+              <a:defRPr/>
+            </a:pPr>
+            <a:fld id="{A0B3B8F5-0632-443E-A591-0B43039E035A}" type="datetimeFigureOut">
+              <a:rPr lang="en-US"/>
+              <a:pPr>
+                <a:defRPr/>
+              </a:pPr>
+              <a:t>8/31/2011</a:t>
             </a:fld>
             <a:endParaRPr lang="en-US"/>
           </a:p>
@@ -2070,8 +2569,15 @@
         <p:spPr/>
         <p:txBody>
           <a:bodyPr/>
-          <a:lstStyle/>
-          <a:p>
+          <a:lstStyle>
+            <a:lvl1pPr>
+              <a:defRPr/>
+            </a:lvl1pPr>
+          </a:lstStyle>
+          <a:p>
+            <a:pPr>
+              <a:defRPr/>
+            </a:pPr>
             <a:endParaRPr lang="en-US"/>
           </a:p>
         </p:txBody>
@@ -2089,11 +2595,20 @@
         <p:spPr/>
         <p:txBody>
           <a:bodyPr/>
-          <a:lstStyle/>
-          <a:p>
-            <a:fld id="{B6F15528-21DE-4FAA-801E-634DDDAF4B2B}" type="slidenum">
-              <a:rPr lang="en-US" smtClean="0"/>
-              <a:pPr/>
+          <a:lstStyle>
+            <a:lvl1pPr>
+              <a:defRPr/>
+            </a:lvl1pPr>
+          </a:lstStyle>
+          <a:p>
+            <a:pPr>
+              <a:defRPr/>
+            </a:pPr>
+            <a:fld id="{58727A4D-D4C5-4B38-BEEC-E7EB92C5BBFE}" type="slidenum">
+              <a:rPr lang="en-US"/>
+              <a:pPr>
+                <a:defRPr/>
+              </a:pPr>
               <a:t>‹#›</a:t>
             </a:fld>
             <a:endParaRPr lang="en-US"/>
@@ -2223,12 +2738,21 @@
         <p:spPr/>
         <p:txBody>
           <a:bodyPr/>
-          <a:lstStyle/>
-          <a:p>
-            <a:fld id="{1D8BD707-D9CF-40AE-B4C6-C98DA3205C09}" type="datetimeFigureOut">
-              <a:rPr lang="en-US" smtClean="0"/>
-              <a:pPr/>
-              <a:t>8/29/2011</a:t>
+          <a:lstStyle>
+            <a:lvl1pPr>
+              <a:defRPr/>
+            </a:lvl1pPr>
+          </a:lstStyle>
+          <a:p>
+            <a:pPr>
+              <a:defRPr/>
+            </a:pPr>
+            <a:fld id="{19B183E8-2936-4944-95B9-A7B43E3E7608}" type="datetimeFigureOut">
+              <a:rPr lang="en-US"/>
+              <a:pPr>
+                <a:defRPr/>
+              </a:pPr>
+              <a:t>8/31/2011</a:t>
             </a:fld>
             <a:endParaRPr lang="en-US"/>
           </a:p>
@@ -2247,8 +2771,15 @@
         <p:spPr/>
         <p:txBody>
           <a:bodyPr/>
-          <a:lstStyle/>
-          <a:p>
+          <a:lstStyle>
+            <a:lvl1pPr>
+              <a:defRPr/>
+            </a:lvl1pPr>
+          </a:lstStyle>
+          <a:p>
+            <a:pPr>
+              <a:defRPr/>
+            </a:pPr>
             <a:endParaRPr lang="en-US"/>
           </a:p>
         </p:txBody>
@@ -2266,11 +2797,20 @@
         <p:spPr/>
         <p:txBody>
           <a:bodyPr/>
-          <a:lstStyle/>
-          <a:p>
-            <a:fld id="{B6F15528-21DE-4FAA-801E-634DDDAF4B2B}" type="slidenum">
-              <a:rPr lang="en-US" smtClean="0"/>
-              <a:pPr/>
+          <a:lstStyle>
+            <a:lvl1pPr>
+              <a:defRPr/>
+            </a:lvl1pPr>
+          </a:lstStyle>
+          <a:p>
+            <a:pPr>
+              <a:defRPr/>
+            </a:pPr>
+            <a:fld id="{B7093688-261D-439C-B74C-DDF18154B47C}" type="slidenum">
+              <a:rPr lang="en-US"/>
+              <a:pPr>
+                <a:defRPr/>
+              </a:pPr>
               <a:t>‹#›</a:t>
             </a:fld>
             <a:endParaRPr lang="en-US"/>
@@ -2390,12 +2930,21 @@
         <p:spPr/>
         <p:txBody>
           <a:bodyPr/>
-          <a:lstStyle/>
-          <a:p>
-            <a:fld id="{1D8BD707-D9CF-40AE-B4C6-C98DA3205C09}" type="datetimeFigureOut">
-              <a:rPr lang="en-US" smtClean="0"/>
-              <a:pPr/>
-              <a:t>8/29/2011</a:t>
+          <a:lstStyle>
+            <a:lvl1pPr>
+              <a:defRPr/>
+            </a:lvl1pPr>
+          </a:lstStyle>
+          <a:p>
+            <a:pPr>
+              <a:defRPr/>
+            </a:pPr>
+            <a:fld id="{3BF6C17D-5442-4E09-B398-A6C6DE53B067}" type="datetimeFigureOut">
+              <a:rPr lang="en-US"/>
+              <a:pPr>
+                <a:defRPr/>
+              </a:pPr>
+              <a:t>8/31/2011</a:t>
             </a:fld>
             <a:endParaRPr lang="en-US"/>
           </a:p>
@@ -2414,8 +2963,15 @@
         <p:spPr/>
         <p:txBody>
           <a:bodyPr/>
-          <a:lstStyle/>
-          <a:p>
+          <a:lstStyle>
+            <a:lvl1pPr>
+              <a:defRPr/>
+            </a:lvl1pPr>
+          </a:lstStyle>
+          <a:p>
+            <a:pPr>
+              <a:defRPr/>
+            </a:pPr>
             <a:endParaRPr lang="en-US"/>
           </a:p>
         </p:txBody>
@@ -2433,11 +2989,20 @@
         <p:spPr/>
         <p:txBody>
           <a:bodyPr/>
-          <a:lstStyle/>
-          <a:p>
-            <a:fld id="{B6F15528-21DE-4FAA-801E-634DDDAF4B2B}" type="slidenum">
-              <a:rPr lang="en-US" smtClean="0"/>
-              <a:pPr/>
+          <a:lstStyle>
+            <a:lvl1pPr>
+              <a:defRPr/>
+            </a:lvl1pPr>
+          </a:lstStyle>
+          <a:p>
+            <a:pPr>
+              <a:defRPr/>
+            </a:pPr>
+            <a:fld id="{7B6276EA-AB12-44D1-8896-EFC0F59C6FC8}" type="slidenum">
+              <a:rPr lang="en-US"/>
+              <a:pPr>
+                <a:defRPr/>
+              </a:pPr>
               <a:t>‹#›</a:t>
             </a:fld>
             <a:endParaRPr lang="en-US"/>
@@ -2633,12 +3198,21 @@
         <p:spPr/>
         <p:txBody>
           <a:bodyPr/>
-          <a:lstStyle/>
-          <a:p>
-            <a:fld id="{1D8BD707-D9CF-40AE-B4C6-C98DA3205C09}" type="datetimeFigureOut">
-              <a:rPr lang="en-US" smtClean="0"/>
-              <a:pPr/>
-              <a:t>8/29/2011</a:t>
+          <a:lstStyle>
+            <a:lvl1pPr>
+              <a:defRPr/>
+            </a:lvl1pPr>
+          </a:lstStyle>
+          <a:p>
+            <a:pPr>
+              <a:defRPr/>
+            </a:pPr>
+            <a:fld id="{6F4A2077-6621-4153-AECB-EBA52DD01352}" type="datetimeFigureOut">
+              <a:rPr lang="en-US"/>
+              <a:pPr>
+                <a:defRPr/>
+              </a:pPr>
+              <a:t>8/31/2011</a:t>
             </a:fld>
             <a:endParaRPr lang="en-US"/>
           </a:p>
@@ -2657,8 +3231,15 @@
         <p:spPr/>
         <p:txBody>
           <a:bodyPr/>
-          <a:lstStyle/>
-          <a:p>
+          <a:lstStyle>
+            <a:lvl1pPr>
+              <a:defRPr/>
+            </a:lvl1pPr>
+          </a:lstStyle>
+          <a:p>
+            <a:pPr>
+              <a:defRPr/>
+            </a:pPr>
             <a:endParaRPr lang="en-US"/>
           </a:p>
         </p:txBody>
@@ -2676,11 +3257,20 @@
         <p:spPr/>
         <p:txBody>
           <a:bodyPr/>
-          <a:lstStyle/>
-          <a:p>
-            <a:fld id="{B6F15528-21DE-4FAA-801E-634DDDAF4B2B}" type="slidenum">
-              <a:rPr lang="en-US" smtClean="0"/>
-              <a:pPr/>
+          <a:lstStyle>
+            <a:lvl1pPr>
+              <a:defRPr/>
+            </a:lvl1pPr>
+          </a:lstStyle>
+          <a:p>
+            <a:pPr>
+              <a:defRPr/>
+            </a:pPr>
+            <a:fld id="{A0988FFB-AFE7-4681-8766-9DB41715D203}" type="slidenum">
+              <a:rPr lang="en-US"/>
+              <a:pPr>
+                <a:defRPr/>
+              </a:pPr>
               <a:t>‹#›</a:t>
             </a:fld>
             <a:endParaRPr lang="en-US"/>
@@ -2907,7 +3497,7 @@
       </p:sp>
       <p:sp>
         <p:nvSpPr>
-          <p:cNvPr id="5" name="Date Placeholder 4"/>
+          <p:cNvPr id="5" name="Date Placeholder 3"/>
           <p:cNvSpPr>
             <a:spLocks noGrp="1"/>
           </p:cNvSpPr>
@@ -2918,12 +3508,21 @@
         <p:spPr/>
         <p:txBody>
           <a:bodyPr/>
-          <a:lstStyle/>
-          <a:p>
-            <a:fld id="{1D8BD707-D9CF-40AE-B4C6-C98DA3205C09}" type="datetimeFigureOut">
-              <a:rPr lang="en-US" smtClean="0"/>
-              <a:pPr/>
-              <a:t>8/29/2011</a:t>
+          <a:lstStyle>
+            <a:lvl1pPr>
+              <a:defRPr/>
+            </a:lvl1pPr>
+          </a:lstStyle>
+          <a:p>
+            <a:pPr>
+              <a:defRPr/>
+            </a:pPr>
+            <a:fld id="{49779D4A-C4BB-423E-B2A2-0518EE5E8370}" type="datetimeFigureOut">
+              <a:rPr lang="en-US"/>
+              <a:pPr>
+                <a:defRPr/>
+              </a:pPr>
+              <a:t>8/31/2011</a:t>
             </a:fld>
             <a:endParaRPr lang="en-US"/>
           </a:p>
@@ -2931,7 +3530,7 @@
       </p:sp>
       <p:sp>
         <p:nvSpPr>
-          <p:cNvPr id="6" name="Footer Placeholder 5"/>
+          <p:cNvPr id="6" name="Footer Placeholder 4"/>
           <p:cNvSpPr>
             <a:spLocks noGrp="1"/>
           </p:cNvSpPr>
@@ -2942,15 +3541,22 @@
         <p:spPr/>
         <p:txBody>
           <a:bodyPr/>
-          <a:lstStyle/>
-          <a:p>
+          <a:lstStyle>
+            <a:lvl1pPr>
+              <a:defRPr/>
+            </a:lvl1pPr>
+          </a:lstStyle>
+          <a:p>
+            <a:pPr>
+              <a:defRPr/>
+            </a:pPr>
             <a:endParaRPr lang="en-US"/>
           </a:p>
         </p:txBody>
       </p:sp>
       <p:sp>
         <p:nvSpPr>
-          <p:cNvPr id="7" name="Slide Number Placeholder 6"/>
+          <p:cNvPr id="7" name="Slide Number Placeholder 5"/>
           <p:cNvSpPr>
             <a:spLocks noGrp="1"/>
           </p:cNvSpPr>
@@ -2961,11 +3567,20 @@
         <p:spPr/>
         <p:txBody>
           <a:bodyPr/>
-          <a:lstStyle/>
-          <a:p>
-            <a:fld id="{B6F15528-21DE-4FAA-801E-634DDDAF4B2B}" type="slidenum">
-              <a:rPr lang="en-US" smtClean="0"/>
-              <a:pPr/>
+          <a:lstStyle>
+            <a:lvl1pPr>
+              <a:defRPr/>
+            </a:lvl1pPr>
+          </a:lstStyle>
+          <a:p>
+            <a:pPr>
+              <a:defRPr/>
+            </a:pPr>
+            <a:fld id="{2E5C8A01-CB56-4CFF-A99D-973D0A8CC782}" type="slidenum">
+              <a:rPr lang="en-US"/>
+              <a:pPr>
+                <a:defRPr/>
+              </a:pPr>
               <a:t>‹#›</a:t>
             </a:fld>
             <a:endParaRPr lang="en-US"/>
@@ -3326,7 +3941,7 @@
       </p:sp>
       <p:sp>
         <p:nvSpPr>
-          <p:cNvPr id="7" name="Date Placeholder 6"/>
+          <p:cNvPr id="7" name="Date Placeholder 3"/>
           <p:cNvSpPr>
             <a:spLocks noGrp="1"/>
           </p:cNvSpPr>
@@ -3337,12 +3952,21 @@
         <p:spPr/>
         <p:txBody>
           <a:bodyPr/>
-          <a:lstStyle/>
-          <a:p>
-            <a:fld id="{1D8BD707-D9CF-40AE-B4C6-C98DA3205C09}" type="datetimeFigureOut">
-              <a:rPr lang="en-US" smtClean="0"/>
-              <a:pPr/>
-              <a:t>8/29/2011</a:t>
+          <a:lstStyle>
+            <a:lvl1pPr>
+              <a:defRPr/>
+            </a:lvl1pPr>
+          </a:lstStyle>
+          <a:p>
+            <a:pPr>
+              <a:defRPr/>
+            </a:pPr>
+            <a:fld id="{A632F80E-6ECA-4F78-B2D2-518715DDFC69}" type="datetimeFigureOut">
+              <a:rPr lang="en-US"/>
+              <a:pPr>
+                <a:defRPr/>
+              </a:pPr>
+              <a:t>8/31/2011</a:t>
             </a:fld>
             <a:endParaRPr lang="en-US"/>
           </a:p>
@@ -3350,7 +3974,7 @@
       </p:sp>
       <p:sp>
         <p:nvSpPr>
-          <p:cNvPr id="8" name="Footer Placeholder 7"/>
+          <p:cNvPr id="8" name="Footer Placeholder 4"/>
           <p:cNvSpPr>
             <a:spLocks noGrp="1"/>
           </p:cNvSpPr>
@@ -3361,15 +3985,22 @@
         <p:spPr/>
         <p:txBody>
           <a:bodyPr/>
-          <a:lstStyle/>
-          <a:p>
+          <a:lstStyle>
+            <a:lvl1pPr>
+              <a:defRPr/>
+            </a:lvl1pPr>
+          </a:lstStyle>
+          <a:p>
+            <a:pPr>
+              <a:defRPr/>
+            </a:pPr>
             <a:endParaRPr lang="en-US"/>
           </a:p>
         </p:txBody>
       </p:sp>
       <p:sp>
         <p:nvSpPr>
-          <p:cNvPr id="9" name="Slide Number Placeholder 8"/>
+          <p:cNvPr id="9" name="Slide Number Placeholder 5"/>
           <p:cNvSpPr>
             <a:spLocks noGrp="1"/>
           </p:cNvSpPr>
@@ -3380,11 +4011,20 @@
         <p:spPr/>
         <p:txBody>
           <a:bodyPr/>
-          <a:lstStyle/>
-          <a:p>
-            <a:fld id="{B6F15528-21DE-4FAA-801E-634DDDAF4B2B}" type="slidenum">
-              <a:rPr lang="en-US" smtClean="0"/>
-              <a:pPr/>
+          <a:lstStyle>
+            <a:lvl1pPr>
+              <a:defRPr/>
+            </a:lvl1pPr>
+          </a:lstStyle>
+          <a:p>
+            <a:pPr>
+              <a:defRPr/>
+            </a:pPr>
+            <a:fld id="{16B2234D-855C-4FE1-AEE0-AABF76D30951}" type="slidenum">
+              <a:rPr lang="en-US"/>
+              <a:pPr>
+                <a:defRPr/>
+              </a:pPr>
               <a:t>‹#›</a:t>
             </a:fld>
             <a:endParaRPr lang="en-US"/>
@@ -3441,7 +4081,7 @@
       </p:sp>
       <p:sp>
         <p:nvSpPr>
-          <p:cNvPr id="3" name="Date Placeholder 2"/>
+          <p:cNvPr id="3" name="Date Placeholder 3"/>
           <p:cNvSpPr>
             <a:spLocks noGrp="1"/>
           </p:cNvSpPr>
@@ -3452,12 +4092,21 @@
         <p:spPr/>
         <p:txBody>
           <a:bodyPr/>
-          <a:lstStyle/>
-          <a:p>
-            <a:fld id="{1D8BD707-D9CF-40AE-B4C6-C98DA3205C09}" type="datetimeFigureOut">
-              <a:rPr lang="en-US" smtClean="0"/>
-              <a:pPr/>
-              <a:t>8/29/2011</a:t>
+          <a:lstStyle>
+            <a:lvl1pPr>
+              <a:defRPr/>
+            </a:lvl1pPr>
+          </a:lstStyle>
+          <a:p>
+            <a:pPr>
+              <a:defRPr/>
+            </a:pPr>
+            <a:fld id="{ED721BB8-3170-41CB-B2CE-6C8C0913A811}" type="datetimeFigureOut">
+              <a:rPr lang="en-US"/>
+              <a:pPr>
+                <a:defRPr/>
+              </a:pPr>
+              <a:t>8/31/2011</a:t>
             </a:fld>
             <a:endParaRPr lang="en-US"/>
           </a:p>
@@ -3465,7 +4114,7 @@
       </p:sp>
       <p:sp>
         <p:nvSpPr>
-          <p:cNvPr id="4" name="Footer Placeholder 3"/>
+          <p:cNvPr id="4" name="Footer Placeholder 4"/>
           <p:cNvSpPr>
             <a:spLocks noGrp="1"/>
           </p:cNvSpPr>
@@ -3476,15 +4125,22 @@
         <p:spPr/>
         <p:txBody>
           <a:bodyPr/>
-          <a:lstStyle/>
-          <a:p>
+          <a:lstStyle>
+            <a:lvl1pPr>
+              <a:defRPr/>
+            </a:lvl1pPr>
+          </a:lstStyle>
+          <a:p>
+            <a:pPr>
+              <a:defRPr/>
+            </a:pPr>
             <a:endParaRPr lang="en-US"/>
           </a:p>
         </p:txBody>
       </p:sp>
       <p:sp>
         <p:nvSpPr>
-          <p:cNvPr id="5" name="Slide Number Placeholder 4"/>
+          <p:cNvPr id="5" name="Slide Number Placeholder 5"/>
           <p:cNvSpPr>
             <a:spLocks noGrp="1"/>
           </p:cNvSpPr>
@@ -3495,11 +4151,20 @@
         <p:spPr/>
         <p:txBody>
           <a:bodyPr/>
-          <a:lstStyle/>
-          <a:p>
-            <a:fld id="{B6F15528-21DE-4FAA-801E-634DDDAF4B2B}" type="slidenum">
-              <a:rPr lang="en-US" smtClean="0"/>
-              <a:pPr/>
+          <a:lstStyle>
+            <a:lvl1pPr>
+              <a:defRPr/>
+            </a:lvl1pPr>
+          </a:lstStyle>
+          <a:p>
+            <a:pPr>
+              <a:defRPr/>
+            </a:pPr>
+            <a:fld id="{448625A4-6DAD-42A0-A2BB-A0D629A4641D}" type="slidenum">
+              <a:rPr lang="en-US"/>
+              <a:pPr>
+                <a:defRPr/>
+              </a:pPr>
               <a:t>‹#›</a:t>
             </a:fld>
             <a:endParaRPr lang="en-US"/>
@@ -3533,7 +4198,7 @@
       </p:grpSpPr>
       <p:sp>
         <p:nvSpPr>
-          <p:cNvPr id="2" name="Date Placeholder 1"/>
+          <p:cNvPr id="2" name="Date Placeholder 3"/>
           <p:cNvSpPr>
             <a:spLocks noGrp="1"/>
           </p:cNvSpPr>
@@ -3544,12 +4209,21 @@
         <p:spPr/>
         <p:txBody>
           <a:bodyPr/>
-          <a:lstStyle/>
-          <a:p>
-            <a:fld id="{1D8BD707-D9CF-40AE-B4C6-C98DA3205C09}" type="datetimeFigureOut">
-              <a:rPr lang="en-US" smtClean="0"/>
-              <a:pPr/>
-              <a:t>8/29/2011</a:t>
+          <a:lstStyle>
+            <a:lvl1pPr>
+              <a:defRPr/>
+            </a:lvl1pPr>
+          </a:lstStyle>
+          <a:p>
+            <a:pPr>
+              <a:defRPr/>
+            </a:pPr>
+            <a:fld id="{06C8FFC3-83E6-47F8-A2D1-EF097DC93795}" type="datetimeFigureOut">
+              <a:rPr lang="en-US"/>
+              <a:pPr>
+                <a:defRPr/>
+              </a:pPr>
+              <a:t>8/31/2011</a:t>
             </a:fld>
             <a:endParaRPr lang="en-US"/>
           </a:p>
@@ -3557,7 +4231,7 @@
       </p:sp>
       <p:sp>
         <p:nvSpPr>
-          <p:cNvPr id="3" name="Footer Placeholder 2"/>
+          <p:cNvPr id="3" name="Footer Placeholder 4"/>
           <p:cNvSpPr>
             <a:spLocks noGrp="1"/>
           </p:cNvSpPr>
@@ -3568,15 +4242,22 @@
         <p:spPr/>
         <p:txBody>
           <a:bodyPr/>
-          <a:lstStyle/>
-          <a:p>
+          <a:lstStyle>
+            <a:lvl1pPr>
+              <a:defRPr/>
+            </a:lvl1pPr>
+          </a:lstStyle>
+          <a:p>
+            <a:pPr>
+              <a:defRPr/>
+            </a:pPr>
             <a:endParaRPr lang="en-US"/>
           </a:p>
         </p:txBody>
       </p:sp>
       <p:sp>
         <p:nvSpPr>
-          <p:cNvPr id="4" name="Slide Number Placeholder 3"/>
+          <p:cNvPr id="4" name="Slide Number Placeholder 5"/>
           <p:cNvSpPr>
             <a:spLocks noGrp="1"/>
           </p:cNvSpPr>
@@ -3587,11 +4268,20 @@
         <p:spPr/>
         <p:txBody>
           <a:bodyPr/>
-          <a:lstStyle/>
-          <a:p>
-            <a:fld id="{B6F15528-21DE-4FAA-801E-634DDDAF4B2B}" type="slidenum">
-              <a:rPr lang="en-US" smtClean="0"/>
-              <a:pPr/>
+          <a:lstStyle>
+            <a:lvl1pPr>
+              <a:defRPr/>
+            </a:lvl1pPr>
+          </a:lstStyle>
+          <a:p>
+            <a:pPr>
+              <a:defRPr/>
+            </a:pPr>
+            <a:fld id="{BE825FCA-1965-411C-847A-9BD08FF81D84}" type="slidenum">
+              <a:rPr lang="en-US"/>
+              <a:pPr>
+                <a:defRPr/>
+              </a:pPr>
               <a:t>‹#›</a:t>
             </a:fld>
             <a:endParaRPr lang="en-US"/>
@@ -3807,7 +4497,7 @@
       </p:sp>
       <p:sp>
         <p:nvSpPr>
-          <p:cNvPr id="5" name="Date Placeholder 4"/>
+          <p:cNvPr id="5" name="Date Placeholder 3"/>
           <p:cNvSpPr>
             <a:spLocks noGrp="1"/>
           </p:cNvSpPr>
@@ -3818,12 +4508,21 @@
         <p:spPr/>
         <p:txBody>
           <a:bodyPr/>
-          <a:lstStyle/>
-          <a:p>
-            <a:fld id="{1D8BD707-D9CF-40AE-B4C6-C98DA3205C09}" type="datetimeFigureOut">
-              <a:rPr lang="en-US" smtClean="0"/>
-              <a:pPr/>
-              <a:t>8/29/2011</a:t>
+          <a:lstStyle>
+            <a:lvl1pPr>
+              <a:defRPr/>
+            </a:lvl1pPr>
+          </a:lstStyle>
+          <a:p>
+            <a:pPr>
+              <a:defRPr/>
+            </a:pPr>
+            <a:fld id="{0F423FDC-937C-4DDD-B439-95871B4C2ADE}" type="datetimeFigureOut">
+              <a:rPr lang="en-US"/>
+              <a:pPr>
+                <a:defRPr/>
+              </a:pPr>
+              <a:t>8/31/2011</a:t>
             </a:fld>
             <a:endParaRPr lang="en-US"/>
           </a:p>
@@ -3831,7 +4530,7 @@
       </p:sp>
       <p:sp>
         <p:nvSpPr>
-          <p:cNvPr id="6" name="Footer Placeholder 5"/>
+          <p:cNvPr id="6" name="Footer Placeholder 4"/>
           <p:cNvSpPr>
             <a:spLocks noGrp="1"/>
           </p:cNvSpPr>
@@ -3842,15 +4541,22 @@
         <p:spPr/>
         <p:txBody>
           <a:bodyPr/>
-          <a:lstStyle/>
-          <a:p>
+          <a:lstStyle>
+            <a:lvl1pPr>
+              <a:defRPr/>
+            </a:lvl1pPr>
+          </a:lstStyle>
+          <a:p>
+            <a:pPr>
+              <a:defRPr/>
+            </a:pPr>
             <a:endParaRPr lang="en-US"/>
           </a:p>
         </p:txBody>
       </p:sp>
       <p:sp>
         <p:nvSpPr>
-          <p:cNvPr id="7" name="Slide Number Placeholder 6"/>
+          <p:cNvPr id="7" name="Slide Number Placeholder 5"/>
           <p:cNvSpPr>
             <a:spLocks noGrp="1"/>
           </p:cNvSpPr>
@@ -3861,11 +4567,20 @@
         <p:spPr/>
         <p:txBody>
           <a:bodyPr/>
-          <a:lstStyle/>
-          <a:p>
-            <a:fld id="{B6F15528-21DE-4FAA-801E-634DDDAF4B2B}" type="slidenum">
-              <a:rPr lang="en-US" smtClean="0"/>
-              <a:pPr/>
+          <a:lstStyle>
+            <a:lvl1pPr>
+              <a:defRPr/>
+            </a:lvl1pPr>
+          </a:lstStyle>
+          <a:p>
+            <a:pPr>
+              <a:defRPr/>
+            </a:pPr>
+            <a:fld id="{13AAF107-BDEF-464F-A7F2-374505EB84B0}" type="slidenum">
+              <a:rPr lang="en-US"/>
+              <a:pPr>
+                <a:defRPr/>
+              </a:pPr>
               <a:t>‹#›</a:t>
             </a:fld>
             <a:endParaRPr lang="en-US"/>
@@ -3946,7 +4661,9 @@
           </a:xfrm>
         </p:spPr>
         <p:txBody>
-          <a:bodyPr/>
+          <a:bodyPr rtlCol="0">
+            <a:normAutofit/>
+          </a:bodyPr>
           <a:lstStyle>
             <a:lvl1pPr marL="0" indent="0">
               <a:buNone/>
@@ -3986,7 +4703,8 @@
             </a:lvl9pPr>
           </a:lstStyle>
           <a:p>
-            <a:endParaRPr lang="en-US"/>
+            <a:pPr lvl="0"/>
+            <a:endParaRPr lang="en-US" noProof="0"/>
           </a:p>
         </p:txBody>
       </p:sp>
@@ -4057,7 +4775,7 @@
       </p:sp>
       <p:sp>
         <p:nvSpPr>
-          <p:cNvPr id="5" name="Date Placeholder 4"/>
+          <p:cNvPr id="5" name="Date Placeholder 3"/>
           <p:cNvSpPr>
             <a:spLocks noGrp="1"/>
           </p:cNvSpPr>
@@ -4068,12 +4786,21 @@
         <p:spPr/>
         <p:txBody>
           <a:bodyPr/>
-          <a:lstStyle/>
-          <a:p>
-            <a:fld id="{1D8BD707-D9CF-40AE-B4C6-C98DA3205C09}" type="datetimeFigureOut">
-              <a:rPr lang="en-US" smtClean="0"/>
-              <a:pPr/>
-              <a:t>8/29/2011</a:t>
+          <a:lstStyle>
+            <a:lvl1pPr>
+              <a:defRPr/>
+            </a:lvl1pPr>
+          </a:lstStyle>
+          <a:p>
+            <a:pPr>
+              <a:defRPr/>
+            </a:pPr>
+            <a:fld id="{F81BD158-5518-4E86-9E19-6B23469221B9}" type="datetimeFigureOut">
+              <a:rPr lang="en-US"/>
+              <a:pPr>
+                <a:defRPr/>
+              </a:pPr>
+              <a:t>8/31/2011</a:t>
             </a:fld>
             <a:endParaRPr lang="en-US"/>
           </a:p>
@@ -4081,7 +4808,7 @@
       </p:sp>
       <p:sp>
         <p:nvSpPr>
-          <p:cNvPr id="6" name="Footer Placeholder 5"/>
+          <p:cNvPr id="6" name="Footer Placeholder 4"/>
           <p:cNvSpPr>
             <a:spLocks noGrp="1"/>
           </p:cNvSpPr>
@@ -4092,15 +4819,22 @@
         <p:spPr/>
         <p:txBody>
           <a:bodyPr/>
-          <a:lstStyle/>
-          <a:p>
+          <a:lstStyle>
+            <a:lvl1pPr>
+              <a:defRPr/>
+            </a:lvl1pPr>
+          </a:lstStyle>
+          <a:p>
+            <a:pPr>
+              <a:defRPr/>
+            </a:pPr>
             <a:endParaRPr lang="en-US"/>
           </a:p>
         </p:txBody>
       </p:sp>
       <p:sp>
         <p:nvSpPr>
-          <p:cNvPr id="7" name="Slide Number Placeholder 6"/>
+          <p:cNvPr id="7" name="Slide Number Placeholder 5"/>
           <p:cNvSpPr>
             <a:spLocks noGrp="1"/>
           </p:cNvSpPr>
@@ -4111,11 +4845,20 @@
         <p:spPr/>
         <p:txBody>
           <a:bodyPr/>
-          <a:lstStyle/>
-          <a:p>
-            <a:fld id="{B6F15528-21DE-4FAA-801E-634DDDAF4B2B}" type="slidenum">
-              <a:rPr lang="en-US" smtClean="0"/>
-              <a:pPr/>
+          <a:lstStyle>
+            <a:lvl1pPr>
+              <a:defRPr/>
+            </a:lvl1pPr>
+          </a:lstStyle>
+          <a:p>
+            <a:pPr>
+              <a:defRPr/>
+            </a:pPr>
+            <a:fld id="{290D749B-E4EE-4488-8E21-8F0DE955831B}" type="slidenum">
+              <a:rPr lang="en-US"/>
+              <a:pPr>
+                <a:defRPr/>
+              </a:pPr>
               <a:t>‹#›</a:t>
             </a:fld>
             <a:endParaRPr lang="en-US"/>
@@ -4154,7 +4897,7 @@
       </p:grpSpPr>
       <p:sp>
         <p:nvSpPr>
-          <p:cNvPr id="2" name="Title Placeholder 1"/>
+          <p:cNvPr id="1026" name="Title Placeholder 1"/>
           <p:cNvSpPr>
             <a:spLocks noGrp="1"/>
           </p:cNvSpPr>
@@ -4162,7 +4905,7 @@
             <p:ph type="title"/>
           </p:nvPr>
         </p:nvSpPr>
-        <p:spPr>
+        <p:spPr bwMode="auto">
           <a:xfrm>
             <a:off x="457200" y="274638"/>
             <a:ext cx="8229600" cy="1143000"/>
@@ -4170,24 +4913,33 @@
           <a:prstGeom prst="rect">
             <a:avLst/>
           </a:prstGeom>
-        </p:spPr>
-        <p:txBody>
-          <a:bodyPr vert="horz" lIns="91440" tIns="45720" rIns="91440" bIns="45720" rtlCol="0" anchor="ctr">
-            <a:normAutofit/>
+          <a:noFill/>
+          <a:ln w="9525">
+            <a:noFill/>
+            <a:miter lim="800000"/>
+            <a:headEnd/>
+            <a:tailEnd/>
+          </a:ln>
+        </p:spPr>
+        <p:txBody>
+          <a:bodyPr vert="horz" wrap="square" lIns="91440" tIns="45720" rIns="91440" bIns="45720" numCol="1" anchor="ctr" anchorCtr="0" compatLnSpc="1">
+            <a:prstTxWarp prst="textNoShape">
+              <a:avLst/>
+            </a:prstTxWarp>
           </a:bodyPr>
           <a:lstStyle/>
           <a:p>
+            <a:pPr lvl="0"/>
             <a:r>
               <a:rPr lang="en-US" smtClean="0"/>
               <a:t>Click to edit Master title style</a:t>
             </a:r>
-            <a:endParaRPr lang="en-US"/>
-          </a:p>
-        </p:txBody>
-      </p:sp>
-      <p:sp>
-        <p:nvSpPr>
-          <p:cNvPr id="3" name="Text Placeholder 2"/>
+          </a:p>
+        </p:txBody>
+      </p:sp>
+      <p:sp>
+        <p:nvSpPr>
+          <p:cNvPr id="1027" name="Text Placeholder 2"/>
           <p:cNvSpPr>
             <a:spLocks noGrp="1"/>
           </p:cNvSpPr>
@@ -4195,7 +4947,7 @@
             <p:ph type="body" idx="1"/>
           </p:nvPr>
         </p:nvSpPr>
-        <p:spPr>
+        <p:spPr bwMode="auto">
           <a:xfrm>
             <a:off x="457200" y="1600200"/>
             <a:ext cx="8229600" cy="4525963"/>
@@ -4203,10 +4955,19 @@
           <a:prstGeom prst="rect">
             <a:avLst/>
           </a:prstGeom>
-        </p:spPr>
-        <p:txBody>
-          <a:bodyPr vert="horz" lIns="91440" tIns="45720" rIns="91440" bIns="45720" rtlCol="0">
-            <a:normAutofit/>
+          <a:noFill/>
+          <a:ln w="9525">
+            <a:noFill/>
+            <a:miter lim="800000"/>
+            <a:headEnd/>
+            <a:tailEnd/>
+          </a:ln>
+        </p:spPr>
+        <p:txBody>
+          <a:bodyPr vert="horz" wrap="square" lIns="91440" tIns="45720" rIns="91440" bIns="45720" numCol="1" anchor="t" anchorCtr="0" compatLnSpc="1">
+            <a:prstTxWarp prst="textNoShape">
+              <a:avLst/>
+            </a:prstTxWarp>
           </a:bodyPr>
           <a:lstStyle/>
           <a:p>
@@ -4243,7 +5004,6 @@
               <a:rPr lang="en-US" smtClean="0"/>
               <a:t>Fifth level</a:t>
             </a:r>
-            <a:endParaRPr lang="en-US"/>
           </a:p>
         </p:txBody>
       </p:sp>
@@ -4269,21 +5029,34 @@
         <p:txBody>
           <a:bodyPr vert="horz" lIns="91440" tIns="45720" rIns="91440" bIns="45720" rtlCol="0" anchor="ctr"/>
           <a:lstStyle>
-            <a:lvl1pPr algn="l">
-              <a:defRPr sz="1200">
+            <a:lvl1pPr algn="l" fontAlgn="auto">
+              <a:spcBef>
+                <a:spcPts val="0"/>
+              </a:spcBef>
+              <a:spcAft>
+                <a:spcPts val="0"/>
+              </a:spcAft>
+              <a:defRPr sz="1200" smtClean="0">
                 <a:solidFill>
                   <a:schemeClr val="tx1">
                     <a:tint val="75000"/>
                   </a:schemeClr>
                 </a:solidFill>
+                <a:latin typeface="+mn-lt"/>
+                <a:cs typeface="+mn-cs"/>
               </a:defRPr>
             </a:lvl1pPr>
           </a:lstStyle>
           <a:p>
-            <a:fld id="{1D8BD707-D9CF-40AE-B4C6-C98DA3205C09}" type="datetimeFigureOut">
-              <a:rPr lang="en-US" smtClean="0"/>
-              <a:pPr/>
-              <a:t>8/29/2011</a:t>
+            <a:pPr>
+              <a:defRPr/>
+            </a:pPr>
+            <a:fld id="{CB009CF9-8888-4FD4-B552-C80EA4D230B8}" type="datetimeFigureOut">
+              <a:rPr lang="en-US"/>
+              <a:pPr>
+                <a:defRPr/>
+              </a:pPr>
+              <a:t>8/31/2011</a:t>
             </a:fld>
             <a:endParaRPr lang="en-US"/>
           </a:p>
@@ -4311,17 +5084,28 @@
         <p:txBody>
           <a:bodyPr vert="horz" lIns="91440" tIns="45720" rIns="91440" bIns="45720" rtlCol="0" anchor="ctr"/>
           <a:lstStyle>
-            <a:lvl1pPr algn="ctr">
+            <a:lvl1pPr algn="ctr" fontAlgn="auto">
+              <a:spcBef>
+                <a:spcPts val="0"/>
+              </a:spcBef>
+              <a:spcAft>
+                <a:spcPts val="0"/>
+              </a:spcAft>
               <a:defRPr sz="1200">
                 <a:solidFill>
                   <a:schemeClr val="tx1">
                     <a:tint val="75000"/>
                   </a:schemeClr>
                 </a:solidFill>
+                <a:latin typeface="+mn-lt"/>
+                <a:cs typeface="+mn-cs"/>
               </a:defRPr>
             </a:lvl1pPr>
           </a:lstStyle>
           <a:p>
+            <a:pPr>
+              <a:defRPr/>
+            </a:pPr>
             <a:endParaRPr lang="en-US"/>
           </a:p>
         </p:txBody>
@@ -4348,20 +5132,33 @@
         <p:txBody>
           <a:bodyPr vert="horz" lIns="91440" tIns="45720" rIns="91440" bIns="45720" rtlCol="0" anchor="ctr"/>
           <a:lstStyle>
-            <a:lvl1pPr algn="r">
-              <a:defRPr sz="1200">
+            <a:lvl1pPr algn="r" fontAlgn="auto">
+              <a:spcBef>
+                <a:spcPts val="0"/>
+              </a:spcBef>
+              <a:spcAft>
+                <a:spcPts val="0"/>
+              </a:spcAft>
+              <a:defRPr sz="1200" smtClean="0">
                 <a:solidFill>
                   <a:schemeClr val="tx1">
                     <a:tint val="75000"/>
                   </a:schemeClr>
                 </a:solidFill>
+                <a:latin typeface="+mn-lt"/>
+                <a:cs typeface="+mn-cs"/>
               </a:defRPr>
             </a:lvl1pPr>
           </a:lstStyle>
           <a:p>
-            <a:fld id="{B6F15528-21DE-4FAA-801E-634DDDAF4B2B}" type="slidenum">
-              <a:rPr lang="en-US" smtClean="0"/>
-              <a:pPr/>
+            <a:pPr>
+              <a:defRPr/>
+            </a:pPr>
+            <a:fld id="{209A75EC-AF2A-42A8-96A8-CDBCECAAD252}" type="slidenum">
+              <a:rPr lang="en-US"/>
+              <a:pPr>
+                <a:defRPr/>
+              </a:pPr>
               <a:t>‹#›</a:t>
             </a:fld>
             <a:endParaRPr lang="en-US"/>
@@ -4386,11 +5183,13 @@
   </p:sldLayoutIdLst>
   <p:txStyles>
     <p:titleStyle>
-      <a:lvl1pPr algn="ctr" defTabSz="914400" rtl="0" eaLnBrk="1" latinLnBrk="0" hangingPunct="1">
+      <a:lvl1pPr algn="ctr" rtl="0" fontAlgn="base">
         <a:spcBef>
           <a:spcPct val="0"/>
         </a:spcBef>
-        <a:buNone/>
+        <a:spcAft>
+          <a:spcPct val="0"/>
+        </a:spcAft>
         <a:defRPr sz="4400" kern="1200">
           <a:solidFill>
             <a:schemeClr val="tx1"/>
@@ -4400,12 +5199,127 @@
           <a:cs typeface="+mj-cs"/>
         </a:defRPr>
       </a:lvl1pPr>
+      <a:lvl2pPr algn="ctr" rtl="0" fontAlgn="base">
+        <a:spcBef>
+          <a:spcPct val="0"/>
+        </a:spcBef>
+        <a:spcAft>
+          <a:spcPct val="0"/>
+        </a:spcAft>
+        <a:defRPr sz="4400">
+          <a:solidFill>
+            <a:schemeClr val="tx1"/>
+          </a:solidFill>
+          <a:latin typeface="Calibri" pitchFamily="34" charset="0"/>
+        </a:defRPr>
+      </a:lvl2pPr>
+      <a:lvl3pPr algn="ctr" rtl="0" fontAlgn="base">
+        <a:spcBef>
+          <a:spcPct val="0"/>
+        </a:spcBef>
+        <a:spcAft>
+          <a:spcPct val="0"/>
+        </a:spcAft>
+        <a:defRPr sz="4400">
+          <a:solidFill>
+            <a:schemeClr val="tx1"/>
+          </a:solidFill>
+          <a:latin typeface="Calibri" pitchFamily="34" charset="0"/>
+        </a:defRPr>
+      </a:lvl3pPr>
+      <a:lvl4pPr algn="ctr" rtl="0" fontAlgn="base">
+        <a:spcBef>
+          <a:spcPct val="0"/>
+        </a:spcBef>
+        <a:spcAft>
+          <a:spcPct val="0"/>
+        </a:spcAft>
+        <a:defRPr sz="4400">
+          <a:solidFill>
+            <a:schemeClr val="tx1"/>
+          </a:solidFill>
+          <a:latin typeface="Calibri" pitchFamily="34" charset="0"/>
+        </a:defRPr>
+      </a:lvl4pPr>
+      <a:lvl5pPr algn="ctr" rtl="0" fontAlgn="base">
+        <a:spcBef>
+          <a:spcPct val="0"/>
+        </a:spcBef>
+        <a:spcAft>
+          <a:spcPct val="0"/>
+        </a:spcAft>
+        <a:defRPr sz="4400">
+          <a:solidFill>
+            <a:schemeClr val="tx1"/>
+          </a:solidFill>
+          <a:latin typeface="Calibri" pitchFamily="34" charset="0"/>
+        </a:defRPr>
+      </a:lvl5pPr>
+      <a:lvl6pPr marL="457200" algn="ctr" rtl="0" fontAlgn="base">
+        <a:spcBef>
+          <a:spcPct val="0"/>
+        </a:spcBef>
+        <a:spcAft>
+          <a:spcPct val="0"/>
+        </a:spcAft>
+        <a:defRPr sz="4400">
+          <a:solidFill>
+            <a:schemeClr val="tx1"/>
+          </a:solidFill>
+          <a:latin typeface="Calibri" pitchFamily="34" charset="0"/>
+        </a:defRPr>
+      </a:lvl6pPr>
+      <a:lvl7pPr marL="914400" algn="ctr" rtl="0" fontAlgn="base">
+        <a:spcBef>
+          <a:spcPct val="0"/>
+        </a:spcBef>
+        <a:spcAft>
+          <a:spcPct val="0"/>
+        </a:spcAft>
+        <a:defRPr sz="4400">
+          <a:solidFill>
+            <a:schemeClr val="tx1"/>
+          </a:solidFill>
+          <a:latin typeface="Calibri" pitchFamily="34" charset="0"/>
+        </a:defRPr>
+      </a:lvl7pPr>
+      <a:lvl8pPr marL="1371600" algn="ctr" rtl="0" fontAlgn="base">
+        <a:spcBef>
+          <a:spcPct val="0"/>
+        </a:spcBef>
+        <a:spcAft>
+          <a:spcPct val="0"/>
+        </a:spcAft>
+        <a:defRPr sz="4400">
+          <a:solidFill>
+            <a:schemeClr val="tx1"/>
+          </a:solidFill>
+          <a:latin typeface="Calibri" pitchFamily="34" charset="0"/>
+        </a:defRPr>
+      </a:lvl8pPr>
+      <a:lvl9pPr marL="1828800" algn="ctr" rtl="0" fontAlgn="base">
+        <a:spcBef>
+          <a:spcPct val="0"/>
+        </a:spcBef>
+        <a:spcAft>
+          <a:spcPct val="0"/>
+        </a:spcAft>
+        <a:defRPr sz="4400">
+          <a:solidFill>
+            <a:schemeClr val="tx1"/>
+          </a:solidFill>
+          <a:latin typeface="Calibri" pitchFamily="34" charset="0"/>
+        </a:defRPr>
+      </a:lvl9pPr>
     </p:titleStyle>
     <p:bodyStyle>
-      <a:lvl1pPr marL="342900" indent="-342900" algn="l" defTabSz="914400" rtl="0" eaLnBrk="1" latinLnBrk="0" hangingPunct="1">
+      <a:lvl1pPr marL="342900" indent="-342900" algn="l" rtl="0" fontAlgn="base">
         <a:spcBef>
           <a:spcPct val="20000"/>
         </a:spcBef>
+        <a:spcAft>
+          <a:spcPct val="0"/>
+        </a:spcAft>
         <a:buFont typeface="Arial" pitchFamily="34" charset="0"/>
         <a:buChar char="•"/>
         <a:defRPr sz="3200" kern="1200">
@@ -4417,10 +5331,13 @@
           <a:cs typeface="+mn-cs"/>
         </a:defRPr>
       </a:lvl1pPr>
-      <a:lvl2pPr marL="742950" indent="-285750" algn="l" defTabSz="914400" rtl="0" eaLnBrk="1" latinLnBrk="0" hangingPunct="1">
+      <a:lvl2pPr marL="742950" indent="-285750" algn="l" rtl="0" fontAlgn="base">
         <a:spcBef>
           <a:spcPct val="20000"/>
         </a:spcBef>
+        <a:spcAft>
+          <a:spcPct val="0"/>
+        </a:spcAft>
         <a:buFont typeface="Arial" pitchFamily="34" charset="0"/>
         <a:buChar char="–"/>
         <a:defRPr sz="2800" kern="1200">
@@ -4432,10 +5349,13 @@
           <a:cs typeface="+mn-cs"/>
         </a:defRPr>
       </a:lvl2pPr>
-      <a:lvl3pPr marL="1143000" indent="-228600" algn="l" defTabSz="914400" rtl="0" eaLnBrk="1" latinLnBrk="0" hangingPunct="1">
+      <a:lvl3pPr marL="1143000" indent="-228600" algn="l" rtl="0" fontAlgn="base">
         <a:spcBef>
           <a:spcPct val="20000"/>
         </a:spcBef>
+        <a:spcAft>
+          <a:spcPct val="0"/>
+        </a:spcAft>
         <a:buFont typeface="Arial" pitchFamily="34" charset="0"/>
         <a:buChar char="•"/>
         <a:defRPr sz="2400" kern="1200">
@@ -4447,10 +5367,13 @@
           <a:cs typeface="+mn-cs"/>
         </a:defRPr>
       </a:lvl3pPr>
-      <a:lvl4pPr marL="1600200" indent="-228600" algn="l" defTabSz="914400" rtl="0" eaLnBrk="1" latinLnBrk="0" hangingPunct="1">
+      <a:lvl4pPr marL="1600200" indent="-228600" algn="l" rtl="0" fontAlgn="base">
         <a:spcBef>
           <a:spcPct val="20000"/>
         </a:spcBef>
+        <a:spcAft>
+          <a:spcPct val="0"/>
+        </a:spcAft>
         <a:buFont typeface="Arial" pitchFamily="34" charset="0"/>
         <a:buChar char="–"/>
         <a:defRPr sz="2000" kern="1200">
@@ -4462,10 +5385,13 @@
           <a:cs typeface="+mn-cs"/>
         </a:defRPr>
       </a:lvl4pPr>
-      <a:lvl5pPr marL="2057400" indent="-228600" algn="l" defTabSz="914400" rtl="0" eaLnBrk="1" latinLnBrk="0" hangingPunct="1">
+      <a:lvl5pPr marL="2057400" indent="-228600" algn="l" rtl="0" fontAlgn="base">
         <a:spcBef>
           <a:spcPct val="20000"/>
         </a:spcBef>
+        <a:spcAft>
+          <a:spcPct val="0"/>
+        </a:spcAft>
         <a:buFont typeface="Arial" pitchFamily="34" charset="0"/>
         <a:buChar char="»"/>
         <a:defRPr sz="2000" kern="1200">
@@ -4640,6 +5566,14 @@
 <file path=ppt/slides/slide1.xml><?xml version="1.0" encoding="utf-8"?>
 <p:sld xmlns:a="http://schemas.openxmlformats.org/drawingml/2006/main" xmlns:r="http://schemas.openxmlformats.org/officeDocument/2006/relationships" xmlns:p="http://schemas.openxmlformats.org/presentationml/2006/main">
   <p:cSld>
+    <p:bg>
+      <p:bgPr>
+        <a:solidFill>
+          <a:schemeClr val="tx1"/>
+        </a:solidFill>
+        <a:effectLst/>
+      </p:bgPr>
+    </p:bg>
     <p:spTree>
       <p:nvGrpSpPr>
         <p:cNvPr id="1" name=""/>
@@ -4656,7 +5590,7 @@
       </p:grpSpPr>
       <p:sp>
         <p:nvSpPr>
-          <p:cNvPr id="4" name="Title 3"/>
+          <p:cNvPr id="2050" name="Title 3"/>
           <p:cNvSpPr>
             <a:spLocks noGrp="1"/>
           </p:cNvSpPr>
@@ -4670,29 +5604,46 @@
           <a:lstStyle/>
           <a:p>
             <a:r>
-              <a:rPr lang="nb-NO" dirty="0" smtClean="0"/>
+              <a:rPr lang="nb-NO" smtClean="0">
+                <a:solidFill>
+                  <a:srgbClr val="92D050"/>
+                </a:solidFill>
+              </a:rPr>
               <a:t>Camel spotting!</a:t>
             </a:r>
-            <a:endParaRPr lang="en-US" dirty="0"/>
+            <a:br>
+              <a:rPr lang="nb-NO" smtClean="0">
+                <a:solidFill>
+                  <a:srgbClr val="92D050"/>
+                </a:solidFill>
+              </a:rPr>
+            </a:br>
+            <a:r>
+              <a:rPr lang="nb-NO" sz="2000" smtClean="0">
+                <a:solidFill>
+                  <a:srgbClr val="92D050"/>
+                </a:solidFill>
+              </a:rPr>
+              <a:t>Featuring:</a:t>
+            </a:r>
+            <a:endParaRPr lang="en-US" sz="2000" smtClean="0">
+              <a:solidFill>
+                <a:srgbClr val="92D050"/>
+              </a:solidFill>
+            </a:endParaRPr>
           </a:p>
         </p:txBody>
       </p:sp>
       <p:pic>
         <p:nvPicPr>
-          <p:cNvPr id="1026" name="Picture 2"/>
+          <p:cNvPr id="2051" name="Picture 2"/>
           <p:cNvPicPr>
             <a:picLocks noChangeAspect="1" noChangeArrowheads="1"/>
           </p:cNvPicPr>
           <p:nvPr/>
         </p:nvPicPr>
         <p:blipFill>
-          <a:blip r:embed="rId2" cstate="print">
-            <a:extLst>
-              <a:ext uri="{28A0092B-C50C-407E-A947-70E740481C1C}">
-                <a14:useLocalDpi xmlns="" xmlns:a14="http://schemas.microsoft.com/office/drawing/2010/main" val="0"/>
-              </a:ext>
-            </a:extLst>
-          </a:blip>
+          <a:blip r:embed="rId2" cstate="print"/>
           <a:srcRect/>
           <a:stretch>
             <a:fillRect/>
@@ -4700,47 +5651,263 @@
         </p:blipFill>
         <p:spPr bwMode="auto">
           <a:xfrm>
-            <a:off x="4000500" y="3429000"/>
-            <a:ext cx="1143000" cy="857250"/>
+            <a:off x="3657600" y="4114800"/>
+            <a:ext cx="1524000" cy="1143000"/>
           </a:xfrm>
           <a:prstGeom prst="rect">
             <a:avLst/>
           </a:prstGeom>
           <a:noFill/>
-          <a:ln>
+          <a:ln w="9525">
             <a:noFill/>
+            <a:miter lim="800000"/>
+            <a:headEnd/>
+            <a:tailEnd/>
           </a:ln>
-          <a:effectLst/>
-          <a:extLst>
-            <a:ext uri="{909E8E84-426E-40DD-AFC4-6F175D3DCCD1}">
-              <a14:hiddenFill xmlns="" xmlns:a14="http://schemas.microsoft.com/office/drawing/2010/main">
+        </p:spPr>
+      </p:pic>
+      <p:pic>
+        <p:nvPicPr>
+          <p:cNvPr id="2052" name="Picture 2" descr="Bjørn Nordlund"/>
+          <p:cNvPicPr>
+            <a:picLocks noChangeAspect="1" noChangeArrowheads="1"/>
+          </p:cNvPicPr>
+          <p:nvPr/>
+        </p:nvPicPr>
+        <p:blipFill>
+          <a:blip r:embed="rId3" cstate="print"/>
+          <a:srcRect/>
+          <a:stretch>
+            <a:fillRect/>
+          </a:stretch>
+        </p:blipFill>
+        <p:spPr bwMode="auto">
+          <a:xfrm>
+            <a:off x="1905000" y="3352800"/>
+            <a:ext cx="1219200" cy="1828800"/>
+          </a:xfrm>
+          <a:prstGeom prst="rect">
+            <a:avLst/>
+          </a:prstGeom>
+          <a:noFill/>
+          <a:ln w="9525">
+            <a:noFill/>
+            <a:miter lim="800000"/>
+            <a:headEnd/>
+            <a:tailEnd/>
+          </a:ln>
+        </p:spPr>
+      </p:pic>
+      <p:sp>
+        <p:nvSpPr>
+          <p:cNvPr id="2053" name="AutoShape 4" descr="data:image/jpg;base64,/9j/4AAQSkZJRgABAQAAAQABAAD/2wCEAAkGBhQQEBAREBAVEhQUFBUWFRUWFRQSFBcUFRQWFxUUFBQXHCYgFxojGRQXHy8gIycpLC0sFR4xNTAqNSYrLCkBCQoKBQUFDQUFDSkYEhgpKSkpKSkpKSkpKSkpKSkpKSkpKSkpKSkpKSkpKSkpKSkpKSkpKSkpKSkpKSkpKSkpKf/AABEIAKkAoAMBIgACEQEDEQH/xAAcAAABBQEBAQAAAAAAAAAAAAACAQQFBgcAAwj/xAA7EAABAwIDBgQDCAECBwAAAAABAAIRAwQFEiEGMUFRYXETIoGRBzKxI0JyocHR4fAVUrIUJGJjc4LS/8QAFAEBAAAAAAAAAAAAAAAAAAAAAP/EABQRAQAAAAAAAAAAAAAAAAAAAAD/2gAMAwEAAhEDEQA/ANdCWFwCKEHBLC4BKEHAJV0Kq7ebYCypinT1r1QcnJjdxqH9EB7Vbb07Rr6dL7WuB8o+VhI0L3cO29Y+6gXlznPLnvcC46kmf5XpSpuJOZ0zJJcd5OpJPEpvWr+G4Q4f3ugcXFz4EZJPccOfdR5xJrzGoOsHrv1Ti4vm6E+aQZ7H9VXbm8AcSBxQWaoGmnqIPvPdNaNTKRxb0TWnd+IG5YDhplnf0/vNeljRzHK4wdd/KdED9tVrwdNTz/bmnuz+OVsPrtqUy59IHz0pLQ4HodAeqYmgKbTrq0xB5EpsHFxcC7XUb93RBvWz+01C+ZnoPkiMzDo9v4h+o0UqQvnbBcVrWNw24o6lsh7CYD2feaT6LdNmtoqd/btrUtOD2H5mPG9p+vZBJwkhGUKACkhEQkKD0CULgihBwSwuAShB25YLtBduvbuvVLtMxAJ4U26Na0dvqtq2jxVtra16zjGVhy9XnRgA/EQsCouynR2p9dY1gf3cg52JeF5Q2AN54lR9zT8UyxuvSTHtx6KWtMHNd2UDXeSdTH0Ct2HbMtotMN/dBm4wt4+YZZHFNH4ec0kLXHYUHjVqa3WyYIgDVBllRpBkaI/8g7Tnz6K04pss5hmCVA17Ag6tMIG4xEuMuk/xr6p3dVw6Kg0c6Mw6bp/L81H16JGoBHJeZcdNI03eyCbp1M7CRyM+i9dmtqqthcsqUycs/a050qM4z14g81HW1wGAN57+3JA6lmeXHTXd0QfTGH4gy4pMrUnZmPEtP6HkRy6L3KzX4N4sSLi1cdGkVGD8Wj49QD6laWUAFIURQlB6IgkCIIFCIIQiCDJviRtCa93/AMGDFOgQXR96q4cegBj1KgnUmMEaTun9FA4liD6t7dVXaF1ap75oj0ACkcOf4ldjSZya+qC6YNYikyY1MSVN0jO9RlJ2gUjRO5A4axehYlpJXOQNbi0DxqAVXcU2Xa6SArUXIDB3oMuutmnAxCja+zr9dFrlSxaRuUdeYaI0CDI7jDXMgkJq9xHm4HT1WhYjhuadFQ76madR1MjiD/IQWr4U3Z/ylID77Kgd2yz7aLdSsB+GAc3F7aOLKg/9Sw7uq38oAKQoihKD0CIIQiCAgue+ASdwBPsuUbtLiPgWtZ41dlLWDm9who9zKD5zvbmXEf8Ace/3JKm9kbfzPqHiSqtVtnMrPpv+YGDy110Vz2ebENHJBb7cp+x2gUVRdCk6BkIHTK8cUNS4KEU0ZooPE3RStuOqPwAvN9Hkgctuea8a9WU3qUivJ7oCBjfDeVRNpmBtdjyPmbHqD/Ku18/RU/almYNPIH+/kg9fhyXHFrVtMTlLy48m5DJW/FfPnworObi9AD7zajXdss/oF9BlAJQlEUJQegRBCEoQEqJ8T67nCjQG4hzjBjUkMb+WZXsKlbZUw66ZI3UQfao6fqEGRY5hbqdzT3mWNgnid0en6q3YBYZGEnfu/dM8TuA+qxzh8hdHdWGwZ9m3tPugKiyeyk7dzWjeoC+rtZJc4R3UBdbVUBLRUPpJ+iDSGXLeYSOuAsdfjzc0suHHuHBWLCdpDGr8yC/NqBE0gqvUMYBG9ehxbqgm6qYXLFFv2opsPmcvejjtKr8rwTy4oGOIugqrY7cCHN6R9ZVlxQ6gql4xU+0f7e4hBb/gnhbX3Nzcu1dTY1jehfOY+zY9VsZWa/A22i1uanF1YN9GsH/0VpJQIUJSlIUBhKEISoDCq+19vFW3qRIy1KZ92vH+1ys8qK2otXVLZ3hiXsLagHE5fmA6lshBlG0bQw0WREuc6eYjcrDaDytjkFB7W37Xst6jdRJ17xAPL+FOYU7M1vYIBu8Lp1T56c+gj2MT7KJuMBoNkeCPQSPUK3Mt01urIOkQgoVxg1MZsjA2dNAR9V2F7LEa69+HorrSwVg1IJ7nT2Xq+mAd0IGFrgLPDJO9VXG3VGT4YlX+u3LS9CoF1sHaESgoP/NGCGh44gj+VIWmMhkf8RbGn/1DUKwuw/K7QQO0j2XubHOILQe4QM2PDw1zHS3vIhQN/YeJVLd8ukqzCzbTByty8/3UNYW7n3FVzdTIYz8biBu9kGn/AAxsfCsd0ZqjiOwhv1aVbCm+H2Yo0qdJu5jQ32Gp917lAhQlKUJQHKJAiCAgUqFKCgqG2uxlKrb3FSmBTeGmo6PkcW6klvA9Qq3htcMa0HkPotFx+mXWly1upNGoAOuUrK88spkb9PTugsf+Sgb0zusfDASYVcxHEDThoBJO4LwsLd9Rwc/0HAILLYY1UrvgNyN3yd5T+tUMgHVQtV5ptluhG7+8l42m04c4CoMrh6j0KCzX4+zidwUNReNTEwvWriucEhMW3zQC0EE9EEvSqMcAQQV7+EIVRdcGk7MCYO8KZtMRzAGUHYo3KCei8PhjbeNcy4SKeaqeWY+Vn6n0QYxWLmODRLj5QOrtB9Vo+zWAss7dlJrRmyjO7i58aknvKCVlIVyRByElKShJQFKUFDKUIDBSoAUsoCIkLG6lN1GrXt36upvME8Wky1w9FscrJPilU8LEKb2iJosz9fM4D6IGl1QzhtRu9sj33phc3degDVbTFRgHmAkOA59k6wy8BMT5Xbu/JTFGlHl3hBG2uOio2XUXNEAk8IPGR3XldWdKoJY7KVLWtr4XiimzOHDSnIEc8pPDjCeC3taoe57RTMx5vIRHET/dEFTGHv3eJI7pza4eGa5vfkrA/AaFMMPiHWJ8w104Qq5jWGeNlp0yQwzmdJneYAQet09h8ucE9DK8rOi5jyAZbE9tf2Ti1wGnRY1rGxHHiTzlHVcGyNzRq4/QIJDALTxru2byearvw0xIn1yj1WpFVLYDCyKbrp4g1QBTHKiNR6uOvsrYUHJCulDKBUJXEpECopQJUBgrpQptimKMtqNSvVdlZTaXOO89gOJJQPQVke3VVt1f12NIPh0mMkf6gTOvQuUVjXxirXJNO3YabXGJkh0HT5hqmezBzXFRp4sn2I/dAOHAtlupcw/0q5WZzsniq3f2ppu8RvYjm1S+zd2HAt9uxQPKnOSCEFS8cdHhrx1AP1T+4s51CjbizcP4QHTqCIDG9NF7+FxO9NrakRvTt/lElBH4ld+G3QiT/ZVUvbg1KVR25gBA6nmfdPMXuDUflB+b8mj90yxtwZbuaOjRG7XRA/wb4n3dvTbSp+HVZTEBrwfEDBwJBE6cVbcF+L3jVqdKrammHuDczXh0F2g0iYlY+SGuY4gxGpHzCDoVadicCNzfUhkMMcKjngA0yGmZ6E6buKDe5SErpSSg4pCuJQkoClKglLKA5UTtVhBu7OvQaQHPb5SdRIIIn2hSkpZQfNmIWLreo2nUY5pDoOaGnQj7o+Ue8qRwK68O7YToHS333fmtV2y+HtK/+1a40q4Gj97TG4Pb+o/NZNj2C1rSqWVWFrgZa77pjix3FBea9CR3UA5rraqHtHknUctfopfB78XFFj+O49xvXvc2sjdKB5h+KNe0Gf7zTms8b5VPqWrqTpYYHLh/COjjLxoWk9oQWsRChNosVFNhbz/uiaVsdcBAaZ66D8lC1KTnvzvJcf7oEHrZUy6XneT7DdCidprgOcyk3cNT34KWuLkMbOmir2GYfVvK+Wiwve7gOAHEngEAULZ9SpSZSaXvcSA0CZmND0W87F7Jsw+hlA+0fBqEGRP+lvQSU32J2LZY0w54a6u4eZ2/KD9xh+pVolByQrpSSgWUJXFIg4FLKRKECylBQpUBJtf4dSrsyVqbajeTgD69F7pSgrNLYGhSLvALqYcZyzmbPSdQmd7gtSiJIzN5jX3CuQSVdx7IM3uLQFRlTDoO5Wa53u7pjVQQjrXom1ZoEqarKOutxQQ1tglW/rChQHVzj8rG83Fa3snsjSw+lkpjM8jz1CPM48ujeiiPhp8l1/5G/wC1XNAspFy5AkrpXJECLkq5B//Z"/>
+          <p:cNvSpPr>
+            <a:spLocks noChangeAspect="1" noChangeArrowheads="1"/>
+          </p:cNvSpPr>
+          <p:nvPr/>
+        </p:nvSpPr>
+        <p:spPr bwMode="auto">
+          <a:xfrm>
+            <a:off x="155575" y="-144463"/>
+            <a:ext cx="304800" cy="304801"/>
+          </a:xfrm>
+          <a:prstGeom prst="rect">
+            <a:avLst/>
+          </a:prstGeom>
+          <a:noFill/>
+          <a:ln w="9525">
+            <a:noFill/>
+            <a:miter lim="800000"/>
+            <a:headEnd/>
+            <a:tailEnd/>
+          </a:ln>
+        </p:spPr>
+        <p:txBody>
+          <a:bodyPr/>
+          <a:lstStyle/>
+          <a:p>
+            <a:endParaRPr lang="en-US">
+              <a:latin typeface="Calibri" pitchFamily="34" charset="0"/>
+            </a:endParaRPr>
+          </a:p>
+        </p:txBody>
+      </p:sp>
+      <p:pic>
+        <p:nvPicPr>
+          <p:cNvPr id="2054" name="Picture 6" descr="http://profile.ak.fbcdn.net/hprofile-ak-snc4/41660_551631775_5085_n.jpg"/>
+          <p:cNvPicPr>
+            <a:picLocks noChangeAspect="1" noChangeArrowheads="1"/>
+          </p:cNvPicPr>
+          <p:nvPr/>
+        </p:nvPicPr>
+        <p:blipFill>
+          <a:blip r:embed="rId4" cstate="print"/>
+          <a:srcRect/>
+          <a:stretch>
+            <a:fillRect/>
+          </a:stretch>
+        </p:blipFill>
+        <p:spPr bwMode="auto">
+          <a:xfrm>
+            <a:off x="5791200" y="4267200"/>
+            <a:ext cx="1150938" cy="1219200"/>
+          </a:xfrm>
+          <a:prstGeom prst="rect">
+            <a:avLst/>
+          </a:prstGeom>
+          <a:noFill/>
+          <a:ln w="9525">
+            <a:noFill/>
+            <a:miter lim="800000"/>
+            <a:headEnd/>
+            <a:tailEnd/>
+          </a:ln>
+        </p:spPr>
+      </p:pic>
+      <p:sp>
+        <p:nvSpPr>
+          <p:cNvPr id="2055" name="TextBox 6"/>
+          <p:cNvSpPr txBox="1">
+            <a:spLocks noChangeArrowheads="1"/>
+          </p:cNvSpPr>
+          <p:nvPr/>
+        </p:nvSpPr>
+        <p:spPr bwMode="auto">
+          <a:xfrm>
+            <a:off x="1905000" y="4876800"/>
+            <a:ext cx="1828800" cy="276225"/>
+          </a:xfrm>
+          <a:prstGeom prst="rect">
+            <a:avLst/>
+          </a:prstGeom>
+          <a:noFill/>
+          <a:ln w="9525">
+            <a:noFill/>
+            <a:miter lim="800000"/>
+            <a:headEnd/>
+            <a:tailEnd/>
+          </a:ln>
+        </p:spPr>
+        <p:txBody>
+          <a:bodyPr>
+            <a:spAutoFit/>
+          </a:bodyPr>
+          <a:lstStyle/>
+          <a:p>
+            <a:r>
+              <a:rPr lang="nb-NO" sz="1200">
                 <a:solidFill>
-                  <a:schemeClr val="accent1"/>
+                  <a:schemeClr val="bg1"/>
                 </a:solidFill>
-              </a14:hiddenFill>
-            </a:ext>
-            <a:ext uri="{91240B29-F687-4F45-9708-019B960494DF}">
-              <a14:hiddenLine xmlns="" xmlns:a14="http://schemas.microsoft.com/office/drawing/2010/main" w="9525">
+                <a:latin typeface="Calibri" pitchFamily="34" charset="0"/>
+              </a:rPr>
+              <a:t>Bjørn Nordlund</a:t>
+            </a:r>
+            <a:endParaRPr lang="en-US" sz="1200">
+              <a:solidFill>
+                <a:schemeClr val="bg1"/>
+              </a:solidFill>
+              <a:latin typeface="Calibri" pitchFamily="34" charset="0"/>
+            </a:endParaRPr>
+          </a:p>
+        </p:txBody>
+      </p:sp>
+      <p:sp>
+        <p:nvSpPr>
+          <p:cNvPr id="2056" name="TextBox 7"/>
+          <p:cNvSpPr txBox="1">
+            <a:spLocks noChangeArrowheads="1"/>
+          </p:cNvSpPr>
+          <p:nvPr/>
+        </p:nvSpPr>
+        <p:spPr bwMode="auto">
+          <a:xfrm>
+            <a:off x="3505200" y="5257800"/>
+            <a:ext cx="1828800" cy="276225"/>
+          </a:xfrm>
+          <a:prstGeom prst="rect">
+            <a:avLst/>
+          </a:prstGeom>
+          <a:noFill/>
+          <a:ln w="9525">
+            <a:noFill/>
+            <a:miter lim="800000"/>
+            <a:headEnd/>
+            <a:tailEnd/>
+          </a:ln>
+        </p:spPr>
+        <p:txBody>
+          <a:bodyPr wrap="none">
+            <a:spAutoFit/>
+          </a:bodyPr>
+          <a:lstStyle/>
+          <a:p>
+            <a:r>
+              <a:rPr lang="nb-NO" sz="1200">
                 <a:solidFill>
-                  <a:schemeClr val="tx1"/>
+                  <a:schemeClr val="bg1"/>
                 </a:solidFill>
-                <a:miter lim="800000"/>
-                <a:headEnd/>
-                <a:tailEnd/>
-              </a14:hiddenLine>
-            </a:ext>
-            <a:ext uri="{AF507438-7753-43E0-B8FC-AC1667EBCBE1}">
-              <a14:hiddenEffects xmlns="" xmlns:a14="http://schemas.microsoft.com/office/drawing/2010/main">
-                <a:effectLst>
-                  <a:outerShdw dist="35921" dir="2700000" algn="ctr" rotWithShape="0">
-                    <a:schemeClr val="bg2"/>
-                  </a:outerShdw>
-                </a:effectLst>
-              </a14:hiddenEffects>
-            </a:ext>
-          </a:extLst>
-        </p:spPr>
-      </p:pic>
+                <a:latin typeface="Calibri" pitchFamily="34" charset="0"/>
+              </a:rPr>
+              <a:t>Kompisen til Michael Palin</a:t>
+            </a:r>
+            <a:endParaRPr lang="en-US" sz="1200">
+              <a:solidFill>
+                <a:schemeClr val="bg1"/>
+              </a:solidFill>
+              <a:latin typeface="Calibri" pitchFamily="34" charset="0"/>
+            </a:endParaRPr>
+          </a:p>
+        </p:txBody>
+      </p:sp>
+      <p:sp>
+        <p:nvSpPr>
+          <p:cNvPr id="2057" name="TextBox 8"/>
+          <p:cNvSpPr txBox="1">
+            <a:spLocks noChangeArrowheads="1"/>
+          </p:cNvSpPr>
+          <p:nvPr/>
+        </p:nvSpPr>
+        <p:spPr bwMode="auto">
+          <a:xfrm>
+            <a:off x="5638800" y="5486400"/>
+            <a:ext cx="1506538" cy="276225"/>
+          </a:xfrm>
+          <a:prstGeom prst="rect">
+            <a:avLst/>
+          </a:prstGeom>
+          <a:noFill/>
+          <a:ln w="9525">
+            <a:noFill/>
+            <a:miter lim="800000"/>
+            <a:headEnd/>
+            <a:tailEnd/>
+          </a:ln>
+        </p:spPr>
+        <p:txBody>
+          <a:bodyPr wrap="none">
+            <a:spAutoFit/>
+          </a:bodyPr>
+          <a:lstStyle/>
+          <a:p>
+            <a:r>
+              <a:rPr lang="nb-NO" sz="1200">
+                <a:solidFill>
+                  <a:schemeClr val="bg1"/>
+                </a:solidFill>
+                <a:latin typeface="Calibri" pitchFamily="34" charset="0"/>
+              </a:rPr>
+              <a:t>Rune Peter Bjørnstad</a:t>
+            </a:r>
+            <a:endParaRPr lang="en-US" sz="1200">
+              <a:solidFill>
+                <a:schemeClr val="bg1"/>
+              </a:solidFill>
+              <a:latin typeface="Calibri" pitchFamily="34" charset="0"/>
+            </a:endParaRPr>
+          </a:p>
+        </p:txBody>
+      </p:sp>
     </p:spTree>
   </p:cSld>
   <p:clrMapOvr>
@@ -4775,7 +5942,7 @@
       </p:grpSpPr>
       <p:sp>
         <p:nvSpPr>
-          <p:cNvPr id="2" name="Title 1"/>
+          <p:cNvPr id="11266" name="Title 1"/>
           <p:cNvSpPr>
             <a:spLocks noGrp="1"/>
           </p:cNvSpPr>
@@ -4789,16 +5956,16 @@
           <a:lstStyle/>
           <a:p>
             <a:r>
-              <a:rPr lang="nb-NO" dirty="0" smtClean="0"/>
-              <a:t>Krav</a:t>
-            </a:r>
-            <a:endParaRPr lang="en-US" dirty="0"/>
-          </a:p>
-        </p:txBody>
-      </p:sp>
-      <p:sp>
-        <p:nvSpPr>
-          <p:cNvPr id="3" name="Content Placeholder 2"/>
+              <a:rPr lang="nb-NO" smtClean="0"/>
+              <a:t>Ulemper?</a:t>
+            </a:r>
+            <a:endParaRPr lang="en-US" smtClean="0"/>
+          </a:p>
+        </p:txBody>
+      </p:sp>
+      <p:sp>
+        <p:nvSpPr>
+          <p:cNvPr id="11267" name="Content Placeholder 2"/>
           <p:cNvSpPr>
             <a:spLocks noGrp="1"/>
           </p:cNvSpPr>
@@ -4806,53 +5973,12 @@
             <p:ph idx="1"/>
           </p:nvPr>
         </p:nvSpPr>
-        <p:spPr>
-          <a:xfrm>
-            <a:off x="457200" y="1600201"/>
-            <a:ext cx="8229600" cy="2971800"/>
-          </a:xfrm>
-        </p:spPr>
-        <p:txBody>
-          <a:bodyPr>
-            <a:normAutofit fontScale="70000" lnSpcReduction="20000"/>
-          </a:bodyPr>
+        <p:spPr/>
+        <p:txBody>
+          <a:bodyPr/>
           <a:lstStyle/>
           <a:p>
-            <a:r>
-              <a:rPr lang="nb-NO" dirty="0" smtClean="0"/>
-              <a:t>Ta i mot en fil med betalingstransaksjoner (1000). 1 trans pr linje, kommaseparerte felter</a:t>
-            </a:r>
-          </a:p>
-          <a:p>
-            <a:r>
-              <a:rPr lang="nb-NO" dirty="0" smtClean="0"/>
-              <a:t>Danne en kvittering til kunden ved mottatt fil</a:t>
-            </a:r>
-          </a:p>
-          <a:p>
-            <a:r>
-              <a:rPr lang="nb-NO" dirty="0" smtClean="0"/>
-              <a:t>Hver transaksjon skal sendes til dekningskontrollsystem individuelt</a:t>
-            </a:r>
-          </a:p>
-          <a:p>
-            <a:r>
-              <a:rPr lang="nb-NO" dirty="0" smtClean="0"/>
-              <a:t>Etter at transaksjonene er dekningskontrollert OK individuelt skal transaksjonene samlet sendes til clearing systemet.</a:t>
-            </a:r>
-          </a:p>
-          <a:p>
-            <a:endParaRPr lang="nb-NO" dirty="0" smtClean="0"/>
-          </a:p>
-          <a:p>
-            <a:pPr>
-              <a:buNone/>
-            </a:pPr>
-            <a:r>
-              <a:rPr lang="nb-NO" dirty="0" smtClean="0"/>
-              <a:t> (dekningskontroll og clearing er allerede laget og skal bare benyttes.)</a:t>
-            </a:r>
-            <a:endParaRPr lang="en-US" dirty="0"/>
+            <a:endParaRPr lang="en-US" smtClean="0"/>
           </a:p>
         </p:txBody>
       </p:sp>
@@ -4888,515 +6014,43 @@
           <a:chExt cx="0" cy="0"/>
         </a:xfrm>
       </p:grpSpPr>
-      <p:sp>
-        <p:nvSpPr>
-          <p:cNvPr id="2" name="Title 1"/>
-          <p:cNvSpPr>
-            <a:spLocks noGrp="1"/>
-          </p:cNvSpPr>
-          <p:nvPr>
-            <p:ph type="title"/>
-          </p:nvPr>
-        </p:nvSpPr>
-        <p:spPr/>
-        <p:txBody>
-          <a:bodyPr/>
-          <a:lstStyle/>
-          <a:p>
-            <a:r>
-              <a:rPr lang="nb-NO" dirty="0" smtClean="0"/>
-              <a:t>Krav</a:t>
-            </a:r>
-            <a:endParaRPr lang="en-US" dirty="0"/>
-          </a:p>
-        </p:txBody>
-      </p:sp>
-      <p:sp>
-        <p:nvSpPr>
-          <p:cNvPr id="3" name="Content Placeholder 2"/>
-          <p:cNvSpPr>
-            <a:spLocks noGrp="1"/>
-          </p:cNvSpPr>
-          <p:nvPr>
-            <p:ph idx="1"/>
-          </p:nvPr>
-        </p:nvSpPr>
-        <p:spPr>
+      <p:pic>
+        <p:nvPicPr>
+          <p:cNvPr id="12290" name="Picture 2"/>
+          <p:cNvPicPr>
+            <a:picLocks noChangeAspect="1" noChangeArrowheads="1"/>
+          </p:cNvPicPr>
+          <p:nvPr/>
+        </p:nvPicPr>
+        <p:blipFill>
+          <a:blip r:embed="rId2" cstate="print"/>
+          <a:srcRect/>
+          <a:stretch>
+            <a:fillRect/>
+          </a:stretch>
+        </p:blipFill>
+        <p:spPr bwMode="auto">
           <a:xfrm>
-            <a:off x="457200" y="1600201"/>
-            <a:ext cx="8229600" cy="2971800"/>
-          </a:xfrm>
-        </p:spPr>
-        <p:txBody>
-          <a:bodyPr>
-            <a:normAutofit fontScale="70000" lnSpcReduction="20000"/>
-          </a:bodyPr>
-          <a:lstStyle/>
-          <a:p>
-            <a:r>
-              <a:rPr lang="nb-NO" dirty="0" smtClean="0"/>
-              <a:t>Ta i mot en fil med betalingstransaksjoner (1000). 1 trans pr linje, kommaseparerte felter</a:t>
-            </a:r>
-          </a:p>
-          <a:p>
-            <a:r>
-              <a:rPr lang="nb-NO" dirty="0" smtClean="0"/>
-              <a:t>Danne en kvittering til kunden ved mottatt fil</a:t>
-            </a:r>
-          </a:p>
-          <a:p>
-            <a:r>
-              <a:rPr lang="nb-NO" dirty="0" smtClean="0"/>
-              <a:t>Hver transaksjon skal sendes til dekningskontrollsystem individuelt</a:t>
-            </a:r>
-          </a:p>
-          <a:p>
-            <a:r>
-              <a:rPr lang="nb-NO" dirty="0" smtClean="0"/>
-              <a:t>Etter at transaksjonene er dekningskontrollert OK individuelt skal transaksjonene samlet sendes til clearing systemet.</a:t>
-            </a:r>
-          </a:p>
-          <a:p>
-            <a:endParaRPr lang="nb-NO" dirty="0" smtClean="0"/>
-          </a:p>
-          <a:p>
-            <a:pPr>
-              <a:buNone/>
-            </a:pPr>
-            <a:r>
-              <a:rPr lang="nb-NO" dirty="0" smtClean="0"/>
-              <a:t> (dekningskontroll og clearing er allerede laget og skal bare benyttes.)</a:t>
-            </a:r>
-            <a:endParaRPr lang="en-US" dirty="0"/>
-          </a:p>
-        </p:txBody>
-      </p:sp>
-      <p:sp>
-        <p:nvSpPr>
-          <p:cNvPr id="4" name="Rectangle 3"/>
-          <p:cNvSpPr/>
-          <p:nvPr/>
-        </p:nvSpPr>
-        <p:spPr>
-          <a:xfrm>
-            <a:off x="990600" y="4876800"/>
-            <a:ext cx="1371600" cy="304800"/>
-          </a:xfrm>
-          <a:prstGeom prst="rect">
-            <a:avLst/>
-          </a:prstGeom>
-        </p:spPr>
-        <p:style>
-          <a:lnRef idx="2">
-            <a:schemeClr val="accent1">
-              <a:shade val="50000"/>
-            </a:schemeClr>
-          </a:lnRef>
-          <a:fillRef idx="1">
-            <a:schemeClr val="accent1"/>
-          </a:fillRef>
-          <a:effectRef idx="0">
-            <a:schemeClr val="accent1"/>
-          </a:effectRef>
-          <a:fontRef idx="minor">
-            <a:schemeClr val="lt1"/>
-          </a:fontRef>
-        </p:style>
-        <p:txBody>
-          <a:bodyPr rtlCol="0" anchor="ctr"/>
-          <a:lstStyle/>
-          <a:p>
-            <a:pPr algn="ctr"/>
-            <a:r>
-              <a:rPr lang="nb-NO" sz="1100" dirty="0" smtClean="0"/>
-              <a:t>Motta filer</a:t>
-            </a:r>
-            <a:endParaRPr lang="en-US" sz="1100" dirty="0"/>
-          </a:p>
-        </p:txBody>
-      </p:sp>
-      <p:sp>
-        <p:nvSpPr>
-          <p:cNvPr id="5" name="Rectangle 4"/>
-          <p:cNvSpPr/>
-          <p:nvPr/>
-        </p:nvSpPr>
-        <p:spPr>
-          <a:xfrm>
-            <a:off x="3048000" y="4876800"/>
-            <a:ext cx="1371600" cy="304800"/>
-          </a:xfrm>
-          <a:prstGeom prst="rect">
-            <a:avLst/>
-          </a:prstGeom>
-        </p:spPr>
-        <p:style>
-          <a:lnRef idx="2">
-            <a:schemeClr val="accent1">
-              <a:shade val="50000"/>
-            </a:schemeClr>
-          </a:lnRef>
-          <a:fillRef idx="1">
-            <a:schemeClr val="accent1"/>
-          </a:fillRef>
-          <a:effectRef idx="0">
-            <a:schemeClr val="accent1"/>
-          </a:effectRef>
-          <a:fontRef idx="minor">
-            <a:schemeClr val="lt1"/>
-          </a:fontRef>
-        </p:style>
-        <p:txBody>
-          <a:bodyPr rtlCol="0" anchor="ctr"/>
-          <a:lstStyle/>
-          <a:p>
-            <a:pPr algn="ctr"/>
-            <a:r>
-              <a:rPr lang="nb-NO" sz="1200" dirty="0" smtClean="0"/>
-              <a:t>Dekningskontroll</a:t>
-            </a:r>
-            <a:endParaRPr lang="en-US" sz="1200" dirty="0"/>
-          </a:p>
-        </p:txBody>
-      </p:sp>
-      <p:sp>
-        <p:nvSpPr>
-          <p:cNvPr id="6" name="Rectangle 5"/>
-          <p:cNvSpPr/>
-          <p:nvPr/>
-        </p:nvSpPr>
-        <p:spPr>
-          <a:xfrm>
-            <a:off x="5105400" y="4876800"/>
-            <a:ext cx="1371600" cy="304800"/>
-          </a:xfrm>
-          <a:prstGeom prst="rect">
-            <a:avLst/>
-          </a:prstGeom>
-        </p:spPr>
-        <p:style>
-          <a:lnRef idx="2">
-            <a:schemeClr val="accent1">
-              <a:shade val="50000"/>
-            </a:schemeClr>
-          </a:lnRef>
-          <a:fillRef idx="1">
-            <a:schemeClr val="accent1"/>
-          </a:fillRef>
-          <a:effectRef idx="0">
-            <a:schemeClr val="accent1"/>
-          </a:effectRef>
-          <a:fontRef idx="minor">
-            <a:schemeClr val="lt1"/>
-          </a:fontRef>
-        </p:style>
-        <p:txBody>
-          <a:bodyPr rtlCol="0" anchor="ctr"/>
-          <a:lstStyle/>
-          <a:p>
-            <a:pPr algn="ctr"/>
-            <a:r>
-              <a:rPr lang="nb-NO" sz="1100" dirty="0" smtClean="0"/>
-              <a:t>Clearing</a:t>
-            </a:r>
-            <a:endParaRPr lang="en-US" sz="1100" dirty="0"/>
-          </a:p>
-        </p:txBody>
-      </p:sp>
-      <p:sp>
-        <p:nvSpPr>
-          <p:cNvPr id="7" name="Rectangle 6"/>
-          <p:cNvSpPr/>
-          <p:nvPr/>
-        </p:nvSpPr>
-        <p:spPr>
-          <a:xfrm>
-            <a:off x="990600" y="5562600"/>
-            <a:ext cx="1371600" cy="304800"/>
-          </a:xfrm>
-          <a:prstGeom prst="rect">
-            <a:avLst/>
-          </a:prstGeom>
-        </p:spPr>
-        <p:style>
-          <a:lnRef idx="2">
-            <a:schemeClr val="accent1">
-              <a:shade val="50000"/>
-            </a:schemeClr>
-          </a:lnRef>
-          <a:fillRef idx="1">
-            <a:schemeClr val="accent1"/>
-          </a:fillRef>
-          <a:effectRef idx="0">
-            <a:schemeClr val="accent1"/>
-          </a:effectRef>
-          <a:fontRef idx="minor">
-            <a:schemeClr val="lt1"/>
-          </a:fontRef>
-        </p:style>
-        <p:txBody>
-          <a:bodyPr rtlCol="0" anchor="ctr"/>
-          <a:lstStyle/>
-          <a:p>
-            <a:pPr algn="ctr"/>
-            <a:r>
-              <a:rPr lang="nb-NO" sz="1100" dirty="0" smtClean="0"/>
-              <a:t>Kvittering</a:t>
-            </a:r>
-            <a:endParaRPr lang="en-US" sz="1100" dirty="0"/>
-          </a:p>
-        </p:txBody>
-      </p:sp>
-      <p:cxnSp>
-        <p:nvCxnSpPr>
-          <p:cNvPr id="9" name="Straight Arrow Connector 8"/>
-          <p:cNvCxnSpPr>
-            <a:stCxn id="4" idx="3"/>
-            <a:endCxn id="5" idx="1"/>
-          </p:cNvCxnSpPr>
-          <p:nvPr/>
-        </p:nvCxnSpPr>
-        <p:spPr>
-          <a:xfrm>
-            <a:off x="2362200" y="5029200"/>
-            <a:ext cx="685800" cy="1588"/>
-          </a:xfrm>
-          <a:prstGeom prst="straightConnector1">
-            <a:avLst/>
-          </a:prstGeom>
-          <a:ln>
-            <a:tailEnd type="arrow"/>
-          </a:ln>
-        </p:spPr>
-        <p:style>
-          <a:lnRef idx="1">
-            <a:schemeClr val="accent1"/>
-          </a:lnRef>
-          <a:fillRef idx="0">
-            <a:schemeClr val="accent1"/>
-          </a:fillRef>
-          <a:effectRef idx="0">
-            <a:schemeClr val="accent1"/>
-          </a:effectRef>
-          <a:fontRef idx="minor">
-            <a:schemeClr val="tx1"/>
-          </a:fontRef>
-        </p:style>
-      </p:cxnSp>
-      <p:cxnSp>
-        <p:nvCxnSpPr>
-          <p:cNvPr id="11" name="Straight Arrow Connector 10"/>
-          <p:cNvCxnSpPr>
-            <a:stCxn id="5" idx="3"/>
-            <a:endCxn id="6" idx="1"/>
-          </p:cNvCxnSpPr>
-          <p:nvPr/>
-        </p:nvCxnSpPr>
-        <p:spPr>
-          <a:xfrm>
-            <a:off x="4419600" y="5029200"/>
-            <a:ext cx="685800" cy="1588"/>
-          </a:xfrm>
-          <a:prstGeom prst="straightConnector1">
-            <a:avLst/>
-          </a:prstGeom>
-          <a:ln>
-            <a:tailEnd type="arrow"/>
-          </a:ln>
-        </p:spPr>
-        <p:style>
-          <a:lnRef idx="1">
-            <a:schemeClr val="accent1"/>
-          </a:lnRef>
-          <a:fillRef idx="0">
-            <a:schemeClr val="accent1"/>
-          </a:fillRef>
-          <a:effectRef idx="0">
-            <a:schemeClr val="accent1"/>
-          </a:effectRef>
-          <a:fontRef idx="minor">
-            <a:schemeClr val="tx1"/>
-          </a:fontRef>
-        </p:style>
-      </p:cxnSp>
-      <p:cxnSp>
-        <p:nvCxnSpPr>
-          <p:cNvPr id="13" name="Straight Arrow Connector 12"/>
-          <p:cNvCxnSpPr>
-            <a:stCxn id="4" idx="2"/>
-            <a:endCxn id="7" idx="0"/>
-          </p:cNvCxnSpPr>
-          <p:nvPr/>
-        </p:nvCxnSpPr>
-        <p:spPr>
-          <a:xfrm rot="5400000">
-            <a:off x="1485900" y="5372100"/>
-            <a:ext cx="381000" cy="1588"/>
-          </a:xfrm>
-          <a:prstGeom prst="straightConnector1">
-            <a:avLst/>
-          </a:prstGeom>
-          <a:ln>
-            <a:tailEnd type="arrow"/>
-          </a:ln>
-        </p:spPr>
-        <p:style>
-          <a:lnRef idx="1">
-            <a:schemeClr val="accent1"/>
-          </a:lnRef>
-          <a:fillRef idx="0">
-            <a:schemeClr val="accent1"/>
-          </a:fillRef>
-          <a:effectRef idx="0">
-            <a:schemeClr val="accent1"/>
-          </a:effectRef>
-          <a:fontRef idx="minor">
-            <a:schemeClr val="tx1"/>
-          </a:fontRef>
-        </p:style>
-      </p:cxnSp>
-      <p:cxnSp>
-        <p:nvCxnSpPr>
-          <p:cNvPr id="15" name="Straight Arrow Connector 14"/>
-          <p:cNvCxnSpPr>
-            <a:endCxn id="4" idx="1"/>
-          </p:cNvCxnSpPr>
-          <p:nvPr/>
-        </p:nvCxnSpPr>
-        <p:spPr>
-          <a:xfrm>
-            <a:off x="533400" y="5029200"/>
-            <a:ext cx="457200" cy="1588"/>
-          </a:xfrm>
-          <a:prstGeom prst="straightConnector1">
-            <a:avLst/>
-          </a:prstGeom>
-          <a:ln>
-            <a:tailEnd type="arrow"/>
-          </a:ln>
-        </p:spPr>
-        <p:style>
-          <a:lnRef idx="1">
-            <a:schemeClr val="accent1"/>
-          </a:lnRef>
-          <a:fillRef idx="0">
-            <a:schemeClr val="accent1"/>
-          </a:fillRef>
-          <a:effectRef idx="0">
-            <a:schemeClr val="accent1"/>
-          </a:effectRef>
-          <a:fontRef idx="minor">
-            <a:schemeClr val="tx1"/>
-          </a:fontRef>
-        </p:style>
-      </p:cxnSp>
-      <p:cxnSp>
-        <p:nvCxnSpPr>
-          <p:cNvPr id="17" name="Straight Arrow Connector 16"/>
-          <p:cNvCxnSpPr>
-            <a:stCxn id="7" idx="1"/>
-          </p:cNvCxnSpPr>
-          <p:nvPr/>
-        </p:nvCxnSpPr>
-        <p:spPr>
-          <a:xfrm rot="10800000">
-            <a:off x="533400" y="5715000"/>
-            <a:ext cx="457200" cy="1588"/>
-          </a:xfrm>
-          <a:prstGeom prst="straightConnector1">
-            <a:avLst/>
-          </a:prstGeom>
-          <a:ln>
-            <a:tailEnd type="arrow"/>
-          </a:ln>
-        </p:spPr>
-        <p:style>
-          <a:lnRef idx="1">
-            <a:schemeClr val="accent1"/>
-          </a:lnRef>
-          <a:fillRef idx="0">
-            <a:schemeClr val="accent1"/>
-          </a:fillRef>
-          <a:effectRef idx="0">
-            <a:schemeClr val="accent1"/>
-          </a:effectRef>
-          <a:fontRef idx="minor">
-            <a:schemeClr val="tx1"/>
-          </a:fontRef>
-        </p:style>
-      </p:cxnSp>
-      <p:sp>
-        <p:nvSpPr>
-          <p:cNvPr id="18" name="TextBox 17"/>
-          <p:cNvSpPr txBox="1"/>
-          <p:nvPr/>
-        </p:nvSpPr>
-        <p:spPr>
-          <a:xfrm>
-            <a:off x="2438400" y="4876800"/>
-            <a:ext cx="412292" cy="246221"/>
+            <a:off x="1143000" y="762000"/>
+            <a:ext cx="6705600" cy="5029200"/>
           </a:xfrm>
           <a:prstGeom prst="rect">
             <a:avLst/>
           </a:prstGeom>
           <a:noFill/>
-        </p:spPr>
-        <p:txBody>
-          <a:bodyPr wrap="none" rtlCol="0">
-            <a:spAutoFit/>
-          </a:bodyPr>
-          <a:lstStyle/>
-          <a:p>
-            <a:r>
-              <a:rPr lang="nb-NO" sz="1000" dirty="0" smtClean="0"/>
-              <a:t>Split</a:t>
-            </a:r>
-            <a:endParaRPr lang="en-US" sz="1000" dirty="0"/>
-          </a:p>
-        </p:txBody>
-      </p:sp>
-      <p:sp>
-        <p:nvSpPr>
-          <p:cNvPr id="19" name="TextBox 18"/>
-          <p:cNvSpPr txBox="1"/>
-          <p:nvPr/>
-        </p:nvSpPr>
-        <p:spPr>
-          <a:xfrm>
-            <a:off x="4419600" y="4876800"/>
-            <a:ext cx="718466" cy="246221"/>
-          </a:xfrm>
-          <a:prstGeom prst="rect">
-            <a:avLst/>
-          </a:prstGeom>
-          <a:noFill/>
-        </p:spPr>
-        <p:txBody>
-          <a:bodyPr wrap="none" rtlCol="0">
-            <a:spAutoFit/>
-          </a:bodyPr>
-          <a:lstStyle/>
-          <a:p>
-            <a:r>
-              <a:rPr lang="nb-NO" sz="1000" dirty="0" smtClean="0"/>
-              <a:t>Aggregate</a:t>
-            </a:r>
-            <a:endParaRPr lang="en-US" sz="1000" dirty="0"/>
-          </a:p>
-        </p:txBody>
-      </p:sp>
+          <a:ln w="9525">
+            <a:noFill/>
+            <a:miter lim="800000"/>
+            <a:headEnd/>
+            <a:tailEnd/>
+          </a:ln>
+        </p:spPr>
+      </p:pic>
     </p:spTree>
   </p:cSld>
   <p:clrMapOvr>
     <a:masterClrMapping/>
   </p:clrMapOvr>
-  <p:timing>
-    <p:tnLst>
-      <p:par>
-        <p:cTn id="1" dur="indefinite" restart="never" nodeType="tmRoot"/>
-      </p:par>
-    </p:tnLst>
-  </p:timing>
 </p:sld>
 </file>
 
@@ -5417,46 +6071,43 @@
           <a:chExt cx="0" cy="0"/>
         </a:xfrm>
       </p:grpSpPr>
-      <p:sp>
-        <p:nvSpPr>
-          <p:cNvPr id="2" name="Title 1"/>
-          <p:cNvSpPr>
-            <a:spLocks noGrp="1"/>
-          </p:cNvSpPr>
-          <p:nvPr>
-            <p:ph type="title"/>
-          </p:nvPr>
-        </p:nvSpPr>
-        <p:spPr>
+      <p:pic>
+        <p:nvPicPr>
+          <p:cNvPr id="13314" name="Picture 2"/>
+          <p:cNvPicPr>
+            <a:picLocks noChangeAspect="1" noChangeArrowheads="1"/>
+          </p:cNvPicPr>
+          <p:nvPr/>
+        </p:nvPicPr>
+        <p:blipFill>
+          <a:blip r:embed="rId2" cstate="print"/>
+          <a:srcRect/>
+          <a:stretch>
+            <a:fillRect/>
+          </a:stretch>
+        </p:blipFill>
+        <p:spPr bwMode="auto">
           <a:xfrm>
-            <a:off x="457200" y="2819400"/>
-            <a:ext cx="8229600" cy="1143000"/>
+            <a:off x="1828800" y="228600"/>
+            <a:ext cx="4857750" cy="6477000"/>
           </a:xfrm>
-        </p:spPr>
-        <p:txBody>
-          <a:bodyPr/>
-          <a:lstStyle/>
-          <a:p>
-            <a:r>
-              <a:rPr lang="nb-NO" dirty="0" smtClean="0"/>
-              <a:t>Start coding</a:t>
-            </a:r>
-            <a:endParaRPr lang="en-US" dirty="0"/>
-          </a:p>
-        </p:txBody>
-      </p:sp>
+          <a:prstGeom prst="rect">
+            <a:avLst/>
+          </a:prstGeom>
+          <a:noFill/>
+          <a:ln w="9525">
+            <a:noFill/>
+            <a:miter lim="800000"/>
+            <a:headEnd/>
+            <a:tailEnd/>
+          </a:ln>
+        </p:spPr>
+      </p:pic>
     </p:spTree>
   </p:cSld>
   <p:clrMapOvr>
     <a:masterClrMapping/>
   </p:clrMapOvr>
-  <p:timing>
-    <p:tnLst>
-      <p:par>
-        <p:cTn id="1" dur="indefinite" restart="never" nodeType="tmRoot"/>
-      </p:par>
-    </p:tnLst>
-  </p:timing>
 </p:sld>
 </file>
 
@@ -5479,7 +6130,7 @@
       </p:grpSpPr>
       <p:sp>
         <p:nvSpPr>
-          <p:cNvPr id="2" name="Title 1"/>
+          <p:cNvPr id="14338" name="Title 1"/>
           <p:cNvSpPr>
             <a:spLocks noGrp="1"/>
           </p:cNvSpPr>
@@ -5493,16 +6144,16 @@
           <a:lstStyle/>
           <a:p>
             <a:r>
-              <a:rPr lang="nb-NO" dirty="0" smtClean="0"/>
-              <a:t>Balance check krav</a:t>
-            </a:r>
-            <a:endParaRPr lang="en-US" dirty="0"/>
-          </a:p>
-        </p:txBody>
-      </p:sp>
-      <p:sp>
-        <p:nvSpPr>
-          <p:cNvPr id="3" name="Content Placeholder 2"/>
+              <a:rPr lang="nb-NO" smtClean="0"/>
+              <a:t>Alternativer?</a:t>
+            </a:r>
+            <a:endParaRPr lang="en-US" smtClean="0"/>
+          </a:p>
+        </p:txBody>
+      </p:sp>
+      <p:sp>
+        <p:nvSpPr>
+          <p:cNvPr id="14339" name="Content Placeholder 2"/>
           <p:cNvSpPr>
             <a:spLocks noGrp="1"/>
           </p:cNvSpPr>
@@ -5512,39 +6163,109 @@
         </p:nvSpPr>
         <p:spPr/>
         <p:txBody>
-          <a:bodyPr>
-            <a:normAutofit lnSpcReduction="10000"/>
-          </a:bodyPr>
+          <a:bodyPr/>
           <a:lstStyle/>
           <a:p>
-            <a:r>
-              <a:rPr lang="nb-NO" dirty="0" smtClean="0"/>
-              <a:t>Hvis noen transaksjoner mangler dekning skal ingen av transaksjonene i fila til clearing.</a:t>
-            </a:r>
-          </a:p>
-          <a:p>
-            <a:r>
-              <a:rPr lang="nb-NO" dirty="0" smtClean="0"/>
-              <a:t>Dersom det er gjort dekningskontroll, men en eller flere transaksjoner er feilet slik at det ikke blir sendt noe til clearing må alle andre dekningskontroller resettes da dette reserverer pengene på konto.</a:t>
-            </a:r>
-          </a:p>
-          <a:p>
-            <a:endParaRPr lang="nb-NO" dirty="0" smtClean="0"/>
-          </a:p>
-          <a:p>
-            <a:pPr>
-              <a:buNone/>
-            </a:pPr>
-            <a:r>
-              <a:rPr lang="nb-NO" dirty="0" smtClean="0"/>
-              <a:t>&lt;bilde av manglende dekning i minibank?&gt;</a:t>
-            </a:r>
-          </a:p>
-          <a:p>
-            <a:endParaRPr lang="nb-NO" dirty="0" smtClean="0"/>
-          </a:p>
-        </p:txBody>
-      </p:sp>
+            <a:endParaRPr lang="en-US" smtClean="0"/>
+          </a:p>
+        </p:txBody>
+      </p:sp>
+      <p:pic>
+        <p:nvPicPr>
+          <p:cNvPr id="14340" name="Picture 2"/>
+          <p:cNvPicPr>
+            <a:picLocks noChangeAspect="1" noChangeArrowheads="1"/>
+          </p:cNvPicPr>
+          <p:nvPr/>
+        </p:nvPicPr>
+        <p:blipFill>
+          <a:blip r:embed="rId3" cstate="print"/>
+          <a:srcRect/>
+          <a:stretch>
+            <a:fillRect/>
+          </a:stretch>
+        </p:blipFill>
+        <p:spPr bwMode="auto">
+          <a:xfrm>
+            <a:off x="914400" y="2886075"/>
+            <a:ext cx="3038475" cy="1152525"/>
+          </a:xfrm>
+          <a:prstGeom prst="rect">
+            <a:avLst/>
+          </a:prstGeom>
+          <a:noFill/>
+          <a:ln w="9525">
+            <a:noFill/>
+            <a:miter lim="800000"/>
+            <a:headEnd/>
+            <a:tailEnd/>
+          </a:ln>
+        </p:spPr>
+      </p:pic>
+      <p:pic>
+        <p:nvPicPr>
+          <p:cNvPr id="14341" name="Picture 3"/>
+          <p:cNvPicPr>
+            <a:picLocks noChangeAspect="1" noChangeArrowheads="1"/>
+          </p:cNvPicPr>
+          <p:nvPr/>
+        </p:nvPicPr>
+        <p:blipFill>
+          <a:blip r:embed="rId4" cstate="print"/>
+          <a:srcRect/>
+          <a:stretch>
+            <a:fillRect/>
+          </a:stretch>
+        </p:blipFill>
+        <p:spPr bwMode="auto">
+          <a:xfrm>
+            <a:off x="4559300" y="1919288"/>
+            <a:ext cx="2076450" cy="447675"/>
+          </a:xfrm>
+          <a:prstGeom prst="rect">
+            <a:avLst/>
+          </a:prstGeom>
+          <a:noFill/>
+          <a:ln w="9525">
+            <a:noFill/>
+            <a:miter lim="800000"/>
+            <a:headEnd/>
+            <a:tailEnd/>
+          </a:ln>
+        </p:spPr>
+      </p:pic>
+      <p:pic>
+        <p:nvPicPr>
+          <p:cNvPr id="14342" name="Picture 4"/>
+          <p:cNvPicPr>
+            <a:picLocks noChangeAspect="1" noChangeArrowheads="1"/>
+          </p:cNvPicPr>
+          <p:nvPr/>
+        </p:nvPicPr>
+        <p:blipFill>
+          <a:blip r:embed="rId5" cstate="print"/>
+          <a:srcRect/>
+          <a:stretch>
+            <a:fillRect/>
+          </a:stretch>
+        </p:blipFill>
+        <p:spPr bwMode="auto">
+          <a:xfrm>
+            <a:off x="5181600" y="4038600"/>
+            <a:ext cx="2628900" cy="1743075"/>
+          </a:xfrm>
+          <a:prstGeom prst="rect">
+            <a:avLst/>
+          </a:prstGeom>
+          <a:noFill/>
+          <a:ln w="9525">
+            <a:noFill/>
+            <a:miter lim="800000"/>
+            <a:headEnd/>
+            <a:tailEnd/>
+          </a:ln>
+        </p:spPr>
+      </p:pic>
     </p:spTree>
   </p:cSld>
   <p:clrMapOvr>
@@ -5579,7 +6300,7 @@
       </p:grpSpPr>
       <p:sp>
         <p:nvSpPr>
-          <p:cNvPr id="2" name="Title 1"/>
+          <p:cNvPr id="15362" name="Title 1"/>
           <p:cNvSpPr>
             <a:spLocks noGrp="1"/>
           </p:cNvSpPr>
@@ -5587,23 +6308,35 @@
             <p:ph type="title"/>
           </p:nvPr>
         </p:nvSpPr>
-        <p:spPr>
-          <a:xfrm>
-            <a:off x="533400" y="2667000"/>
-            <a:ext cx="8229600" cy="1143000"/>
-          </a:xfrm>
-        </p:spPr>
-        <p:txBody>
-          <a:bodyPr>
-            <a:normAutofit/>
-          </a:bodyPr>
+        <p:spPr/>
+        <p:txBody>
+          <a:bodyPr/>
           <a:lstStyle/>
           <a:p>
             <a:r>
-              <a:rPr lang="nb-NO" dirty="0" smtClean="0"/>
-              <a:t>Implementer</a:t>
-            </a:r>
-            <a:endParaRPr lang="en-US" dirty="0"/>
+              <a:rPr lang="nb-NO" smtClean="0"/>
+              <a:t>Bør du ta camel i bruk?</a:t>
+            </a:r>
+            <a:endParaRPr lang="en-US" smtClean="0"/>
+          </a:p>
+        </p:txBody>
+      </p:sp>
+      <p:sp>
+        <p:nvSpPr>
+          <p:cNvPr id="15363" name="Content Placeholder 2"/>
+          <p:cNvSpPr>
+            <a:spLocks noGrp="1"/>
+          </p:cNvSpPr>
+          <p:nvPr>
+            <p:ph idx="1"/>
+          </p:nvPr>
+        </p:nvSpPr>
+        <p:spPr/>
+        <p:txBody>
+          <a:bodyPr/>
+          <a:lstStyle/>
+          <a:p>
+            <a:endParaRPr lang="en-US" smtClean="0"/>
           </a:p>
         </p:txBody>
       </p:sp>
@@ -5641,7 +6374,7 @@
       </p:grpSpPr>
       <p:sp>
         <p:nvSpPr>
-          <p:cNvPr id="2" name="Title 1"/>
+          <p:cNvPr id="16386" name="Title 1"/>
           <p:cNvSpPr>
             <a:spLocks noGrp="1"/>
           </p:cNvSpPr>
@@ -5649,58 +6382,31 @@
             <p:ph type="title"/>
           </p:nvPr>
         </p:nvSpPr>
-        <p:spPr>
-          <a:xfrm>
-            <a:off x="381000" y="2667000"/>
-            <a:ext cx="8229600" cy="1143000"/>
-          </a:xfrm>
-        </p:spPr>
-        <p:txBody>
-          <a:bodyPr>
-            <a:normAutofit fontScale="90000"/>
-          </a:bodyPr>
+        <p:spPr/>
+        <p:txBody>
+          <a:bodyPr/>
           <a:lstStyle/>
           <a:p>
-            <a:r>
-              <a:rPr lang="en-US" dirty="0" smtClean="0"/>
-              <a:t>QA: </a:t>
-            </a:r>
-            <a:br>
-              <a:rPr lang="en-US" dirty="0" smtClean="0"/>
-            </a:br>
-            <a:r>
-              <a:rPr lang="en-US" dirty="0" err="1" smtClean="0"/>
-              <a:t>Systemet</a:t>
-            </a:r>
-            <a:r>
-              <a:rPr lang="en-US" dirty="0" smtClean="0"/>
-              <a:t> </a:t>
-            </a:r>
-            <a:r>
-              <a:rPr lang="en-US" dirty="0" err="1" smtClean="0"/>
-              <a:t>tåler</a:t>
-            </a:r>
-            <a:r>
-              <a:rPr lang="en-US" dirty="0" smtClean="0"/>
-              <a:t> </a:t>
-            </a:r>
-            <a:r>
-              <a:rPr lang="en-US" dirty="0" err="1" smtClean="0"/>
-              <a:t>ikke</a:t>
-            </a:r>
-            <a:r>
-              <a:rPr lang="en-US" dirty="0" smtClean="0"/>
-              <a:t> en </a:t>
-            </a:r>
-            <a:r>
-              <a:rPr lang="en-US" dirty="0" err="1" smtClean="0"/>
-              <a:t>strømstans</a:t>
-            </a:r>
-            <a:r>
-              <a:rPr lang="en-US" dirty="0" smtClean="0"/>
-              <a:t>!</a:t>
-            </a:r>
-            <a:endParaRPr lang="en-US" dirty="0"/>
+            <a:endParaRPr lang="en-US" smtClean="0"/>
+          </a:p>
+        </p:txBody>
+      </p:sp>
+      <p:sp>
+        <p:nvSpPr>
+          <p:cNvPr id="16387" name="Content Placeholder 2"/>
+          <p:cNvSpPr>
+            <a:spLocks noGrp="1"/>
+          </p:cNvSpPr>
+          <p:nvPr>
+            <p:ph idx="1"/>
+          </p:nvPr>
+        </p:nvSpPr>
+        <p:spPr/>
+        <p:txBody>
+          <a:bodyPr/>
+          <a:lstStyle/>
+          <a:p>
+            <a:endParaRPr lang="en-US" smtClean="0"/>
           </a:p>
         </p:txBody>
       </p:sp>
@@ -5709,13 +6415,6 @@
   <p:clrMapOvr>
     <a:masterClrMapping/>
   </p:clrMapOvr>
-  <p:timing>
-    <p:tnLst>
-      <p:par>
-        <p:cTn id="1" dur="indefinite" restart="never" nodeType="tmRoot"/>
-      </p:par>
-    </p:tnLst>
-  </p:timing>
 </p:sld>
 </file>
 
@@ -5738,7 +6437,7 @@
       </p:grpSpPr>
       <p:sp>
         <p:nvSpPr>
-          <p:cNvPr id="2" name="Title 1"/>
+          <p:cNvPr id="17410" name="Title 1"/>
           <p:cNvSpPr>
             <a:spLocks noGrp="1"/>
           </p:cNvSpPr>
@@ -5746,21 +6445,31 @@
             <p:ph type="title"/>
           </p:nvPr>
         </p:nvSpPr>
-        <p:spPr>
-          <a:xfrm>
-            <a:off x="457200" y="2819400"/>
-            <a:ext cx="8229600" cy="1143000"/>
-          </a:xfrm>
-        </p:spPr>
+        <p:spPr/>
         <p:txBody>
           <a:bodyPr/>
           <a:lstStyle/>
           <a:p>
-            <a:r>
-              <a:rPr lang="nb-NO" dirty="0" smtClean="0"/>
-              <a:t>Implementer</a:t>
-            </a:r>
-            <a:endParaRPr lang="en-US" dirty="0"/>
+            <a:endParaRPr lang="en-US" smtClean="0"/>
+          </a:p>
+        </p:txBody>
+      </p:sp>
+      <p:sp>
+        <p:nvSpPr>
+          <p:cNvPr id="17411" name="Content Placeholder 2"/>
+          <p:cNvSpPr>
+            <a:spLocks noGrp="1"/>
+          </p:cNvSpPr>
+          <p:nvPr>
+            <p:ph idx="1"/>
+          </p:nvPr>
+        </p:nvSpPr>
+        <p:spPr/>
+        <p:txBody>
+          <a:bodyPr/>
+          <a:lstStyle/>
+          <a:p>
+            <a:endParaRPr lang="en-US" smtClean="0"/>
           </a:p>
         </p:txBody>
       </p:sp>
@@ -5769,13 +6478,6 @@
   <p:clrMapOvr>
     <a:masterClrMapping/>
   </p:clrMapOvr>
-  <p:timing>
-    <p:tnLst>
-      <p:par>
-        <p:cTn id="1" dur="indefinite" restart="never" nodeType="tmRoot"/>
-      </p:par>
-    </p:tnLst>
-  </p:timing>
 </p:sld>
 </file>
 
@@ -5798,12 +6500,12 @@
       </p:grpSpPr>
       <p:sp>
         <p:nvSpPr>
-          <p:cNvPr id="6" name="Title 5"/>
-          <p:cNvSpPr>
-            <a:spLocks noGrp="1"/>
-          </p:cNvSpPr>
-          <p:nvPr>
-            <p:ph type="ctrTitle"/>
+          <p:cNvPr id="18434" name="Title 1"/>
+          <p:cNvSpPr>
+            <a:spLocks noGrp="1"/>
+          </p:cNvSpPr>
+          <p:nvPr>
+            <p:ph type="title"/>
           </p:nvPr>
         </p:nvSpPr>
         <p:spPr/>
@@ -5811,22 +6513,18 @@
           <a:bodyPr/>
           <a:lstStyle/>
           <a:p>
-            <a:r>
-              <a:rPr lang="nb-NO" dirty="0" smtClean="0"/>
-              <a:t>Produksjonssetting!!</a:t>
-            </a:r>
-            <a:endParaRPr lang="en-US" dirty="0"/>
-          </a:p>
-        </p:txBody>
-      </p:sp>
-      <p:sp>
-        <p:nvSpPr>
-          <p:cNvPr id="7" name="Subtitle 6"/>
-          <p:cNvSpPr>
-            <a:spLocks noGrp="1"/>
-          </p:cNvSpPr>
-          <p:nvPr>
-            <p:ph type="subTitle" idx="1"/>
+            <a:endParaRPr lang="en-US" smtClean="0"/>
+          </a:p>
+        </p:txBody>
+      </p:sp>
+      <p:sp>
+        <p:nvSpPr>
+          <p:cNvPr id="18435" name="Content Placeholder 2"/>
+          <p:cNvSpPr>
+            <a:spLocks noGrp="1"/>
+          </p:cNvSpPr>
+          <p:nvPr>
+            <p:ph idx="1"/>
           </p:nvPr>
         </p:nvSpPr>
         <p:spPr/>
@@ -5834,7 +6532,7 @@
           <a:bodyPr/>
           <a:lstStyle/>
           <a:p>
-            <a:endParaRPr lang="en-US" dirty="0"/>
+            <a:endParaRPr lang="en-US" smtClean="0"/>
           </a:p>
         </p:txBody>
       </p:sp>
@@ -5843,13 +6541,6 @@
   <p:clrMapOvr>
     <a:masterClrMapping/>
   </p:clrMapOvr>
-  <p:timing>
-    <p:tnLst>
-      <p:par>
-        <p:cTn id="1" dur="indefinite" restart="never" nodeType="tmRoot"/>
-      </p:par>
-    </p:tnLst>
-  </p:timing>
 </p:sld>
 </file>
 
@@ -5872,7 +6563,7 @@
       </p:grpSpPr>
       <p:sp>
         <p:nvSpPr>
-          <p:cNvPr id="2" name="Title 1"/>
+          <p:cNvPr id="19458" name="Title 1"/>
           <p:cNvSpPr>
             <a:spLocks noGrp="1"/>
           </p:cNvSpPr>
@@ -5882,21 +6573,19 @@
         </p:nvSpPr>
         <p:spPr>
           <a:xfrm>
-            <a:off x="533400" y="2819400"/>
+            <a:off x="381000" y="2895600"/>
             <a:ext cx="8229600" cy="1143000"/>
           </a:xfrm>
         </p:spPr>
         <p:txBody>
-          <a:bodyPr>
-            <a:normAutofit/>
-          </a:bodyPr>
+          <a:bodyPr/>
           <a:lstStyle/>
           <a:p>
             <a:r>
-              <a:rPr lang="nb-NO" dirty="0" smtClean="0"/>
-              <a:t>Det funket jo fint på Mac’en</a:t>
-            </a:r>
-            <a:endParaRPr lang="en-US" dirty="0"/>
+              <a:rPr lang="nb-NO" smtClean="0"/>
+              <a:t>Litt om vår bakgrunn</a:t>
+            </a:r>
+            <a:endParaRPr lang="en-US" smtClean="0"/>
           </a:p>
         </p:txBody>
       </p:sp>
@@ -5932,9 +6621,41 @@
           <a:chExt cx="0" cy="0"/>
         </a:xfrm>
       </p:grpSpPr>
-      <p:sp>
-        <p:nvSpPr>
-          <p:cNvPr id="2" name="Title 1"/>
+      <p:pic>
+        <p:nvPicPr>
+          <p:cNvPr id="20482" name="Picture 3"/>
+          <p:cNvPicPr>
+            <a:picLocks noChangeAspect="1" noChangeArrowheads="1"/>
+          </p:cNvPicPr>
+          <p:nvPr/>
+        </p:nvPicPr>
+        <p:blipFill>
+          <a:blip r:embed="rId2" cstate="print"/>
+          <a:srcRect/>
+          <a:stretch>
+            <a:fillRect/>
+          </a:stretch>
+        </p:blipFill>
+        <p:spPr bwMode="auto">
+          <a:xfrm>
+            <a:off x="6172200" y="1143000"/>
+            <a:ext cx="2133600" cy="2133600"/>
+          </a:xfrm>
+          <a:prstGeom prst="rect">
+            <a:avLst/>
+          </a:prstGeom>
+          <a:noFill/>
+          <a:ln w="9525">
+            <a:noFill/>
+            <a:miter lim="800000"/>
+            <a:headEnd/>
+            <a:tailEnd/>
+          </a:ln>
+        </p:spPr>
+      </p:pic>
+      <p:sp>
+        <p:nvSpPr>
+          <p:cNvPr id="20483" name="Title 1"/>
           <p:cNvSpPr>
             <a:spLocks noGrp="1"/>
           </p:cNvSpPr>
@@ -5944,52 +6665,538 @@
         </p:nvSpPr>
         <p:spPr/>
         <p:txBody>
-          <a:bodyPr>
-            <a:normAutofit/>
+          <a:bodyPr/>
+          <a:lstStyle/>
+          <a:p>
+            <a:endParaRPr lang="en-US" smtClean="0"/>
+          </a:p>
+        </p:txBody>
+      </p:sp>
+      <p:pic>
+        <p:nvPicPr>
+          <p:cNvPr id="20484" name="Picture 2"/>
+          <p:cNvPicPr>
+            <a:picLocks noChangeAspect="1" noChangeArrowheads="1"/>
+          </p:cNvPicPr>
+          <p:nvPr/>
+        </p:nvPicPr>
+        <p:blipFill>
+          <a:blip r:embed="rId3" cstate="print"/>
+          <a:srcRect/>
+          <a:stretch>
+            <a:fillRect/>
+          </a:stretch>
+        </p:blipFill>
+        <p:spPr bwMode="auto">
+          <a:xfrm>
+            <a:off x="0" y="-152400"/>
+            <a:ext cx="2438400" cy="1901825"/>
+          </a:xfrm>
+          <a:prstGeom prst="rect">
+            <a:avLst/>
+          </a:prstGeom>
+          <a:noFill/>
+          <a:ln w="9525">
+            <a:noFill/>
+            <a:miter lim="800000"/>
+            <a:headEnd/>
+            <a:tailEnd/>
+          </a:ln>
+        </p:spPr>
+      </p:pic>
+      <p:pic>
+        <p:nvPicPr>
+          <p:cNvPr id="20485" name="Picture 2"/>
+          <p:cNvPicPr>
+            <a:picLocks noChangeAspect="1" noChangeArrowheads="1"/>
+          </p:cNvPicPr>
+          <p:nvPr/>
+        </p:nvPicPr>
+        <p:blipFill>
+          <a:blip r:embed="rId4" cstate="print"/>
+          <a:srcRect/>
+          <a:stretch>
+            <a:fillRect/>
+          </a:stretch>
+        </p:blipFill>
+        <p:spPr bwMode="auto">
+          <a:xfrm>
+            <a:off x="2819400" y="1066800"/>
+            <a:ext cx="3124200" cy="2343150"/>
+          </a:xfrm>
+          <a:prstGeom prst="rect">
+            <a:avLst/>
+          </a:prstGeom>
+          <a:noFill/>
+          <a:ln w="9525">
+            <a:noFill/>
+            <a:miter lim="800000"/>
+            <a:headEnd/>
+            <a:tailEnd/>
+          </a:ln>
+        </p:spPr>
+      </p:pic>
+      <p:pic>
+        <p:nvPicPr>
+          <p:cNvPr id="20486" name="Picture 4"/>
+          <p:cNvPicPr>
+            <a:picLocks noChangeAspect="1" noChangeArrowheads="1"/>
+          </p:cNvPicPr>
+          <p:nvPr/>
+        </p:nvPicPr>
+        <p:blipFill>
+          <a:blip r:embed="rId5" cstate="print"/>
+          <a:srcRect/>
+          <a:stretch>
+            <a:fillRect/>
+          </a:stretch>
+        </p:blipFill>
+        <p:spPr bwMode="auto">
+          <a:xfrm>
+            <a:off x="4953000" y="2438400"/>
+            <a:ext cx="3057525" cy="1495425"/>
+          </a:xfrm>
+          <a:prstGeom prst="rect">
+            <a:avLst/>
+          </a:prstGeom>
+          <a:noFill/>
+          <a:ln w="9525">
+            <a:noFill/>
+            <a:miter lim="800000"/>
+            <a:headEnd/>
+            <a:tailEnd/>
+          </a:ln>
+        </p:spPr>
+      </p:pic>
+      <p:pic>
+        <p:nvPicPr>
+          <p:cNvPr id="20487" name="Picture 5"/>
+          <p:cNvPicPr>
+            <a:picLocks noChangeAspect="1" noChangeArrowheads="1"/>
+          </p:cNvPicPr>
+          <p:nvPr/>
+        </p:nvPicPr>
+        <p:blipFill>
+          <a:blip r:embed="rId6" cstate="print"/>
+          <a:srcRect/>
+          <a:stretch>
+            <a:fillRect/>
+          </a:stretch>
+        </p:blipFill>
+        <p:spPr bwMode="auto">
+          <a:xfrm>
+            <a:off x="-381000" y="2667000"/>
+            <a:ext cx="3067050" cy="1495425"/>
+          </a:xfrm>
+          <a:prstGeom prst="rect">
+            <a:avLst/>
+          </a:prstGeom>
+          <a:noFill/>
+          <a:ln w="9525">
+            <a:noFill/>
+            <a:miter lim="800000"/>
+            <a:headEnd/>
+            <a:tailEnd/>
+          </a:ln>
+        </p:spPr>
+      </p:pic>
+      <p:pic>
+        <p:nvPicPr>
+          <p:cNvPr id="20488" name="Picture 2"/>
+          <p:cNvPicPr>
+            <a:picLocks noGrp="1" noChangeAspect="1" noChangeArrowheads="1"/>
+          </p:cNvPicPr>
+          <p:nvPr>
+            <p:ph idx="1"/>
+          </p:nvPr>
+        </p:nvPicPr>
+        <p:blipFill>
+          <a:blip r:embed="rId7" cstate="print"/>
+          <a:srcRect/>
+          <a:stretch>
+            <a:fillRect/>
+          </a:stretch>
+        </p:blipFill>
+        <p:spPr>
+          <a:xfrm>
+            <a:off x="2590800" y="0"/>
+            <a:ext cx="2593975" cy="1219200"/>
+          </a:xfrm>
+        </p:spPr>
+      </p:pic>
+      <p:pic>
+        <p:nvPicPr>
+          <p:cNvPr id="20489" name="Picture 3"/>
+          <p:cNvPicPr>
+            <a:picLocks noChangeAspect="1" noChangeArrowheads="1"/>
+          </p:cNvPicPr>
+          <p:nvPr/>
+        </p:nvPicPr>
+        <p:blipFill>
+          <a:blip r:embed="rId8" cstate="print"/>
+          <a:srcRect/>
+          <a:stretch>
+            <a:fillRect/>
+          </a:stretch>
+        </p:blipFill>
+        <p:spPr bwMode="auto">
+          <a:xfrm>
+            <a:off x="838200" y="5534025"/>
+            <a:ext cx="3190875" cy="1323975"/>
+          </a:xfrm>
+          <a:prstGeom prst="rect">
+            <a:avLst/>
+          </a:prstGeom>
+          <a:noFill/>
+          <a:ln w="9525">
+            <a:noFill/>
+            <a:miter lim="800000"/>
+            <a:headEnd/>
+            <a:tailEnd/>
+          </a:ln>
+        </p:spPr>
+      </p:pic>
+      <p:pic>
+        <p:nvPicPr>
+          <p:cNvPr id="20490" name="Picture 4"/>
+          <p:cNvPicPr>
+            <a:picLocks noChangeAspect="1" noChangeArrowheads="1"/>
+          </p:cNvPicPr>
+          <p:nvPr/>
+        </p:nvPicPr>
+        <p:blipFill>
+          <a:blip r:embed="rId9" cstate="print"/>
+          <a:srcRect/>
+          <a:stretch>
+            <a:fillRect/>
+          </a:stretch>
+        </p:blipFill>
+        <p:spPr bwMode="auto">
+          <a:xfrm>
+            <a:off x="-381000" y="4267200"/>
+            <a:ext cx="4267200" cy="381000"/>
+          </a:xfrm>
+          <a:prstGeom prst="rect">
+            <a:avLst/>
+          </a:prstGeom>
+          <a:noFill/>
+          <a:ln w="9525">
+            <a:noFill/>
+            <a:miter lim="800000"/>
+            <a:headEnd/>
+            <a:tailEnd/>
+          </a:ln>
+        </p:spPr>
+      </p:pic>
+      <p:pic>
+        <p:nvPicPr>
+          <p:cNvPr id="20491" name="Picture 2" descr="http://upload.wikimedia.org/wikipedia/commons/thumb/5/51/IBM_logo.svg/200px-IBM_logo.svg.png"/>
+          <p:cNvPicPr>
+            <a:picLocks noChangeAspect="1" noChangeArrowheads="1"/>
+          </p:cNvPicPr>
+          <p:nvPr/>
+        </p:nvPicPr>
+        <p:blipFill>
+          <a:blip r:embed="rId10" cstate="print"/>
+          <a:srcRect/>
+          <a:stretch>
+            <a:fillRect/>
+          </a:stretch>
+        </p:blipFill>
+        <p:spPr bwMode="auto">
+          <a:xfrm>
+            <a:off x="5943600" y="152400"/>
+            <a:ext cx="1905000" cy="762000"/>
+          </a:xfrm>
+          <a:prstGeom prst="rect">
+            <a:avLst/>
+          </a:prstGeom>
+          <a:noFill/>
+          <a:ln w="9525">
+            <a:noFill/>
+            <a:miter lim="800000"/>
+            <a:headEnd/>
+            <a:tailEnd/>
+          </a:ln>
+        </p:spPr>
+      </p:pic>
+      <p:sp>
+        <p:nvSpPr>
+          <p:cNvPr id="16" name="Rectangle 15"/>
+          <p:cNvSpPr/>
+          <p:nvPr/>
+        </p:nvSpPr>
+        <p:spPr>
+          <a:xfrm>
+            <a:off x="3200400" y="3505200"/>
+            <a:ext cx="1516121" cy="923330"/>
+          </a:xfrm>
+          <a:prstGeom prst="rect">
+            <a:avLst/>
+          </a:prstGeom>
+          <a:noFill/>
+        </p:spPr>
+        <p:txBody>
+          <a:bodyPr wrap="none">
+            <a:spAutoFit/>
+            <a:scene3d>
+              <a:camera prst="orthographicFront">
+                <a:rot lat="0" lon="0" rev="0"/>
+              </a:camera>
+              <a:lightRig rig="contrasting" dir="t">
+                <a:rot lat="0" lon="0" rev="4500000"/>
+              </a:lightRig>
+            </a:scene3d>
+            <a:sp3d contourW="6350" prstMaterial="metal">
+              <a:bevelT w="127000" h="31750" prst="relaxedInset"/>
+              <a:contourClr>
+                <a:schemeClr val="accent1">
+                  <a:shade val="75000"/>
+                </a:schemeClr>
+              </a:contourClr>
+            </a:sp3d>
           </a:bodyPr>
           <a:lstStyle/>
           <a:p>
-            <a:r>
-              <a:rPr lang="nb-NO" dirty="0" smtClean="0"/>
-              <a:t>Det funket jo fint på Mac’en</a:t>
-            </a:r>
-            <a:endParaRPr lang="en-US" dirty="0"/>
-          </a:p>
-        </p:txBody>
-      </p:sp>
-      <p:sp>
-        <p:nvSpPr>
-          <p:cNvPr id="3" name="Content Placeholder 2"/>
-          <p:cNvSpPr>
-            <a:spLocks noGrp="1"/>
-          </p:cNvSpPr>
-          <p:nvPr>
-            <p:ph idx="1"/>
-          </p:nvPr>
-        </p:nvSpPr>
-        <p:spPr/>
-        <p:txBody>
-          <a:bodyPr/>
-          <a:lstStyle/>
-          <a:p>
-            <a:r>
-              <a:rPr lang="nb-NO" dirty="0" smtClean="0"/>
-              <a:t>Dekningskontrollsystemet må gjøre en sjekk mot et legacy system som tar ca 1,5 sekunder pr behandling.</a:t>
-            </a:r>
-          </a:p>
-          <a:p>
-            <a:r>
-              <a:rPr lang="nb-NO" dirty="0" smtClean="0"/>
-              <a:t>Hele behandlingen av en fil med dekningskontroll og clearing skal ikke ta mer enn 1 minutt.</a:t>
-            </a:r>
-          </a:p>
-        </p:txBody>
-      </p:sp>
+            <a:pPr algn="ctr" fontAlgn="auto">
+              <a:spcBef>
+                <a:spcPts val="0"/>
+              </a:spcBef>
+              <a:spcAft>
+                <a:spcPts val="0"/>
+              </a:spcAft>
+              <a:defRPr/>
+            </a:pPr>
+            <a:r>
+              <a:rPr lang="en-US" sz="5400" b="1" cap="all" dirty="0">
+                <a:ln w="0"/>
+                <a:gradFill flip="none">
+                  <a:gsLst>
+                    <a:gs pos="0">
+                      <a:schemeClr val="accent1">
+                        <a:tint val="75000"/>
+                        <a:shade val="75000"/>
+                        <a:satMod val="170000"/>
+                      </a:schemeClr>
+                    </a:gs>
+                    <a:gs pos="49000">
+                      <a:schemeClr val="accent1">
+                        <a:tint val="88000"/>
+                        <a:shade val="65000"/>
+                        <a:satMod val="172000"/>
+                      </a:schemeClr>
+                    </a:gs>
+                    <a:gs pos="50000">
+                      <a:schemeClr val="accent1">
+                        <a:shade val="65000"/>
+                        <a:satMod val="130000"/>
+                      </a:schemeClr>
+                    </a:gs>
+                    <a:gs pos="92000">
+                      <a:schemeClr val="accent1">
+                        <a:shade val="50000"/>
+                        <a:satMod val="120000"/>
+                      </a:schemeClr>
+                    </a:gs>
+                    <a:gs pos="100000">
+                      <a:schemeClr val="accent1">
+                        <a:shade val="48000"/>
+                        <a:satMod val="120000"/>
+                      </a:schemeClr>
+                    </a:gs>
+                  </a:gsLst>
+                  <a:lin ang="5400000"/>
+                </a:gradFill>
+                <a:effectLst>
+                  <a:reflection blurRad="12700" stA="50000" endPos="50000" dist="5000" dir="5400000" sy="-100000" rotWithShape="0"/>
+                </a:effectLst>
+                <a:latin typeface="+mn-lt"/>
+                <a:cs typeface="+mn-cs"/>
+              </a:rPr>
+              <a:t>STAY</a:t>
+            </a:r>
+            <a:endParaRPr lang="en-US" sz="5400" b="1" cap="all" dirty="0">
+              <a:ln w="0"/>
+              <a:gradFill flip="none">
+                <a:gsLst>
+                  <a:gs pos="0">
+                    <a:schemeClr val="accent1">
+                      <a:tint val="75000"/>
+                      <a:shade val="75000"/>
+                      <a:satMod val="170000"/>
+                    </a:schemeClr>
+                  </a:gs>
+                  <a:gs pos="49000">
+                    <a:schemeClr val="accent1">
+                      <a:tint val="88000"/>
+                      <a:shade val="65000"/>
+                      <a:satMod val="172000"/>
+                    </a:schemeClr>
+                  </a:gs>
+                  <a:gs pos="50000">
+                    <a:schemeClr val="accent1">
+                      <a:shade val="65000"/>
+                      <a:satMod val="130000"/>
+                    </a:schemeClr>
+                  </a:gs>
+                  <a:gs pos="92000">
+                    <a:schemeClr val="accent1">
+                      <a:shade val="50000"/>
+                      <a:satMod val="120000"/>
+                    </a:schemeClr>
+                  </a:gs>
+                  <a:gs pos="100000">
+                    <a:schemeClr val="accent1">
+                      <a:shade val="48000"/>
+                      <a:satMod val="120000"/>
+                    </a:schemeClr>
+                  </a:gs>
+                </a:gsLst>
+                <a:lin ang="5400000"/>
+              </a:gradFill>
+              <a:effectLst>
+                <a:reflection blurRad="12700" stA="50000" endPos="50000" dist="5000" dir="5400000" sy="-100000" rotWithShape="0"/>
+              </a:effectLst>
+              <a:latin typeface="+mn-lt"/>
+              <a:cs typeface="+mn-cs"/>
+            </a:endParaRPr>
+          </a:p>
+        </p:txBody>
+      </p:sp>
+      <p:pic>
+        <p:nvPicPr>
+          <p:cNvPr id="20493" name="Content Placeholder 5" descr="SAD NICS-UP.jpg"/>
+          <p:cNvPicPr>
+            <a:picLocks noChangeAspect="1"/>
+          </p:cNvPicPr>
+          <p:nvPr/>
+        </p:nvPicPr>
+        <p:blipFill>
+          <a:blip r:embed="rId11" cstate="print"/>
+          <a:srcRect/>
+          <a:stretch>
+            <a:fillRect/>
+          </a:stretch>
+        </p:blipFill>
+        <p:spPr bwMode="auto">
+          <a:xfrm>
+            <a:off x="4495800" y="4800600"/>
+            <a:ext cx="3657600" cy="2222500"/>
+          </a:xfrm>
+          <a:prstGeom prst="rect">
+            <a:avLst/>
+          </a:prstGeom>
+          <a:noFill/>
+          <a:ln w="9525">
+            <a:noFill/>
+            <a:miter lim="800000"/>
+            <a:headEnd/>
+            <a:tailEnd/>
+          </a:ln>
+        </p:spPr>
+      </p:pic>
+      <p:pic>
+        <p:nvPicPr>
+          <p:cNvPr id="20494" name="Picture 3" descr="C:\workspace\psource\nets-distribusjon\src\site\resources\images\nets-share-logo.png"/>
+          <p:cNvPicPr>
+            <a:picLocks noChangeAspect="1" noChangeArrowheads="1"/>
+          </p:cNvPicPr>
+          <p:nvPr/>
+        </p:nvPicPr>
+        <p:blipFill>
+          <a:blip r:embed="rId12" cstate="print"/>
+          <a:srcRect/>
+          <a:stretch>
+            <a:fillRect/>
+          </a:stretch>
+        </p:blipFill>
+        <p:spPr bwMode="auto">
+          <a:xfrm>
+            <a:off x="7762875" y="3429000"/>
+            <a:ext cx="1381125" cy="2166938"/>
+          </a:xfrm>
+          <a:prstGeom prst="rect">
+            <a:avLst/>
+          </a:prstGeom>
+          <a:noFill/>
+          <a:ln w="9525">
+            <a:noFill/>
+            <a:miter lim="800000"/>
+            <a:headEnd/>
+            <a:tailEnd/>
+          </a:ln>
+        </p:spPr>
+      </p:pic>
+      <p:pic>
+        <p:nvPicPr>
+          <p:cNvPr id="20495" name="Picture 5"/>
+          <p:cNvPicPr>
+            <a:picLocks noChangeAspect="1" noChangeArrowheads="1"/>
+          </p:cNvPicPr>
+          <p:nvPr/>
+        </p:nvPicPr>
+        <p:blipFill>
+          <a:blip r:embed="rId13" cstate="print"/>
+          <a:srcRect/>
+          <a:stretch>
+            <a:fillRect/>
+          </a:stretch>
+        </p:blipFill>
+        <p:spPr bwMode="auto">
+          <a:xfrm>
+            <a:off x="2057400" y="4572000"/>
+            <a:ext cx="2657475" cy="1295400"/>
+          </a:xfrm>
+          <a:prstGeom prst="rect">
+            <a:avLst/>
+          </a:prstGeom>
+          <a:noFill/>
+          <a:ln w="9525">
+            <a:noFill/>
+            <a:miter lim="800000"/>
+            <a:headEnd/>
+            <a:tailEnd/>
+          </a:ln>
+        </p:spPr>
+      </p:pic>
+      <p:pic>
+        <p:nvPicPr>
+          <p:cNvPr id="20496" name="Picture 2"/>
+          <p:cNvPicPr>
+            <a:picLocks noChangeAspect="1" noChangeArrowheads="1"/>
+          </p:cNvPicPr>
+          <p:nvPr/>
+        </p:nvPicPr>
+        <p:blipFill>
+          <a:blip r:embed="rId14" cstate="print"/>
+          <a:srcRect/>
+          <a:stretch>
+            <a:fillRect/>
+          </a:stretch>
+        </p:blipFill>
+        <p:spPr bwMode="auto">
+          <a:xfrm>
+            <a:off x="4724400" y="3733800"/>
+            <a:ext cx="2209800" cy="1217613"/>
+          </a:xfrm>
+          <a:prstGeom prst="rect">
+            <a:avLst/>
+          </a:prstGeom>
+          <a:noFill/>
+          <a:ln w="9525">
+            <a:noFill/>
+            <a:miter lim="800000"/>
+            <a:headEnd/>
+            <a:tailEnd/>
+          </a:ln>
+        </p:spPr>
+      </p:pic>
     </p:spTree>
   </p:cSld>
   <p:clrMapOvr>
     <a:masterClrMapping/>
   </p:clrMapOvr>
+  <p:transition advClick="0"/>
   <p:timing>
     <p:tnLst>
       <p:par>
@@ -6027,7 +7234,7 @@
       </p:grpSpPr>
       <p:sp>
         <p:nvSpPr>
-          <p:cNvPr id="2" name="Title 1"/>
+          <p:cNvPr id="3074" name="Title 1"/>
           <p:cNvSpPr>
             <a:spLocks noGrp="1"/>
           </p:cNvSpPr>
@@ -6040,7 +7247,7 @@
           <a:bodyPr/>
           <a:lstStyle/>
           <a:p>
-            <a:endParaRPr lang="en-US" dirty="0"/>
+            <a:endParaRPr lang="en-US" smtClean="0"/>
           </a:p>
         </p:txBody>
       </p:sp>
@@ -6059,6 +7266,7 @@
         </p:nvPicPr>
         <p:blipFill>
           <a:blip r:embed="rId4" cstate="print"/>
+          <a:srcRect/>
           <a:stretch>
             <a:fillRect/>
           </a:stretch>
@@ -6068,9 +7276,6 @@
             <a:off x="3048000" y="2719388"/>
             <a:ext cx="3048000" cy="2286000"/>
           </a:xfrm>
-          <a:prstGeom prst="rect">
-            <a:avLst/>
-          </a:prstGeom>
         </p:spPr>
       </p:pic>
     </p:spTree>
@@ -6200,77 +7405,29 @@
             <p:ph type="title"/>
           </p:nvPr>
         </p:nvSpPr>
-        <p:spPr/>
-        <p:txBody>
-          <a:bodyPr/>
-          <a:lstStyle/>
-          <a:p>
-            <a:r>
-              <a:rPr lang="nb-NO" dirty="0" smtClean="0"/>
-              <a:t>hmmm</a:t>
-            </a:r>
-            <a:endParaRPr lang="en-US" dirty="0"/>
-          </a:p>
-        </p:txBody>
-      </p:sp>
-      <p:sp>
-        <p:nvSpPr>
-          <p:cNvPr id="3" name="Content Placeholder 2"/>
-          <p:cNvSpPr>
-            <a:spLocks noGrp="1"/>
-          </p:cNvSpPr>
-          <p:nvPr>
-            <p:ph idx="1"/>
-          </p:nvPr>
-        </p:nvSpPr>
-        <p:spPr/>
-        <p:txBody>
-          <a:bodyPr>
-            <a:normAutofit/>
+        <p:spPr>
+          <a:xfrm>
+            <a:off x="381000" y="2971800"/>
+            <a:ext cx="8229600" cy="1143000"/>
+          </a:xfrm>
+        </p:spPr>
+        <p:txBody>
+          <a:bodyPr rtlCol="0">
+            <a:normAutofit fontScale="90000"/>
           </a:bodyPr>
           <a:lstStyle/>
           <a:p>
-            <a:pPr>
-              <a:buNone/>
-            </a:pPr>
-            <a:endParaRPr lang="nb-NO" sz="2800" dirty="0" smtClean="0"/>
-          </a:p>
-          <a:p>
-            <a:pPr>
-              <a:buNone/>
-            </a:pPr>
-            <a:endParaRPr lang="nb-NO" sz="2800" dirty="0" smtClean="0"/>
-          </a:p>
-          <a:p>
-            <a:pPr>
-              <a:buNone/>
-            </a:pPr>
-            <a:endParaRPr lang="nb-NO" sz="2800" dirty="0" smtClean="0"/>
-          </a:p>
-          <a:p>
-            <a:pPr algn="ctr">
-              <a:buNone/>
-            </a:pPr>
-            <a:r>
-              <a:rPr lang="nb-NO" sz="2800" dirty="0" smtClean="0"/>
-              <a:t>1,5 sekunder X 1000 = 1500 sekunder = 25 minutter</a:t>
-            </a:r>
-          </a:p>
-          <a:p>
-            <a:pPr>
-              <a:buNone/>
-            </a:pPr>
-            <a:endParaRPr lang="nb-NO" sz="2800" dirty="0" smtClean="0"/>
-          </a:p>
-          <a:p>
-            <a:pPr algn="ctr">
-              <a:buNone/>
-            </a:pPr>
-            <a:r>
-              <a:rPr lang="nb-NO" sz="2800" dirty="0" smtClean="0"/>
-              <a:t>(det finnes maling som tørker raskere)</a:t>
-            </a:r>
-            <a:endParaRPr lang="en-US" sz="2800" dirty="0"/>
+            <a:pPr fontAlgn="auto">
+              <a:spcAft>
+                <a:spcPts val="0"/>
+              </a:spcAft>
+              <a:defRPr/>
+            </a:pPr>
+            <a:r>
+              <a:rPr lang="nb-NO" dirty="0" smtClean="0"/>
+              <a:t>Vår motivasjon til å snakke om camel</a:t>
+            </a:r>
+            <a:endParaRPr lang="en-US" dirty="0"/>
           </a:p>
         </p:txBody>
       </p:sp>
@@ -6318,108 +7475,30 @@
         </p:nvSpPr>
         <p:spPr>
           <a:xfrm>
-            <a:off x="457200" y="1600200"/>
+            <a:off x="457200" y="2743200"/>
             <a:ext cx="8229600" cy="1143000"/>
           </a:xfrm>
         </p:spPr>
         <p:txBody>
-          <a:bodyPr/>
-          <a:lstStyle/>
-          <a:p>
-            <a:r>
-              <a:rPr lang="nb-NO" dirty="0" smtClean="0"/>
-              <a:t>Løs det!</a:t>
-            </a:r>
-            <a:endParaRPr lang="en-US" dirty="0"/>
-          </a:p>
-        </p:txBody>
-      </p:sp>
-      <p:sp>
-        <p:nvSpPr>
-          <p:cNvPr id="11266" name="AutoShape 2" descr="data:image/jpg;base64,/9j/4AAQSkZJRgABAQAAAQABAAD/2wCEAAkGBhQQEBQUEBQVFBQUFBUUFxcUFBQUFBUUFBQVFRQUFBUXHCYeFxkkGRcUHy8gIycpLCwsFR4xNTAqNSYrLCkBCQoKDgwOGg8PGjUfHR8qLCwsLCwsLCkpLCksKSkpLCosKSwpLSkpKSksKSkpKSksKSksKSwpKSwsKSkpKSwpLP/AABEIAOAA4AMBIgACEQEDEQH/xAAcAAACAgMBAQAAAAAAAAAAAAAAAQIGAwUHBAj/xAA/EAACAQICBQkECAYCAwAAAAAAAQIDEQQSBQYhMUETUWFxgZGhscEHIlLRFBYjMkJikuEVQ1NUgvCDojNEcv/EABoBAQACAwEAAAAAAAAAAAAAAAABAwIEBQb/xAAuEQACAgEDAwEHBAMBAAAAAAAAAQIRAwQSURMhMQUUIkFCUmGRMnGBobHR8BX/2gAMAwEAAhEDEQA/AO4gAAAAAAAAAAAK5XNN694bCtxbdSa3xhts+ZyexGMpKPdlmPFPI9sFbLIBzat7YLP3cPddNTb4RIw9sfPh+6p84lXtGPk3f/L1VXt/tf7Olgc+Xtepr71Ca6pxfojPS9rmGe+nVXZF+pPXx8mD9O1K+Rl6Ap0falhOPKr/AAv5Mzw9peCf8yS66cvRGXVhyVvR6hfI/wAFqArUfaJgX/O74TXoZPr9gv7iP6Z/InqQ5MfZc30P8MsIGgWveC/uId0vkTWu2C/uKfj8hvjyY+z5fpf4ZvANNHXDBv8A9il+oz0tY8NL7tek/wDkj8yd0eSHhyLzF/g2QGOnWjJXi1Jc6aa8CZkVDAAAAAAAAAAAAAAAAAAAAhWqKMW3uSu+wAqvtB1heHoZKcss573xUejmvznGq+Ibb6S06+6RdWrt47epcF3FQkczUSuf7HtPStOseBS+LI3DMDEyg6xOVS5FS2kRoEE51bkcxG40ANyJRqGNsLkgm5ByhAYBLlCSqMxDRAN3ofTVWjJSpzlF9D81xOr6ra4rEJQq2jU4PdGfyZxOi9pa9FSajF8bF+LI4s5+v0OPNC2qfJ2m4yv6sae5aOSo/tIrf8S5+ssB0k7Vo8VkxyxycZAAASVgAAAAAAAAAAAafWXFZaWVb5u3Yt/obcqetmJ9+3wx89vyDLMSuSRyzWOvmry6NhqGj1Y2rmnJ87fmWHQ+rNGWF5fEzlFNv7u618q4NvacpRc5No908sdNiju+yKkRsXD6qYetsw2Ji5cIzW191n4Fax+j50KjhUVpLufSnxREoOPczxamGV0vPD7M8lgsZqGHlOSjFNybskt7fMZ8foupQllqwcW1dXttXRYxp1Zc5xvbfc8QEkjJLDSUVJxeV7nZ2fU9xFEtowgiQOm1vTV+fYSCLAyck7Xs7br22d5FICyNhpHqoaOqVNsKc5LnjFteCIV8FOn9+Mo//UWvMUzFTi3V9xUltLVgFaK6kVegtpa8KvdXUvInH5J1H6DY4TEOnJSi7NO6OkaI0iq9JTW/dJc0lvRzGBYNVtJ8lVUW/dnsfRL8L9O03sUqdHmfUMG+O5eUXwBDNk88AAAAAAAAAAABznW3Gf8All1peR0HFVcsJPmi34HKNbK9qdudleR1Fm9oYb8yX3KTLazomJo0YYCjTxMpQi1HbHfmtm5t20502bHS2sNTEwhGeVKG6ytfZa77jQxzUYvlnrNVp5ZpQp0k7fP2N1hMFgaU41FiZPK8yjl23W1bkajWXSyxVfNBbLKMed2vt67s1Bu9WcfQoSdSupSmvuJJNX5+sbt3uvsiHh6V5e85JUjeaI0bHR9H6RXV6slaEfhvw6HzvhuHp9/TcDGul79NvMlw4SXVuZrauvtdybWTLwi43sua+9mz0JrgqzlTxKpwjKLV0sqfBp3fMXqcJe4n2OfPDqIvryjck77P4cVRRYradSnQo/RqWHrWXKQUYr8yindPg7s59Tw0PpKgpJw5RLNwy5t/cbrXrSKlWpqnJPJHfF3s27711Irxy2RbNnVwefJjgu3l3/g1WO0FOhiI0pK6lJKL4Si2lc3PtBqLPSgkllg33uyXcj36vaap4uMIYm3K02pQk9ma3G/PzriabWusq2OypqyyQvfZ07e1mTUVB7fiyuE8k88VkXeCd8P7nv1jSpaOw9O1nLL4Ru/Fo8mgdC0qdB4rErNFfchwbvZN8+3gZ9fMSpSpU4NNQi27O9r2S8ES0XpOhiMKsNiJcm4/dlw2O6d/Rkuuo/suxXHetMmr96VuvNNnhxOvVZ7KSjTityjFPzPPjtb61ai6dRQae+WXb2cF1nu+pdO93iqWXnur+Z5dMYfB0qeSi5VKt9s7+709DMGppNt/2bWL2ZyShC3zT7fu2ajCRvJdZaqC2Fc0ZD30WSkVQOhqX2SM8D00meeBnpmwjk5PB0TQuP5ajGT3r3ZdaNgVPVDF2nKD3SV11r9vIthtxdo8vnhsyNAAAZFIAAAAAAAa7T9bLQl02RyXW6rdxR0zWqtaMI9b9Pmcn1jqZqvVsNfUP3TtekQvLfBo2Im0KxoHrbIASYmKFiaAYkBYXBjACxJgxisSQPMxDBAgENIEicIkMzibHRNPb1I31M1Oiaey/OzbwM4GvqH3M0DNAwwPRBGwjmZDY6Ir5KsJc0lfqex+Z0A5vRR0PB1c1OD54p+BsQ8HC1q95MzAAFhzwAAAAAEAVDW3EfaP8sV82cn0nXcpuXBsvOu+kbOpbfKTivIpmkstOnFcWu00dTK+3B6r0jHtjufxPAqyYzxrFWMix8eMV3tGish6BwPTlFYxfTIczXaTWIh8Ul2Jme9GG1ksgZBcrH412pjU/wA0fEnciNoOAshPN0x7wu+jvJ3IimRyCyE7vo70F+rvG5DayGUaiPN1d44r80V1jcidrEomajTvvMrwCUMyq03+VN5u5oWFpuTSuYtmcKfc3GDp2ij3RR5KMbJLmPZAviaWbyZoGemjBBHppouic/Iemii6aBq3oxXwtx9fUp1BFp1al7kl+a/p6F8DjatXE3QABacwAAAAMeIqZYSlzJvuRkNZrHiOTw1Rvmt3/tcMmKt0cj1kxXKYhR4R95+bKnpHGOpNvhfZ1Gwx2Ovyk+M20urj6GjntOPmluZ77R4unBLhCbE2MCijcsVwuOwWJoncCkSzEUhtEULJ57i5RkUCFCyWcTrMQxRO4fKByjINBYiiUzJGsbbRuNtJGlR6KE7Mjw7Rn2aov845oKS6yVJni1bxfKU3B9h6qGy65mb0XdM5WVNXF/A9cEemkjzwPTRNiJzch7aC2Fp1dhanf/eLKsnaJcNCwtS/3mLo+Tj6p+7/ACbAAAtOaAAAAFP9p2P5PCZVvnK3h+5b2ct9rmOvWpUl+GOZ9r/YqzOoM3dBj6meK/k5xjJblzI8kjNXd2zE0clq2e6j2RGwrEhWFCxAx2CxFE2IEOwNChZFoZILE0LEwHYLEULEgQ7ARRNiJxYgRi0WRZutA47k6kebcy111ap0SSZQ8POzLnQrZ6FOfGLyv0LsMu1FGpj3UuexsaR7KKPFRZ76KN6Jws3Y9tOF7Lna8y56Ojamu3zKhhleUev0Lnho2hHqRfA4eqfhGUAAsNIAAABHD/aBjuVx1Z8ItQX+Ks/U7bXqqMZSe6KbfYrnztpPEOpOcnvlKUu9mrqX2SO36NC8kpcI1kiLMqiRcTRPVWY7BYnlDKCLINCMmUVhRNkEFjJlFYgWRyhYk4hYCyAx5R2BNkLDsOwNChZFjCxKxFGSZKDLNoDEXpzpvmzLs3+BWIo2mia+WafZ2MhdpWWSW+NFwwU7xRtcOjSaNnvRvMIjexnntWtrZs8BG812/IuUVZFS0RC9Tu8y3G1A89qX7wAAGZqgAAAabXDF8lga8uORxXXK0fU4JiDsntQxGXBJfHUiuxJv0OM1HtNDUu5Ueo9GhWJy5ZjyiaJiNc7NkMoZSdgsBZDKGUyWFYCyGUHEnYGhQsgoCymSw2hQsxZQcTJYLCibMWUMplyiygmzHlCxkyjsQTZBRM2HlZkFEyRRi0XQkWjRNb3l0otGDKTo2ra3Qy7YB3XYbWB2cf1KNdzfaAhefavBFnK/q7Da31v0LAb0fB5TO/fYAAGRQAAABz/2uVvs6EeeU5dyS9TlMt50n2uVftKMeaEn3yt6HNmc7N+tnr/TFWnX/fETQrEmgKjoCAYIAQWHYABBYYABYRIACNgsSYWJJEKxICARSCwx2BIIkkKxKJiyyLPfgZl60PK8E+goOFkXbV2pen1MtwPuafqKvHZeNXado9nm7m5NboKNqfd5GyOkvB4rK7mwAAJKwEMUnZAHJPajis+Lt8FNR7drfn4FGLnrrgakqrqWumuHB3e8qTo9Bzcv6mey0DXQikzDYDJyYnArNwgBPIGQAgBPKGUAgOw7DykgjYCeUMpAIASSFYkkQWJZQsARAlYLAkSJRFYkkQZIzYd7S46rzupLqKbS3ls1Ul9pbnt5onG6mV6xXgZ1PRUbU+09h58DG1OPVfvPQdRHgpeQAAJIAjPcyQmgCp1IHmqYKD3xT7Pmi2vR9P4UQloqm/w+LMWkyxTa8FNlomm99OH6UY56Cov+XH9KRdHoenzPvIfwOn+bvXyI2Lgs68uWUl6v0P6ce4hLVig/5cV1XLs9Aw55eBCWr0fifciOnHgyWpyL5mUiWqdD4P8As/mQep1B7lJf5F4+ry4S/wCv7kfq+/iXcyOlHgzWsyr5mUX6m0U9ub9X7EpamUX8S/y/Yuj1fn8UfEHoOf5e8dKHBPtub6mUWeo9PhKa7mY5ajR3Z33IvctCTW5L9RB6HqfDbqaZj0YcGa1+f6igT1FfCou2P7mN6jz+OPdI6B/Cqi/DLzIywE9zhLuZHQgWL1LPyc9nqRUW6UPH5GN6l1vy/q/Y6H9DkvwvuZH6M/h8COhEzXqmZcHOnqfX+FfqRjnqrXX4L9Ukzo/JPmt4XCNPs/3pI9njyZr1XLwjm31Zr/034fMh/AK39OXcdNdL/XuJwp9RD065LF6vk4RzKGgq39Of6WW7VfQE6clUns2bI8e0ssKfQeyhHcTDTpO7MM/q2TJBwqrNxRjaKXQiYkM2jhgAAAAAAAAAAAAAAAAAAAAAAAAAAAAAAAAAAAAJxRF0Yvgu5EwAMX0aPwx7kL6JD4Y9yMwAGH6JD4V3DWGit0UZQAAAAAAAAD//2Q=="/>
-          <p:cNvSpPr>
-            <a:spLocks noChangeAspect="1" noChangeArrowheads="1"/>
-          </p:cNvSpPr>
-          <p:nvPr/>
-        </p:nvSpPr>
-        <p:spPr bwMode="auto">
-          <a:xfrm>
-            <a:off x="155575" y="-144463"/>
-            <a:ext cx="304800" cy="304801"/>
-          </a:xfrm>
-          <a:prstGeom prst="rect">
-            <a:avLst/>
-          </a:prstGeom>
-          <a:noFill/>
-        </p:spPr>
-        <p:txBody>
-          <a:bodyPr vert="horz" wrap="square" lIns="91440" tIns="45720" rIns="91440" bIns="45720" numCol="1" anchor="t" anchorCtr="0" compatLnSpc="1">
-            <a:prstTxWarp prst="textNoShape">
-              <a:avLst/>
-            </a:prstTxWarp>
+          <a:bodyPr rtlCol="0">
+            <a:normAutofit fontScale="90000"/>
           </a:bodyPr>
           <a:lstStyle/>
           <a:p>
-            <a:endParaRPr lang="en-US"/>
-          </a:p>
-        </p:txBody>
-      </p:sp>
-      <p:sp>
-        <p:nvSpPr>
-          <p:cNvPr id="11268" name="AutoShape 4" descr="data:image/jpg;base64,/9j/4AAQSkZJRgABAQAAAQABAAD/2wCEAAkGBhQQEBQUEBQVFBQUFBUUFxcUFBQUFBUUFBQVFRQUFBUXHCYeFxkkGRcUHy8gIycpLCwsFR4xNTAqNSYrLCkBCQoKDgwOGg8PGjUfHR8qLCwsLCwsLCkpLCksKSkpLCosKSwpLSkpKSksKSkpKSksKSksKSwpKSwsKSkpKSwpLP/AABEIAOAA4AMBIgACEQEDEQH/xAAcAAACAgMBAQAAAAAAAAAAAAAAAQIGAwUHBAj/xAA/EAACAQICBQkECAYCAwAAAAAAAQIDEQQSBQYhMUETUWFxgZGhscEHIlLRFBYjMkJikuEVQ1NUgvCDojNEcv/EABoBAQACAwEAAAAAAAAAAAAAAAABAwIEBQb/xAAuEQACAgEDAwEHBAMBAAAAAAAAAQIRAwQSURMhMQUUIkFCUmGRMnGBobHR8BX/2gAMAwEAAhEDEQA/AO4gAAAAAAAAAAAK5XNN694bCtxbdSa3xhts+ZyexGMpKPdlmPFPI9sFbLIBzat7YLP3cPddNTb4RIw9sfPh+6p84lXtGPk3f/L1VXt/tf7Olgc+Xtepr71Ca6pxfojPS9rmGe+nVXZF+pPXx8mD9O1K+Rl6Ap0falhOPKr/AAv5Mzw9peCf8yS66cvRGXVhyVvR6hfI/wAFqArUfaJgX/O74TXoZPr9gv7iP6Z/InqQ5MfZc30P8MsIGgWveC/uId0vkTWu2C/uKfj8hvjyY+z5fpf4ZvANNHXDBv8A9il+oz0tY8NL7tek/wDkj8yd0eSHhyLzF/g2QGOnWjJXi1Jc6aa8CZkVDAAAAAAAAAAAAAAAAAAAAhWqKMW3uSu+wAqvtB1heHoZKcss573xUejmvznGq+Ibb6S06+6RdWrt47epcF3FQkczUSuf7HtPStOseBS+LI3DMDEyg6xOVS5FS2kRoEE51bkcxG40ANyJRqGNsLkgm5ByhAYBLlCSqMxDRAN3ofTVWjJSpzlF9D81xOr6ra4rEJQq2jU4PdGfyZxOi9pa9FSajF8bF+LI4s5+v0OPNC2qfJ2m4yv6sae5aOSo/tIrf8S5+ssB0k7Vo8VkxyxycZAAASVgAAAAAAAAAAAafWXFZaWVb5u3Yt/obcqetmJ9+3wx89vyDLMSuSRyzWOvmry6NhqGj1Y2rmnJ87fmWHQ+rNGWF5fEzlFNv7u618q4NvacpRc5No908sdNiju+yKkRsXD6qYetsw2Ji5cIzW191n4Fax+j50KjhUVpLufSnxREoOPczxamGV0vPD7M8lgsZqGHlOSjFNybskt7fMZ8foupQllqwcW1dXttXRYxp1Zc5xvbfc8QEkjJLDSUVJxeV7nZ2fU9xFEtowgiQOm1vTV+fYSCLAyck7Xs7br22d5FICyNhpHqoaOqVNsKc5LnjFteCIV8FOn9+Mo//UWvMUzFTi3V9xUltLVgFaK6kVegtpa8KvdXUvInH5J1H6DY4TEOnJSi7NO6OkaI0iq9JTW/dJc0lvRzGBYNVtJ8lVUW/dnsfRL8L9O03sUqdHmfUMG+O5eUXwBDNk88AAAAAAAAAAABznW3Gf8All1peR0HFVcsJPmi34HKNbK9qdudleR1Fm9oYb8yX3KTLazomJo0YYCjTxMpQi1HbHfmtm5t20502bHS2sNTEwhGeVKG6ytfZa77jQxzUYvlnrNVp5ZpQp0k7fP2N1hMFgaU41FiZPK8yjl23W1bkajWXSyxVfNBbLKMed2vt67s1Bu9WcfQoSdSupSmvuJJNX5+sbt3uvsiHh6V5e85JUjeaI0bHR9H6RXV6slaEfhvw6HzvhuHp9/TcDGul79NvMlw4SXVuZrauvtdybWTLwi43sua+9mz0JrgqzlTxKpwjKLV0sqfBp3fMXqcJe4n2OfPDqIvryjck77P4cVRRYradSnQo/RqWHrWXKQUYr8yindPg7s59Tw0PpKgpJw5RLNwy5t/cbrXrSKlWpqnJPJHfF3s27711Irxy2RbNnVwefJjgu3l3/g1WO0FOhiI0pK6lJKL4Si2lc3PtBqLPSgkllg33uyXcj36vaap4uMIYm3K02pQk9ma3G/PzriabWusq2OypqyyQvfZ07e1mTUVB7fiyuE8k88VkXeCd8P7nv1jSpaOw9O1nLL4Ru/Fo8mgdC0qdB4rErNFfchwbvZN8+3gZ9fMSpSpU4NNQi27O9r2S8ES0XpOhiMKsNiJcm4/dlw2O6d/Rkuuo/suxXHetMmr96VuvNNnhxOvVZ7KSjTityjFPzPPjtb61ai6dRQae+WXb2cF1nu+pdO93iqWXnur+Z5dMYfB0qeSi5VKt9s7+709DMGppNt/2bWL2ZyShC3zT7fu2ajCRvJdZaqC2Fc0ZD30WSkVQOhqX2SM8D00meeBnpmwjk5PB0TQuP5ajGT3r3ZdaNgVPVDF2nKD3SV11r9vIthtxdo8vnhsyNAAAZFIAAAAAAAa7T9bLQl02RyXW6rdxR0zWqtaMI9b9Pmcn1jqZqvVsNfUP3TtekQvLfBo2Im0KxoHrbIASYmKFiaAYkBYXBjACxJgxisSQPMxDBAgENIEicIkMzibHRNPb1I31M1Oiaey/OzbwM4GvqH3M0DNAwwPRBGwjmZDY6Ir5KsJc0lfqex+Z0A5vRR0PB1c1OD54p+BsQ8HC1q95MzAAFhzwAAAAAEAVDW3EfaP8sV82cn0nXcpuXBsvOu+kbOpbfKTivIpmkstOnFcWu00dTK+3B6r0jHtjufxPAqyYzxrFWMix8eMV3tGish6BwPTlFYxfTIczXaTWIh8Ul2Jme9GG1ksgZBcrH412pjU/wA0fEnciNoOAshPN0x7wu+jvJ3IimRyCyE7vo70F+rvG5DayGUaiPN1d44r80V1jcidrEomajTvvMrwCUMyq03+VN5u5oWFpuTSuYtmcKfc3GDp2ij3RR5KMbJLmPZAviaWbyZoGemjBBHppouic/Iemii6aBq3oxXwtx9fUp1BFp1al7kl+a/p6F8DjatXE3QABacwAAAAMeIqZYSlzJvuRkNZrHiOTw1Rvmt3/tcMmKt0cj1kxXKYhR4R95+bKnpHGOpNvhfZ1Gwx2Ovyk+M20urj6GjntOPmluZ77R4unBLhCbE2MCijcsVwuOwWJoncCkSzEUhtEULJ57i5RkUCFCyWcTrMQxRO4fKByjINBYiiUzJGsbbRuNtJGlR6KE7Mjw7Rn2aov845oKS6yVJni1bxfKU3B9h6qGy65mb0XdM5WVNXF/A9cEemkjzwPTRNiJzch7aC2Fp1dhanf/eLKsnaJcNCwtS/3mLo+Tj6p+7/ACbAAAtOaAAAAFP9p2P5PCZVvnK3h+5b2ct9rmOvWpUl+GOZ9r/YqzOoM3dBj6meK/k5xjJblzI8kjNXd2zE0clq2e6j2RGwrEhWFCxAx2CxFE2IEOwNChZFoZILE0LEwHYLEULEgQ7ARRNiJxYgRi0WRZutA47k6kebcy111ap0SSZQ8POzLnQrZ6FOfGLyv0LsMu1FGpj3UuexsaR7KKPFRZ76KN6Jws3Y9tOF7Lna8y56Ojamu3zKhhleUev0Lnho2hHqRfA4eqfhGUAAsNIAAABHD/aBjuVx1Z8ItQX+Ks/U7bXqqMZSe6KbfYrnztpPEOpOcnvlKUu9mrqX2SO36NC8kpcI1kiLMqiRcTRPVWY7BYnlDKCLINCMmUVhRNkEFjJlFYgWRyhYk4hYCyAx5R2BNkLDsOwNChZFjCxKxFGSZKDLNoDEXpzpvmzLs3+BWIo2mia+WafZ2MhdpWWSW+NFwwU7xRtcOjSaNnvRvMIjexnntWtrZs8BG812/IuUVZFS0RC9Tu8y3G1A89qX7wAAGZqgAAAabXDF8lga8uORxXXK0fU4JiDsntQxGXBJfHUiuxJv0OM1HtNDUu5Ueo9GhWJy5ZjyiaJiNc7NkMoZSdgsBZDKGUyWFYCyGUHEnYGhQsgoCymSw2hQsxZQcTJYLCibMWUMplyiygmzHlCxkyjsQTZBRM2HlZkFEyRRi0XQkWjRNb3l0otGDKTo2ra3Qy7YB3XYbWB2cf1KNdzfaAhefavBFnK/q7Da31v0LAb0fB5TO/fYAAGRQAAABz/2uVvs6EeeU5dyS9TlMt50n2uVftKMeaEn3yt6HNmc7N+tnr/TFWnX/fETQrEmgKjoCAYIAQWHYABBYYABYRIACNgsSYWJJEKxICARSCwx2BIIkkKxKJiyyLPfgZl60PK8E+goOFkXbV2pen1MtwPuafqKvHZeNXado9nm7m5NboKNqfd5GyOkvB4rK7mwAAJKwEMUnZAHJPajis+Lt8FNR7drfn4FGLnrrgakqrqWumuHB3e8qTo9Bzcv6mey0DXQikzDYDJyYnArNwgBPIGQAgBPKGUAgOw7DykgjYCeUMpAIASSFYkkQWJZQsARAlYLAkSJRFYkkQZIzYd7S46rzupLqKbS3ls1Ul9pbnt5onG6mV6xXgZ1PRUbU+09h58DG1OPVfvPQdRHgpeQAAJIAjPcyQmgCp1IHmqYKD3xT7Pmi2vR9P4UQloqm/w+LMWkyxTa8FNlomm99OH6UY56Cov+XH9KRdHoenzPvIfwOn+bvXyI2Lgs68uWUl6v0P6ce4hLVig/5cV1XLs9Aw55eBCWr0fifciOnHgyWpyL5mUiWqdD4P8As/mQep1B7lJf5F4+ry4S/wCv7kfq+/iXcyOlHgzWsyr5mUX6m0U9ub9X7EpamUX8S/y/Yuj1fn8UfEHoOf5e8dKHBPtub6mUWeo9PhKa7mY5ajR3Z33IvctCTW5L9RB6HqfDbqaZj0YcGa1+f6igT1FfCou2P7mN6jz+OPdI6B/Cqi/DLzIywE9zhLuZHQgWL1LPyc9nqRUW6UPH5GN6l1vy/q/Y6H9DkvwvuZH6M/h8COhEzXqmZcHOnqfX+FfqRjnqrXX4L9Ukzo/JPmt4XCNPs/3pI9njyZr1XLwjm31Zr/034fMh/AK39OXcdNdL/XuJwp9RD065LF6vk4RzKGgq39Of6WW7VfQE6clUns2bI8e0ssKfQeyhHcTDTpO7MM/q2TJBwqrNxRjaKXQiYkM2jhgAAAAAAAAAAAAAAAAAAAAAAAAAAAAAAAAAAAAJxRF0Yvgu5EwAMX0aPwx7kL6JD4Y9yMwAGH6JD4V3DWGit0UZQAAAAAAAAD//2Q=="/>
-          <p:cNvSpPr>
-            <a:spLocks noChangeAspect="1" noChangeArrowheads="1"/>
-          </p:cNvSpPr>
-          <p:nvPr/>
-        </p:nvSpPr>
-        <p:spPr bwMode="auto">
-          <a:xfrm>
-            <a:off x="155575" y="-144463"/>
-            <a:ext cx="304800" cy="304801"/>
-          </a:xfrm>
-          <a:prstGeom prst="rect">
-            <a:avLst/>
-          </a:prstGeom>
-          <a:noFill/>
-        </p:spPr>
-        <p:txBody>
-          <a:bodyPr vert="horz" wrap="square" lIns="91440" tIns="45720" rIns="91440" bIns="45720" numCol="1" anchor="t" anchorCtr="0" compatLnSpc="1">
-            <a:prstTxWarp prst="textNoShape">
-              <a:avLst/>
-            </a:prstTxWarp>
-          </a:bodyPr>
-          <a:lstStyle/>
-          <a:p>
-            <a:endParaRPr lang="en-US"/>
-          </a:p>
-        </p:txBody>
-      </p:sp>
-      <p:pic>
-        <p:nvPicPr>
-          <p:cNvPr id="11270" name="Picture 6" descr="http://uv-blog.uio.no/wpmu/wp-content/blogs.dir/18/old-mediafiles/bilder/panic-button.jpg"/>
-          <p:cNvPicPr>
-            <a:picLocks noChangeAspect="1" noChangeArrowheads="1"/>
-          </p:cNvPicPr>
-          <p:nvPr/>
-        </p:nvPicPr>
-        <p:blipFill>
-          <a:blip r:embed="rId2" cstate="print"/>
-          <a:srcRect/>
-          <a:stretch>
-            <a:fillRect/>
-          </a:stretch>
-        </p:blipFill>
-        <p:spPr bwMode="auto">
-          <a:xfrm>
-            <a:off x="3276600" y="2514600"/>
-            <a:ext cx="3305175" cy="3295651"/>
-          </a:xfrm>
-          <a:prstGeom prst="rect">
-            <a:avLst/>
-          </a:prstGeom>
-          <a:noFill/>
-        </p:spPr>
-      </p:pic>
+            <a:pPr fontAlgn="auto">
+              <a:spcAft>
+                <a:spcPts val="0"/>
+              </a:spcAft>
+              <a:defRPr/>
+            </a:pPr>
+            <a:r>
+              <a:rPr lang="nb-NO" dirty="0" smtClean="0"/>
+              <a:t>Hva vi håper dere sitter igjen med etter dette foredraget?</a:t>
+            </a:r>
+            <a:endParaRPr lang="en-US" dirty="0"/>
+          </a:p>
+        </p:txBody>
+      </p:sp>
     </p:spTree>
   </p:cSld>
   <p:clrMapOvr>
@@ -6454,7 +7533,7 @@
       </p:grpSpPr>
       <p:sp>
         <p:nvSpPr>
-          <p:cNvPr id="2" name="Title 1"/>
+          <p:cNvPr id="23554" name="Title 1"/>
           <p:cNvSpPr>
             <a:spLocks noGrp="1"/>
           </p:cNvSpPr>
@@ -6473,656 +7552,10 @@
           <a:lstStyle/>
           <a:p>
             <a:r>
-              <a:rPr lang="nb-NO" dirty="0" smtClean="0"/>
-              <a:t>Til slutt...</a:t>
-            </a:r>
-            <a:endParaRPr lang="en-US" dirty="0"/>
-          </a:p>
-        </p:txBody>
-      </p:sp>
-    </p:spTree>
-  </p:cSld>
-  <p:clrMapOvr>
-    <a:masterClrMapping/>
-  </p:clrMapOvr>
-  <p:timing>
-    <p:tnLst>
-      <p:par>
-        <p:cTn id="1" dur="indefinite" restart="never" nodeType="tmRoot"/>
-      </p:par>
-    </p:tnLst>
-  </p:timing>
-</p:sld>
-</file>
-
-<file path=ppt/slides/slide23.xml><?xml version="1.0" encoding="utf-8"?>
-<p:sld xmlns:a="http://schemas.openxmlformats.org/drawingml/2006/main" xmlns:r="http://schemas.openxmlformats.org/officeDocument/2006/relationships" xmlns:p="http://schemas.openxmlformats.org/presentationml/2006/main">
-  <p:cSld>
-    <p:spTree>
-      <p:nvGrpSpPr>
-        <p:cNvPr id="1" name=""/>
-        <p:cNvGrpSpPr/>
-        <p:nvPr/>
-      </p:nvGrpSpPr>
-      <p:grpSpPr>
-        <a:xfrm>
-          <a:off x="0" y="0"/>
-          <a:ext cx="0" cy="0"/>
-          <a:chOff x="0" y="0"/>
-          <a:chExt cx="0" cy="0"/>
-        </a:xfrm>
-      </p:grpSpPr>
-      <p:sp>
-        <p:nvSpPr>
-          <p:cNvPr id="2" name="Title 1"/>
-          <p:cNvSpPr>
-            <a:spLocks noGrp="1"/>
-          </p:cNvSpPr>
-          <p:nvPr>
-            <p:ph type="title"/>
-          </p:nvPr>
-        </p:nvSpPr>
-        <p:spPr/>
-        <p:txBody>
-          <a:bodyPr/>
-          <a:lstStyle/>
-          <a:p>
-            <a:r>
-              <a:rPr lang="nb-NO" dirty="0" smtClean="0"/>
-              <a:t>Noen fordeler ved å</a:t>
-            </a:r>
-            <a:r>
-              <a:rPr lang="nb-NO" baseline="0" dirty="0" smtClean="0"/>
-              <a:t> bruke camel</a:t>
-            </a:r>
-            <a:endParaRPr lang="en-US" dirty="0"/>
-          </a:p>
-        </p:txBody>
-      </p:sp>
-      <p:sp>
-        <p:nvSpPr>
-          <p:cNvPr id="3" name="Content Placeholder 2"/>
-          <p:cNvSpPr>
-            <a:spLocks noGrp="1"/>
-          </p:cNvSpPr>
-          <p:nvPr>
-            <p:ph idx="1"/>
-          </p:nvPr>
-        </p:nvSpPr>
-        <p:spPr/>
-        <p:txBody>
-          <a:bodyPr/>
-          <a:lstStyle/>
-          <a:p>
-            <a:endParaRPr lang="en-US"/>
-          </a:p>
-        </p:txBody>
-      </p:sp>
-      <p:pic>
-        <p:nvPicPr>
-          <p:cNvPr id="17410" name="Picture 2" descr="http://graffletopia.com/images/previews/137/original.png?1250609325"/>
-          <p:cNvPicPr>
-            <a:picLocks noChangeAspect="1" noChangeArrowheads="1"/>
-          </p:cNvPicPr>
-          <p:nvPr/>
-        </p:nvPicPr>
-        <p:blipFill>
-          <a:blip r:embed="rId3" cstate="print"/>
-          <a:srcRect/>
-          <a:stretch>
-            <a:fillRect/>
-          </a:stretch>
-        </p:blipFill>
-        <p:spPr bwMode="auto">
-          <a:xfrm>
-            <a:off x="1752600" y="2133600"/>
-            <a:ext cx="5238750" cy="3962401"/>
-          </a:xfrm>
-          <a:prstGeom prst="rect">
-            <a:avLst/>
-          </a:prstGeom>
-          <a:noFill/>
-        </p:spPr>
-      </p:pic>
-    </p:spTree>
-  </p:cSld>
-  <p:clrMapOvr>
-    <a:masterClrMapping/>
-  </p:clrMapOvr>
-  <p:timing>
-    <p:tnLst>
-      <p:par>
-        <p:cTn id="1" dur="indefinite" restart="never" nodeType="tmRoot"/>
-      </p:par>
-    </p:tnLst>
-  </p:timing>
-</p:sld>
-</file>
-
-<file path=ppt/slides/slide24.xml><?xml version="1.0" encoding="utf-8"?>
-<p:sld xmlns:a="http://schemas.openxmlformats.org/drawingml/2006/main" xmlns:r="http://schemas.openxmlformats.org/officeDocument/2006/relationships" xmlns:p="http://schemas.openxmlformats.org/presentationml/2006/main">
-  <p:cSld>
-    <p:spTree>
-      <p:nvGrpSpPr>
-        <p:cNvPr id="1" name=""/>
-        <p:cNvGrpSpPr/>
-        <p:nvPr/>
-      </p:nvGrpSpPr>
-      <p:grpSpPr>
-        <a:xfrm>
-          <a:off x="0" y="0"/>
-          <a:ext cx="0" cy="0"/>
-          <a:chOff x="0" y="0"/>
-          <a:chExt cx="0" cy="0"/>
-        </a:xfrm>
-      </p:grpSpPr>
-      <p:sp>
-        <p:nvSpPr>
-          <p:cNvPr id="2" name="Title 1"/>
-          <p:cNvSpPr>
-            <a:spLocks noGrp="1"/>
-          </p:cNvSpPr>
-          <p:nvPr>
-            <p:ph type="title"/>
-          </p:nvPr>
-        </p:nvSpPr>
-        <p:spPr/>
-        <p:txBody>
-          <a:bodyPr/>
-          <a:lstStyle/>
-          <a:p>
-            <a:r>
-              <a:rPr lang="nb-NO" dirty="0" smtClean="0"/>
-              <a:t>Ulemper?</a:t>
-            </a:r>
-            <a:endParaRPr lang="en-US" dirty="0"/>
-          </a:p>
-        </p:txBody>
-      </p:sp>
-      <p:sp>
-        <p:nvSpPr>
-          <p:cNvPr id="3" name="Content Placeholder 2"/>
-          <p:cNvSpPr>
-            <a:spLocks noGrp="1"/>
-          </p:cNvSpPr>
-          <p:nvPr>
-            <p:ph idx="1"/>
-          </p:nvPr>
-        </p:nvSpPr>
-        <p:spPr/>
-        <p:txBody>
-          <a:bodyPr/>
-          <a:lstStyle/>
-          <a:p>
-            <a:endParaRPr lang="en-US"/>
-          </a:p>
-        </p:txBody>
-      </p:sp>
-    </p:spTree>
-  </p:cSld>
-  <p:clrMapOvr>
-    <a:masterClrMapping/>
-  </p:clrMapOvr>
-  <p:timing>
-    <p:tnLst>
-      <p:par>
-        <p:cTn id="1" dur="indefinite" restart="never" nodeType="tmRoot"/>
-      </p:par>
-    </p:tnLst>
-  </p:timing>
-</p:sld>
-</file>
-
-<file path=ppt/slides/slide25.xml><?xml version="1.0" encoding="utf-8"?>
-<p:sld xmlns:a="http://schemas.openxmlformats.org/drawingml/2006/main" xmlns:r="http://schemas.openxmlformats.org/officeDocument/2006/relationships" xmlns:p="http://schemas.openxmlformats.org/presentationml/2006/main">
-  <p:cSld>
-    <p:spTree>
-      <p:nvGrpSpPr>
-        <p:cNvPr id="1" name=""/>
-        <p:cNvGrpSpPr/>
-        <p:nvPr/>
-      </p:nvGrpSpPr>
-      <p:grpSpPr>
-        <a:xfrm>
-          <a:off x="0" y="0"/>
-          <a:ext cx="0" cy="0"/>
-          <a:chOff x="0" y="0"/>
-          <a:chExt cx="0" cy="0"/>
-        </a:xfrm>
-      </p:grpSpPr>
-      <p:pic>
-        <p:nvPicPr>
-          <p:cNvPr id="1026" name="Picture 2"/>
-          <p:cNvPicPr>
-            <a:picLocks noChangeAspect="1" noChangeArrowheads="1"/>
-          </p:cNvPicPr>
-          <p:nvPr/>
-        </p:nvPicPr>
-        <p:blipFill>
-          <a:blip r:embed="rId2" cstate="print"/>
-          <a:srcRect/>
-          <a:stretch>
-            <a:fillRect/>
-          </a:stretch>
-        </p:blipFill>
-        <p:spPr bwMode="auto">
-          <a:xfrm>
-            <a:off x="1143000" y="762000"/>
-            <a:ext cx="6705600" cy="5029200"/>
-          </a:xfrm>
-          <a:prstGeom prst="rect">
-            <a:avLst/>
-          </a:prstGeom>
-          <a:noFill/>
-          <a:ln w="9525">
-            <a:noFill/>
-            <a:miter lim="800000"/>
-            <a:headEnd/>
-            <a:tailEnd/>
-          </a:ln>
-          <a:effectLst/>
-        </p:spPr>
-      </p:pic>
-    </p:spTree>
-  </p:cSld>
-  <p:clrMapOvr>
-    <a:masterClrMapping/>
-  </p:clrMapOvr>
-</p:sld>
-</file>
-
-<file path=ppt/slides/slide26.xml><?xml version="1.0" encoding="utf-8"?>
-<p:sld xmlns:a="http://schemas.openxmlformats.org/drawingml/2006/main" xmlns:r="http://schemas.openxmlformats.org/officeDocument/2006/relationships" xmlns:p="http://schemas.openxmlformats.org/presentationml/2006/main">
-  <p:cSld>
-    <p:spTree>
-      <p:nvGrpSpPr>
-        <p:cNvPr id="1" name=""/>
-        <p:cNvGrpSpPr/>
-        <p:nvPr/>
-      </p:nvGrpSpPr>
-      <p:grpSpPr>
-        <a:xfrm>
-          <a:off x="0" y="0"/>
-          <a:ext cx="0" cy="0"/>
-          <a:chOff x="0" y="0"/>
-          <a:chExt cx="0" cy="0"/>
-        </a:xfrm>
-      </p:grpSpPr>
-      <p:pic>
-        <p:nvPicPr>
-          <p:cNvPr id="2050" name="Picture 2"/>
-          <p:cNvPicPr>
-            <a:picLocks noChangeAspect="1" noChangeArrowheads="1"/>
-          </p:cNvPicPr>
-          <p:nvPr/>
-        </p:nvPicPr>
-        <p:blipFill>
-          <a:blip r:embed="rId2" cstate="print"/>
-          <a:srcRect/>
-          <a:stretch>
-            <a:fillRect/>
-          </a:stretch>
-        </p:blipFill>
-        <p:spPr bwMode="auto">
-          <a:xfrm>
-            <a:off x="1828800" y="228600"/>
-            <a:ext cx="4857750" cy="6477000"/>
-          </a:xfrm>
-          <a:prstGeom prst="rect">
-            <a:avLst/>
-          </a:prstGeom>
-          <a:noFill/>
-          <a:ln w="9525">
-            <a:noFill/>
-            <a:miter lim="800000"/>
-            <a:headEnd/>
-            <a:tailEnd/>
-          </a:ln>
-          <a:effectLst/>
-        </p:spPr>
-      </p:pic>
-    </p:spTree>
-  </p:cSld>
-  <p:clrMapOvr>
-    <a:masterClrMapping/>
-  </p:clrMapOvr>
-</p:sld>
-</file>
-
-<file path=ppt/slides/slide27.xml><?xml version="1.0" encoding="utf-8"?>
-<p:sld xmlns:a="http://schemas.openxmlformats.org/drawingml/2006/main" xmlns:r="http://schemas.openxmlformats.org/officeDocument/2006/relationships" xmlns:p="http://schemas.openxmlformats.org/presentationml/2006/main">
-  <p:cSld>
-    <p:spTree>
-      <p:nvGrpSpPr>
-        <p:cNvPr id="1" name=""/>
-        <p:cNvGrpSpPr/>
-        <p:nvPr/>
-      </p:nvGrpSpPr>
-      <p:grpSpPr>
-        <a:xfrm>
-          <a:off x="0" y="0"/>
-          <a:ext cx="0" cy="0"/>
-          <a:chOff x="0" y="0"/>
-          <a:chExt cx="0" cy="0"/>
-        </a:xfrm>
-      </p:grpSpPr>
-      <p:sp>
-        <p:nvSpPr>
-          <p:cNvPr id="2" name="Title 1"/>
-          <p:cNvSpPr>
-            <a:spLocks noGrp="1"/>
-          </p:cNvSpPr>
-          <p:nvPr>
-            <p:ph type="title"/>
-          </p:nvPr>
-        </p:nvSpPr>
-        <p:spPr/>
-        <p:txBody>
-          <a:bodyPr/>
-          <a:lstStyle/>
-          <a:p>
-            <a:r>
-              <a:rPr lang="nb-NO" dirty="0" smtClean="0"/>
-              <a:t>Alternativer?</a:t>
-            </a:r>
-            <a:endParaRPr lang="en-US" dirty="0"/>
-          </a:p>
-        </p:txBody>
-      </p:sp>
-      <p:sp>
-        <p:nvSpPr>
-          <p:cNvPr id="3" name="Content Placeholder 2"/>
-          <p:cNvSpPr>
-            <a:spLocks noGrp="1"/>
-          </p:cNvSpPr>
-          <p:nvPr>
-            <p:ph idx="1"/>
-          </p:nvPr>
-        </p:nvSpPr>
-        <p:spPr/>
-        <p:txBody>
-          <a:bodyPr/>
-          <a:lstStyle/>
-          <a:p>
-            <a:endParaRPr lang="en-US" dirty="0"/>
-          </a:p>
-        </p:txBody>
-      </p:sp>
-      <p:pic>
-        <p:nvPicPr>
-          <p:cNvPr id="3074" name="Picture 2"/>
-          <p:cNvPicPr>
-            <a:picLocks noChangeAspect="1" noChangeArrowheads="1"/>
-          </p:cNvPicPr>
-          <p:nvPr/>
-        </p:nvPicPr>
-        <p:blipFill>
-          <a:blip r:embed="rId3" cstate="print">
-            <a:extLst>
-              <a:ext uri="{28A0092B-C50C-407E-A947-70E740481C1C}">
-                <a14:useLocalDpi xmlns="" xmlns:a14="http://schemas.microsoft.com/office/drawing/2010/main" val="0"/>
-              </a:ext>
-            </a:extLst>
-          </a:blip>
-          <a:srcRect/>
-          <a:stretch>
-            <a:fillRect/>
-          </a:stretch>
-        </p:blipFill>
-        <p:spPr bwMode="auto">
-          <a:xfrm>
-            <a:off x="914400" y="2886075"/>
-            <a:ext cx="3038475" cy="1152525"/>
-          </a:xfrm>
-          <a:prstGeom prst="rect">
-            <a:avLst/>
-          </a:prstGeom>
-          <a:noFill/>
-          <a:ln>
-            <a:noFill/>
-          </a:ln>
-          <a:effectLst/>
-          <a:extLst>
-            <a:ext uri="{909E8E84-426E-40DD-AFC4-6F175D3DCCD1}">
-              <a14:hiddenFill xmlns="" xmlns:a14="http://schemas.microsoft.com/office/drawing/2010/main">
-                <a:solidFill>
-                  <a:schemeClr val="accent1"/>
-                </a:solidFill>
-              </a14:hiddenFill>
-            </a:ext>
-            <a:ext uri="{91240B29-F687-4F45-9708-019B960494DF}">
-              <a14:hiddenLine xmlns="" xmlns:a14="http://schemas.microsoft.com/office/drawing/2010/main" w="9525">
-                <a:solidFill>
-                  <a:schemeClr val="tx1"/>
-                </a:solidFill>
-                <a:miter lim="800000"/>
-                <a:headEnd/>
-                <a:tailEnd/>
-              </a14:hiddenLine>
-            </a:ext>
-            <a:ext uri="{AF507438-7753-43E0-B8FC-AC1667EBCBE1}">
-              <a14:hiddenEffects xmlns="" xmlns:a14="http://schemas.microsoft.com/office/drawing/2010/main">
-                <a:effectLst>
-                  <a:outerShdw dist="35921" dir="2700000" algn="ctr" rotWithShape="0">
-                    <a:schemeClr val="bg2"/>
-                  </a:outerShdw>
-                </a:effectLst>
-              </a14:hiddenEffects>
-            </a:ext>
-          </a:extLst>
-        </p:spPr>
-      </p:pic>
-      <p:pic>
-        <p:nvPicPr>
-          <p:cNvPr id="3075" name="Picture 3"/>
-          <p:cNvPicPr>
-            <a:picLocks noChangeAspect="1" noChangeArrowheads="1"/>
-          </p:cNvPicPr>
-          <p:nvPr/>
-        </p:nvPicPr>
-        <p:blipFill>
-          <a:blip r:embed="rId4" cstate="print">
-            <a:extLst>
-              <a:ext uri="{28A0092B-C50C-407E-A947-70E740481C1C}">
-                <a14:useLocalDpi xmlns="" xmlns:a14="http://schemas.microsoft.com/office/drawing/2010/main" val="0"/>
-              </a:ext>
-            </a:extLst>
-          </a:blip>
-          <a:srcRect/>
-          <a:stretch>
-            <a:fillRect/>
-          </a:stretch>
-        </p:blipFill>
-        <p:spPr bwMode="auto">
-          <a:xfrm>
-            <a:off x="4558665" y="1919287"/>
-            <a:ext cx="2076450" cy="447675"/>
-          </a:xfrm>
-          <a:prstGeom prst="rect">
-            <a:avLst/>
-          </a:prstGeom>
-          <a:noFill/>
-          <a:ln>
-            <a:noFill/>
-          </a:ln>
-          <a:effectLst/>
-          <a:extLst>
-            <a:ext uri="{909E8E84-426E-40DD-AFC4-6F175D3DCCD1}">
-              <a14:hiddenFill xmlns="" xmlns:a14="http://schemas.microsoft.com/office/drawing/2010/main">
-                <a:solidFill>
-                  <a:schemeClr val="accent1"/>
-                </a:solidFill>
-              </a14:hiddenFill>
-            </a:ext>
-            <a:ext uri="{91240B29-F687-4F45-9708-019B960494DF}">
-              <a14:hiddenLine xmlns="" xmlns:a14="http://schemas.microsoft.com/office/drawing/2010/main" w="9525">
-                <a:solidFill>
-                  <a:schemeClr val="tx1"/>
-                </a:solidFill>
-                <a:miter lim="800000"/>
-                <a:headEnd/>
-                <a:tailEnd/>
-              </a14:hiddenLine>
-            </a:ext>
-            <a:ext uri="{AF507438-7753-43E0-B8FC-AC1667EBCBE1}">
-              <a14:hiddenEffects xmlns="" xmlns:a14="http://schemas.microsoft.com/office/drawing/2010/main">
-                <a:effectLst>
-                  <a:outerShdw dist="35921" dir="2700000" algn="ctr" rotWithShape="0">
-                    <a:schemeClr val="bg2"/>
-                  </a:outerShdw>
-                </a:effectLst>
-              </a14:hiddenEffects>
-            </a:ext>
-          </a:extLst>
-        </p:spPr>
-      </p:pic>
-      <p:pic>
-        <p:nvPicPr>
-          <p:cNvPr id="3076" name="Picture 4"/>
-          <p:cNvPicPr>
-            <a:picLocks noChangeAspect="1" noChangeArrowheads="1"/>
-          </p:cNvPicPr>
-          <p:nvPr/>
-        </p:nvPicPr>
-        <p:blipFill>
-          <a:blip r:embed="rId5" cstate="print">
-            <a:extLst>
-              <a:ext uri="{28A0092B-C50C-407E-A947-70E740481C1C}">
-                <a14:useLocalDpi xmlns="" xmlns:a14="http://schemas.microsoft.com/office/drawing/2010/main" val="0"/>
-              </a:ext>
-            </a:extLst>
-          </a:blip>
-          <a:srcRect/>
-          <a:stretch>
-            <a:fillRect/>
-          </a:stretch>
-        </p:blipFill>
-        <p:spPr bwMode="auto">
-          <a:xfrm>
-            <a:off x="5181600" y="4038600"/>
-            <a:ext cx="2628900" cy="1743075"/>
-          </a:xfrm>
-          <a:prstGeom prst="rect">
-            <a:avLst/>
-          </a:prstGeom>
-          <a:noFill/>
-          <a:ln>
-            <a:noFill/>
-          </a:ln>
-          <a:effectLst/>
-          <a:extLst>
-            <a:ext uri="{909E8E84-426E-40DD-AFC4-6F175D3DCCD1}">
-              <a14:hiddenFill xmlns="" xmlns:a14="http://schemas.microsoft.com/office/drawing/2010/main">
-                <a:solidFill>
-                  <a:schemeClr val="accent1"/>
-                </a:solidFill>
-              </a14:hiddenFill>
-            </a:ext>
-            <a:ext uri="{91240B29-F687-4F45-9708-019B960494DF}">
-              <a14:hiddenLine xmlns="" xmlns:a14="http://schemas.microsoft.com/office/drawing/2010/main" w="9525">
-                <a:solidFill>
-                  <a:schemeClr val="tx1"/>
-                </a:solidFill>
-                <a:miter lim="800000"/>
-                <a:headEnd/>
-                <a:tailEnd/>
-              </a14:hiddenLine>
-            </a:ext>
-            <a:ext uri="{AF507438-7753-43E0-B8FC-AC1667EBCBE1}">
-              <a14:hiddenEffects xmlns="" xmlns:a14="http://schemas.microsoft.com/office/drawing/2010/main">
-                <a:effectLst>
-                  <a:outerShdw dist="35921" dir="2700000" algn="ctr" rotWithShape="0">
-                    <a:schemeClr val="bg2"/>
-                  </a:outerShdw>
-                </a:effectLst>
-              </a14:hiddenEffects>
-            </a:ext>
-          </a:extLst>
-        </p:spPr>
-      </p:pic>
-    </p:spTree>
-  </p:cSld>
-  <p:clrMapOvr>
-    <a:masterClrMapping/>
-  </p:clrMapOvr>
-  <p:timing>
-    <p:tnLst>
-      <p:par>
-        <p:cTn id="1" dur="indefinite" restart="never" nodeType="tmRoot"/>
-      </p:par>
-    </p:tnLst>
-  </p:timing>
-</p:sld>
-</file>
-
-<file path=ppt/slides/slide28.xml><?xml version="1.0" encoding="utf-8"?>
-<p:sld xmlns:a="http://schemas.openxmlformats.org/drawingml/2006/main" xmlns:r="http://schemas.openxmlformats.org/officeDocument/2006/relationships" xmlns:p="http://schemas.openxmlformats.org/presentationml/2006/main">
-  <p:cSld>
-    <p:spTree>
-      <p:nvGrpSpPr>
-        <p:cNvPr id="1" name=""/>
-        <p:cNvGrpSpPr/>
-        <p:nvPr/>
-      </p:nvGrpSpPr>
-      <p:grpSpPr>
-        <a:xfrm>
-          <a:off x="0" y="0"/>
-          <a:ext cx="0" cy="0"/>
-          <a:chOff x="0" y="0"/>
-          <a:chExt cx="0" cy="0"/>
-        </a:xfrm>
-      </p:grpSpPr>
-      <p:sp>
-        <p:nvSpPr>
-          <p:cNvPr id="2" name="Title 1"/>
-          <p:cNvSpPr>
-            <a:spLocks noGrp="1"/>
-          </p:cNvSpPr>
-          <p:nvPr>
-            <p:ph type="title"/>
-          </p:nvPr>
-        </p:nvSpPr>
-        <p:spPr/>
-        <p:txBody>
-          <a:bodyPr/>
-          <a:lstStyle/>
-          <a:p>
-            <a:r>
-              <a:rPr lang="nb-NO" dirty="0" smtClean="0"/>
-              <a:t>Bør</a:t>
-            </a:r>
-            <a:r>
-              <a:rPr lang="nb-NO" baseline="0" dirty="0" smtClean="0"/>
-              <a:t> du ta ca</a:t>
-            </a:r>
-            <a:r>
-              <a:rPr lang="nb-NO" dirty="0" smtClean="0"/>
-              <a:t>mel </a:t>
-            </a:r>
-            <a:r>
-              <a:rPr lang="nb-NO" baseline="0" dirty="0" smtClean="0"/>
-              <a:t>i bruk?</a:t>
-            </a:r>
-            <a:endParaRPr lang="en-US" dirty="0"/>
-          </a:p>
-        </p:txBody>
-      </p:sp>
-      <p:sp>
-        <p:nvSpPr>
-          <p:cNvPr id="3" name="Content Placeholder 2"/>
-          <p:cNvSpPr>
-            <a:spLocks noGrp="1"/>
-          </p:cNvSpPr>
-          <p:nvPr>
-            <p:ph idx="1"/>
-          </p:nvPr>
-        </p:nvSpPr>
-        <p:spPr/>
-        <p:txBody>
-          <a:bodyPr/>
-          <a:lstStyle/>
-          <a:p>
-            <a:endParaRPr lang="en-US"/>
+              <a:rPr lang="nb-NO" smtClean="0"/>
+              <a:t>... then we start...</a:t>
+            </a:r>
+            <a:endParaRPr lang="en-US" smtClean="0"/>
           </a:p>
         </p:txBody>
       </p:sp>
@@ -7158,9 +7591,73 @@
           <a:chExt cx="0" cy="0"/>
         </a:xfrm>
       </p:grpSpPr>
-      <p:sp>
-        <p:nvSpPr>
-          <p:cNvPr id="2" name="Title 1"/>
+      <p:pic>
+        <p:nvPicPr>
+          <p:cNvPr id="4098" name="Picture 6"/>
+          <p:cNvPicPr>
+            <a:picLocks noChangeAspect="1" noChangeArrowheads="1"/>
+          </p:cNvPicPr>
+          <p:nvPr/>
+        </p:nvPicPr>
+        <p:blipFill>
+          <a:blip r:embed="rId2" cstate="print"/>
+          <a:srcRect/>
+          <a:stretch>
+            <a:fillRect/>
+          </a:stretch>
+        </p:blipFill>
+        <p:spPr bwMode="auto">
+          <a:xfrm>
+            <a:off x="1295400" y="381000"/>
+            <a:ext cx="6448425" cy="6286500"/>
+          </a:xfrm>
+          <a:prstGeom prst="rect">
+            <a:avLst/>
+          </a:prstGeom>
+          <a:noFill/>
+          <a:ln w="9525">
+            <a:noFill/>
+            <a:miter lim="800000"/>
+            <a:headEnd/>
+            <a:tailEnd/>
+          </a:ln>
+        </p:spPr>
+      </p:pic>
+      <p:pic>
+        <p:nvPicPr>
+          <p:cNvPr id="4099" name="Picture 2"/>
+          <p:cNvPicPr>
+            <a:picLocks noChangeAspect="1" noChangeArrowheads="1"/>
+          </p:cNvPicPr>
+          <p:nvPr/>
+        </p:nvPicPr>
+        <p:blipFill>
+          <a:blip r:embed="rId3" cstate="print"/>
+          <a:srcRect/>
+          <a:stretch>
+            <a:fillRect/>
+          </a:stretch>
+        </p:blipFill>
+        <p:spPr bwMode="auto">
+          <a:xfrm>
+            <a:off x="304800" y="1066800"/>
+            <a:ext cx="8534400" cy="3495675"/>
+          </a:xfrm>
+          <a:prstGeom prst="rect">
+            <a:avLst/>
+          </a:prstGeom>
+          <a:noFill/>
+          <a:ln w="9525">
+            <a:noFill/>
+            <a:miter lim="800000"/>
+            <a:headEnd/>
+            <a:tailEnd/>
+          </a:ln>
+        </p:spPr>
+      </p:pic>
+      <p:sp>
+        <p:nvSpPr>
+          <p:cNvPr id="4100" name="Title 1"/>
           <p:cNvSpPr>
             <a:spLocks noGrp="1"/>
           </p:cNvSpPr>
@@ -7170,7 +7667,7 @@
         </p:nvSpPr>
         <p:spPr>
           <a:xfrm>
-            <a:off x="381000" y="2895600"/>
+            <a:off x="457200" y="0"/>
             <a:ext cx="8229600" cy="1143000"/>
           </a:xfrm>
         </p:spPr>
@@ -7179,14 +7676,10 @@
           <a:lstStyle/>
           <a:p>
             <a:r>
-              <a:rPr lang="nb-NO" dirty="0" smtClean="0"/>
-              <a:t>Litt om vår </a:t>
-            </a:r>
-            <a:r>
-              <a:rPr lang="nb-NO" baseline="0" dirty="0" smtClean="0"/>
-              <a:t>bakgrunn</a:t>
-            </a:r>
-            <a:endParaRPr lang="en-US" dirty="0"/>
+              <a:rPr lang="nb-NO" smtClean="0"/>
+              <a:t>Camel på 1 slide</a:t>
+            </a:r>
+            <a:endParaRPr lang="en-US" smtClean="0"/>
           </a:p>
         </p:txBody>
       </p:sp>
@@ -7222,42 +7715,9 @@
           <a:chExt cx="0" cy="0"/>
         </a:xfrm>
       </p:grpSpPr>
-      <p:pic>
-        <p:nvPicPr>
-          <p:cNvPr id="6" name="Picture 3"/>
-          <p:cNvPicPr>
-            <a:picLocks noChangeAspect="1" noChangeArrowheads="1"/>
-          </p:cNvPicPr>
-          <p:nvPr/>
-        </p:nvPicPr>
-        <p:blipFill>
-          <a:blip r:embed="rId2" cstate="print"/>
-          <a:srcRect/>
-          <a:stretch>
-            <a:fillRect/>
-          </a:stretch>
-        </p:blipFill>
-        <p:spPr bwMode="auto">
-          <a:xfrm>
-            <a:off x="6172200" y="1143000"/>
-            <a:ext cx="2133600" cy="2133600"/>
-          </a:xfrm>
-          <a:prstGeom prst="rect">
-            <a:avLst/>
-          </a:prstGeom>
-          <a:noFill/>
-          <a:ln w="9525">
-            <a:noFill/>
-            <a:miter lim="800000"/>
-            <a:headEnd/>
-            <a:tailEnd/>
-          </a:ln>
-          <a:effectLst/>
-        </p:spPr>
-      </p:pic>
-      <p:sp>
-        <p:nvSpPr>
-          <p:cNvPr id="2" name="Title 1"/>
+      <p:sp>
+        <p:nvSpPr>
+          <p:cNvPr id="5122" name="Title 1"/>
           <p:cNvSpPr>
             <a:spLocks noGrp="1"/>
           </p:cNvSpPr>
@@ -7270,523 +7730,130 @@
           <a:bodyPr/>
           <a:lstStyle/>
           <a:p>
-            <a:endParaRPr lang="en-US"/>
-          </a:p>
-        </p:txBody>
-      </p:sp>
-      <p:pic>
-        <p:nvPicPr>
-          <p:cNvPr id="4" name="Picture 2"/>
-          <p:cNvPicPr>
-            <a:picLocks noChangeAspect="1" noChangeArrowheads="1"/>
-          </p:cNvPicPr>
-          <p:nvPr/>
-        </p:nvPicPr>
-        <p:blipFill>
-          <a:blip r:embed="rId3" cstate="print"/>
-          <a:srcRect/>
-          <a:stretch>
-            <a:fillRect/>
-          </a:stretch>
-        </p:blipFill>
-        <p:spPr bwMode="auto">
-          <a:xfrm>
-            <a:off x="0" y="-152400"/>
-            <a:ext cx="2438400" cy="1901952"/>
-          </a:xfrm>
-          <a:prstGeom prst="rect">
-            <a:avLst/>
-          </a:prstGeom>
-          <a:noFill/>
-          <a:ln w="9525">
-            <a:noFill/>
-            <a:miter lim="800000"/>
-            <a:headEnd/>
-            <a:tailEnd/>
-          </a:ln>
-          <a:effectLst/>
-        </p:spPr>
-      </p:pic>
-      <p:pic>
-        <p:nvPicPr>
-          <p:cNvPr id="5" name="Picture 2"/>
-          <p:cNvPicPr>
-            <a:picLocks noChangeAspect="1" noChangeArrowheads="1"/>
-          </p:cNvPicPr>
-          <p:nvPr/>
-        </p:nvPicPr>
-        <p:blipFill>
-          <a:blip r:embed="rId4" cstate="print"/>
-          <a:srcRect/>
-          <a:stretch>
-            <a:fillRect/>
-          </a:stretch>
-        </p:blipFill>
-        <p:spPr bwMode="auto">
-          <a:xfrm>
-            <a:off x="2819400" y="1066800"/>
-            <a:ext cx="3124200" cy="2343150"/>
-          </a:xfrm>
-          <a:prstGeom prst="rect">
-            <a:avLst/>
-          </a:prstGeom>
-          <a:noFill/>
-          <a:ln w="9525">
-            <a:noFill/>
-            <a:miter lim="800000"/>
-            <a:headEnd/>
-            <a:tailEnd/>
-          </a:ln>
-          <a:effectLst/>
-        </p:spPr>
-      </p:pic>
-      <p:pic>
-        <p:nvPicPr>
-          <p:cNvPr id="7" name="Picture 4"/>
-          <p:cNvPicPr>
-            <a:picLocks noChangeAspect="1" noChangeArrowheads="1"/>
-          </p:cNvPicPr>
-          <p:nvPr/>
-        </p:nvPicPr>
-        <p:blipFill>
-          <a:blip r:embed="rId5" cstate="print"/>
-          <a:srcRect/>
-          <a:stretch>
-            <a:fillRect/>
-          </a:stretch>
-        </p:blipFill>
-        <p:spPr bwMode="auto">
-          <a:xfrm>
-            <a:off x="4953000" y="2438400"/>
-            <a:ext cx="3057525" cy="1495425"/>
-          </a:xfrm>
-          <a:prstGeom prst="rect">
-            <a:avLst/>
-          </a:prstGeom>
-          <a:noFill/>
-          <a:ln w="9525">
-            <a:noFill/>
-            <a:miter lim="800000"/>
-            <a:headEnd/>
-            <a:tailEnd/>
-          </a:ln>
-          <a:effectLst/>
-        </p:spPr>
-      </p:pic>
-      <p:pic>
-        <p:nvPicPr>
-          <p:cNvPr id="8" name="Picture 5"/>
-          <p:cNvPicPr>
-            <a:picLocks noChangeAspect="1" noChangeArrowheads="1"/>
-          </p:cNvPicPr>
-          <p:nvPr/>
-        </p:nvPicPr>
-        <p:blipFill>
-          <a:blip r:embed="rId6" cstate="print"/>
-          <a:srcRect/>
-          <a:stretch>
-            <a:fillRect/>
-          </a:stretch>
-        </p:blipFill>
-        <p:spPr bwMode="auto">
-          <a:xfrm>
-            <a:off x="-381000" y="2667000"/>
-            <a:ext cx="3067050" cy="1495425"/>
-          </a:xfrm>
-          <a:prstGeom prst="rect">
-            <a:avLst/>
-          </a:prstGeom>
-          <a:noFill/>
-          <a:ln w="9525">
-            <a:noFill/>
-            <a:miter lim="800000"/>
-            <a:headEnd/>
-            <a:tailEnd/>
-          </a:ln>
-          <a:effectLst/>
-        </p:spPr>
-      </p:pic>
-      <p:pic>
-        <p:nvPicPr>
-          <p:cNvPr id="9" name="Picture 2"/>
-          <p:cNvPicPr>
-            <a:picLocks noGrp="1" noChangeAspect="1" noChangeArrowheads="1"/>
-          </p:cNvPicPr>
+            <a:r>
+              <a:rPr lang="nb-NO" smtClean="0"/>
+              <a:t>Krav</a:t>
+            </a:r>
+            <a:endParaRPr lang="en-US" smtClean="0"/>
+          </a:p>
+        </p:txBody>
+      </p:sp>
+      <p:sp>
+        <p:nvSpPr>
+          <p:cNvPr id="3" name="Content Placeholder 2"/>
+          <p:cNvSpPr>
+            <a:spLocks noGrp="1"/>
+          </p:cNvSpPr>
           <p:nvPr>
             <p:ph idx="1"/>
           </p:nvPr>
-        </p:nvPicPr>
-        <p:blipFill>
-          <a:blip r:embed="rId7" cstate="print"/>
-          <a:srcRect/>
-          <a:stretch>
-            <a:fillRect/>
-          </a:stretch>
-        </p:blipFill>
-        <p:spPr bwMode="auto">
-          <a:xfrm>
-            <a:off x="2590800" y="0"/>
-            <a:ext cx="2594043" cy="1219200"/>
-          </a:xfrm>
-          <a:prstGeom prst="rect">
-            <a:avLst/>
-          </a:prstGeom>
-          <a:noFill/>
-          <a:ln w="9525">
-            <a:noFill/>
-            <a:miter lim="800000"/>
-            <a:headEnd/>
-            <a:tailEnd/>
-          </a:ln>
-          <a:effectLst/>
-        </p:spPr>
-      </p:pic>
-      <p:pic>
-        <p:nvPicPr>
-          <p:cNvPr id="11" name="Picture 3"/>
-          <p:cNvPicPr>
-            <a:picLocks noChangeAspect="1" noChangeArrowheads="1"/>
-          </p:cNvPicPr>
-          <p:nvPr/>
-        </p:nvPicPr>
-        <p:blipFill>
-          <a:blip r:embed="rId8" cstate="print"/>
-          <a:srcRect/>
-          <a:stretch>
-            <a:fillRect/>
-          </a:stretch>
-        </p:blipFill>
-        <p:spPr bwMode="auto">
-          <a:xfrm>
-            <a:off x="838200" y="5534025"/>
-            <a:ext cx="3190875" cy="1323975"/>
-          </a:xfrm>
-          <a:prstGeom prst="rect">
-            <a:avLst/>
-          </a:prstGeom>
-          <a:noFill/>
-          <a:ln w="9525">
-            <a:noFill/>
-            <a:miter lim="800000"/>
-            <a:headEnd/>
-            <a:tailEnd/>
-          </a:ln>
-          <a:effectLst/>
-        </p:spPr>
-      </p:pic>
-      <p:pic>
-        <p:nvPicPr>
-          <p:cNvPr id="12" name="Picture 4"/>
-          <p:cNvPicPr>
-            <a:picLocks noChangeAspect="1" noChangeArrowheads="1"/>
-          </p:cNvPicPr>
-          <p:nvPr/>
-        </p:nvPicPr>
-        <p:blipFill>
-          <a:blip r:embed="rId9" cstate="print"/>
-          <a:srcRect/>
-          <a:stretch>
-            <a:fillRect/>
-          </a:stretch>
-        </p:blipFill>
-        <p:spPr bwMode="auto">
-          <a:xfrm>
-            <a:off x="-381000" y="4267200"/>
-            <a:ext cx="4267200" cy="381000"/>
-          </a:xfrm>
-          <a:prstGeom prst="rect">
-            <a:avLst/>
-          </a:prstGeom>
-          <a:noFill/>
-          <a:ln w="9525">
-            <a:noFill/>
-            <a:miter lim="800000"/>
-            <a:headEnd/>
-            <a:tailEnd/>
-          </a:ln>
-          <a:effectLst/>
-        </p:spPr>
-      </p:pic>
-      <p:pic>
-        <p:nvPicPr>
-          <p:cNvPr id="1026" name="Picture 2" descr="http://upload.wikimedia.org/wikipedia/commons/thumb/5/51/IBM_logo.svg/200px-IBM_logo.svg.png"/>
-          <p:cNvPicPr>
-            <a:picLocks noChangeAspect="1" noChangeArrowheads="1"/>
-          </p:cNvPicPr>
-          <p:nvPr/>
-        </p:nvPicPr>
-        <p:blipFill>
-          <a:blip r:embed="rId10" cstate="print"/>
-          <a:srcRect/>
-          <a:stretch>
-            <a:fillRect/>
-          </a:stretch>
-        </p:blipFill>
-        <p:spPr bwMode="auto">
-          <a:xfrm>
-            <a:off x="5943600" y="152400"/>
-            <a:ext cx="1905000" cy="762000"/>
-          </a:xfrm>
-          <a:prstGeom prst="rect">
-            <a:avLst/>
-          </a:prstGeom>
-          <a:noFill/>
-        </p:spPr>
-      </p:pic>
-      <p:sp>
-        <p:nvSpPr>
-          <p:cNvPr id="16" name="Rectangle 15"/>
-          <p:cNvSpPr/>
-          <p:nvPr/>
         </p:nvSpPr>
         <p:spPr>
           <a:xfrm>
-            <a:off x="3200400" y="3505200"/>
-            <a:ext cx="1516121" cy="923330"/>
+            <a:off x="457200" y="1600200"/>
+            <a:ext cx="8229600" cy="2971800"/>
           </a:xfrm>
-          <a:prstGeom prst="rect">
-            <a:avLst/>
-          </a:prstGeom>
-          <a:noFill/>
-        </p:spPr>
-        <p:txBody>
-          <a:bodyPr wrap="none" lIns="91440" tIns="45720" rIns="91440" bIns="45720">
-            <a:spAutoFit/>
-            <a:scene3d>
-              <a:camera prst="orthographicFront">
-                <a:rot lat="0" lon="0" rev="0"/>
-              </a:camera>
-              <a:lightRig rig="contrasting" dir="t">
-                <a:rot lat="0" lon="0" rev="4500000"/>
-              </a:lightRig>
-            </a:scene3d>
-            <a:sp3d contourW="6350" prstMaterial="metal">
-              <a:bevelT w="127000" h="31750" prst="relaxedInset"/>
-              <a:contourClr>
-                <a:schemeClr val="accent1">
-                  <a:shade val="75000"/>
-                </a:schemeClr>
-              </a:contourClr>
-            </a:sp3d>
+        </p:spPr>
+        <p:txBody>
+          <a:bodyPr rtlCol="0">
+            <a:normAutofit fontScale="62500" lnSpcReduction="20000"/>
           </a:bodyPr>
           <a:lstStyle/>
           <a:p>
-            <a:pPr algn="ctr"/>
-            <a:r>
-              <a:rPr lang="en-US" sz="5400" b="1" cap="all" spc="0" dirty="0" smtClean="0">
-                <a:ln w="0"/>
-                <a:gradFill flip="none">
-                  <a:gsLst>
-                    <a:gs pos="0">
-                      <a:schemeClr val="accent1">
-                        <a:tint val="75000"/>
-                        <a:shade val="75000"/>
-                        <a:satMod val="170000"/>
-                      </a:schemeClr>
-                    </a:gs>
-                    <a:gs pos="49000">
-                      <a:schemeClr val="accent1">
-                        <a:tint val="88000"/>
-                        <a:shade val="65000"/>
-                        <a:satMod val="172000"/>
-                      </a:schemeClr>
-                    </a:gs>
-                    <a:gs pos="50000">
-                      <a:schemeClr val="accent1">
-                        <a:shade val="65000"/>
-                        <a:satMod val="130000"/>
-                      </a:schemeClr>
-                    </a:gs>
-                    <a:gs pos="92000">
-                      <a:schemeClr val="accent1">
-                        <a:shade val="50000"/>
-                        <a:satMod val="120000"/>
-                      </a:schemeClr>
-                    </a:gs>
-                    <a:gs pos="100000">
-                      <a:schemeClr val="accent1">
-                        <a:shade val="48000"/>
-                        <a:satMod val="120000"/>
-                      </a:schemeClr>
-                    </a:gs>
-                  </a:gsLst>
-                  <a:lin ang="5400000"/>
-                </a:gradFill>
-                <a:effectLst>
-                  <a:reflection blurRad="12700" stA="50000" endPos="50000" dist="5000" dir="5400000" sy="-100000" rotWithShape="0"/>
-                </a:effectLst>
-              </a:rPr>
-              <a:t>STAY</a:t>
-            </a:r>
-            <a:endParaRPr lang="en-US" sz="5400" b="1" cap="all" spc="0" dirty="0">
-              <a:ln w="0"/>
-              <a:gradFill flip="none">
-                <a:gsLst>
-                  <a:gs pos="0">
-                    <a:schemeClr val="accent1">
-                      <a:tint val="75000"/>
-                      <a:shade val="75000"/>
-                      <a:satMod val="170000"/>
-                    </a:schemeClr>
-                  </a:gs>
-                  <a:gs pos="49000">
-                    <a:schemeClr val="accent1">
-                      <a:tint val="88000"/>
-                      <a:shade val="65000"/>
-                      <a:satMod val="172000"/>
-                    </a:schemeClr>
-                  </a:gs>
-                  <a:gs pos="50000">
-                    <a:schemeClr val="accent1">
-                      <a:shade val="65000"/>
-                      <a:satMod val="130000"/>
-                    </a:schemeClr>
-                  </a:gs>
-                  <a:gs pos="92000">
-                    <a:schemeClr val="accent1">
-                      <a:shade val="50000"/>
-                      <a:satMod val="120000"/>
-                    </a:schemeClr>
-                  </a:gs>
-                  <a:gs pos="100000">
-                    <a:schemeClr val="accent1">
-                      <a:shade val="48000"/>
-                      <a:satMod val="120000"/>
-                    </a:schemeClr>
-                  </a:gs>
-                </a:gsLst>
-                <a:lin ang="5400000"/>
-              </a:gradFill>
-              <a:effectLst>
-                <a:reflection blurRad="12700" stA="50000" endPos="50000" dist="5000" dir="5400000" sy="-100000" rotWithShape="0"/>
-              </a:effectLst>
-            </a:endParaRPr>
-          </a:p>
-        </p:txBody>
-      </p:sp>
-      <p:pic>
-        <p:nvPicPr>
-          <p:cNvPr id="17" name="Content Placeholder 5" descr="SAD NICS-UP.jpg"/>
-          <p:cNvPicPr>
-            <a:picLocks noChangeAspect="1"/>
-          </p:cNvPicPr>
-          <p:nvPr/>
-        </p:nvPicPr>
-        <p:blipFill>
-          <a:blip r:embed="rId11" cstate="print"/>
-          <a:srcRect/>
-          <a:stretch>
-            <a:fillRect/>
-          </a:stretch>
-        </p:blipFill>
-        <p:spPr>
-          <a:xfrm>
-            <a:off x="4495800" y="4800600"/>
-            <a:ext cx="3657600" cy="2223033"/>
-          </a:xfrm>
-          <a:prstGeom prst="rect">
-            <a:avLst/>
-          </a:prstGeom>
-        </p:spPr>
-      </p:pic>
-      <p:pic>
-        <p:nvPicPr>
-          <p:cNvPr id="1027" name="Picture 3" descr="C:\workspace\psource\nets-distribusjon\src\site\resources\images\nets-share-logo.png"/>
-          <p:cNvPicPr>
-            <a:picLocks noChangeAspect="1" noChangeArrowheads="1"/>
-          </p:cNvPicPr>
-          <p:nvPr/>
-        </p:nvPicPr>
-        <p:blipFill>
-          <a:blip r:embed="rId12" cstate="print"/>
-          <a:srcRect/>
-          <a:stretch>
-            <a:fillRect/>
-          </a:stretch>
-        </p:blipFill>
-        <p:spPr bwMode="auto">
-          <a:xfrm>
-            <a:off x="7762875" y="3429000"/>
-            <a:ext cx="1381125" cy="2167157"/>
-          </a:xfrm>
-          <a:prstGeom prst="rect">
-            <a:avLst/>
-          </a:prstGeom>
-          <a:noFill/>
-        </p:spPr>
-      </p:pic>
-      <p:pic>
-        <p:nvPicPr>
-          <p:cNvPr id="13" name="Picture 5"/>
-          <p:cNvPicPr>
-            <a:picLocks noChangeAspect="1" noChangeArrowheads="1"/>
-          </p:cNvPicPr>
-          <p:nvPr/>
-        </p:nvPicPr>
-        <p:blipFill>
-          <a:blip r:embed="rId13" cstate="print"/>
-          <a:srcRect/>
-          <a:stretch>
-            <a:fillRect/>
-          </a:stretch>
-        </p:blipFill>
-        <p:spPr bwMode="auto">
-          <a:xfrm>
-            <a:off x="2057400" y="4572000"/>
-            <a:ext cx="2657475" cy="1295400"/>
-          </a:xfrm>
-          <a:prstGeom prst="rect">
-            <a:avLst/>
-          </a:prstGeom>
-          <a:noFill/>
-          <a:ln w="9525">
-            <a:noFill/>
-            <a:miter lim="800000"/>
-            <a:headEnd/>
-            <a:tailEnd/>
-          </a:ln>
-          <a:effectLst/>
-        </p:spPr>
-      </p:pic>
-      <p:pic>
-        <p:nvPicPr>
-          <p:cNvPr id="10" name="Picture 2"/>
-          <p:cNvPicPr>
-            <a:picLocks noChangeAspect="1" noChangeArrowheads="1"/>
-          </p:cNvPicPr>
-          <p:nvPr/>
-        </p:nvPicPr>
-        <p:blipFill>
-          <a:blip r:embed="rId14" cstate="print"/>
-          <a:srcRect/>
-          <a:stretch>
-            <a:fillRect/>
-          </a:stretch>
-        </p:blipFill>
-        <p:spPr bwMode="auto">
-          <a:xfrm>
-            <a:off x="4724400" y="3733800"/>
-            <a:ext cx="2209800" cy="1218092"/>
-          </a:xfrm>
-          <a:prstGeom prst="rect">
-            <a:avLst/>
-          </a:prstGeom>
-          <a:noFill/>
-          <a:ln w="9525">
-            <a:noFill/>
-            <a:miter lim="800000"/>
-            <a:headEnd/>
-            <a:tailEnd/>
-          </a:ln>
-          <a:effectLst/>
-        </p:spPr>
-      </p:pic>
+            <a:pPr fontAlgn="auto">
+              <a:spcAft>
+                <a:spcPts val="0"/>
+              </a:spcAft>
+              <a:buFont typeface="Wingdings" pitchFamily="2" charset="2"/>
+              <a:buChar char="ü"/>
+              <a:defRPr/>
+            </a:pPr>
+            <a:r>
+              <a:rPr lang="nb-NO" dirty="0" smtClean="0"/>
+              <a:t>Ta i mot fil med 1000 betalingstransaksjoner. Betalingstransaksjonsdata er kommaseparert, med en linje per betalingstransaksjon</a:t>
+            </a:r>
+          </a:p>
+          <a:p>
+            <a:pPr fontAlgn="auto">
+              <a:spcAft>
+                <a:spcPts val="0"/>
+              </a:spcAft>
+              <a:buFont typeface="Wingdings" pitchFamily="2" charset="2"/>
+              <a:buChar char="ü"/>
+              <a:defRPr/>
+            </a:pPr>
+            <a:endParaRPr lang="nb-NO" dirty="0" smtClean="0"/>
+          </a:p>
+          <a:p>
+            <a:pPr fontAlgn="auto">
+              <a:spcAft>
+                <a:spcPts val="0"/>
+              </a:spcAft>
+              <a:buFont typeface="Wingdings" pitchFamily="2" charset="2"/>
+              <a:buChar char="ü"/>
+              <a:defRPr/>
+            </a:pPr>
+            <a:r>
+              <a:rPr lang="nb-NO" dirty="0" smtClean="0"/>
+              <a:t>Hver transaksjon skal sendes til dekningskontrollsystem individuelt</a:t>
+            </a:r>
+          </a:p>
+          <a:p>
+            <a:pPr fontAlgn="auto">
+              <a:spcAft>
+                <a:spcPts val="0"/>
+              </a:spcAft>
+              <a:buFont typeface="Wingdings" pitchFamily="2" charset="2"/>
+              <a:buChar char="ü"/>
+              <a:defRPr/>
+            </a:pPr>
+            <a:endParaRPr lang="nb-NO" dirty="0" smtClean="0"/>
+          </a:p>
+          <a:p>
+            <a:pPr fontAlgn="auto">
+              <a:spcAft>
+                <a:spcPts val="0"/>
+              </a:spcAft>
+              <a:buFont typeface="Wingdings" pitchFamily="2" charset="2"/>
+              <a:buChar char="ü"/>
+              <a:defRPr/>
+            </a:pPr>
+            <a:r>
+              <a:rPr lang="nb-NO" dirty="0" smtClean="0"/>
+              <a:t>Etter at transaksjonene er dekningskontrollert OK individuelt skal transaksjonene samlet sendes til clearing systemet.</a:t>
+            </a:r>
+          </a:p>
+          <a:p>
+            <a:pPr fontAlgn="auto">
+              <a:spcAft>
+                <a:spcPts val="0"/>
+              </a:spcAft>
+              <a:defRPr/>
+            </a:pPr>
+            <a:endParaRPr lang="nb-NO" dirty="0" smtClean="0"/>
+          </a:p>
+          <a:p>
+            <a:pPr fontAlgn="auto">
+              <a:spcAft>
+                <a:spcPts val="0"/>
+              </a:spcAft>
+              <a:buFont typeface="Arial" pitchFamily="34" charset="0"/>
+              <a:buNone/>
+              <a:defRPr/>
+            </a:pPr>
+            <a:r>
+              <a:rPr lang="nb-NO" dirty="0" smtClean="0"/>
+              <a:t> (dekningskontroll og clearing ligger på mainframe. Det finnes allerede spring beans som kan snakke med disse.)</a:t>
+            </a:r>
+            <a:endParaRPr lang="en-US" dirty="0"/>
+          </a:p>
+        </p:txBody>
+      </p:sp>
     </p:spTree>
   </p:cSld>
   <p:clrMapOvr>
     <a:masterClrMapping/>
   </p:clrMapOvr>
-  <p:transition advClick="0"/>
   <p:timing>
     <p:tnLst>
       <p:par>
@@ -7816,31 +7883,484 @@
       </p:grpSpPr>
       <p:sp>
         <p:nvSpPr>
-          <p:cNvPr id="2" name="Title 1"/>
+          <p:cNvPr id="6146" name="Title 1"/>
           <p:cNvSpPr>
             <a:spLocks noGrp="1"/>
           </p:cNvSpPr>
           <p:nvPr>
             <p:ph type="title"/>
+          </p:nvPr>
+        </p:nvSpPr>
+        <p:spPr/>
+        <p:txBody>
+          <a:bodyPr/>
+          <a:lstStyle/>
+          <a:p>
+            <a:r>
+              <a:rPr lang="nb-NO" smtClean="0"/>
+              <a:t>Krav</a:t>
+            </a:r>
+            <a:endParaRPr lang="en-US" smtClean="0"/>
+          </a:p>
+        </p:txBody>
+      </p:sp>
+      <p:sp>
+        <p:nvSpPr>
+          <p:cNvPr id="3" name="Content Placeholder 2"/>
+          <p:cNvSpPr>
+            <a:spLocks noGrp="1"/>
+          </p:cNvSpPr>
+          <p:nvPr>
+            <p:ph idx="1"/>
           </p:nvPr>
         </p:nvSpPr>
         <p:spPr>
           <a:xfrm>
-            <a:off x="381000" y="2971800"/>
-            <a:ext cx="8229600" cy="1143000"/>
+            <a:off x="457200" y="1600200"/>
+            <a:ext cx="8229600" cy="2971800"/>
           </a:xfrm>
         </p:spPr>
         <p:txBody>
-          <a:bodyPr>
-            <a:normAutofit fontScale="90000"/>
+          <a:bodyPr rtlCol="0">
+            <a:normAutofit fontScale="62500" lnSpcReduction="20000"/>
           </a:bodyPr>
           <a:lstStyle/>
           <a:p>
+            <a:pPr fontAlgn="auto">
+              <a:spcAft>
+                <a:spcPts val="0"/>
+              </a:spcAft>
+              <a:buFont typeface="Wingdings" pitchFamily="2" charset="2"/>
+              <a:buChar char="ü"/>
+              <a:defRPr/>
+            </a:pPr>
             <a:r>
               <a:rPr lang="nb-NO" dirty="0" smtClean="0"/>
-              <a:t>Vår motivasjon til å snakke om camel</a:t>
+              <a:t>Ta i mot fil med 1000 betalingstransaksjoner. Betalingstransaksjonsdata er kommaseparert, med en linje per betalingstransaksjon</a:t>
+            </a:r>
+          </a:p>
+          <a:p>
+            <a:pPr fontAlgn="auto">
+              <a:spcAft>
+                <a:spcPts val="0"/>
+              </a:spcAft>
+              <a:buFont typeface="Wingdings" pitchFamily="2" charset="2"/>
+              <a:buChar char="ü"/>
+              <a:defRPr/>
+            </a:pPr>
+            <a:endParaRPr lang="nb-NO" dirty="0" smtClean="0"/>
+          </a:p>
+          <a:p>
+            <a:pPr fontAlgn="auto">
+              <a:spcAft>
+                <a:spcPts val="0"/>
+              </a:spcAft>
+              <a:buFont typeface="Wingdings" pitchFamily="2" charset="2"/>
+              <a:buChar char="ü"/>
+              <a:defRPr/>
+            </a:pPr>
+            <a:r>
+              <a:rPr lang="nb-NO" dirty="0" smtClean="0"/>
+              <a:t>Hver transaksjon skal sendes til dekningskontrollsystem individuelt</a:t>
+            </a:r>
+          </a:p>
+          <a:p>
+            <a:pPr fontAlgn="auto">
+              <a:spcAft>
+                <a:spcPts val="0"/>
+              </a:spcAft>
+              <a:buFont typeface="Wingdings" pitchFamily="2" charset="2"/>
+              <a:buChar char="ü"/>
+              <a:defRPr/>
+            </a:pPr>
+            <a:endParaRPr lang="nb-NO" dirty="0" smtClean="0"/>
+          </a:p>
+          <a:p>
+            <a:pPr fontAlgn="auto">
+              <a:spcAft>
+                <a:spcPts val="0"/>
+              </a:spcAft>
+              <a:buFont typeface="Wingdings" pitchFamily="2" charset="2"/>
+              <a:buChar char="ü"/>
+              <a:defRPr/>
+            </a:pPr>
+            <a:r>
+              <a:rPr lang="nb-NO" dirty="0" smtClean="0"/>
+              <a:t>Etter at transaksjonene er dekningskontrollert OK individuelt skal transaksjonene samlet sendes til clearing systemet.</a:t>
+            </a:r>
+          </a:p>
+          <a:p>
+            <a:pPr fontAlgn="auto">
+              <a:spcAft>
+                <a:spcPts val="0"/>
+              </a:spcAft>
+              <a:defRPr/>
+            </a:pPr>
+            <a:endParaRPr lang="nb-NO" dirty="0" smtClean="0"/>
+          </a:p>
+          <a:p>
+            <a:pPr fontAlgn="auto">
+              <a:spcAft>
+                <a:spcPts val="0"/>
+              </a:spcAft>
+              <a:buFont typeface="Arial" pitchFamily="34" charset="0"/>
+              <a:buNone/>
+              <a:defRPr/>
+            </a:pPr>
+            <a:r>
+              <a:rPr lang="nb-NO" dirty="0" smtClean="0"/>
+              <a:t> (dekningskontroll og clearing ligger på mainframe. Det finnes allerede spring beans som kan snakke med disse.)</a:t>
             </a:r>
             <a:endParaRPr lang="en-US" dirty="0"/>
+          </a:p>
+        </p:txBody>
+      </p:sp>
+      <p:sp>
+        <p:nvSpPr>
+          <p:cNvPr id="4" name="Rectangle 3"/>
+          <p:cNvSpPr/>
+          <p:nvPr/>
+        </p:nvSpPr>
+        <p:spPr>
+          <a:xfrm>
+            <a:off x="1676400" y="5105400"/>
+            <a:ext cx="1371600" cy="304800"/>
+          </a:xfrm>
+          <a:prstGeom prst="rect">
+            <a:avLst/>
+          </a:prstGeom>
+        </p:spPr>
+        <p:style>
+          <a:lnRef idx="2">
+            <a:schemeClr val="accent1">
+              <a:shade val="50000"/>
+            </a:schemeClr>
+          </a:lnRef>
+          <a:fillRef idx="1">
+            <a:schemeClr val="accent1"/>
+          </a:fillRef>
+          <a:effectRef idx="0">
+            <a:schemeClr val="accent1"/>
+          </a:effectRef>
+          <a:fontRef idx="minor">
+            <a:schemeClr val="lt1"/>
+          </a:fontRef>
+        </p:style>
+        <p:txBody>
+          <a:bodyPr anchor="ctr"/>
+          <a:lstStyle/>
+          <a:p>
+            <a:pPr algn="ctr" fontAlgn="auto">
+              <a:spcBef>
+                <a:spcPts val="0"/>
+              </a:spcBef>
+              <a:spcAft>
+                <a:spcPts val="0"/>
+              </a:spcAft>
+              <a:defRPr/>
+            </a:pPr>
+            <a:r>
+              <a:rPr lang="nb-NO" sz="1100" dirty="0"/>
+              <a:t>Motta filer</a:t>
+            </a:r>
+            <a:endParaRPr lang="en-US" sz="1100" dirty="0"/>
+          </a:p>
+        </p:txBody>
+      </p:sp>
+      <p:sp>
+        <p:nvSpPr>
+          <p:cNvPr id="5" name="Rectangle 4"/>
+          <p:cNvSpPr/>
+          <p:nvPr/>
+        </p:nvSpPr>
+        <p:spPr>
+          <a:xfrm>
+            <a:off x="3733800" y="5105400"/>
+            <a:ext cx="1371600" cy="304800"/>
+          </a:xfrm>
+          <a:prstGeom prst="rect">
+            <a:avLst/>
+          </a:prstGeom>
+        </p:spPr>
+        <p:style>
+          <a:lnRef idx="2">
+            <a:schemeClr val="accent1">
+              <a:shade val="50000"/>
+            </a:schemeClr>
+          </a:lnRef>
+          <a:fillRef idx="1">
+            <a:schemeClr val="accent1"/>
+          </a:fillRef>
+          <a:effectRef idx="0">
+            <a:schemeClr val="accent1"/>
+          </a:effectRef>
+          <a:fontRef idx="minor">
+            <a:schemeClr val="lt1"/>
+          </a:fontRef>
+        </p:style>
+        <p:txBody>
+          <a:bodyPr anchor="ctr"/>
+          <a:lstStyle/>
+          <a:p>
+            <a:pPr algn="ctr" fontAlgn="auto">
+              <a:spcBef>
+                <a:spcPts val="0"/>
+              </a:spcBef>
+              <a:spcAft>
+                <a:spcPts val="0"/>
+              </a:spcAft>
+              <a:defRPr/>
+            </a:pPr>
+            <a:r>
+              <a:rPr lang="nb-NO" sz="1200" dirty="0"/>
+              <a:t>Dekningskontroll</a:t>
+            </a:r>
+            <a:endParaRPr lang="en-US" sz="1200" dirty="0"/>
+          </a:p>
+        </p:txBody>
+      </p:sp>
+      <p:sp>
+        <p:nvSpPr>
+          <p:cNvPr id="6" name="Rectangle 5"/>
+          <p:cNvSpPr/>
+          <p:nvPr/>
+        </p:nvSpPr>
+        <p:spPr>
+          <a:xfrm>
+            <a:off x="5791200" y="5105400"/>
+            <a:ext cx="1371600" cy="304800"/>
+          </a:xfrm>
+          <a:prstGeom prst="rect">
+            <a:avLst/>
+          </a:prstGeom>
+        </p:spPr>
+        <p:style>
+          <a:lnRef idx="2">
+            <a:schemeClr val="accent1">
+              <a:shade val="50000"/>
+            </a:schemeClr>
+          </a:lnRef>
+          <a:fillRef idx="1">
+            <a:schemeClr val="accent1"/>
+          </a:fillRef>
+          <a:effectRef idx="0">
+            <a:schemeClr val="accent1"/>
+          </a:effectRef>
+          <a:fontRef idx="minor">
+            <a:schemeClr val="lt1"/>
+          </a:fontRef>
+        </p:style>
+        <p:txBody>
+          <a:bodyPr anchor="ctr"/>
+          <a:lstStyle/>
+          <a:p>
+            <a:pPr algn="ctr" fontAlgn="auto">
+              <a:spcBef>
+                <a:spcPts val="0"/>
+              </a:spcBef>
+              <a:spcAft>
+                <a:spcPts val="0"/>
+              </a:spcAft>
+              <a:defRPr/>
+            </a:pPr>
+            <a:r>
+              <a:rPr lang="nb-NO" sz="1100" dirty="0"/>
+              <a:t>Clearing</a:t>
+            </a:r>
+            <a:endParaRPr lang="en-US" sz="1100" dirty="0"/>
+          </a:p>
+        </p:txBody>
+      </p:sp>
+      <p:cxnSp>
+        <p:nvCxnSpPr>
+          <p:cNvPr id="9" name="Straight Arrow Connector 8"/>
+          <p:cNvCxnSpPr>
+            <a:stCxn id="4" idx="3"/>
+            <a:endCxn id="5" idx="1"/>
+          </p:cNvCxnSpPr>
+          <p:nvPr/>
+        </p:nvCxnSpPr>
+        <p:spPr>
+          <a:xfrm>
+            <a:off x="3048000" y="5257800"/>
+            <a:ext cx="685800" cy="1588"/>
+          </a:xfrm>
+          <a:prstGeom prst="straightConnector1">
+            <a:avLst/>
+          </a:prstGeom>
+          <a:ln>
+            <a:tailEnd type="arrow"/>
+          </a:ln>
+        </p:spPr>
+        <p:style>
+          <a:lnRef idx="1">
+            <a:schemeClr val="accent1"/>
+          </a:lnRef>
+          <a:fillRef idx="0">
+            <a:schemeClr val="accent1"/>
+          </a:fillRef>
+          <a:effectRef idx="0">
+            <a:schemeClr val="accent1"/>
+          </a:effectRef>
+          <a:fontRef idx="minor">
+            <a:schemeClr val="tx1"/>
+          </a:fontRef>
+        </p:style>
+      </p:cxnSp>
+      <p:cxnSp>
+        <p:nvCxnSpPr>
+          <p:cNvPr id="11" name="Straight Arrow Connector 10"/>
+          <p:cNvCxnSpPr>
+            <a:stCxn id="5" idx="3"/>
+            <a:endCxn id="6" idx="1"/>
+          </p:cNvCxnSpPr>
+          <p:nvPr/>
+        </p:nvCxnSpPr>
+        <p:spPr>
+          <a:xfrm>
+            <a:off x="5105400" y="5257800"/>
+            <a:ext cx="685800" cy="1588"/>
+          </a:xfrm>
+          <a:prstGeom prst="straightConnector1">
+            <a:avLst/>
+          </a:prstGeom>
+          <a:ln>
+            <a:tailEnd type="arrow"/>
+          </a:ln>
+        </p:spPr>
+        <p:style>
+          <a:lnRef idx="1">
+            <a:schemeClr val="accent1"/>
+          </a:lnRef>
+          <a:fillRef idx="0">
+            <a:schemeClr val="accent1"/>
+          </a:fillRef>
+          <a:effectRef idx="0">
+            <a:schemeClr val="accent1"/>
+          </a:effectRef>
+          <a:fontRef idx="minor">
+            <a:schemeClr val="tx1"/>
+          </a:fontRef>
+        </p:style>
+      </p:cxnSp>
+      <p:cxnSp>
+        <p:nvCxnSpPr>
+          <p:cNvPr id="15" name="Straight Arrow Connector 14"/>
+          <p:cNvCxnSpPr>
+            <a:endCxn id="4" idx="1"/>
+          </p:cNvCxnSpPr>
+          <p:nvPr/>
+        </p:nvCxnSpPr>
+        <p:spPr>
+          <a:xfrm>
+            <a:off x="1219200" y="5257800"/>
+            <a:ext cx="457200" cy="1588"/>
+          </a:xfrm>
+          <a:prstGeom prst="straightConnector1">
+            <a:avLst/>
+          </a:prstGeom>
+          <a:ln>
+            <a:tailEnd type="arrow"/>
+          </a:ln>
+        </p:spPr>
+        <p:style>
+          <a:lnRef idx="1">
+            <a:schemeClr val="accent1"/>
+          </a:lnRef>
+          <a:fillRef idx="0">
+            <a:schemeClr val="accent1"/>
+          </a:fillRef>
+          <a:effectRef idx="0">
+            <a:schemeClr val="accent1"/>
+          </a:effectRef>
+          <a:fontRef idx="minor">
+            <a:schemeClr val="tx1"/>
+          </a:fontRef>
+        </p:style>
+      </p:cxnSp>
+      <p:sp>
+        <p:nvSpPr>
+          <p:cNvPr id="6154" name="TextBox 17"/>
+          <p:cNvSpPr txBox="1">
+            <a:spLocks noChangeArrowheads="1"/>
+          </p:cNvSpPr>
+          <p:nvPr/>
+        </p:nvSpPr>
+        <p:spPr bwMode="auto">
+          <a:xfrm>
+            <a:off x="3124200" y="5105400"/>
+            <a:ext cx="412750" cy="246063"/>
+          </a:xfrm>
+          <a:prstGeom prst="rect">
+            <a:avLst/>
+          </a:prstGeom>
+          <a:noFill/>
+          <a:ln w="9525">
+            <a:noFill/>
+            <a:miter lim="800000"/>
+            <a:headEnd/>
+            <a:tailEnd/>
+          </a:ln>
+        </p:spPr>
+        <p:txBody>
+          <a:bodyPr wrap="none">
+            <a:spAutoFit/>
+          </a:bodyPr>
+          <a:lstStyle/>
+          <a:p>
+            <a:pPr algn="ctr"/>
+            <a:r>
+              <a:rPr lang="nb-NO" sz="1000">
+                <a:latin typeface="Calibri" pitchFamily="34" charset="0"/>
+              </a:rPr>
+              <a:t>Split</a:t>
+            </a:r>
+            <a:endParaRPr lang="en-US" sz="1000">
+              <a:latin typeface="Calibri" pitchFamily="34" charset="0"/>
+            </a:endParaRPr>
+          </a:p>
+        </p:txBody>
+      </p:sp>
+      <p:sp>
+        <p:nvSpPr>
+          <p:cNvPr id="6155" name="TextBox 18"/>
+          <p:cNvSpPr txBox="1">
+            <a:spLocks noChangeArrowheads="1"/>
+          </p:cNvSpPr>
+          <p:nvPr/>
+        </p:nvSpPr>
+        <p:spPr bwMode="auto">
+          <a:xfrm>
+            <a:off x="5105400" y="5105400"/>
+            <a:ext cx="719138" cy="246063"/>
+          </a:xfrm>
+          <a:prstGeom prst="rect">
+            <a:avLst/>
+          </a:prstGeom>
+          <a:noFill/>
+          <a:ln w="9525">
+            <a:noFill/>
+            <a:miter lim="800000"/>
+            <a:headEnd/>
+            <a:tailEnd/>
+          </a:ln>
+        </p:spPr>
+        <p:txBody>
+          <a:bodyPr wrap="none">
+            <a:spAutoFit/>
+          </a:bodyPr>
+          <a:lstStyle/>
+          <a:p>
+            <a:pPr algn="ctr"/>
+            <a:r>
+              <a:rPr lang="nb-NO" sz="1000">
+                <a:latin typeface="Calibri" pitchFamily="34" charset="0"/>
+              </a:rPr>
+              <a:t>Aggregate</a:t>
+            </a:r>
+            <a:endParaRPr lang="en-US" sz="1000">
+              <a:latin typeface="Calibri" pitchFamily="34" charset="0"/>
+            </a:endParaRPr>
           </a:p>
         </p:txBody>
       </p:sp>
@@ -7878,7 +8398,7 @@
       </p:grpSpPr>
       <p:sp>
         <p:nvSpPr>
-          <p:cNvPr id="2" name="Title 1"/>
+          <p:cNvPr id="7170" name="Title 1"/>
           <p:cNvSpPr>
             <a:spLocks noGrp="1"/>
           </p:cNvSpPr>
@@ -7886,23 +8406,74 @@
             <p:ph type="title"/>
           </p:nvPr>
         </p:nvSpPr>
-        <p:spPr>
-          <a:xfrm>
-            <a:off x="457200" y="2743200"/>
-            <a:ext cx="8229600" cy="1143000"/>
-          </a:xfrm>
-        </p:spPr>
-        <p:txBody>
-          <a:bodyPr>
-            <a:normAutofit fontScale="90000"/>
-          </a:bodyPr>
+        <p:spPr/>
+        <p:txBody>
+          <a:bodyPr/>
           <a:lstStyle/>
           <a:p>
             <a:r>
-              <a:rPr lang="nb-NO" dirty="0" smtClean="0"/>
-              <a:t>Hva vi håper dere sitter igjen med etter dette foredraget?</a:t>
-            </a:r>
-            <a:endParaRPr lang="en-US" dirty="0"/>
+              <a:rPr lang="nb-NO" smtClean="0"/>
+              <a:t>Balance check krav</a:t>
+            </a:r>
+            <a:endParaRPr lang="en-US" smtClean="0"/>
+          </a:p>
+        </p:txBody>
+      </p:sp>
+      <p:sp>
+        <p:nvSpPr>
+          <p:cNvPr id="7171" name="Content Placeholder 2"/>
+          <p:cNvSpPr>
+            <a:spLocks noGrp="1"/>
+          </p:cNvSpPr>
+          <p:nvPr>
+            <p:ph idx="1"/>
+          </p:nvPr>
+        </p:nvSpPr>
+        <p:spPr/>
+        <p:txBody>
+          <a:bodyPr/>
+          <a:lstStyle/>
+          <a:p>
+            <a:pPr>
+              <a:buFont typeface="Wingdings" pitchFamily="2" charset="2"/>
+              <a:buChar char="ü"/>
+            </a:pPr>
+            <a:endParaRPr lang="nb-NO" sz="2000" smtClean="0"/>
+          </a:p>
+          <a:p>
+            <a:pPr>
+              <a:buFont typeface="Wingdings" pitchFamily="2" charset="2"/>
+              <a:buChar char="ü"/>
+            </a:pPr>
+            <a:r>
+              <a:rPr lang="nb-NO" sz="2000" smtClean="0"/>
+              <a:t>Hvis noen transaksjoner mangler dekning skal ingen av transaksjonene i fila til clearing.</a:t>
+            </a:r>
+          </a:p>
+          <a:p>
+            <a:pPr>
+              <a:buFont typeface="Wingdings" pitchFamily="2" charset="2"/>
+              <a:buChar char="ü"/>
+            </a:pPr>
+            <a:endParaRPr lang="nb-NO" sz="2000" smtClean="0"/>
+          </a:p>
+          <a:p>
+            <a:pPr>
+              <a:buFont typeface="Wingdings" pitchFamily="2" charset="2"/>
+              <a:buChar char="ü"/>
+            </a:pPr>
+            <a:r>
+              <a:rPr lang="nb-NO" sz="2000" smtClean="0"/>
+              <a:t>Reserveringer gjort av balance check systemet skal tilbakestilles innen 1 minutt, uavhengig av om pengene faktisk blir clearet eller om det mangler dekning.</a:t>
+            </a:r>
+            <a:endParaRPr lang="nb-NO" smtClean="0"/>
+          </a:p>
+          <a:p>
+            <a:pPr>
+              <a:buFont typeface="Arial" pitchFamily="34" charset="0"/>
+              <a:buNone/>
+            </a:pPr>
+            <a:endParaRPr lang="nb-NO" smtClean="0"/>
           </a:p>
         </p:txBody>
       </p:sp>
@@ -7940,7 +8511,7 @@
       </p:grpSpPr>
       <p:sp>
         <p:nvSpPr>
-          <p:cNvPr id="2" name="Title 1"/>
+          <p:cNvPr id="8194" name="Title 1"/>
           <p:cNvSpPr>
             <a:spLocks noGrp="1"/>
           </p:cNvSpPr>
@@ -7948,25 +8519,74 @@
             <p:ph type="title"/>
           </p:nvPr>
         </p:nvSpPr>
-        <p:spPr>
-          <a:xfrm>
-            <a:off x="304800" y="2819400"/>
-            <a:ext cx="8229600" cy="1143000"/>
-          </a:xfrm>
-        </p:spPr>
+        <p:spPr/>
         <p:txBody>
           <a:bodyPr/>
           <a:lstStyle/>
           <a:p>
             <a:r>
-              <a:rPr lang="nb-NO" dirty="0" smtClean="0"/>
-              <a:t>... then we</a:t>
-            </a:r>
-            <a:r>
-              <a:rPr lang="nb-NO" baseline="0" dirty="0" smtClean="0"/>
-              <a:t> start...</a:t>
-            </a:r>
-            <a:endParaRPr lang="en-US" dirty="0"/>
+              <a:rPr lang="nb-NO" smtClean="0"/>
+              <a:t>hmmm</a:t>
+            </a:r>
+            <a:endParaRPr lang="en-US" smtClean="0"/>
+          </a:p>
+        </p:txBody>
+      </p:sp>
+      <p:sp>
+        <p:nvSpPr>
+          <p:cNvPr id="8195" name="Content Placeholder 2"/>
+          <p:cNvSpPr>
+            <a:spLocks noGrp="1"/>
+          </p:cNvSpPr>
+          <p:nvPr>
+            <p:ph idx="1"/>
+          </p:nvPr>
+        </p:nvSpPr>
+        <p:spPr/>
+        <p:txBody>
+          <a:bodyPr/>
+          <a:lstStyle/>
+          <a:p>
+            <a:pPr>
+              <a:buFont typeface="Arial" pitchFamily="34" charset="0"/>
+              <a:buNone/>
+            </a:pPr>
+            <a:endParaRPr lang="nb-NO" sz="2800" smtClean="0"/>
+          </a:p>
+          <a:p>
+            <a:pPr>
+              <a:buFont typeface="Arial" pitchFamily="34" charset="0"/>
+              <a:buNone/>
+            </a:pPr>
+            <a:endParaRPr lang="nb-NO" sz="2800" smtClean="0"/>
+          </a:p>
+          <a:p>
+            <a:pPr algn="ctr">
+              <a:buFont typeface="Arial" pitchFamily="34" charset="0"/>
+              <a:buNone/>
+            </a:pPr>
+            <a:r>
+              <a:rPr lang="nb-NO" sz="2800" smtClean="0"/>
+              <a:t>1,5 sekunder X 1000 = 1500 sekunder = 25 minutter</a:t>
+            </a:r>
+          </a:p>
+          <a:p>
+            <a:pPr>
+              <a:buFont typeface="Arial" pitchFamily="34" charset="0"/>
+              <a:buNone/>
+            </a:pPr>
+            <a:endParaRPr lang="nb-NO" sz="2800" smtClean="0"/>
+          </a:p>
+          <a:p>
+            <a:pPr algn="ctr">
+              <a:buFont typeface="Arial" pitchFamily="34" charset="0"/>
+              <a:buNone/>
+            </a:pPr>
+            <a:r>
+              <a:rPr lang="nb-NO" sz="2800" smtClean="0"/>
+              <a:t>(det finnes maling som tørker raskere)</a:t>
+            </a:r>
+            <a:endParaRPr lang="en-US" sz="2800" smtClean="0"/>
           </a:p>
         </p:txBody>
       </p:sp>
@@ -8002,9 +8622,105 @@
           <a:chExt cx="0" cy="0"/>
         </a:xfrm>
       </p:grpSpPr>
+      <p:sp>
+        <p:nvSpPr>
+          <p:cNvPr id="9218" name="Title 1"/>
+          <p:cNvSpPr>
+            <a:spLocks noGrp="1"/>
+          </p:cNvSpPr>
+          <p:nvPr>
+            <p:ph type="title"/>
+          </p:nvPr>
+        </p:nvSpPr>
+        <p:spPr>
+          <a:xfrm>
+            <a:off x="457200" y="1600200"/>
+            <a:ext cx="8229600" cy="1143000"/>
+          </a:xfrm>
+        </p:spPr>
+        <p:txBody>
+          <a:bodyPr/>
+          <a:lstStyle/>
+          <a:p>
+            <a:r>
+              <a:rPr lang="nb-NO" smtClean="0"/>
+              <a:t>Løs det!</a:t>
+            </a:r>
+            <a:endParaRPr lang="en-US" smtClean="0"/>
+          </a:p>
+        </p:txBody>
+      </p:sp>
+      <p:sp>
+        <p:nvSpPr>
+          <p:cNvPr id="9219" name="AutoShape 2" descr="data:image/jpg;base64,/9j/4AAQSkZJRgABAQAAAQABAAD/2wCEAAkGBhQQEBQUEBQVFBQUFBUUFxcUFBQUFBUUFBQVFRQUFBUXHCYeFxkkGRcUHy8gIycpLCwsFR4xNTAqNSYrLCkBCQoKDgwOGg8PGjUfHR8qLCwsLCwsLCkpLCksKSkpLCosKSwpLSkpKSksKSkpKSksKSksKSwpKSwsKSkpKSwpLP/AABEIAOAA4AMBIgACEQEDEQH/xAAcAAACAgMBAQAAAAAAAAAAAAAAAQIGAwUHBAj/xAA/EAACAQICBQkECAYCAwAAAAAAAQIDEQQSBQYhMUETUWFxgZGhscEHIlLRFBYjMkJikuEVQ1NUgvCDojNEcv/EABoBAQACAwEAAAAAAAAAAAAAAAABAwIEBQb/xAAuEQACAgEDAwEHBAMBAAAAAAAAAQIRAwQSURMhMQUUIkFCUmGRMnGBobHR8BX/2gAMAwEAAhEDEQA/AO4gAAAAAAAAAAAK5XNN694bCtxbdSa3xhts+ZyexGMpKPdlmPFPI9sFbLIBzat7YLP3cPddNTb4RIw9sfPh+6p84lXtGPk3f/L1VXt/tf7Olgc+Xtepr71Ca6pxfojPS9rmGe+nVXZF+pPXx8mD9O1K+Rl6Ap0falhOPKr/AAv5Mzw9peCf8yS66cvRGXVhyVvR6hfI/wAFqArUfaJgX/O74TXoZPr9gv7iP6Z/InqQ5MfZc30P8MsIGgWveC/uId0vkTWu2C/uKfj8hvjyY+z5fpf4ZvANNHXDBv8A9il+oz0tY8NL7tek/wDkj8yd0eSHhyLzF/g2QGOnWjJXi1Jc6aa8CZkVDAAAAAAAAAAAAAAAAAAAAhWqKMW3uSu+wAqvtB1heHoZKcss573xUejmvznGq+Ibb6S06+6RdWrt47epcF3FQkczUSuf7HtPStOseBS+LI3DMDEyg6xOVS5FS2kRoEE51bkcxG40ANyJRqGNsLkgm5ByhAYBLlCSqMxDRAN3ofTVWjJSpzlF9D81xOr6ra4rEJQq2jU4PdGfyZxOi9pa9FSajF8bF+LI4s5+v0OPNC2qfJ2m4yv6sae5aOSo/tIrf8S5+ssB0k7Vo8VkxyxycZAAASVgAAAAAAAAAAAafWXFZaWVb5u3Yt/obcqetmJ9+3wx89vyDLMSuSRyzWOvmry6NhqGj1Y2rmnJ87fmWHQ+rNGWF5fEzlFNv7u618q4NvacpRc5No908sdNiju+yKkRsXD6qYetsw2Ji5cIzW191n4Fax+j50KjhUVpLufSnxREoOPczxamGV0vPD7M8lgsZqGHlOSjFNybskt7fMZ8foupQllqwcW1dXttXRYxp1Zc5xvbfc8QEkjJLDSUVJxeV7nZ2fU9xFEtowgiQOm1vTV+fYSCLAyck7Xs7br22d5FICyNhpHqoaOqVNsKc5LnjFteCIV8FOn9+Mo//UWvMUzFTi3V9xUltLVgFaK6kVegtpa8KvdXUvInH5J1H6DY4TEOnJSi7NO6OkaI0iq9JTW/dJc0lvRzGBYNVtJ8lVUW/dnsfRL8L9O03sUqdHmfUMG+O5eUXwBDNk88AAAAAAAAAAABznW3Gf8All1peR0HFVcsJPmi34HKNbK9qdudleR1Fm9oYb8yX3KTLazomJo0YYCjTxMpQi1HbHfmtm5t20502bHS2sNTEwhGeVKG6ytfZa77jQxzUYvlnrNVp5ZpQp0k7fP2N1hMFgaU41FiZPK8yjl23W1bkajWXSyxVfNBbLKMed2vt67s1Bu9WcfQoSdSupSmvuJJNX5+sbt3uvsiHh6V5e85JUjeaI0bHR9H6RXV6slaEfhvw6HzvhuHp9/TcDGul79NvMlw4SXVuZrauvtdybWTLwi43sua+9mz0JrgqzlTxKpwjKLV0sqfBp3fMXqcJe4n2OfPDqIvryjck77P4cVRRYradSnQo/RqWHrWXKQUYr8yindPg7s59Tw0PpKgpJw5RLNwy5t/cbrXrSKlWpqnJPJHfF3s27711Irxy2RbNnVwefJjgu3l3/g1WO0FOhiI0pK6lJKL4Si2lc3PtBqLPSgkllg33uyXcj36vaap4uMIYm3K02pQk9ma3G/PzriabWusq2OypqyyQvfZ07e1mTUVB7fiyuE8k88VkXeCd8P7nv1jSpaOw9O1nLL4Ru/Fo8mgdC0qdB4rErNFfchwbvZN8+3gZ9fMSpSpU4NNQi27O9r2S8ES0XpOhiMKsNiJcm4/dlw2O6d/Rkuuo/suxXHetMmr96VuvNNnhxOvVZ7KSjTityjFPzPPjtb61ai6dRQae+WXb2cF1nu+pdO93iqWXnur+Z5dMYfB0qeSi5VKt9s7+709DMGppNt/2bWL2ZyShC3zT7fu2ajCRvJdZaqC2Fc0ZD30WSkVQOhqX2SM8D00meeBnpmwjk5PB0TQuP5ajGT3r3ZdaNgVPVDF2nKD3SV11r9vIthtxdo8vnhsyNAAAZFIAAAAAAAa7T9bLQl02RyXW6rdxR0zWqtaMI9b9Pmcn1jqZqvVsNfUP3TtekQvLfBo2Im0KxoHrbIASYmKFiaAYkBYXBjACxJgxisSQPMxDBAgENIEicIkMzibHRNPb1I31M1Oiaey/OzbwM4GvqH3M0DNAwwPRBGwjmZDY6Ir5KsJc0lfqex+Z0A5vRR0PB1c1OD54p+BsQ8HC1q95MzAAFhzwAAAAAEAVDW3EfaP8sV82cn0nXcpuXBsvOu+kbOpbfKTivIpmkstOnFcWu00dTK+3B6r0jHtjufxPAqyYzxrFWMix8eMV3tGish6BwPTlFYxfTIczXaTWIh8Ul2Jme9GG1ksgZBcrH412pjU/wA0fEnciNoOAshPN0x7wu+jvJ3IimRyCyE7vo70F+rvG5DayGUaiPN1d44r80V1jcidrEomajTvvMrwCUMyq03+VN5u5oWFpuTSuYtmcKfc3GDp2ij3RR5KMbJLmPZAviaWbyZoGemjBBHppouic/Iemii6aBq3oxXwtx9fUp1BFp1al7kl+a/p6F8DjatXE3QABacwAAAAMeIqZYSlzJvuRkNZrHiOTw1Rvmt3/tcMmKt0cj1kxXKYhR4R95+bKnpHGOpNvhfZ1Gwx2Ovyk+M20urj6GjntOPmluZ77R4unBLhCbE2MCijcsVwuOwWJoncCkSzEUhtEULJ57i5RkUCFCyWcTrMQxRO4fKByjINBYiiUzJGsbbRuNtJGlR6KE7Mjw7Rn2aov845oKS6yVJni1bxfKU3B9h6qGy65mb0XdM5WVNXF/A9cEemkjzwPTRNiJzch7aC2Fp1dhanf/eLKsnaJcNCwtS/3mLo+Tj6p+7/ACbAAAtOaAAAAFP9p2P5PCZVvnK3h+5b2ct9rmOvWpUl+GOZ9r/YqzOoM3dBj6meK/k5xjJblzI8kjNXd2zE0clq2e6j2RGwrEhWFCxAx2CxFE2IEOwNChZFoZILE0LEwHYLEULEgQ7ARRNiJxYgRi0WRZutA47k6kebcy111ap0SSZQ8POzLnQrZ6FOfGLyv0LsMu1FGpj3UuexsaR7KKPFRZ76KN6Jws3Y9tOF7Lna8y56Ojamu3zKhhleUev0Lnho2hHqRfA4eqfhGUAAsNIAAABHD/aBjuVx1Z8ItQX+Ks/U7bXqqMZSe6KbfYrnztpPEOpOcnvlKUu9mrqX2SO36NC8kpcI1kiLMqiRcTRPVWY7BYnlDKCLINCMmUVhRNkEFjJlFYgWRyhYk4hYCyAx5R2BNkLDsOwNChZFjCxKxFGSZKDLNoDEXpzpvmzLs3+BWIo2mia+WafZ2MhdpWWSW+NFwwU7xRtcOjSaNnvRvMIjexnntWtrZs8BG812/IuUVZFS0RC9Tu8y3G1A89qX7wAAGZqgAAAabXDF8lga8uORxXXK0fU4JiDsntQxGXBJfHUiuxJv0OM1HtNDUu5Ueo9GhWJy5ZjyiaJiNc7NkMoZSdgsBZDKGUyWFYCyGUHEnYGhQsgoCymSw2hQsxZQcTJYLCibMWUMplyiygmzHlCxkyjsQTZBRM2HlZkFEyRRi0XQkWjRNb3l0otGDKTo2ra3Qy7YB3XYbWB2cf1KNdzfaAhefavBFnK/q7Da31v0LAb0fB5TO/fYAAGRQAAABz/2uVvs6EeeU5dyS9TlMt50n2uVftKMeaEn3yt6HNmc7N+tnr/TFWnX/fETQrEmgKjoCAYIAQWHYABBYYABYRIACNgsSYWJJEKxICARSCwx2BIIkkKxKJiyyLPfgZl60PK8E+goOFkXbV2pen1MtwPuafqKvHZeNXado9nm7m5NboKNqfd5GyOkvB4rK7mwAAJKwEMUnZAHJPajis+Lt8FNR7drfn4FGLnrrgakqrqWumuHB3e8qTo9Bzcv6mey0DXQikzDYDJyYnArNwgBPIGQAgBPKGUAgOw7DykgjYCeUMpAIASSFYkkQWJZQsARAlYLAkSJRFYkkQZIzYd7S46rzupLqKbS3ls1Ul9pbnt5onG6mV6xXgZ1PRUbU+09h58DG1OPVfvPQdRHgpeQAAJIAjPcyQmgCp1IHmqYKD3xT7Pmi2vR9P4UQloqm/w+LMWkyxTa8FNlomm99OH6UY56Cov+XH9KRdHoenzPvIfwOn+bvXyI2Lgs68uWUl6v0P6ce4hLVig/5cV1XLs9Aw55eBCWr0fifciOnHgyWpyL5mUiWqdD4P8As/mQep1B7lJf5F4+ry4S/wCv7kfq+/iXcyOlHgzWsyr5mUX6m0U9ub9X7EpamUX8S/y/Yuj1fn8UfEHoOf5e8dKHBPtub6mUWeo9PhKa7mY5ajR3Z33IvctCTW5L9RB6HqfDbqaZj0YcGa1+f6igT1FfCou2P7mN6jz+OPdI6B/Cqi/DLzIywE9zhLuZHQgWL1LPyc9nqRUW6UPH5GN6l1vy/q/Y6H9DkvwvuZH6M/h8COhEzXqmZcHOnqfX+FfqRjnqrXX4L9Ukzo/JPmt4XCNPs/3pI9njyZr1XLwjm31Zr/034fMh/AK39OXcdNdL/XuJwp9RD065LF6vk4RzKGgq39Of6WW7VfQE6clUns2bI8e0ssKfQeyhHcTDTpO7MM/q2TJBwqrNxRjaKXQiYkM2jhgAAAAAAAAAAAAAAAAAAAAAAAAAAAAAAAAAAAAJxRF0Yvgu5EwAMX0aPwx7kL6JD4Y9yMwAGH6JD4V3DWGit0UZQAAAAAAAAD//2Q=="/>
+          <p:cNvSpPr>
+            <a:spLocks noChangeAspect="1" noChangeArrowheads="1"/>
+          </p:cNvSpPr>
+          <p:nvPr/>
+        </p:nvSpPr>
+        <p:spPr bwMode="auto">
+          <a:xfrm>
+            <a:off x="155575" y="-144463"/>
+            <a:ext cx="304800" cy="304801"/>
+          </a:xfrm>
+          <a:prstGeom prst="rect">
+            <a:avLst/>
+          </a:prstGeom>
+          <a:noFill/>
+          <a:ln w="9525">
+            <a:noFill/>
+            <a:miter lim="800000"/>
+            <a:headEnd/>
+            <a:tailEnd/>
+          </a:ln>
+        </p:spPr>
+        <p:txBody>
+          <a:bodyPr/>
+          <a:lstStyle/>
+          <a:p>
+            <a:endParaRPr lang="en-US">
+              <a:latin typeface="Calibri" pitchFamily="34" charset="0"/>
+            </a:endParaRPr>
+          </a:p>
+        </p:txBody>
+      </p:sp>
+      <p:sp>
+        <p:nvSpPr>
+          <p:cNvPr id="9220" name="AutoShape 4" descr="data:image/jpg;base64,/9j/4AAQSkZJRgABAQAAAQABAAD/2wCEAAkGBhQQEBQUEBQVFBQUFBUUFxcUFBQUFBUUFBQVFRQUFBUXHCYeFxkkGRcUHy8gIycpLCwsFR4xNTAqNSYrLCkBCQoKDgwOGg8PGjUfHR8qLCwsLCwsLCkpLCksKSkpLCosKSwpLSkpKSksKSkpKSksKSksKSwpKSwsKSkpKSwpLP/AABEIAOAA4AMBIgACEQEDEQH/xAAcAAACAgMBAQAAAAAAAAAAAAAAAQIGAwUHBAj/xAA/EAACAQICBQkECAYCAwAAAAAAAQIDEQQSBQYhMUETUWFxgZGhscEHIlLRFBYjMkJikuEVQ1NUgvCDojNEcv/EABoBAQACAwEAAAAAAAAAAAAAAAABAwIEBQb/xAAuEQACAgEDAwEHBAMBAAAAAAAAAQIRAwQSURMhMQUUIkFCUmGRMnGBobHR8BX/2gAMAwEAAhEDEQA/AO4gAAAAAAAAAAAK5XNN694bCtxbdSa3xhts+ZyexGMpKPdlmPFPI9sFbLIBzat7YLP3cPddNTb4RIw9sfPh+6p84lXtGPk3f/L1VXt/tf7Olgc+Xtepr71Ca6pxfojPS9rmGe+nVXZF+pPXx8mD9O1K+Rl6Ap0falhOPKr/AAv5Mzw9peCf8yS66cvRGXVhyVvR6hfI/wAFqArUfaJgX/O74TXoZPr9gv7iP6Z/InqQ5MfZc30P8MsIGgWveC/uId0vkTWu2C/uKfj8hvjyY+z5fpf4ZvANNHXDBv8A9il+oz0tY8NL7tek/wDkj8yd0eSHhyLzF/g2QGOnWjJXi1Jc6aa8CZkVDAAAAAAAAAAAAAAAAAAAAhWqKMW3uSu+wAqvtB1heHoZKcss573xUejmvznGq+Ibb6S06+6RdWrt47epcF3FQkczUSuf7HtPStOseBS+LI3DMDEyg6xOVS5FS2kRoEE51bkcxG40ANyJRqGNsLkgm5ByhAYBLlCSqMxDRAN3ofTVWjJSpzlF9D81xOr6ra4rEJQq2jU4PdGfyZxOi9pa9FSajF8bF+LI4s5+v0OPNC2qfJ2m4yv6sae5aOSo/tIrf8S5+ssB0k7Vo8VkxyxycZAAASVgAAAAAAAAAAAafWXFZaWVb5u3Yt/obcqetmJ9+3wx89vyDLMSuSRyzWOvmry6NhqGj1Y2rmnJ87fmWHQ+rNGWF5fEzlFNv7u618q4NvacpRc5No908sdNiju+yKkRsXD6qYetsw2Ji5cIzW191n4Fax+j50KjhUVpLufSnxREoOPczxamGV0vPD7M8lgsZqGHlOSjFNybskt7fMZ8foupQllqwcW1dXttXRYxp1Zc5xvbfc8QEkjJLDSUVJxeV7nZ2fU9xFEtowgiQOm1vTV+fYSCLAyck7Xs7br22d5FICyNhpHqoaOqVNsKc5LnjFteCIV8FOn9+Mo//UWvMUzFTi3V9xUltLVgFaK6kVegtpa8KvdXUvInH5J1H6DY4TEOnJSi7NO6OkaI0iq9JTW/dJc0lvRzGBYNVtJ8lVUW/dnsfRL8L9O03sUqdHmfUMG+O5eUXwBDNk88AAAAAAAAAAABznW3Gf8All1peR0HFVcsJPmi34HKNbK9qdudleR1Fm9oYb8yX3KTLazomJo0YYCjTxMpQi1HbHfmtm5t20502bHS2sNTEwhGeVKG6ytfZa77jQxzUYvlnrNVp5ZpQp0k7fP2N1hMFgaU41FiZPK8yjl23W1bkajWXSyxVfNBbLKMed2vt67s1Bu9WcfQoSdSupSmvuJJNX5+sbt3uvsiHh6V5e85JUjeaI0bHR9H6RXV6slaEfhvw6HzvhuHp9/TcDGul79NvMlw4SXVuZrauvtdybWTLwi43sua+9mz0JrgqzlTxKpwjKLV0sqfBp3fMXqcJe4n2OfPDqIvryjck77P4cVRRYradSnQo/RqWHrWXKQUYr8yindPg7s59Tw0PpKgpJw5RLNwy5t/cbrXrSKlWpqnJPJHfF3s27711Irxy2RbNnVwefJjgu3l3/g1WO0FOhiI0pK6lJKL4Si2lc3PtBqLPSgkllg33uyXcj36vaap4uMIYm3K02pQk9ma3G/PzriabWusq2OypqyyQvfZ07e1mTUVB7fiyuE8k88VkXeCd8P7nv1jSpaOw9O1nLL4Ru/Fo8mgdC0qdB4rErNFfchwbvZN8+3gZ9fMSpSpU4NNQi27O9r2S8ES0XpOhiMKsNiJcm4/dlw2O6d/Rkuuo/suxXHetMmr96VuvNNnhxOvVZ7KSjTityjFPzPPjtb61ai6dRQae+WXb2cF1nu+pdO93iqWXnur+Z5dMYfB0qeSi5VKt9s7+709DMGppNt/2bWL2ZyShC3zT7fu2ajCRvJdZaqC2Fc0ZD30WSkVQOhqX2SM8D00meeBnpmwjk5PB0TQuP5ajGT3r3ZdaNgVPVDF2nKD3SV11r9vIthtxdo8vnhsyNAAAZFIAAAAAAAa7T9bLQl02RyXW6rdxR0zWqtaMI9b9Pmcn1jqZqvVsNfUP3TtekQvLfBo2Im0KxoHrbIASYmKFiaAYkBYXBjACxJgxisSQPMxDBAgENIEicIkMzibHRNPb1I31M1Oiaey/OzbwM4GvqH3M0DNAwwPRBGwjmZDY6Ir5KsJc0lfqex+Z0A5vRR0PB1c1OD54p+BsQ8HC1q95MzAAFhzwAAAAAEAVDW3EfaP8sV82cn0nXcpuXBsvOu+kbOpbfKTivIpmkstOnFcWu00dTK+3B6r0jHtjufxPAqyYzxrFWMix8eMV3tGish6BwPTlFYxfTIczXaTWIh8Ul2Jme9GG1ksgZBcrH412pjU/wA0fEnciNoOAshPN0x7wu+jvJ3IimRyCyE7vo70F+rvG5DayGUaiPN1d44r80V1jcidrEomajTvvMrwCUMyq03+VN5u5oWFpuTSuYtmcKfc3GDp2ij3RR5KMbJLmPZAviaWbyZoGemjBBHppouic/Iemii6aBq3oxXwtx9fUp1BFp1al7kl+a/p6F8DjatXE3QABacwAAAAMeIqZYSlzJvuRkNZrHiOTw1Rvmt3/tcMmKt0cj1kxXKYhR4R95+bKnpHGOpNvhfZ1Gwx2Ovyk+M20urj6GjntOPmluZ77R4unBLhCbE2MCijcsVwuOwWJoncCkSzEUhtEULJ57i5RkUCFCyWcTrMQxRO4fKByjINBYiiUzJGsbbRuNtJGlR6KE7Mjw7Rn2aov845oKS6yVJni1bxfKU3B9h6qGy65mb0XdM5WVNXF/A9cEemkjzwPTRNiJzch7aC2Fp1dhanf/eLKsnaJcNCwtS/3mLo+Tj6p+7/ACbAAAtOaAAAAFP9p2P5PCZVvnK3h+5b2ct9rmOvWpUl+GOZ9r/YqzOoM3dBj6meK/k5xjJblzI8kjNXd2zE0clq2e6j2RGwrEhWFCxAx2CxFE2IEOwNChZFoZILE0LEwHYLEULEgQ7ARRNiJxYgRi0WRZutA47k6kebcy111ap0SSZQ8POzLnQrZ6FOfGLyv0LsMu1FGpj3UuexsaR7KKPFRZ76KN6Jws3Y9tOF7Lna8y56Ojamu3zKhhleUev0Lnho2hHqRfA4eqfhGUAAsNIAAABHD/aBjuVx1Z8ItQX+Ks/U7bXqqMZSe6KbfYrnztpPEOpOcnvlKUu9mrqX2SO36NC8kpcI1kiLMqiRcTRPVWY7BYnlDKCLINCMmUVhRNkEFjJlFYgWRyhYk4hYCyAx5R2BNkLDsOwNChZFjCxKxFGSZKDLNoDEXpzpvmzLs3+BWIo2mia+WafZ2MhdpWWSW+NFwwU7xRtcOjSaNnvRvMIjexnntWtrZs8BG812/IuUVZFS0RC9Tu8y3G1A89qX7wAAGZqgAAAabXDF8lga8uORxXXK0fU4JiDsntQxGXBJfHUiuxJv0OM1HtNDUu5Ueo9GhWJy5ZjyiaJiNc7NkMoZSdgsBZDKGUyWFYCyGUHEnYGhQsgoCymSw2hQsxZQcTJYLCibMWUMplyiygmzHlCxkyjsQTZBRM2HlZkFEyRRi0XQkWjRNb3l0otGDKTo2ra3Qy7YB3XYbWB2cf1KNdzfaAhefavBFnK/q7Da31v0LAb0fB5TO/fYAAGRQAAABz/2uVvs6EeeU5dyS9TlMt50n2uVftKMeaEn3yt6HNmc7N+tnr/TFWnX/fETQrEmgKjoCAYIAQWHYABBYYABYRIACNgsSYWJJEKxICARSCwx2BIIkkKxKJiyyLPfgZl60PK8E+goOFkXbV2pen1MtwPuafqKvHZeNXado9nm7m5NboKNqfd5GyOkvB4rK7mwAAJKwEMUnZAHJPajis+Lt8FNR7drfn4FGLnrrgakqrqWumuHB3e8qTo9Bzcv6mey0DXQikzDYDJyYnArNwgBPIGQAgBPKGUAgOw7DykgjYCeUMpAIASSFYkkQWJZQsARAlYLAkSJRFYkkQZIzYd7S46rzupLqKbS3ls1Ul9pbnt5onG6mV6xXgZ1PRUbU+09h58DG1OPVfvPQdRHgpeQAAJIAjPcyQmgCp1IHmqYKD3xT7Pmi2vR9P4UQloqm/w+LMWkyxTa8FNlomm99OH6UY56Cov+XH9KRdHoenzPvIfwOn+bvXyI2Lgs68uWUl6v0P6ce4hLVig/5cV1XLs9Aw55eBCWr0fifciOnHgyWpyL5mUiWqdD4P8As/mQep1B7lJf5F4+ry4S/wCv7kfq+/iXcyOlHgzWsyr5mUX6m0U9ub9X7EpamUX8S/y/Yuj1fn8UfEHoOf5e8dKHBPtub6mUWeo9PhKa7mY5ajR3Z33IvctCTW5L9RB6HqfDbqaZj0YcGa1+f6igT1FfCou2P7mN6jz+OPdI6B/Cqi/DLzIywE9zhLuZHQgWL1LPyc9nqRUW6UPH5GN6l1vy/q/Y6H9DkvwvuZH6M/h8COhEzXqmZcHOnqfX+FfqRjnqrXX4L9Ukzo/JPmt4XCNPs/3pI9njyZr1XLwjm31Zr/034fMh/AK39OXcdNdL/XuJwp9RD065LF6vk4RzKGgq39Of6WW7VfQE6clUns2bI8e0ssKfQeyhHcTDTpO7MM/q2TJBwqrNxRjaKXQiYkM2jhgAAAAAAAAAAAAAAAAAAAAAAAAAAAAAAAAAAAAJxRF0Yvgu5EwAMX0aPwx7kL6JD4Y9yMwAGH6JD4V3DWGit0UZQAAAAAAAAD//2Q=="/>
+          <p:cNvSpPr>
+            <a:spLocks noChangeAspect="1" noChangeArrowheads="1"/>
+          </p:cNvSpPr>
+          <p:nvPr/>
+        </p:nvSpPr>
+        <p:spPr bwMode="auto">
+          <a:xfrm>
+            <a:off x="155575" y="-144463"/>
+            <a:ext cx="304800" cy="304801"/>
+          </a:xfrm>
+          <a:prstGeom prst="rect">
+            <a:avLst/>
+          </a:prstGeom>
+          <a:noFill/>
+          <a:ln w="9525">
+            <a:noFill/>
+            <a:miter lim="800000"/>
+            <a:headEnd/>
+            <a:tailEnd/>
+          </a:ln>
+        </p:spPr>
+        <p:txBody>
+          <a:bodyPr/>
+          <a:lstStyle/>
+          <a:p>
+            <a:endParaRPr lang="en-US">
+              <a:latin typeface="Calibri" pitchFamily="34" charset="0"/>
+            </a:endParaRPr>
+          </a:p>
+        </p:txBody>
+      </p:sp>
       <p:pic>
         <p:nvPicPr>
-          <p:cNvPr id="4" name="Picture 6"/>
+          <p:cNvPr id="9221" name="Picture 6" descr="http://uv-blog.uio.no/wpmu/wp-content/blogs.dir/18/old-mediafiles/bilder/panic-button.jpg"/>
           <p:cNvPicPr>
             <a:picLocks noChangeAspect="1" noChangeArrowheads="1"/>
           </p:cNvPicPr>
@@ -8019,8 +8735,8 @@
         </p:blipFill>
         <p:spPr bwMode="auto">
           <a:xfrm>
-            <a:off x="1295400" y="381000"/>
-            <a:ext cx="6448425" cy="6286500"/>
+            <a:off x="3276600" y="2514600"/>
+            <a:ext cx="3305175" cy="3295650"/>
           </a:xfrm>
           <a:prstGeom prst="rect">
             <a:avLst/>
@@ -8034,66 +8750,6 @@
           </a:ln>
         </p:spPr>
       </p:pic>
-      <p:pic>
-        <p:nvPicPr>
-          <p:cNvPr id="1026" name="Picture 2"/>
-          <p:cNvPicPr>
-            <a:picLocks noChangeAspect="1" noChangeArrowheads="1"/>
-          </p:cNvPicPr>
-          <p:nvPr/>
-        </p:nvPicPr>
-        <p:blipFill>
-          <a:blip r:embed="rId3" cstate="print"/>
-          <a:srcRect/>
-          <a:stretch>
-            <a:fillRect/>
-          </a:stretch>
-        </p:blipFill>
-        <p:spPr bwMode="auto">
-          <a:xfrm>
-            <a:off x="304800" y="1066800"/>
-            <a:ext cx="8534400" cy="3495675"/>
-          </a:xfrm>
-          <a:prstGeom prst="rect">
-            <a:avLst/>
-          </a:prstGeom>
-          <a:noFill/>
-          <a:ln w="9525">
-            <a:noFill/>
-            <a:miter lim="800000"/>
-            <a:headEnd/>
-            <a:tailEnd/>
-          </a:ln>
-        </p:spPr>
-      </p:pic>
-      <p:sp>
-        <p:nvSpPr>
-          <p:cNvPr id="2" name="Title 1"/>
-          <p:cNvSpPr>
-            <a:spLocks noGrp="1"/>
-          </p:cNvSpPr>
-          <p:nvPr>
-            <p:ph type="title"/>
-          </p:nvPr>
-        </p:nvSpPr>
-        <p:spPr>
-          <a:xfrm>
-            <a:off x="457200" y="0"/>
-            <a:ext cx="8229600" cy="1143000"/>
-          </a:xfrm>
-        </p:spPr>
-        <p:txBody>
-          <a:bodyPr/>
-          <a:lstStyle/>
-          <a:p>
-            <a:r>
-              <a:rPr lang="nb-NO" dirty="0" smtClean="0"/>
-              <a:t>Camel på 1 slide</a:t>
-            </a:r>
-            <a:endParaRPr lang="en-US" dirty="0"/>
-          </a:p>
-        </p:txBody>
-      </p:sp>
     </p:spTree>
   </p:cSld>
   <p:clrMapOvr>
@@ -8128,7 +8784,7 @@
       </p:grpSpPr>
       <p:sp>
         <p:nvSpPr>
-          <p:cNvPr id="2" name="Title 1"/>
+          <p:cNvPr id="10242" name="Title 1"/>
           <p:cNvSpPr>
             <a:spLocks noGrp="1"/>
           </p:cNvSpPr>
@@ -8136,24 +8792,70 @@
             <p:ph type="title"/>
           </p:nvPr>
         </p:nvSpPr>
-        <p:spPr>
-          <a:xfrm>
-            <a:off x="457200" y="2819400"/>
-            <a:ext cx="8229600" cy="1143000"/>
-          </a:xfrm>
-        </p:spPr>
+        <p:spPr/>
         <p:txBody>
           <a:bodyPr/>
           <a:lstStyle/>
           <a:p>
             <a:r>
-              <a:rPr lang="nb-NO" dirty="0" smtClean="0"/>
-              <a:t>Lets get our hands dirty</a:t>
-            </a:r>
-            <a:endParaRPr lang="en-US" dirty="0"/>
-          </a:p>
-        </p:txBody>
-      </p:sp>
+              <a:rPr lang="nb-NO" smtClean="0"/>
+              <a:t>Noen fordeler ved å bruke camel</a:t>
+            </a:r>
+            <a:endParaRPr lang="en-US" smtClean="0"/>
+          </a:p>
+        </p:txBody>
+      </p:sp>
+      <p:sp>
+        <p:nvSpPr>
+          <p:cNvPr id="10243" name="Content Placeholder 2"/>
+          <p:cNvSpPr>
+            <a:spLocks noGrp="1"/>
+          </p:cNvSpPr>
+          <p:nvPr>
+            <p:ph idx="1"/>
+          </p:nvPr>
+        </p:nvSpPr>
+        <p:spPr/>
+        <p:txBody>
+          <a:bodyPr/>
+          <a:lstStyle/>
+          <a:p>
+            <a:endParaRPr lang="en-US" smtClean="0"/>
+          </a:p>
+        </p:txBody>
+      </p:sp>
+      <p:pic>
+        <p:nvPicPr>
+          <p:cNvPr id="10244" name="Picture 2" descr="http://graffletopia.com/images/previews/137/original.png?1250609325"/>
+          <p:cNvPicPr>
+            <a:picLocks noChangeAspect="1" noChangeArrowheads="1"/>
+          </p:cNvPicPr>
+          <p:nvPr/>
+        </p:nvPicPr>
+        <p:blipFill>
+          <a:blip r:embed="rId3" cstate="print"/>
+          <a:srcRect/>
+          <a:stretch>
+            <a:fillRect/>
+          </a:stretch>
+        </p:blipFill>
+        <p:spPr bwMode="auto">
+          <a:xfrm>
+            <a:off x="1752600" y="2133600"/>
+            <a:ext cx="5238750" cy="3962400"/>
+          </a:xfrm>
+          <a:prstGeom prst="rect">
+            <a:avLst/>
+          </a:prstGeom>
+          <a:noFill/>
+          <a:ln w="9525">
+            <a:noFill/>
+            <a:miter lim="800000"/>
+            <a:headEnd/>
+            <a:tailEnd/>
+          </a:ln>
+        </p:spPr>
+      </p:pic>
     </p:spTree>
   </p:cSld>
   <p:clrMapOvr>

--- a/camel-spotting.pptx
+++ b/camel-spotting.pptx
@@ -5,7 +5,7 @@
     <p:sldMasterId id="2147483648" r:id="rId1"/>
   </p:sldMasterIdLst>
   <p:notesMasterIdLst>
-    <p:notesMasterId r:id="rId24"/>
+    <p:notesMasterId r:id="rId29"/>
   </p:notesMasterIdLst>
   <p:sldIdLst>
     <p:sldId id="256" r:id="rId2"/>
@@ -13,23 +13,28 @@
     <p:sldId id="262" r:id="rId4"/>
     <p:sldId id="264" r:id="rId5"/>
     <p:sldId id="280" r:id="rId6"/>
-    <p:sldId id="278" r:id="rId7"/>
-    <p:sldId id="273" r:id="rId8"/>
-    <p:sldId id="267" r:id="rId9"/>
-    <p:sldId id="269" r:id="rId10"/>
-    <p:sldId id="270" r:id="rId11"/>
-    <p:sldId id="283" r:id="rId12"/>
-    <p:sldId id="284" r:id="rId13"/>
-    <p:sldId id="271" r:id="rId14"/>
-    <p:sldId id="272" r:id="rId15"/>
-    <p:sldId id="285" r:id="rId16"/>
-    <p:sldId id="286" r:id="rId17"/>
-    <p:sldId id="287" r:id="rId18"/>
-    <p:sldId id="258" r:id="rId19"/>
-    <p:sldId id="282" r:id="rId20"/>
-    <p:sldId id="260" r:id="rId21"/>
-    <p:sldId id="259" r:id="rId22"/>
-    <p:sldId id="261" r:id="rId23"/>
+    <p:sldId id="288" r:id="rId7"/>
+    <p:sldId id="292" r:id="rId8"/>
+    <p:sldId id="278" r:id="rId9"/>
+    <p:sldId id="289" r:id="rId10"/>
+    <p:sldId id="291" r:id="rId11"/>
+    <p:sldId id="273" r:id="rId12"/>
+    <p:sldId id="267" r:id="rId13"/>
+    <p:sldId id="290" r:id="rId14"/>
+    <p:sldId id="269" r:id="rId15"/>
+    <p:sldId id="270" r:id="rId16"/>
+    <p:sldId id="283" r:id="rId17"/>
+    <p:sldId id="284" r:id="rId18"/>
+    <p:sldId id="271" r:id="rId19"/>
+    <p:sldId id="272" r:id="rId20"/>
+    <p:sldId id="285" r:id="rId21"/>
+    <p:sldId id="286" r:id="rId22"/>
+    <p:sldId id="287" r:id="rId23"/>
+    <p:sldId id="258" r:id="rId24"/>
+    <p:sldId id="282" r:id="rId25"/>
+    <p:sldId id="260" r:id="rId26"/>
+    <p:sldId id="259" r:id="rId27"/>
+    <p:sldId id="261" r:id="rId28"/>
   </p:sldIdLst>
   <p:sldSz cx="9144000" cy="6858000" type="screen4x3"/>
   <p:notesSz cx="6858000" cy="9144000"/>
@@ -270,7 +275,7 @@
               <a:pPr>
                 <a:defRPr/>
               </a:pPr>
-              <a:t>8/31/2011</a:t>
+              <a:t>9/2/2011</a:t>
             </a:fld>
             <a:endParaRPr lang="en-US"/>
           </a:p>
@@ -880,7 +885,7 @@
                   <a:spcPct val="0"/>
                 </a:spcAft>
               </a:pPr>
-              <a:t>20</a:t>
+              <a:t>25</a:t>
             </a:fld>
             <a:endParaRPr lang="en-US"/>
           </a:p>
@@ -1018,7 +1023,7 @@
                   <a:spcPct val="0"/>
                 </a:spcAft>
               </a:pPr>
-              <a:t>21</a:t>
+              <a:t>26</a:t>
             </a:fld>
             <a:endParaRPr lang="en-US"/>
           </a:p>
@@ -1427,7 +1432,7 @@
                   <a:spcPct val="0"/>
                 </a:spcAft>
               </a:pPr>
-              <a:t>6</a:t>
+              <a:t>8</a:t>
             </a:fld>
             <a:endParaRPr lang="en-US"/>
           </a:p>
@@ -1558,7 +1563,7 @@
                   <a:spcPct val="0"/>
                 </a:spcAft>
               </a:pPr>
-              <a:t>9</a:t>
+              <a:t>14</a:t>
             </a:fld>
             <a:endParaRPr lang="en-US"/>
           </a:p>
@@ -1708,7 +1713,7 @@
                   <a:spcPct val="0"/>
                 </a:spcAft>
               </a:pPr>
-              <a:t>10</a:t>
+              <a:t>15</a:t>
             </a:fld>
             <a:endParaRPr lang="en-US"/>
           </a:p>
@@ -1839,7 +1844,7 @@
                   <a:spcPct val="0"/>
                 </a:spcAft>
               </a:pPr>
-              <a:t>13</a:t>
+              <a:t>18</a:t>
             </a:fld>
             <a:endParaRPr lang="en-US"/>
           </a:p>
@@ -2011,7 +2016,7 @@
                   <a:spcPct val="0"/>
                 </a:spcAft>
               </a:pPr>
-              <a:t>14</a:t>
+              <a:t>19</a:t>
             </a:fld>
             <a:endParaRPr lang="en-US"/>
           </a:p>
@@ -2153,7 +2158,7 @@
                   <a:spcPct val="0"/>
                 </a:spcAft>
               </a:pPr>
-              <a:t>18</a:t>
+              <a:t>23</a:t>
             </a:fld>
             <a:endParaRPr lang="en-US"/>
           </a:p>
@@ -2358,7 +2363,7 @@
               <a:pPr>
                 <a:defRPr/>
               </a:pPr>
-              <a:t>8/31/2011</a:t>
+              <a:t>9/2/2011</a:t>
             </a:fld>
             <a:endParaRPr lang="en-US"/>
           </a:p>
@@ -2550,7 +2555,7 @@
               <a:pPr>
                 <a:defRPr/>
               </a:pPr>
-              <a:t>8/31/2011</a:t>
+              <a:t>9/2/2011</a:t>
             </a:fld>
             <a:endParaRPr lang="en-US"/>
           </a:p>
@@ -2752,7 +2757,7 @@
               <a:pPr>
                 <a:defRPr/>
               </a:pPr>
-              <a:t>8/31/2011</a:t>
+              <a:t>9/2/2011</a:t>
             </a:fld>
             <a:endParaRPr lang="en-US"/>
           </a:p>
@@ -2944,7 +2949,7 @@
               <a:pPr>
                 <a:defRPr/>
               </a:pPr>
-              <a:t>8/31/2011</a:t>
+              <a:t>9/2/2011</a:t>
             </a:fld>
             <a:endParaRPr lang="en-US"/>
           </a:p>
@@ -3212,7 +3217,7 @@
               <a:pPr>
                 <a:defRPr/>
               </a:pPr>
-              <a:t>8/31/2011</a:t>
+              <a:t>9/2/2011</a:t>
             </a:fld>
             <a:endParaRPr lang="en-US"/>
           </a:p>
@@ -3522,7 +3527,7 @@
               <a:pPr>
                 <a:defRPr/>
               </a:pPr>
-              <a:t>8/31/2011</a:t>
+              <a:t>9/2/2011</a:t>
             </a:fld>
             <a:endParaRPr lang="en-US"/>
           </a:p>
@@ -3966,7 +3971,7 @@
               <a:pPr>
                 <a:defRPr/>
               </a:pPr>
-              <a:t>8/31/2011</a:t>
+              <a:t>9/2/2011</a:t>
             </a:fld>
             <a:endParaRPr lang="en-US"/>
           </a:p>
@@ -4106,7 +4111,7 @@
               <a:pPr>
                 <a:defRPr/>
               </a:pPr>
-              <a:t>8/31/2011</a:t>
+              <a:t>9/2/2011</a:t>
             </a:fld>
             <a:endParaRPr lang="en-US"/>
           </a:p>
@@ -4223,7 +4228,7 @@
               <a:pPr>
                 <a:defRPr/>
               </a:pPr>
-              <a:t>8/31/2011</a:t>
+              <a:t>9/2/2011</a:t>
             </a:fld>
             <a:endParaRPr lang="en-US"/>
           </a:p>
@@ -4522,7 +4527,7 @@
               <a:pPr>
                 <a:defRPr/>
               </a:pPr>
-              <a:t>8/31/2011</a:t>
+              <a:t>9/2/2011</a:t>
             </a:fld>
             <a:endParaRPr lang="en-US"/>
           </a:p>
@@ -4800,7 +4805,7 @@
               <a:pPr>
                 <a:defRPr/>
               </a:pPr>
-              <a:t>8/31/2011</a:t>
+              <a:t>9/2/2011</a:t>
             </a:fld>
             <a:endParaRPr lang="en-US"/>
           </a:p>
@@ -5056,7 +5061,7 @@
               <a:pPr>
                 <a:defRPr/>
               </a:pPr>
-              <a:t>8/31/2011</a:t>
+              <a:t>9/2/2011</a:t>
             </a:fld>
             <a:endParaRPr lang="en-US"/>
           </a:p>
@@ -5822,8 +5827,8 @@
         </p:nvSpPr>
         <p:spPr bwMode="auto">
           <a:xfrm>
-            <a:off x="3505200" y="5257800"/>
-            <a:ext cx="1828800" cy="276225"/>
+            <a:off x="4038600" y="5257800"/>
+            <a:ext cx="679994" cy="276999"/>
           </a:xfrm>
           <a:prstGeom prst="rect">
             <a:avLst/>
@@ -5843,15 +5848,15 @@
           <a:lstStyle/>
           <a:p>
             <a:r>
-              <a:rPr lang="nb-NO" sz="1200">
+              <a:rPr lang="nb-NO" sz="1200" dirty="0" smtClean="0">
                 <a:solidFill>
                   <a:schemeClr val="bg1"/>
                 </a:solidFill>
                 <a:latin typeface="Calibri" pitchFamily="34" charset="0"/>
               </a:rPr>
-              <a:t>Kompisen til Michael Palin</a:t>
-            </a:r>
-            <a:endParaRPr lang="en-US" sz="1200">
+              <a:t>Eric Idle</a:t>
+            </a:r>
+            <a:endParaRPr lang="en-US" sz="1200" dirty="0">
               <a:solidFill>
                 <a:schemeClr val="bg1"/>
               </a:solidFill>
@@ -5942,7 +5947,62 @@
       </p:grpSpPr>
       <p:sp>
         <p:nvSpPr>
-          <p:cNvPr id="11266" name="Title 1"/>
+          <p:cNvPr id="4" name="TextBox 3"/>
+          <p:cNvSpPr txBox="1"/>
+          <p:nvPr/>
+        </p:nvSpPr>
+        <p:spPr>
+          <a:xfrm>
+            <a:off x="1371600" y="2667000"/>
+            <a:ext cx="6248400" cy="369332"/>
+          </a:xfrm>
+          <a:prstGeom prst="rect">
+            <a:avLst/>
+          </a:prstGeom>
+          <a:noFill/>
+        </p:spPr>
+        <p:txBody>
+          <a:bodyPr wrap="square" rtlCol="0">
+            <a:spAutoFit/>
+          </a:bodyPr>
+          <a:lstStyle/>
+          <a:p>
+            <a:r>
+              <a:rPr lang="nb-NO" dirty="0" smtClean="0"/>
+              <a:t>git reset --hard v3 (changing configuration to production)</a:t>
+            </a:r>
+            <a:endParaRPr lang="en-US" dirty="0"/>
+          </a:p>
+        </p:txBody>
+      </p:sp>
+    </p:spTree>
+  </p:cSld>
+  <p:clrMapOvr>
+    <a:masterClrMapping/>
+  </p:clrMapOvr>
+</p:sld>
+</file>
+
+<file path=ppt/slides/slide11.xml><?xml version="1.0" encoding="utf-8"?>
+<p:sld xmlns:a="http://schemas.openxmlformats.org/drawingml/2006/main" xmlns:r="http://schemas.openxmlformats.org/officeDocument/2006/relationships" xmlns:p="http://schemas.openxmlformats.org/presentationml/2006/main">
+  <p:cSld>
+    <p:spTree>
+      <p:nvGrpSpPr>
+        <p:cNvPr id="1" name=""/>
+        <p:cNvGrpSpPr/>
+        <p:nvPr/>
+      </p:nvGrpSpPr>
+      <p:grpSpPr>
+        <a:xfrm>
+          <a:off x="0" y="0"/>
+          <a:ext cx="0" cy="0"/>
+          <a:chOff x="0" y="0"/>
+          <a:chExt cx="0" cy="0"/>
+        </a:xfrm>
+      </p:grpSpPr>
+      <p:sp>
+        <p:nvSpPr>
+          <p:cNvPr id="8194" name="Title 1"/>
           <p:cNvSpPr>
             <a:spLocks noGrp="1"/>
           </p:cNvSpPr>
@@ -5957,7 +6017,7 @@
           <a:p>
             <a:r>
               <a:rPr lang="nb-NO" smtClean="0"/>
-              <a:t>Ulemper?</a:t>
+              <a:t>hmmm</a:t>
             </a:r>
             <a:endParaRPr lang="en-US" smtClean="0"/>
           </a:p>
@@ -5965,7 +6025,7 @@
       </p:sp>
       <p:sp>
         <p:nvSpPr>
-          <p:cNvPr id="11267" name="Content Placeholder 2"/>
+          <p:cNvPr id="8195" name="Content Placeholder 2"/>
           <p:cNvSpPr>
             <a:spLocks noGrp="1"/>
           </p:cNvSpPr>
@@ -5978,7 +6038,46 @@
           <a:bodyPr/>
           <a:lstStyle/>
           <a:p>
-            <a:endParaRPr lang="en-US" smtClean="0"/>
+            <a:pPr>
+              <a:buFont typeface="Arial" pitchFamily="34" charset="0"/>
+              <a:buNone/>
+            </a:pPr>
+            <a:endParaRPr lang="nb-NO" sz="2800" smtClean="0"/>
+          </a:p>
+          <a:p>
+            <a:pPr>
+              <a:buFont typeface="Arial" pitchFamily="34" charset="0"/>
+              <a:buNone/>
+            </a:pPr>
+            <a:endParaRPr lang="nb-NO" sz="2800" smtClean="0"/>
+          </a:p>
+          <a:p>
+            <a:pPr algn="ctr">
+              <a:buFont typeface="Arial" pitchFamily="34" charset="0"/>
+              <a:buNone/>
+            </a:pPr>
+            <a:r>
+              <a:rPr lang="nb-NO" sz="2800" smtClean="0"/>
+              <a:t>1,5 sekunder X 1000 = 1500 sekunder = 25 minutter</a:t>
+            </a:r>
+          </a:p>
+          <a:p>
+            <a:pPr>
+              <a:buFont typeface="Arial" pitchFamily="34" charset="0"/>
+              <a:buNone/>
+            </a:pPr>
+            <a:endParaRPr lang="nb-NO" sz="2800" smtClean="0"/>
+          </a:p>
+          <a:p>
+            <a:pPr algn="ctr">
+              <a:buFont typeface="Arial" pitchFamily="34" charset="0"/>
+              <a:buNone/>
+            </a:pPr>
+            <a:r>
+              <a:rPr lang="nb-NO" sz="2800" smtClean="0"/>
+              <a:t>(det finnes maling som tørker raskere)</a:t>
+            </a:r>
+            <a:endParaRPr lang="en-US" sz="2800" smtClean="0"/>
           </a:p>
         </p:txBody>
       </p:sp>
@@ -5997,7 +6096,440 @@
 </p:sld>
 </file>
 
-<file path=ppt/slides/slide11.xml><?xml version="1.0" encoding="utf-8"?>
+<file path=ppt/slides/slide12.xml><?xml version="1.0" encoding="utf-8"?>
+<p:sld xmlns:a="http://schemas.openxmlformats.org/drawingml/2006/main" xmlns:r="http://schemas.openxmlformats.org/officeDocument/2006/relationships" xmlns:p="http://schemas.openxmlformats.org/presentationml/2006/main">
+  <p:cSld>
+    <p:spTree>
+      <p:nvGrpSpPr>
+        <p:cNvPr id="1" name=""/>
+        <p:cNvGrpSpPr/>
+        <p:nvPr/>
+      </p:nvGrpSpPr>
+      <p:grpSpPr>
+        <a:xfrm>
+          <a:off x="0" y="0"/>
+          <a:ext cx="0" cy="0"/>
+          <a:chOff x="0" y="0"/>
+          <a:chExt cx="0" cy="0"/>
+        </a:xfrm>
+      </p:grpSpPr>
+      <p:sp>
+        <p:nvSpPr>
+          <p:cNvPr id="9218" name="Title 1"/>
+          <p:cNvSpPr>
+            <a:spLocks noGrp="1"/>
+          </p:cNvSpPr>
+          <p:nvPr>
+            <p:ph type="title"/>
+          </p:nvPr>
+        </p:nvSpPr>
+        <p:spPr>
+          <a:xfrm>
+            <a:off x="457200" y="1600200"/>
+            <a:ext cx="8229600" cy="1143000"/>
+          </a:xfrm>
+        </p:spPr>
+        <p:txBody>
+          <a:bodyPr/>
+          <a:lstStyle/>
+          <a:p>
+            <a:r>
+              <a:rPr lang="nb-NO" smtClean="0"/>
+              <a:t>Løs det!</a:t>
+            </a:r>
+            <a:endParaRPr lang="en-US" smtClean="0"/>
+          </a:p>
+        </p:txBody>
+      </p:sp>
+      <p:sp>
+        <p:nvSpPr>
+          <p:cNvPr id="9219" name="AutoShape 2" descr="data:image/jpg;base64,/9j/4AAQSkZJRgABAQAAAQABAAD/2wCEAAkGBhQQEBQUEBQVFBQUFBUUFxcUFBQUFBUUFBQVFRQUFBUXHCYeFxkkGRcUHy8gIycpLCwsFR4xNTAqNSYrLCkBCQoKDgwOGg8PGjUfHR8qLCwsLCwsLCkpLCksKSkpLCosKSwpLSkpKSksKSkpKSksKSksKSwpKSwsKSkpKSwpLP/AABEIAOAA4AMBIgACEQEDEQH/xAAcAAACAgMBAQAAAAAAAAAAAAAAAQIGAwUHBAj/xAA/EAACAQICBQkECAYCAwAAAAAAAQIDEQQSBQYhMUETUWFxgZGhscEHIlLRFBYjMkJikuEVQ1NUgvCDojNEcv/EABoBAQACAwEAAAAAAAAAAAAAAAABAwIEBQb/xAAuEQACAgEDAwEHBAMBAAAAAAAAAQIRAwQSURMhMQUUIkFCUmGRMnGBobHR8BX/2gAMAwEAAhEDEQA/AO4gAAAAAAAAAAAK5XNN694bCtxbdSa3xhts+ZyexGMpKPdlmPFPI9sFbLIBzat7YLP3cPddNTb4RIw9sfPh+6p84lXtGPk3f/L1VXt/tf7Olgc+Xtepr71Ca6pxfojPS9rmGe+nVXZF+pPXx8mD9O1K+Rl6Ap0falhOPKr/AAv5Mzw9peCf8yS66cvRGXVhyVvR6hfI/wAFqArUfaJgX/O74TXoZPr9gv7iP6Z/InqQ5MfZc30P8MsIGgWveC/uId0vkTWu2C/uKfj8hvjyY+z5fpf4ZvANNHXDBv8A9il+oz0tY8NL7tek/wDkj8yd0eSHhyLzF/g2QGOnWjJXi1Jc6aa8CZkVDAAAAAAAAAAAAAAAAAAAAhWqKMW3uSu+wAqvtB1heHoZKcss573xUejmvznGq+Ibb6S06+6RdWrt47epcF3FQkczUSuf7HtPStOseBS+LI3DMDEyg6xOVS5FS2kRoEE51bkcxG40ANyJRqGNsLkgm5ByhAYBLlCSqMxDRAN3ofTVWjJSpzlF9D81xOr6ra4rEJQq2jU4PdGfyZxOi9pa9FSajF8bF+LI4s5+v0OPNC2qfJ2m4yv6sae5aOSo/tIrf8S5+ssB0k7Vo8VkxyxycZAAASVgAAAAAAAAAAAafWXFZaWVb5u3Yt/obcqetmJ9+3wx89vyDLMSuSRyzWOvmry6NhqGj1Y2rmnJ87fmWHQ+rNGWF5fEzlFNv7u618q4NvacpRc5No908sdNiju+yKkRsXD6qYetsw2Ji5cIzW191n4Fax+j50KjhUVpLufSnxREoOPczxamGV0vPD7M8lgsZqGHlOSjFNybskt7fMZ8foupQllqwcW1dXttXRYxp1Zc5xvbfc8QEkjJLDSUVJxeV7nZ2fU9xFEtowgiQOm1vTV+fYSCLAyck7Xs7br22d5FICyNhpHqoaOqVNsKc5LnjFteCIV8FOn9+Mo//UWvMUzFTi3V9xUltLVgFaK6kVegtpa8KvdXUvInH5J1H6DY4TEOnJSi7NO6OkaI0iq9JTW/dJc0lvRzGBYNVtJ8lVUW/dnsfRL8L9O03sUqdHmfUMG+O5eUXwBDNk88AAAAAAAAAAABznW3Gf8All1peR0HFVcsJPmi34HKNbK9qdudleR1Fm9oYb8yX3KTLazomJo0YYCjTxMpQi1HbHfmtm5t20502bHS2sNTEwhGeVKG6ytfZa77jQxzUYvlnrNVp5ZpQp0k7fP2N1hMFgaU41FiZPK8yjl23W1bkajWXSyxVfNBbLKMed2vt67s1Bu9WcfQoSdSupSmvuJJNX5+sbt3uvsiHh6V5e85JUjeaI0bHR9H6RXV6slaEfhvw6HzvhuHp9/TcDGul79NvMlw4SXVuZrauvtdybWTLwi43sua+9mz0JrgqzlTxKpwjKLV0sqfBp3fMXqcJe4n2OfPDqIvryjck77P4cVRRYradSnQo/RqWHrWXKQUYr8yindPg7s59Tw0PpKgpJw5RLNwy5t/cbrXrSKlWpqnJPJHfF3s27711Irxy2RbNnVwefJjgu3l3/g1WO0FOhiI0pK6lJKL4Si2lc3PtBqLPSgkllg33uyXcj36vaap4uMIYm3K02pQk9ma3G/PzriabWusq2OypqyyQvfZ07e1mTUVB7fiyuE8k88VkXeCd8P7nv1jSpaOw9O1nLL4Ru/Fo8mgdC0qdB4rErNFfchwbvZN8+3gZ9fMSpSpU4NNQi27O9r2S8ES0XpOhiMKsNiJcm4/dlw2O6d/Rkuuo/suxXHetMmr96VuvNNnhxOvVZ7KSjTityjFPzPPjtb61ai6dRQae+WXb2cF1nu+pdO93iqWXnur+Z5dMYfB0qeSi5VKt9s7+709DMGppNt/2bWL2ZyShC3zT7fu2ajCRvJdZaqC2Fc0ZD30WSkVQOhqX2SM8D00meeBnpmwjk5PB0TQuP5ajGT3r3ZdaNgVPVDF2nKD3SV11r9vIthtxdo8vnhsyNAAAZFIAAAAAAAa7T9bLQl02RyXW6rdxR0zWqtaMI9b9Pmcn1jqZqvVsNfUP3TtekQvLfBo2Im0KxoHrbIASYmKFiaAYkBYXBjACxJgxisSQPMxDBAgENIEicIkMzibHRNPb1I31M1Oiaey/OzbwM4GvqH3M0DNAwwPRBGwjmZDY6Ir5KsJc0lfqex+Z0A5vRR0PB1c1OD54p+BsQ8HC1q95MzAAFhzwAAAAAEAVDW3EfaP8sV82cn0nXcpuXBsvOu+kbOpbfKTivIpmkstOnFcWu00dTK+3B6r0jHtjufxPAqyYzxrFWMix8eMV3tGish6BwPTlFYxfTIczXaTWIh8Ul2Jme9GG1ksgZBcrH412pjU/wA0fEnciNoOAshPN0x7wu+jvJ3IimRyCyE7vo70F+rvG5DayGUaiPN1d44r80V1jcidrEomajTvvMrwCUMyq03+VN5u5oWFpuTSuYtmcKfc3GDp2ij3RR5KMbJLmPZAviaWbyZoGemjBBHppouic/Iemii6aBq3oxXwtx9fUp1BFp1al7kl+a/p6F8DjatXE3QABacwAAAAMeIqZYSlzJvuRkNZrHiOTw1Rvmt3/tcMmKt0cj1kxXKYhR4R95+bKnpHGOpNvhfZ1Gwx2Ovyk+M20urj6GjntOPmluZ77R4unBLhCbE2MCijcsVwuOwWJoncCkSzEUhtEULJ57i5RkUCFCyWcTrMQxRO4fKByjINBYiiUzJGsbbRuNtJGlR6KE7Mjw7Rn2aov845oKS6yVJni1bxfKU3B9h6qGy65mb0XdM5WVNXF/A9cEemkjzwPTRNiJzch7aC2Fp1dhanf/eLKsnaJcNCwtS/3mLo+Tj6p+7/ACbAAAtOaAAAAFP9p2P5PCZVvnK3h+5b2ct9rmOvWpUl+GOZ9r/YqzOoM3dBj6meK/k5xjJblzI8kjNXd2zE0clq2e6j2RGwrEhWFCxAx2CxFE2IEOwNChZFoZILE0LEwHYLEULEgQ7ARRNiJxYgRi0WRZutA47k6kebcy111ap0SSZQ8POzLnQrZ6FOfGLyv0LsMu1FGpj3UuexsaR7KKPFRZ76KN6Jws3Y9tOF7Lna8y56Ojamu3zKhhleUev0Lnho2hHqRfA4eqfhGUAAsNIAAABHD/aBjuVx1Z8ItQX+Ks/U7bXqqMZSe6KbfYrnztpPEOpOcnvlKUu9mrqX2SO36NC8kpcI1kiLMqiRcTRPVWY7BYnlDKCLINCMmUVhRNkEFjJlFYgWRyhYk4hYCyAx5R2BNkLDsOwNChZFjCxKxFGSZKDLNoDEXpzpvmzLs3+BWIo2mia+WafZ2MhdpWWSW+NFwwU7xRtcOjSaNnvRvMIjexnntWtrZs8BG812/IuUVZFS0RC9Tu8y3G1A89qX7wAAGZqgAAAabXDF8lga8uORxXXK0fU4JiDsntQxGXBJfHUiuxJv0OM1HtNDUu5Ueo9GhWJy5ZjyiaJiNc7NkMoZSdgsBZDKGUyWFYCyGUHEnYGhQsgoCymSw2hQsxZQcTJYLCibMWUMplyiygmzHlCxkyjsQTZBRM2HlZkFEyRRi0XQkWjRNb3l0otGDKTo2ra3Qy7YB3XYbWB2cf1KNdzfaAhefavBFnK/q7Da31v0LAb0fB5TO/fYAAGRQAAABz/2uVvs6EeeU5dyS9TlMt50n2uVftKMeaEn3yt6HNmc7N+tnr/TFWnX/fETQrEmgKjoCAYIAQWHYABBYYABYRIACNgsSYWJJEKxICARSCwx2BIIkkKxKJiyyLPfgZl60PK8E+goOFkXbV2pen1MtwPuafqKvHZeNXado9nm7m5NboKNqfd5GyOkvB4rK7mwAAJKwEMUnZAHJPajis+Lt8FNR7drfn4FGLnrrgakqrqWumuHB3e8qTo9Bzcv6mey0DXQikzDYDJyYnArNwgBPIGQAgBPKGUAgOw7DykgjYCeUMpAIASSFYkkQWJZQsARAlYLAkSJRFYkkQZIzYd7S46rzupLqKbS3ls1Ul9pbnt5onG6mV6xXgZ1PRUbU+09h58DG1OPVfvPQdRHgpeQAAJIAjPcyQmgCp1IHmqYKD3xT7Pmi2vR9P4UQloqm/w+LMWkyxTa8FNlomm99OH6UY56Cov+XH9KRdHoenzPvIfwOn+bvXyI2Lgs68uWUl6v0P6ce4hLVig/5cV1XLs9Aw55eBCWr0fifciOnHgyWpyL5mUiWqdD4P8As/mQep1B7lJf5F4+ry4S/wCv7kfq+/iXcyOlHgzWsyr5mUX6m0U9ub9X7EpamUX8S/y/Yuj1fn8UfEHoOf5e8dKHBPtub6mUWeo9PhKa7mY5ajR3Z33IvctCTW5L9RB6HqfDbqaZj0YcGa1+f6igT1FfCou2P7mN6jz+OPdI6B/Cqi/DLzIywE9zhLuZHQgWL1LPyc9nqRUW6UPH5GN6l1vy/q/Y6H9DkvwvuZH6M/h8COhEzXqmZcHOnqfX+FfqRjnqrXX4L9Ukzo/JPmt4XCNPs/3pI9njyZr1XLwjm31Zr/034fMh/AK39OXcdNdL/XuJwp9RD065LF6vk4RzKGgq39Of6WW7VfQE6clUns2bI8e0ssKfQeyhHcTDTpO7MM/q2TJBwqrNxRjaKXQiYkM2jhgAAAAAAAAAAAAAAAAAAAAAAAAAAAAAAAAAAAAJxRF0Yvgu5EwAMX0aPwx7kL6JD4Y9yMwAGH6JD4V3DWGit0UZQAAAAAAAAD//2Q=="/>
+          <p:cNvSpPr>
+            <a:spLocks noChangeAspect="1" noChangeArrowheads="1"/>
+          </p:cNvSpPr>
+          <p:nvPr/>
+        </p:nvSpPr>
+        <p:spPr bwMode="auto">
+          <a:xfrm>
+            <a:off x="155575" y="-144463"/>
+            <a:ext cx="304800" cy="304801"/>
+          </a:xfrm>
+          <a:prstGeom prst="rect">
+            <a:avLst/>
+          </a:prstGeom>
+          <a:noFill/>
+          <a:ln w="9525">
+            <a:noFill/>
+            <a:miter lim="800000"/>
+            <a:headEnd/>
+            <a:tailEnd/>
+          </a:ln>
+        </p:spPr>
+        <p:txBody>
+          <a:bodyPr/>
+          <a:lstStyle/>
+          <a:p>
+            <a:endParaRPr lang="en-US">
+              <a:latin typeface="Calibri" pitchFamily="34" charset="0"/>
+            </a:endParaRPr>
+          </a:p>
+        </p:txBody>
+      </p:sp>
+      <p:sp>
+        <p:nvSpPr>
+          <p:cNvPr id="9220" name="AutoShape 4" descr="data:image/jpg;base64,/9j/4AAQSkZJRgABAQAAAQABAAD/2wCEAAkGBhQQEBQUEBQVFBQUFBUUFxcUFBQUFBUUFBQVFRQUFBUXHCYeFxkkGRcUHy8gIycpLCwsFR4xNTAqNSYrLCkBCQoKDgwOGg8PGjUfHR8qLCwsLCwsLCkpLCksKSkpLCosKSwpLSkpKSksKSkpKSksKSksKSwpKSwsKSkpKSwpLP/AABEIAOAA4AMBIgACEQEDEQH/xAAcAAACAgMBAQAAAAAAAAAAAAAAAQIGAwUHBAj/xAA/EAACAQICBQkECAYCAwAAAAAAAQIDEQQSBQYhMUETUWFxgZGhscEHIlLRFBYjMkJikuEVQ1NUgvCDojNEcv/EABoBAQACAwEAAAAAAAAAAAAAAAABAwIEBQb/xAAuEQACAgEDAwEHBAMBAAAAAAAAAQIRAwQSURMhMQUUIkFCUmGRMnGBobHR8BX/2gAMAwEAAhEDEQA/AO4gAAAAAAAAAAAK5XNN694bCtxbdSa3xhts+ZyexGMpKPdlmPFPI9sFbLIBzat7YLP3cPddNTb4RIw9sfPh+6p84lXtGPk3f/L1VXt/tf7Olgc+Xtepr71Ca6pxfojPS9rmGe+nVXZF+pPXx8mD9O1K+Rl6Ap0falhOPKr/AAv5Mzw9peCf8yS66cvRGXVhyVvR6hfI/wAFqArUfaJgX/O74TXoZPr9gv7iP6Z/InqQ5MfZc30P8MsIGgWveC/uId0vkTWu2C/uKfj8hvjyY+z5fpf4ZvANNHXDBv8A9il+oz0tY8NL7tek/wDkj8yd0eSHhyLzF/g2QGOnWjJXi1Jc6aa8CZkVDAAAAAAAAAAAAAAAAAAAAhWqKMW3uSu+wAqvtB1heHoZKcss573xUejmvznGq+Ibb6S06+6RdWrt47epcF3FQkczUSuf7HtPStOseBS+LI3DMDEyg6xOVS5FS2kRoEE51bkcxG40ANyJRqGNsLkgm5ByhAYBLlCSqMxDRAN3ofTVWjJSpzlF9D81xOr6ra4rEJQq2jU4PdGfyZxOi9pa9FSajF8bF+LI4s5+v0OPNC2qfJ2m4yv6sae5aOSo/tIrf8S5+ssB0k7Vo8VkxyxycZAAASVgAAAAAAAAAAAafWXFZaWVb5u3Yt/obcqetmJ9+3wx89vyDLMSuSRyzWOvmry6NhqGj1Y2rmnJ87fmWHQ+rNGWF5fEzlFNv7u618q4NvacpRc5No908sdNiju+yKkRsXD6qYetsw2Ji5cIzW191n4Fax+j50KjhUVpLufSnxREoOPczxamGV0vPD7M8lgsZqGHlOSjFNybskt7fMZ8foupQllqwcW1dXttXRYxp1Zc5xvbfc8QEkjJLDSUVJxeV7nZ2fU9xFEtowgiQOm1vTV+fYSCLAyck7Xs7br22d5FICyNhpHqoaOqVNsKc5LnjFteCIV8FOn9+Mo//UWvMUzFTi3V9xUltLVgFaK6kVegtpa8KvdXUvInH5J1H6DY4TEOnJSi7NO6OkaI0iq9JTW/dJc0lvRzGBYNVtJ8lVUW/dnsfRL8L9O03sUqdHmfUMG+O5eUXwBDNk88AAAAAAAAAAABznW3Gf8All1peR0HFVcsJPmi34HKNbK9qdudleR1Fm9oYb8yX3KTLazomJo0YYCjTxMpQi1HbHfmtm5t20502bHS2sNTEwhGeVKG6ytfZa77jQxzUYvlnrNVp5ZpQp0k7fP2N1hMFgaU41FiZPK8yjl23W1bkajWXSyxVfNBbLKMed2vt67s1Bu9WcfQoSdSupSmvuJJNX5+sbt3uvsiHh6V5e85JUjeaI0bHR9H6RXV6slaEfhvw6HzvhuHp9/TcDGul79NvMlw4SXVuZrauvtdybWTLwi43sua+9mz0JrgqzlTxKpwjKLV0sqfBp3fMXqcJe4n2OfPDqIvryjck77P4cVRRYradSnQo/RqWHrWXKQUYr8yindPg7s59Tw0PpKgpJw5RLNwy5t/cbrXrSKlWpqnJPJHfF3s27711Irxy2RbNnVwefJjgu3l3/g1WO0FOhiI0pK6lJKL4Si2lc3PtBqLPSgkllg33uyXcj36vaap4uMIYm3K02pQk9ma3G/PzriabWusq2OypqyyQvfZ07e1mTUVB7fiyuE8k88VkXeCd8P7nv1jSpaOw9O1nLL4Ru/Fo8mgdC0qdB4rErNFfchwbvZN8+3gZ9fMSpSpU4NNQi27O9r2S8ES0XpOhiMKsNiJcm4/dlw2O6d/Rkuuo/suxXHetMmr96VuvNNnhxOvVZ7KSjTityjFPzPPjtb61ai6dRQae+WXb2cF1nu+pdO93iqWXnur+Z5dMYfB0qeSi5VKt9s7+709DMGppNt/2bWL2ZyShC3zT7fu2ajCRvJdZaqC2Fc0ZD30WSkVQOhqX2SM8D00meeBnpmwjk5PB0TQuP5ajGT3r3ZdaNgVPVDF2nKD3SV11r9vIthtxdo8vnhsyNAAAZFIAAAAAAAa7T9bLQl02RyXW6rdxR0zWqtaMI9b9Pmcn1jqZqvVsNfUP3TtekQvLfBo2Im0KxoHrbIASYmKFiaAYkBYXBjACxJgxisSQPMxDBAgENIEicIkMzibHRNPb1I31M1Oiaey/OzbwM4GvqH3M0DNAwwPRBGwjmZDY6Ir5KsJc0lfqex+Z0A5vRR0PB1c1OD54p+BsQ8HC1q95MzAAFhzwAAAAAEAVDW3EfaP8sV82cn0nXcpuXBsvOu+kbOpbfKTivIpmkstOnFcWu00dTK+3B6r0jHtjufxPAqyYzxrFWMix8eMV3tGish6BwPTlFYxfTIczXaTWIh8Ul2Jme9GG1ksgZBcrH412pjU/wA0fEnciNoOAshPN0x7wu+jvJ3IimRyCyE7vo70F+rvG5DayGUaiPN1d44r80V1jcidrEomajTvvMrwCUMyq03+VN5u5oWFpuTSuYtmcKfc3GDp2ij3RR5KMbJLmPZAviaWbyZoGemjBBHppouic/Iemii6aBq3oxXwtx9fUp1BFp1al7kl+a/p6F8DjatXE3QABacwAAAAMeIqZYSlzJvuRkNZrHiOTw1Rvmt3/tcMmKt0cj1kxXKYhR4R95+bKnpHGOpNvhfZ1Gwx2Ovyk+M20urj6GjntOPmluZ77R4unBLhCbE2MCijcsVwuOwWJoncCkSzEUhtEULJ57i5RkUCFCyWcTrMQxRO4fKByjINBYiiUzJGsbbRuNtJGlR6KE7Mjw7Rn2aov845oKS6yVJni1bxfKU3B9h6qGy65mb0XdM5WVNXF/A9cEemkjzwPTRNiJzch7aC2Fp1dhanf/eLKsnaJcNCwtS/3mLo+Tj6p+7/ACbAAAtOaAAAAFP9p2P5PCZVvnK3h+5b2ct9rmOvWpUl+GOZ9r/YqzOoM3dBj6meK/k5xjJblzI8kjNXd2zE0clq2e6j2RGwrEhWFCxAx2CxFE2IEOwNChZFoZILE0LEwHYLEULEgQ7ARRNiJxYgRi0WRZutA47k6kebcy111ap0SSZQ8POzLnQrZ6FOfGLyv0LsMu1FGpj3UuexsaR7KKPFRZ76KN6Jws3Y9tOF7Lna8y56Ojamu3zKhhleUev0Lnho2hHqRfA4eqfhGUAAsNIAAABHD/aBjuVx1Z8ItQX+Ks/U7bXqqMZSe6KbfYrnztpPEOpOcnvlKUu9mrqX2SO36NC8kpcI1kiLMqiRcTRPVWY7BYnlDKCLINCMmUVhRNkEFjJlFYgWRyhYk4hYCyAx5R2BNkLDsOwNChZFjCxKxFGSZKDLNoDEXpzpvmzLs3+BWIo2mia+WafZ2MhdpWWSW+NFwwU7xRtcOjSaNnvRvMIjexnntWtrZs8BG812/IuUVZFS0RC9Tu8y3G1A89qX7wAAGZqgAAAabXDF8lga8uORxXXK0fU4JiDsntQxGXBJfHUiuxJv0OM1HtNDUu5Ueo9GhWJy5ZjyiaJiNc7NkMoZSdgsBZDKGUyWFYCyGUHEnYGhQsgoCymSw2hQsxZQcTJYLCibMWUMplyiygmzHlCxkyjsQTZBRM2HlZkFEyRRi0XQkWjRNb3l0otGDKTo2ra3Qy7YB3XYbWB2cf1KNdzfaAhefavBFnK/q7Da31v0LAb0fB5TO/fYAAGRQAAABz/2uVvs6EeeU5dyS9TlMt50n2uVftKMeaEn3yt6HNmc7N+tnr/TFWnX/fETQrEmgKjoCAYIAQWHYABBYYABYRIACNgsSYWJJEKxICARSCwx2BIIkkKxKJiyyLPfgZl60PK8E+goOFkXbV2pen1MtwPuafqKvHZeNXado9nm7m5NboKNqfd5GyOkvB4rK7mwAAJKwEMUnZAHJPajis+Lt8FNR7drfn4FGLnrrgakqrqWumuHB3e8qTo9Bzcv6mey0DXQikzDYDJyYnArNwgBPIGQAgBPKGUAgOw7DykgjYCeUMpAIASSFYkkQWJZQsARAlYLAkSJRFYkkQZIzYd7S46rzupLqKbS3ls1Ul9pbnt5onG6mV6xXgZ1PRUbU+09h58DG1OPVfvPQdRHgpeQAAJIAjPcyQmgCp1IHmqYKD3xT7Pmi2vR9P4UQloqm/w+LMWkyxTa8FNlomm99OH6UY56Cov+XH9KRdHoenzPvIfwOn+bvXyI2Lgs68uWUl6v0P6ce4hLVig/5cV1XLs9Aw55eBCWr0fifciOnHgyWpyL5mUiWqdD4P8As/mQep1B7lJf5F4+ry4S/wCv7kfq+/iXcyOlHgzWsyr5mUX6m0U9ub9X7EpamUX8S/y/Yuj1fn8UfEHoOf5e8dKHBPtub6mUWeo9PhKa7mY5ajR3Z33IvctCTW5L9RB6HqfDbqaZj0YcGa1+f6igT1FfCou2P7mN6jz+OPdI6B/Cqi/DLzIywE9zhLuZHQgWL1LPyc9nqRUW6UPH5GN6l1vy/q/Y6H9DkvwvuZH6M/h8COhEzXqmZcHOnqfX+FfqRjnqrXX4L9Ukzo/JPmt4XCNPs/3pI9njyZr1XLwjm31Zr/034fMh/AK39OXcdNdL/XuJwp9RD065LF6vk4RzKGgq39Of6WW7VfQE6clUns2bI8e0ssKfQeyhHcTDTpO7MM/q2TJBwqrNxRjaKXQiYkM2jhgAAAAAAAAAAAAAAAAAAAAAAAAAAAAAAAAAAAAJxRF0Yvgu5EwAMX0aPwx7kL6JD4Y9yMwAGH6JD4V3DWGit0UZQAAAAAAAAD//2Q=="/>
+          <p:cNvSpPr>
+            <a:spLocks noChangeAspect="1" noChangeArrowheads="1"/>
+          </p:cNvSpPr>
+          <p:nvPr/>
+        </p:nvSpPr>
+        <p:spPr bwMode="auto">
+          <a:xfrm>
+            <a:off x="155575" y="-144463"/>
+            <a:ext cx="304800" cy="304801"/>
+          </a:xfrm>
+          <a:prstGeom prst="rect">
+            <a:avLst/>
+          </a:prstGeom>
+          <a:noFill/>
+          <a:ln w="9525">
+            <a:noFill/>
+            <a:miter lim="800000"/>
+            <a:headEnd/>
+            <a:tailEnd/>
+          </a:ln>
+        </p:spPr>
+        <p:txBody>
+          <a:bodyPr/>
+          <a:lstStyle/>
+          <a:p>
+            <a:endParaRPr lang="en-US">
+              <a:latin typeface="Calibri" pitchFamily="34" charset="0"/>
+            </a:endParaRPr>
+          </a:p>
+        </p:txBody>
+      </p:sp>
+      <p:pic>
+        <p:nvPicPr>
+          <p:cNvPr id="9221" name="Picture 6" descr="http://uv-blog.uio.no/wpmu/wp-content/blogs.dir/18/old-mediafiles/bilder/panic-button.jpg"/>
+          <p:cNvPicPr>
+            <a:picLocks noChangeAspect="1" noChangeArrowheads="1"/>
+          </p:cNvPicPr>
+          <p:nvPr/>
+        </p:nvPicPr>
+        <p:blipFill>
+          <a:blip r:embed="rId2" cstate="print"/>
+          <a:srcRect/>
+          <a:stretch>
+            <a:fillRect/>
+          </a:stretch>
+        </p:blipFill>
+        <p:spPr bwMode="auto">
+          <a:xfrm>
+            <a:off x="3276600" y="2514600"/>
+            <a:ext cx="3305175" cy="3295650"/>
+          </a:xfrm>
+          <a:prstGeom prst="rect">
+            <a:avLst/>
+          </a:prstGeom>
+          <a:noFill/>
+          <a:ln w="9525">
+            <a:noFill/>
+            <a:miter lim="800000"/>
+            <a:headEnd/>
+            <a:tailEnd/>
+          </a:ln>
+        </p:spPr>
+      </p:pic>
+    </p:spTree>
+  </p:cSld>
+  <p:clrMapOvr>
+    <a:masterClrMapping/>
+  </p:clrMapOvr>
+  <p:timing>
+    <p:tnLst>
+      <p:par>
+        <p:cTn id="1" dur="indefinite" restart="never" nodeType="tmRoot"/>
+      </p:par>
+    </p:tnLst>
+  </p:timing>
+</p:sld>
+</file>
+
+<file path=ppt/slides/slide13.xml><?xml version="1.0" encoding="utf-8"?>
+<p:sld xmlns:a="http://schemas.openxmlformats.org/drawingml/2006/main" xmlns:r="http://schemas.openxmlformats.org/officeDocument/2006/relationships" xmlns:p="http://schemas.openxmlformats.org/presentationml/2006/main">
+  <p:cSld>
+    <p:spTree>
+      <p:nvGrpSpPr>
+        <p:cNvPr id="1" name=""/>
+        <p:cNvGrpSpPr/>
+        <p:nvPr/>
+      </p:nvGrpSpPr>
+      <p:grpSpPr>
+        <a:xfrm>
+          <a:off x="0" y="0"/>
+          <a:ext cx="0" cy="0"/>
+          <a:chOff x="0" y="0"/>
+          <a:chExt cx="0" cy="0"/>
+        </a:xfrm>
+      </p:grpSpPr>
+      <p:sp>
+        <p:nvSpPr>
+          <p:cNvPr id="4" name="TextBox 3"/>
+          <p:cNvSpPr txBox="1"/>
+          <p:nvPr/>
+        </p:nvSpPr>
+        <p:spPr>
+          <a:xfrm>
+            <a:off x="304800" y="2667000"/>
+            <a:ext cx="8534400" cy="1477328"/>
+          </a:xfrm>
+          <a:prstGeom prst="rect">
+            <a:avLst/>
+          </a:prstGeom>
+          <a:noFill/>
+        </p:spPr>
+        <p:txBody>
+          <a:bodyPr wrap="square" rtlCol="0">
+            <a:spAutoFit/>
+          </a:bodyPr>
+          <a:lstStyle/>
+          <a:p>
+            <a:r>
+              <a:rPr lang="nb-NO" dirty="0" smtClean="0"/>
+              <a:t>git reset --hard v4 (threads – transaction problems)</a:t>
+            </a:r>
+          </a:p>
+          <a:p>
+            <a:r>
+              <a:rPr lang="nb-NO" dirty="0" smtClean="0"/>
+              <a:t>git reset --hard v5 (jms concurrentConsumers – no timeout)</a:t>
+            </a:r>
+          </a:p>
+          <a:p>
+            <a:r>
+              <a:rPr lang="nb-NO" dirty="0" smtClean="0"/>
+              <a:t>git reset --hard </a:t>
+            </a:r>
+            <a:r>
+              <a:rPr lang="nb-NO" dirty="0" smtClean="0"/>
+              <a:t>v6 (timeout and compensating transaction - </a:t>
+            </a:r>
+            <a:r>
+              <a:rPr lang="nb-NO" dirty="0" smtClean="0"/>
+              <a:t>transaction problems</a:t>
+            </a:r>
+            <a:r>
+              <a:rPr lang="nb-NO" dirty="0" smtClean="0"/>
+              <a:t>)</a:t>
+            </a:r>
+            <a:endParaRPr lang="en-US" dirty="0" smtClean="0"/>
+          </a:p>
+          <a:p>
+            <a:r>
+              <a:rPr lang="nb-NO" dirty="0" smtClean="0"/>
+              <a:t>git reset --hard </a:t>
+            </a:r>
+            <a:r>
+              <a:rPr lang="nb-NO" dirty="0" smtClean="0"/>
+              <a:t>v7 (removing on completion – final solution)</a:t>
+            </a:r>
+            <a:endParaRPr lang="en-US" dirty="0" smtClean="0"/>
+          </a:p>
+          <a:p>
+            <a:endParaRPr lang="en-US" dirty="0"/>
+          </a:p>
+        </p:txBody>
+      </p:sp>
+    </p:spTree>
+  </p:cSld>
+  <p:clrMapOvr>
+    <a:masterClrMapping/>
+  </p:clrMapOvr>
+</p:sld>
+</file>
+
+<file path=ppt/slides/slide14.xml><?xml version="1.0" encoding="utf-8"?>
+<p:sld xmlns:a="http://schemas.openxmlformats.org/drawingml/2006/main" xmlns:r="http://schemas.openxmlformats.org/officeDocument/2006/relationships" xmlns:p="http://schemas.openxmlformats.org/presentationml/2006/main">
+  <p:cSld>
+    <p:spTree>
+      <p:nvGrpSpPr>
+        <p:cNvPr id="1" name=""/>
+        <p:cNvGrpSpPr/>
+        <p:nvPr/>
+      </p:nvGrpSpPr>
+      <p:grpSpPr>
+        <a:xfrm>
+          <a:off x="0" y="0"/>
+          <a:ext cx="0" cy="0"/>
+          <a:chOff x="0" y="0"/>
+          <a:chExt cx="0" cy="0"/>
+        </a:xfrm>
+      </p:grpSpPr>
+      <p:sp>
+        <p:nvSpPr>
+          <p:cNvPr id="10242" name="Title 1"/>
+          <p:cNvSpPr>
+            <a:spLocks noGrp="1"/>
+          </p:cNvSpPr>
+          <p:nvPr>
+            <p:ph type="title"/>
+          </p:nvPr>
+        </p:nvSpPr>
+        <p:spPr/>
+        <p:txBody>
+          <a:bodyPr/>
+          <a:lstStyle/>
+          <a:p>
+            <a:r>
+              <a:rPr lang="nb-NO" smtClean="0"/>
+              <a:t>Noen fordeler ved å bruke camel</a:t>
+            </a:r>
+            <a:endParaRPr lang="en-US" smtClean="0"/>
+          </a:p>
+        </p:txBody>
+      </p:sp>
+      <p:sp>
+        <p:nvSpPr>
+          <p:cNvPr id="10243" name="Content Placeholder 2"/>
+          <p:cNvSpPr>
+            <a:spLocks noGrp="1"/>
+          </p:cNvSpPr>
+          <p:nvPr>
+            <p:ph idx="1"/>
+          </p:nvPr>
+        </p:nvSpPr>
+        <p:spPr/>
+        <p:txBody>
+          <a:bodyPr/>
+          <a:lstStyle/>
+          <a:p>
+            <a:endParaRPr lang="en-US" smtClean="0"/>
+          </a:p>
+        </p:txBody>
+      </p:sp>
+      <p:pic>
+        <p:nvPicPr>
+          <p:cNvPr id="10244" name="Picture 2" descr="http://graffletopia.com/images/previews/137/original.png?1250609325"/>
+          <p:cNvPicPr>
+            <a:picLocks noChangeAspect="1" noChangeArrowheads="1"/>
+          </p:cNvPicPr>
+          <p:nvPr/>
+        </p:nvPicPr>
+        <p:blipFill>
+          <a:blip r:embed="rId3" cstate="print"/>
+          <a:srcRect/>
+          <a:stretch>
+            <a:fillRect/>
+          </a:stretch>
+        </p:blipFill>
+        <p:spPr bwMode="auto">
+          <a:xfrm>
+            <a:off x="1752600" y="2133600"/>
+            <a:ext cx="5238750" cy="3962400"/>
+          </a:xfrm>
+          <a:prstGeom prst="rect">
+            <a:avLst/>
+          </a:prstGeom>
+          <a:noFill/>
+          <a:ln w="9525">
+            <a:noFill/>
+            <a:miter lim="800000"/>
+            <a:headEnd/>
+            <a:tailEnd/>
+          </a:ln>
+        </p:spPr>
+      </p:pic>
+    </p:spTree>
+  </p:cSld>
+  <p:clrMapOvr>
+    <a:masterClrMapping/>
+  </p:clrMapOvr>
+  <p:timing>
+    <p:tnLst>
+      <p:par>
+        <p:cTn id="1" dur="indefinite" restart="never" nodeType="tmRoot"/>
+      </p:par>
+    </p:tnLst>
+  </p:timing>
+</p:sld>
+</file>
+
+<file path=ppt/slides/slide15.xml><?xml version="1.0" encoding="utf-8"?>
+<p:sld xmlns:a="http://schemas.openxmlformats.org/drawingml/2006/main" xmlns:r="http://schemas.openxmlformats.org/officeDocument/2006/relationships" xmlns:p="http://schemas.openxmlformats.org/presentationml/2006/main">
+  <p:cSld>
+    <p:spTree>
+      <p:nvGrpSpPr>
+        <p:cNvPr id="1" name=""/>
+        <p:cNvGrpSpPr/>
+        <p:nvPr/>
+      </p:nvGrpSpPr>
+      <p:grpSpPr>
+        <a:xfrm>
+          <a:off x="0" y="0"/>
+          <a:ext cx="0" cy="0"/>
+          <a:chOff x="0" y="0"/>
+          <a:chExt cx="0" cy="0"/>
+        </a:xfrm>
+      </p:grpSpPr>
+      <p:sp>
+        <p:nvSpPr>
+          <p:cNvPr id="11266" name="Title 1"/>
+          <p:cNvSpPr>
+            <a:spLocks noGrp="1"/>
+          </p:cNvSpPr>
+          <p:nvPr>
+            <p:ph type="title"/>
+          </p:nvPr>
+        </p:nvSpPr>
+        <p:spPr/>
+        <p:txBody>
+          <a:bodyPr/>
+          <a:lstStyle/>
+          <a:p>
+            <a:r>
+              <a:rPr lang="nb-NO" smtClean="0"/>
+              <a:t>Ulemper?</a:t>
+            </a:r>
+            <a:endParaRPr lang="en-US" smtClean="0"/>
+          </a:p>
+        </p:txBody>
+      </p:sp>
+      <p:sp>
+        <p:nvSpPr>
+          <p:cNvPr id="11267" name="Content Placeholder 2"/>
+          <p:cNvSpPr>
+            <a:spLocks noGrp="1"/>
+          </p:cNvSpPr>
+          <p:nvPr>
+            <p:ph idx="1"/>
+          </p:nvPr>
+        </p:nvSpPr>
+        <p:spPr/>
+        <p:txBody>
+          <a:bodyPr/>
+          <a:lstStyle/>
+          <a:p>
+            <a:endParaRPr lang="en-US" smtClean="0"/>
+          </a:p>
+        </p:txBody>
+      </p:sp>
+    </p:spTree>
+  </p:cSld>
+  <p:clrMapOvr>
+    <a:masterClrMapping/>
+  </p:clrMapOvr>
+  <p:timing>
+    <p:tnLst>
+      <p:par>
+        <p:cTn id="1" dur="indefinite" restart="never" nodeType="tmRoot"/>
+      </p:par>
+    </p:tnLst>
+  </p:timing>
+</p:sld>
+</file>
+
+<file path=ppt/slides/slide16.xml><?xml version="1.0" encoding="utf-8"?>
 <p:sld xmlns:a="http://schemas.openxmlformats.org/drawingml/2006/main" xmlns:r="http://schemas.openxmlformats.org/officeDocument/2006/relationships" xmlns:p="http://schemas.openxmlformats.org/presentationml/2006/main">
   <p:cSld>
     <p:spTree>
@@ -6054,7 +6586,7 @@
 </p:sld>
 </file>
 
-<file path=ppt/slides/slide12.xml><?xml version="1.0" encoding="utf-8"?>
+<file path=ppt/slides/slide17.xml><?xml version="1.0" encoding="utf-8"?>
 <p:sld xmlns:a="http://schemas.openxmlformats.org/drawingml/2006/main" xmlns:r="http://schemas.openxmlformats.org/officeDocument/2006/relationships" xmlns:p="http://schemas.openxmlformats.org/presentationml/2006/main">
   <p:cSld>
     <p:spTree>
@@ -6111,7 +6643,7 @@
 </p:sld>
 </file>
 
-<file path=ppt/slides/slide13.xml><?xml version="1.0" encoding="utf-8"?>
+<file path=ppt/slides/slide18.xml><?xml version="1.0" encoding="utf-8"?>
 <p:sld xmlns:a="http://schemas.openxmlformats.org/drawingml/2006/main" xmlns:r="http://schemas.openxmlformats.org/officeDocument/2006/relationships" xmlns:p="http://schemas.openxmlformats.org/presentationml/2006/main">
   <p:cSld>
     <p:spTree>
@@ -6266,329 +6798,6 @@
           </a:ln>
         </p:spPr>
       </p:pic>
-    </p:spTree>
-  </p:cSld>
-  <p:clrMapOvr>
-    <a:masterClrMapping/>
-  </p:clrMapOvr>
-  <p:timing>
-    <p:tnLst>
-      <p:par>
-        <p:cTn id="1" dur="indefinite" restart="never" nodeType="tmRoot"/>
-      </p:par>
-    </p:tnLst>
-  </p:timing>
-</p:sld>
-</file>
-
-<file path=ppt/slides/slide14.xml><?xml version="1.0" encoding="utf-8"?>
-<p:sld xmlns:a="http://schemas.openxmlformats.org/drawingml/2006/main" xmlns:r="http://schemas.openxmlformats.org/officeDocument/2006/relationships" xmlns:p="http://schemas.openxmlformats.org/presentationml/2006/main">
-  <p:cSld>
-    <p:spTree>
-      <p:nvGrpSpPr>
-        <p:cNvPr id="1" name=""/>
-        <p:cNvGrpSpPr/>
-        <p:nvPr/>
-      </p:nvGrpSpPr>
-      <p:grpSpPr>
-        <a:xfrm>
-          <a:off x="0" y="0"/>
-          <a:ext cx="0" cy="0"/>
-          <a:chOff x="0" y="0"/>
-          <a:chExt cx="0" cy="0"/>
-        </a:xfrm>
-      </p:grpSpPr>
-      <p:sp>
-        <p:nvSpPr>
-          <p:cNvPr id="15362" name="Title 1"/>
-          <p:cNvSpPr>
-            <a:spLocks noGrp="1"/>
-          </p:cNvSpPr>
-          <p:nvPr>
-            <p:ph type="title"/>
-          </p:nvPr>
-        </p:nvSpPr>
-        <p:spPr/>
-        <p:txBody>
-          <a:bodyPr/>
-          <a:lstStyle/>
-          <a:p>
-            <a:r>
-              <a:rPr lang="nb-NO" smtClean="0"/>
-              <a:t>Bør du ta camel i bruk?</a:t>
-            </a:r>
-            <a:endParaRPr lang="en-US" smtClean="0"/>
-          </a:p>
-        </p:txBody>
-      </p:sp>
-      <p:sp>
-        <p:nvSpPr>
-          <p:cNvPr id="15363" name="Content Placeholder 2"/>
-          <p:cNvSpPr>
-            <a:spLocks noGrp="1"/>
-          </p:cNvSpPr>
-          <p:nvPr>
-            <p:ph idx="1"/>
-          </p:nvPr>
-        </p:nvSpPr>
-        <p:spPr/>
-        <p:txBody>
-          <a:bodyPr/>
-          <a:lstStyle/>
-          <a:p>
-            <a:endParaRPr lang="en-US" smtClean="0"/>
-          </a:p>
-        </p:txBody>
-      </p:sp>
-    </p:spTree>
-  </p:cSld>
-  <p:clrMapOvr>
-    <a:masterClrMapping/>
-  </p:clrMapOvr>
-  <p:timing>
-    <p:tnLst>
-      <p:par>
-        <p:cTn id="1" dur="indefinite" restart="never" nodeType="tmRoot"/>
-      </p:par>
-    </p:tnLst>
-  </p:timing>
-</p:sld>
-</file>
-
-<file path=ppt/slides/slide15.xml><?xml version="1.0" encoding="utf-8"?>
-<p:sld xmlns:a="http://schemas.openxmlformats.org/drawingml/2006/main" xmlns:r="http://schemas.openxmlformats.org/officeDocument/2006/relationships" xmlns:p="http://schemas.openxmlformats.org/presentationml/2006/main">
-  <p:cSld>
-    <p:spTree>
-      <p:nvGrpSpPr>
-        <p:cNvPr id="1" name=""/>
-        <p:cNvGrpSpPr/>
-        <p:nvPr/>
-      </p:nvGrpSpPr>
-      <p:grpSpPr>
-        <a:xfrm>
-          <a:off x="0" y="0"/>
-          <a:ext cx="0" cy="0"/>
-          <a:chOff x="0" y="0"/>
-          <a:chExt cx="0" cy="0"/>
-        </a:xfrm>
-      </p:grpSpPr>
-      <p:sp>
-        <p:nvSpPr>
-          <p:cNvPr id="16386" name="Title 1"/>
-          <p:cNvSpPr>
-            <a:spLocks noGrp="1"/>
-          </p:cNvSpPr>
-          <p:nvPr>
-            <p:ph type="title"/>
-          </p:nvPr>
-        </p:nvSpPr>
-        <p:spPr/>
-        <p:txBody>
-          <a:bodyPr/>
-          <a:lstStyle/>
-          <a:p>
-            <a:endParaRPr lang="en-US" smtClean="0"/>
-          </a:p>
-        </p:txBody>
-      </p:sp>
-      <p:sp>
-        <p:nvSpPr>
-          <p:cNvPr id="16387" name="Content Placeholder 2"/>
-          <p:cNvSpPr>
-            <a:spLocks noGrp="1"/>
-          </p:cNvSpPr>
-          <p:nvPr>
-            <p:ph idx="1"/>
-          </p:nvPr>
-        </p:nvSpPr>
-        <p:spPr/>
-        <p:txBody>
-          <a:bodyPr/>
-          <a:lstStyle/>
-          <a:p>
-            <a:endParaRPr lang="en-US" smtClean="0"/>
-          </a:p>
-        </p:txBody>
-      </p:sp>
-    </p:spTree>
-  </p:cSld>
-  <p:clrMapOvr>
-    <a:masterClrMapping/>
-  </p:clrMapOvr>
-</p:sld>
-</file>
-
-<file path=ppt/slides/slide16.xml><?xml version="1.0" encoding="utf-8"?>
-<p:sld xmlns:a="http://schemas.openxmlformats.org/drawingml/2006/main" xmlns:r="http://schemas.openxmlformats.org/officeDocument/2006/relationships" xmlns:p="http://schemas.openxmlformats.org/presentationml/2006/main">
-  <p:cSld>
-    <p:spTree>
-      <p:nvGrpSpPr>
-        <p:cNvPr id="1" name=""/>
-        <p:cNvGrpSpPr/>
-        <p:nvPr/>
-      </p:nvGrpSpPr>
-      <p:grpSpPr>
-        <a:xfrm>
-          <a:off x="0" y="0"/>
-          <a:ext cx="0" cy="0"/>
-          <a:chOff x="0" y="0"/>
-          <a:chExt cx="0" cy="0"/>
-        </a:xfrm>
-      </p:grpSpPr>
-      <p:sp>
-        <p:nvSpPr>
-          <p:cNvPr id="17410" name="Title 1"/>
-          <p:cNvSpPr>
-            <a:spLocks noGrp="1"/>
-          </p:cNvSpPr>
-          <p:nvPr>
-            <p:ph type="title"/>
-          </p:nvPr>
-        </p:nvSpPr>
-        <p:spPr/>
-        <p:txBody>
-          <a:bodyPr/>
-          <a:lstStyle/>
-          <a:p>
-            <a:endParaRPr lang="en-US" smtClean="0"/>
-          </a:p>
-        </p:txBody>
-      </p:sp>
-      <p:sp>
-        <p:nvSpPr>
-          <p:cNvPr id="17411" name="Content Placeholder 2"/>
-          <p:cNvSpPr>
-            <a:spLocks noGrp="1"/>
-          </p:cNvSpPr>
-          <p:nvPr>
-            <p:ph idx="1"/>
-          </p:nvPr>
-        </p:nvSpPr>
-        <p:spPr/>
-        <p:txBody>
-          <a:bodyPr/>
-          <a:lstStyle/>
-          <a:p>
-            <a:endParaRPr lang="en-US" smtClean="0"/>
-          </a:p>
-        </p:txBody>
-      </p:sp>
-    </p:spTree>
-  </p:cSld>
-  <p:clrMapOvr>
-    <a:masterClrMapping/>
-  </p:clrMapOvr>
-</p:sld>
-</file>
-
-<file path=ppt/slides/slide17.xml><?xml version="1.0" encoding="utf-8"?>
-<p:sld xmlns:a="http://schemas.openxmlformats.org/drawingml/2006/main" xmlns:r="http://schemas.openxmlformats.org/officeDocument/2006/relationships" xmlns:p="http://schemas.openxmlformats.org/presentationml/2006/main">
-  <p:cSld>
-    <p:spTree>
-      <p:nvGrpSpPr>
-        <p:cNvPr id="1" name=""/>
-        <p:cNvGrpSpPr/>
-        <p:nvPr/>
-      </p:nvGrpSpPr>
-      <p:grpSpPr>
-        <a:xfrm>
-          <a:off x="0" y="0"/>
-          <a:ext cx="0" cy="0"/>
-          <a:chOff x="0" y="0"/>
-          <a:chExt cx="0" cy="0"/>
-        </a:xfrm>
-      </p:grpSpPr>
-      <p:sp>
-        <p:nvSpPr>
-          <p:cNvPr id="18434" name="Title 1"/>
-          <p:cNvSpPr>
-            <a:spLocks noGrp="1"/>
-          </p:cNvSpPr>
-          <p:nvPr>
-            <p:ph type="title"/>
-          </p:nvPr>
-        </p:nvSpPr>
-        <p:spPr/>
-        <p:txBody>
-          <a:bodyPr/>
-          <a:lstStyle/>
-          <a:p>
-            <a:endParaRPr lang="en-US" smtClean="0"/>
-          </a:p>
-        </p:txBody>
-      </p:sp>
-      <p:sp>
-        <p:nvSpPr>
-          <p:cNvPr id="18435" name="Content Placeholder 2"/>
-          <p:cNvSpPr>
-            <a:spLocks noGrp="1"/>
-          </p:cNvSpPr>
-          <p:nvPr>
-            <p:ph idx="1"/>
-          </p:nvPr>
-        </p:nvSpPr>
-        <p:spPr/>
-        <p:txBody>
-          <a:bodyPr/>
-          <a:lstStyle/>
-          <a:p>
-            <a:endParaRPr lang="en-US" smtClean="0"/>
-          </a:p>
-        </p:txBody>
-      </p:sp>
-    </p:spTree>
-  </p:cSld>
-  <p:clrMapOvr>
-    <a:masterClrMapping/>
-  </p:clrMapOvr>
-</p:sld>
-</file>
-
-<file path=ppt/slides/slide18.xml><?xml version="1.0" encoding="utf-8"?>
-<p:sld xmlns:a="http://schemas.openxmlformats.org/drawingml/2006/main" xmlns:r="http://schemas.openxmlformats.org/officeDocument/2006/relationships" xmlns:p="http://schemas.openxmlformats.org/presentationml/2006/main">
-  <p:cSld>
-    <p:spTree>
-      <p:nvGrpSpPr>
-        <p:cNvPr id="1" name=""/>
-        <p:cNvGrpSpPr/>
-        <p:nvPr/>
-      </p:nvGrpSpPr>
-      <p:grpSpPr>
-        <a:xfrm>
-          <a:off x="0" y="0"/>
-          <a:ext cx="0" cy="0"/>
-          <a:chOff x="0" y="0"/>
-          <a:chExt cx="0" cy="0"/>
-        </a:xfrm>
-      </p:grpSpPr>
-      <p:sp>
-        <p:nvSpPr>
-          <p:cNvPr id="19458" name="Title 1"/>
-          <p:cNvSpPr>
-            <a:spLocks noGrp="1"/>
-          </p:cNvSpPr>
-          <p:nvPr>
-            <p:ph type="title"/>
-          </p:nvPr>
-        </p:nvSpPr>
-        <p:spPr>
-          <a:xfrm>
-            <a:off x="381000" y="2895600"/>
-            <a:ext cx="8229600" cy="1143000"/>
-          </a:xfrm>
-        </p:spPr>
-        <p:txBody>
-          <a:bodyPr/>
-          <a:lstStyle/>
-          <a:p>
-            <a:r>
-              <a:rPr lang="nb-NO" smtClean="0"/>
-              <a:t>Litt om vår bakgrunn</a:t>
-            </a:r>
-            <a:endParaRPr lang="en-US" smtClean="0"/>
-          </a:p>
-        </p:txBody>
-      </p:sp>
     </p:spTree>
   </p:cSld>
   <p:clrMapOvr>
@@ -6621,41 +6830,9 @@
           <a:chExt cx="0" cy="0"/>
         </a:xfrm>
       </p:grpSpPr>
-      <p:pic>
-        <p:nvPicPr>
-          <p:cNvPr id="20482" name="Picture 3"/>
-          <p:cNvPicPr>
-            <a:picLocks noChangeAspect="1" noChangeArrowheads="1"/>
-          </p:cNvPicPr>
-          <p:nvPr/>
-        </p:nvPicPr>
-        <p:blipFill>
-          <a:blip r:embed="rId2" cstate="print"/>
-          <a:srcRect/>
-          <a:stretch>
-            <a:fillRect/>
-          </a:stretch>
-        </p:blipFill>
-        <p:spPr bwMode="auto">
-          <a:xfrm>
-            <a:off x="6172200" y="1143000"/>
-            <a:ext cx="2133600" cy="2133600"/>
-          </a:xfrm>
-          <a:prstGeom prst="rect">
-            <a:avLst/>
-          </a:prstGeom>
-          <a:noFill/>
-          <a:ln w="9525">
-            <a:noFill/>
-            <a:miter lim="800000"/>
-            <a:headEnd/>
-            <a:tailEnd/>
-          </a:ln>
-        </p:spPr>
-      </p:pic>
-      <p:sp>
-        <p:nvSpPr>
-          <p:cNvPr id="20483" name="Title 1"/>
+      <p:sp>
+        <p:nvSpPr>
+          <p:cNvPr id="15362" name="Title 1"/>
           <p:cNvSpPr>
             <a:spLocks noGrp="1"/>
           </p:cNvSpPr>
@@ -6668,535 +6845,38 @@
           <a:bodyPr/>
           <a:lstStyle/>
           <a:p>
+            <a:r>
+              <a:rPr lang="nb-NO" smtClean="0"/>
+              <a:t>Bør du ta camel i bruk?</a:t>
+            </a:r>
             <a:endParaRPr lang="en-US" smtClean="0"/>
           </a:p>
         </p:txBody>
       </p:sp>
-      <p:pic>
-        <p:nvPicPr>
-          <p:cNvPr id="20484" name="Picture 2"/>
-          <p:cNvPicPr>
-            <a:picLocks noChangeAspect="1" noChangeArrowheads="1"/>
-          </p:cNvPicPr>
-          <p:nvPr/>
-        </p:nvPicPr>
-        <p:blipFill>
-          <a:blip r:embed="rId3" cstate="print"/>
-          <a:srcRect/>
-          <a:stretch>
-            <a:fillRect/>
-          </a:stretch>
-        </p:blipFill>
-        <p:spPr bwMode="auto">
-          <a:xfrm>
-            <a:off x="0" y="-152400"/>
-            <a:ext cx="2438400" cy="1901825"/>
-          </a:xfrm>
-          <a:prstGeom prst="rect">
-            <a:avLst/>
-          </a:prstGeom>
-          <a:noFill/>
-          <a:ln w="9525">
-            <a:noFill/>
-            <a:miter lim="800000"/>
-            <a:headEnd/>
-            <a:tailEnd/>
-          </a:ln>
-        </p:spPr>
-      </p:pic>
-      <p:pic>
-        <p:nvPicPr>
-          <p:cNvPr id="20485" name="Picture 2"/>
-          <p:cNvPicPr>
-            <a:picLocks noChangeAspect="1" noChangeArrowheads="1"/>
-          </p:cNvPicPr>
-          <p:nvPr/>
-        </p:nvPicPr>
-        <p:blipFill>
-          <a:blip r:embed="rId4" cstate="print"/>
-          <a:srcRect/>
-          <a:stretch>
-            <a:fillRect/>
-          </a:stretch>
-        </p:blipFill>
-        <p:spPr bwMode="auto">
-          <a:xfrm>
-            <a:off x="2819400" y="1066800"/>
-            <a:ext cx="3124200" cy="2343150"/>
-          </a:xfrm>
-          <a:prstGeom prst="rect">
-            <a:avLst/>
-          </a:prstGeom>
-          <a:noFill/>
-          <a:ln w="9525">
-            <a:noFill/>
-            <a:miter lim="800000"/>
-            <a:headEnd/>
-            <a:tailEnd/>
-          </a:ln>
-        </p:spPr>
-      </p:pic>
-      <p:pic>
-        <p:nvPicPr>
-          <p:cNvPr id="20486" name="Picture 4"/>
-          <p:cNvPicPr>
-            <a:picLocks noChangeAspect="1" noChangeArrowheads="1"/>
-          </p:cNvPicPr>
-          <p:nvPr/>
-        </p:nvPicPr>
-        <p:blipFill>
-          <a:blip r:embed="rId5" cstate="print"/>
-          <a:srcRect/>
-          <a:stretch>
-            <a:fillRect/>
-          </a:stretch>
-        </p:blipFill>
-        <p:spPr bwMode="auto">
-          <a:xfrm>
-            <a:off x="4953000" y="2438400"/>
-            <a:ext cx="3057525" cy="1495425"/>
-          </a:xfrm>
-          <a:prstGeom prst="rect">
-            <a:avLst/>
-          </a:prstGeom>
-          <a:noFill/>
-          <a:ln w="9525">
-            <a:noFill/>
-            <a:miter lim="800000"/>
-            <a:headEnd/>
-            <a:tailEnd/>
-          </a:ln>
-        </p:spPr>
-      </p:pic>
-      <p:pic>
-        <p:nvPicPr>
-          <p:cNvPr id="20487" name="Picture 5"/>
-          <p:cNvPicPr>
-            <a:picLocks noChangeAspect="1" noChangeArrowheads="1"/>
-          </p:cNvPicPr>
-          <p:nvPr/>
-        </p:nvPicPr>
-        <p:blipFill>
-          <a:blip r:embed="rId6" cstate="print"/>
-          <a:srcRect/>
-          <a:stretch>
-            <a:fillRect/>
-          </a:stretch>
-        </p:blipFill>
-        <p:spPr bwMode="auto">
-          <a:xfrm>
-            <a:off x="-381000" y="2667000"/>
-            <a:ext cx="3067050" cy="1495425"/>
-          </a:xfrm>
-          <a:prstGeom prst="rect">
-            <a:avLst/>
-          </a:prstGeom>
-          <a:noFill/>
-          <a:ln w="9525">
-            <a:noFill/>
-            <a:miter lim="800000"/>
-            <a:headEnd/>
-            <a:tailEnd/>
-          </a:ln>
-        </p:spPr>
-      </p:pic>
-      <p:pic>
-        <p:nvPicPr>
-          <p:cNvPr id="20488" name="Picture 2"/>
-          <p:cNvPicPr>
-            <a:picLocks noGrp="1" noChangeAspect="1" noChangeArrowheads="1"/>
-          </p:cNvPicPr>
+      <p:sp>
+        <p:nvSpPr>
+          <p:cNvPr id="15363" name="Content Placeholder 2"/>
+          <p:cNvSpPr>
+            <a:spLocks noGrp="1"/>
+          </p:cNvSpPr>
           <p:nvPr>
             <p:ph idx="1"/>
           </p:nvPr>
-        </p:nvPicPr>
-        <p:blipFill>
-          <a:blip r:embed="rId7" cstate="print"/>
-          <a:srcRect/>
-          <a:stretch>
-            <a:fillRect/>
-          </a:stretch>
-        </p:blipFill>
-        <p:spPr>
-          <a:xfrm>
-            <a:off x="2590800" y="0"/>
-            <a:ext cx="2593975" cy="1219200"/>
-          </a:xfrm>
-        </p:spPr>
-      </p:pic>
-      <p:pic>
-        <p:nvPicPr>
-          <p:cNvPr id="20489" name="Picture 3"/>
-          <p:cNvPicPr>
-            <a:picLocks noChangeAspect="1" noChangeArrowheads="1"/>
-          </p:cNvPicPr>
-          <p:nvPr/>
-        </p:nvPicPr>
-        <p:blipFill>
-          <a:blip r:embed="rId8" cstate="print"/>
-          <a:srcRect/>
-          <a:stretch>
-            <a:fillRect/>
-          </a:stretch>
-        </p:blipFill>
-        <p:spPr bwMode="auto">
-          <a:xfrm>
-            <a:off x="838200" y="5534025"/>
-            <a:ext cx="3190875" cy="1323975"/>
-          </a:xfrm>
-          <a:prstGeom prst="rect">
-            <a:avLst/>
-          </a:prstGeom>
-          <a:noFill/>
-          <a:ln w="9525">
-            <a:noFill/>
-            <a:miter lim="800000"/>
-            <a:headEnd/>
-            <a:tailEnd/>
-          </a:ln>
-        </p:spPr>
-      </p:pic>
-      <p:pic>
-        <p:nvPicPr>
-          <p:cNvPr id="20490" name="Picture 4"/>
-          <p:cNvPicPr>
-            <a:picLocks noChangeAspect="1" noChangeArrowheads="1"/>
-          </p:cNvPicPr>
-          <p:nvPr/>
-        </p:nvPicPr>
-        <p:blipFill>
-          <a:blip r:embed="rId9" cstate="print"/>
-          <a:srcRect/>
-          <a:stretch>
-            <a:fillRect/>
-          </a:stretch>
-        </p:blipFill>
-        <p:spPr bwMode="auto">
-          <a:xfrm>
-            <a:off x="-381000" y="4267200"/>
-            <a:ext cx="4267200" cy="381000"/>
-          </a:xfrm>
-          <a:prstGeom prst="rect">
-            <a:avLst/>
-          </a:prstGeom>
-          <a:noFill/>
-          <a:ln w="9525">
-            <a:noFill/>
-            <a:miter lim="800000"/>
-            <a:headEnd/>
-            <a:tailEnd/>
-          </a:ln>
-        </p:spPr>
-      </p:pic>
-      <p:pic>
-        <p:nvPicPr>
-          <p:cNvPr id="20491" name="Picture 2" descr="http://upload.wikimedia.org/wikipedia/commons/thumb/5/51/IBM_logo.svg/200px-IBM_logo.svg.png"/>
-          <p:cNvPicPr>
-            <a:picLocks noChangeAspect="1" noChangeArrowheads="1"/>
-          </p:cNvPicPr>
-          <p:nvPr/>
-        </p:nvPicPr>
-        <p:blipFill>
-          <a:blip r:embed="rId10" cstate="print"/>
-          <a:srcRect/>
-          <a:stretch>
-            <a:fillRect/>
-          </a:stretch>
-        </p:blipFill>
-        <p:spPr bwMode="auto">
-          <a:xfrm>
-            <a:off x="5943600" y="152400"/>
-            <a:ext cx="1905000" cy="762000"/>
-          </a:xfrm>
-          <a:prstGeom prst="rect">
-            <a:avLst/>
-          </a:prstGeom>
-          <a:noFill/>
-          <a:ln w="9525">
-            <a:noFill/>
-            <a:miter lim="800000"/>
-            <a:headEnd/>
-            <a:tailEnd/>
-          </a:ln>
-        </p:spPr>
-      </p:pic>
-      <p:sp>
-        <p:nvSpPr>
-          <p:cNvPr id="16" name="Rectangle 15"/>
-          <p:cNvSpPr/>
-          <p:nvPr/>
-        </p:nvSpPr>
-        <p:spPr>
-          <a:xfrm>
-            <a:off x="3200400" y="3505200"/>
-            <a:ext cx="1516121" cy="923330"/>
-          </a:xfrm>
-          <a:prstGeom prst="rect">
-            <a:avLst/>
-          </a:prstGeom>
-          <a:noFill/>
-        </p:spPr>
-        <p:txBody>
-          <a:bodyPr wrap="none">
-            <a:spAutoFit/>
-            <a:scene3d>
-              <a:camera prst="orthographicFront">
-                <a:rot lat="0" lon="0" rev="0"/>
-              </a:camera>
-              <a:lightRig rig="contrasting" dir="t">
-                <a:rot lat="0" lon="0" rev="4500000"/>
-              </a:lightRig>
-            </a:scene3d>
-            <a:sp3d contourW="6350" prstMaterial="metal">
-              <a:bevelT w="127000" h="31750" prst="relaxedInset"/>
-              <a:contourClr>
-                <a:schemeClr val="accent1">
-                  <a:shade val="75000"/>
-                </a:schemeClr>
-              </a:contourClr>
-            </a:sp3d>
-          </a:bodyPr>
+        </p:nvSpPr>
+        <p:spPr/>
+        <p:txBody>
+          <a:bodyPr/>
           <a:lstStyle/>
           <a:p>
-            <a:pPr algn="ctr" fontAlgn="auto">
-              <a:spcBef>
-                <a:spcPts val="0"/>
-              </a:spcBef>
-              <a:spcAft>
-                <a:spcPts val="0"/>
-              </a:spcAft>
-              <a:defRPr/>
-            </a:pPr>
-            <a:r>
-              <a:rPr lang="en-US" sz="5400" b="1" cap="all" dirty="0">
-                <a:ln w="0"/>
-                <a:gradFill flip="none">
-                  <a:gsLst>
-                    <a:gs pos="0">
-                      <a:schemeClr val="accent1">
-                        <a:tint val="75000"/>
-                        <a:shade val="75000"/>
-                        <a:satMod val="170000"/>
-                      </a:schemeClr>
-                    </a:gs>
-                    <a:gs pos="49000">
-                      <a:schemeClr val="accent1">
-                        <a:tint val="88000"/>
-                        <a:shade val="65000"/>
-                        <a:satMod val="172000"/>
-                      </a:schemeClr>
-                    </a:gs>
-                    <a:gs pos="50000">
-                      <a:schemeClr val="accent1">
-                        <a:shade val="65000"/>
-                        <a:satMod val="130000"/>
-                      </a:schemeClr>
-                    </a:gs>
-                    <a:gs pos="92000">
-                      <a:schemeClr val="accent1">
-                        <a:shade val="50000"/>
-                        <a:satMod val="120000"/>
-                      </a:schemeClr>
-                    </a:gs>
-                    <a:gs pos="100000">
-                      <a:schemeClr val="accent1">
-                        <a:shade val="48000"/>
-                        <a:satMod val="120000"/>
-                      </a:schemeClr>
-                    </a:gs>
-                  </a:gsLst>
-                  <a:lin ang="5400000"/>
-                </a:gradFill>
-                <a:effectLst>
-                  <a:reflection blurRad="12700" stA="50000" endPos="50000" dist="5000" dir="5400000" sy="-100000" rotWithShape="0"/>
-                </a:effectLst>
-                <a:latin typeface="+mn-lt"/>
-                <a:cs typeface="+mn-cs"/>
-              </a:rPr>
-              <a:t>STAY</a:t>
-            </a:r>
-            <a:endParaRPr lang="en-US" sz="5400" b="1" cap="all" dirty="0">
-              <a:ln w="0"/>
-              <a:gradFill flip="none">
-                <a:gsLst>
-                  <a:gs pos="0">
-                    <a:schemeClr val="accent1">
-                      <a:tint val="75000"/>
-                      <a:shade val="75000"/>
-                      <a:satMod val="170000"/>
-                    </a:schemeClr>
-                  </a:gs>
-                  <a:gs pos="49000">
-                    <a:schemeClr val="accent1">
-                      <a:tint val="88000"/>
-                      <a:shade val="65000"/>
-                      <a:satMod val="172000"/>
-                    </a:schemeClr>
-                  </a:gs>
-                  <a:gs pos="50000">
-                    <a:schemeClr val="accent1">
-                      <a:shade val="65000"/>
-                      <a:satMod val="130000"/>
-                    </a:schemeClr>
-                  </a:gs>
-                  <a:gs pos="92000">
-                    <a:schemeClr val="accent1">
-                      <a:shade val="50000"/>
-                      <a:satMod val="120000"/>
-                    </a:schemeClr>
-                  </a:gs>
-                  <a:gs pos="100000">
-                    <a:schemeClr val="accent1">
-                      <a:shade val="48000"/>
-                      <a:satMod val="120000"/>
-                    </a:schemeClr>
-                  </a:gs>
-                </a:gsLst>
-                <a:lin ang="5400000"/>
-              </a:gradFill>
-              <a:effectLst>
-                <a:reflection blurRad="12700" stA="50000" endPos="50000" dist="5000" dir="5400000" sy="-100000" rotWithShape="0"/>
-              </a:effectLst>
-              <a:latin typeface="+mn-lt"/>
-              <a:cs typeface="+mn-cs"/>
-            </a:endParaRPr>
-          </a:p>
-        </p:txBody>
-      </p:sp>
-      <p:pic>
-        <p:nvPicPr>
-          <p:cNvPr id="20493" name="Content Placeholder 5" descr="SAD NICS-UP.jpg"/>
-          <p:cNvPicPr>
-            <a:picLocks noChangeAspect="1"/>
-          </p:cNvPicPr>
-          <p:nvPr/>
-        </p:nvPicPr>
-        <p:blipFill>
-          <a:blip r:embed="rId11" cstate="print"/>
-          <a:srcRect/>
-          <a:stretch>
-            <a:fillRect/>
-          </a:stretch>
-        </p:blipFill>
-        <p:spPr bwMode="auto">
-          <a:xfrm>
-            <a:off x="4495800" y="4800600"/>
-            <a:ext cx="3657600" cy="2222500"/>
-          </a:xfrm>
-          <a:prstGeom prst="rect">
-            <a:avLst/>
-          </a:prstGeom>
-          <a:noFill/>
-          <a:ln w="9525">
-            <a:noFill/>
-            <a:miter lim="800000"/>
-            <a:headEnd/>
-            <a:tailEnd/>
-          </a:ln>
-        </p:spPr>
-      </p:pic>
-      <p:pic>
-        <p:nvPicPr>
-          <p:cNvPr id="20494" name="Picture 3" descr="C:\workspace\psource\nets-distribusjon\src\site\resources\images\nets-share-logo.png"/>
-          <p:cNvPicPr>
-            <a:picLocks noChangeAspect="1" noChangeArrowheads="1"/>
-          </p:cNvPicPr>
-          <p:nvPr/>
-        </p:nvPicPr>
-        <p:blipFill>
-          <a:blip r:embed="rId12" cstate="print"/>
-          <a:srcRect/>
-          <a:stretch>
-            <a:fillRect/>
-          </a:stretch>
-        </p:blipFill>
-        <p:spPr bwMode="auto">
-          <a:xfrm>
-            <a:off x="7762875" y="3429000"/>
-            <a:ext cx="1381125" cy="2166938"/>
-          </a:xfrm>
-          <a:prstGeom prst="rect">
-            <a:avLst/>
-          </a:prstGeom>
-          <a:noFill/>
-          <a:ln w="9525">
-            <a:noFill/>
-            <a:miter lim="800000"/>
-            <a:headEnd/>
-            <a:tailEnd/>
-          </a:ln>
-        </p:spPr>
-      </p:pic>
-      <p:pic>
-        <p:nvPicPr>
-          <p:cNvPr id="20495" name="Picture 5"/>
-          <p:cNvPicPr>
-            <a:picLocks noChangeAspect="1" noChangeArrowheads="1"/>
-          </p:cNvPicPr>
-          <p:nvPr/>
-        </p:nvPicPr>
-        <p:blipFill>
-          <a:blip r:embed="rId13" cstate="print"/>
-          <a:srcRect/>
-          <a:stretch>
-            <a:fillRect/>
-          </a:stretch>
-        </p:blipFill>
-        <p:spPr bwMode="auto">
-          <a:xfrm>
-            <a:off x="2057400" y="4572000"/>
-            <a:ext cx="2657475" cy="1295400"/>
-          </a:xfrm>
-          <a:prstGeom prst="rect">
-            <a:avLst/>
-          </a:prstGeom>
-          <a:noFill/>
-          <a:ln w="9525">
-            <a:noFill/>
-            <a:miter lim="800000"/>
-            <a:headEnd/>
-            <a:tailEnd/>
-          </a:ln>
-        </p:spPr>
-      </p:pic>
-      <p:pic>
-        <p:nvPicPr>
-          <p:cNvPr id="20496" name="Picture 2"/>
-          <p:cNvPicPr>
-            <a:picLocks noChangeAspect="1" noChangeArrowheads="1"/>
-          </p:cNvPicPr>
-          <p:nvPr/>
-        </p:nvPicPr>
-        <p:blipFill>
-          <a:blip r:embed="rId14" cstate="print"/>
-          <a:srcRect/>
-          <a:stretch>
-            <a:fillRect/>
-          </a:stretch>
-        </p:blipFill>
-        <p:spPr bwMode="auto">
-          <a:xfrm>
-            <a:off x="4724400" y="3733800"/>
-            <a:ext cx="2209800" cy="1217613"/>
-          </a:xfrm>
-          <a:prstGeom prst="rect">
-            <a:avLst/>
-          </a:prstGeom>
-          <a:noFill/>
-          <a:ln w="9525">
-            <a:noFill/>
-            <a:miter lim="800000"/>
-            <a:headEnd/>
-            <a:tailEnd/>
-          </a:ln>
-        </p:spPr>
-      </p:pic>
+            <a:endParaRPr lang="en-US" smtClean="0"/>
+          </a:p>
+        </p:txBody>
+      </p:sp>
     </p:spTree>
   </p:cSld>
   <p:clrMapOvr>
     <a:masterClrMapping/>
   </p:clrMapOvr>
-  <p:transition advClick="0"/>
   <p:timing>
     <p:tnLst>
       <p:par>
@@ -7397,7 +7077,7 @@
       </p:grpSpPr>
       <p:sp>
         <p:nvSpPr>
-          <p:cNvPr id="2" name="Title 1"/>
+          <p:cNvPr id="16386" name="Title 1"/>
           <p:cNvSpPr>
             <a:spLocks noGrp="1"/>
           </p:cNvSpPr>
@@ -7405,29 +7085,31 @@
             <p:ph type="title"/>
           </p:nvPr>
         </p:nvSpPr>
-        <p:spPr>
-          <a:xfrm>
-            <a:off x="381000" y="2971800"/>
-            <a:ext cx="8229600" cy="1143000"/>
-          </a:xfrm>
-        </p:spPr>
-        <p:txBody>
-          <a:bodyPr rtlCol="0">
-            <a:normAutofit fontScale="90000"/>
-          </a:bodyPr>
+        <p:spPr/>
+        <p:txBody>
+          <a:bodyPr/>
           <a:lstStyle/>
           <a:p>
-            <a:pPr fontAlgn="auto">
-              <a:spcAft>
-                <a:spcPts val="0"/>
-              </a:spcAft>
-              <a:defRPr/>
-            </a:pPr>
-            <a:r>
-              <a:rPr lang="nb-NO" dirty="0" smtClean="0"/>
-              <a:t>Vår motivasjon til å snakke om camel</a:t>
-            </a:r>
-            <a:endParaRPr lang="en-US" dirty="0"/>
+            <a:endParaRPr lang="en-US" smtClean="0"/>
+          </a:p>
+        </p:txBody>
+      </p:sp>
+      <p:sp>
+        <p:nvSpPr>
+          <p:cNvPr id="16387" name="Content Placeholder 2"/>
+          <p:cNvSpPr>
+            <a:spLocks noGrp="1"/>
+          </p:cNvSpPr>
+          <p:nvPr>
+            <p:ph idx="1"/>
+          </p:nvPr>
+        </p:nvSpPr>
+        <p:spPr/>
+        <p:txBody>
+          <a:bodyPr/>
+          <a:lstStyle/>
+          <a:p>
+            <a:endParaRPr lang="en-US" smtClean="0"/>
           </a:p>
         </p:txBody>
       </p:sp>
@@ -7436,13 +7118,6 @@
   <p:clrMapOvr>
     <a:masterClrMapping/>
   </p:clrMapOvr>
-  <p:timing>
-    <p:tnLst>
-      <p:par>
-        <p:cTn id="1" dur="indefinite" restart="never" nodeType="tmRoot"/>
-      </p:par>
-    </p:tnLst>
-  </p:timing>
 </p:sld>
 </file>
 
@@ -7465,7 +7140,133 @@
       </p:grpSpPr>
       <p:sp>
         <p:nvSpPr>
-          <p:cNvPr id="2" name="Title 1"/>
+          <p:cNvPr id="17410" name="Title 1"/>
+          <p:cNvSpPr>
+            <a:spLocks noGrp="1"/>
+          </p:cNvSpPr>
+          <p:nvPr>
+            <p:ph type="title"/>
+          </p:nvPr>
+        </p:nvSpPr>
+        <p:spPr/>
+        <p:txBody>
+          <a:bodyPr/>
+          <a:lstStyle/>
+          <a:p>
+            <a:endParaRPr lang="en-US" smtClean="0"/>
+          </a:p>
+        </p:txBody>
+      </p:sp>
+      <p:sp>
+        <p:nvSpPr>
+          <p:cNvPr id="17411" name="Content Placeholder 2"/>
+          <p:cNvSpPr>
+            <a:spLocks noGrp="1"/>
+          </p:cNvSpPr>
+          <p:nvPr>
+            <p:ph idx="1"/>
+          </p:nvPr>
+        </p:nvSpPr>
+        <p:spPr/>
+        <p:txBody>
+          <a:bodyPr/>
+          <a:lstStyle/>
+          <a:p>
+            <a:endParaRPr lang="en-US" smtClean="0"/>
+          </a:p>
+        </p:txBody>
+      </p:sp>
+    </p:spTree>
+  </p:cSld>
+  <p:clrMapOvr>
+    <a:masterClrMapping/>
+  </p:clrMapOvr>
+</p:sld>
+</file>
+
+<file path=ppt/slides/slide22.xml><?xml version="1.0" encoding="utf-8"?>
+<p:sld xmlns:a="http://schemas.openxmlformats.org/drawingml/2006/main" xmlns:r="http://schemas.openxmlformats.org/officeDocument/2006/relationships" xmlns:p="http://schemas.openxmlformats.org/presentationml/2006/main">
+  <p:cSld>
+    <p:spTree>
+      <p:nvGrpSpPr>
+        <p:cNvPr id="1" name=""/>
+        <p:cNvGrpSpPr/>
+        <p:nvPr/>
+      </p:nvGrpSpPr>
+      <p:grpSpPr>
+        <a:xfrm>
+          <a:off x="0" y="0"/>
+          <a:ext cx="0" cy="0"/>
+          <a:chOff x="0" y="0"/>
+          <a:chExt cx="0" cy="0"/>
+        </a:xfrm>
+      </p:grpSpPr>
+      <p:sp>
+        <p:nvSpPr>
+          <p:cNvPr id="18434" name="Title 1"/>
+          <p:cNvSpPr>
+            <a:spLocks noGrp="1"/>
+          </p:cNvSpPr>
+          <p:nvPr>
+            <p:ph type="title"/>
+          </p:nvPr>
+        </p:nvSpPr>
+        <p:spPr/>
+        <p:txBody>
+          <a:bodyPr/>
+          <a:lstStyle/>
+          <a:p>
+            <a:endParaRPr lang="en-US" smtClean="0"/>
+          </a:p>
+        </p:txBody>
+      </p:sp>
+      <p:sp>
+        <p:nvSpPr>
+          <p:cNvPr id="18435" name="Content Placeholder 2"/>
+          <p:cNvSpPr>
+            <a:spLocks noGrp="1"/>
+          </p:cNvSpPr>
+          <p:nvPr>
+            <p:ph idx="1"/>
+          </p:nvPr>
+        </p:nvSpPr>
+        <p:spPr/>
+        <p:txBody>
+          <a:bodyPr/>
+          <a:lstStyle/>
+          <a:p>
+            <a:endParaRPr lang="en-US" smtClean="0"/>
+          </a:p>
+        </p:txBody>
+      </p:sp>
+    </p:spTree>
+  </p:cSld>
+  <p:clrMapOvr>
+    <a:masterClrMapping/>
+  </p:clrMapOvr>
+</p:sld>
+</file>
+
+<file path=ppt/slides/slide23.xml><?xml version="1.0" encoding="utf-8"?>
+<p:sld xmlns:a="http://schemas.openxmlformats.org/drawingml/2006/main" xmlns:r="http://schemas.openxmlformats.org/officeDocument/2006/relationships" xmlns:p="http://schemas.openxmlformats.org/presentationml/2006/main">
+  <p:cSld>
+    <p:spTree>
+      <p:nvGrpSpPr>
+        <p:cNvPr id="1" name=""/>
+        <p:cNvGrpSpPr/>
+        <p:nvPr/>
+      </p:nvGrpSpPr>
+      <p:grpSpPr>
+        <a:xfrm>
+          <a:off x="0" y="0"/>
+          <a:ext cx="0" cy="0"/>
+          <a:chOff x="0" y="0"/>
+          <a:chExt cx="0" cy="0"/>
+        </a:xfrm>
+      </p:grpSpPr>
+      <p:sp>
+        <p:nvSpPr>
+          <p:cNvPr id="19458" name="Title 1"/>
           <p:cNvSpPr>
             <a:spLocks noGrp="1"/>
           </p:cNvSpPr>
@@ -7475,27 +7276,19 @@
         </p:nvSpPr>
         <p:spPr>
           <a:xfrm>
-            <a:off x="457200" y="2743200"/>
+            <a:off x="381000" y="2895600"/>
             <a:ext cx="8229600" cy="1143000"/>
           </a:xfrm>
         </p:spPr>
         <p:txBody>
-          <a:bodyPr rtlCol="0">
-            <a:normAutofit fontScale="90000"/>
-          </a:bodyPr>
+          <a:bodyPr/>
           <a:lstStyle/>
           <a:p>
-            <a:pPr fontAlgn="auto">
-              <a:spcAft>
-                <a:spcPts val="0"/>
-              </a:spcAft>
-              <a:defRPr/>
-            </a:pPr>
-            <a:r>
-              <a:rPr lang="nb-NO" dirty="0" smtClean="0"/>
-              <a:t>Hva vi håper dere sitter igjen med etter dette foredraget?</a:t>
-            </a:r>
-            <a:endParaRPr lang="en-US" dirty="0"/>
+            <a:r>
+              <a:rPr lang="nb-NO" smtClean="0"/>
+              <a:t>Litt om vår bakgrunn</a:t>
+            </a:r>
+            <a:endParaRPr lang="en-US" smtClean="0"/>
           </a:p>
         </p:txBody>
       </p:sp>
@@ -7514,7 +7307,701 @@
 </p:sld>
 </file>
 
-<file path=ppt/slides/slide22.xml><?xml version="1.0" encoding="utf-8"?>
+<file path=ppt/slides/slide24.xml><?xml version="1.0" encoding="utf-8"?>
+<p:sld xmlns:a="http://schemas.openxmlformats.org/drawingml/2006/main" xmlns:r="http://schemas.openxmlformats.org/officeDocument/2006/relationships" xmlns:p="http://schemas.openxmlformats.org/presentationml/2006/main">
+  <p:cSld>
+    <p:spTree>
+      <p:nvGrpSpPr>
+        <p:cNvPr id="1" name=""/>
+        <p:cNvGrpSpPr/>
+        <p:nvPr/>
+      </p:nvGrpSpPr>
+      <p:grpSpPr>
+        <a:xfrm>
+          <a:off x="0" y="0"/>
+          <a:ext cx="0" cy="0"/>
+          <a:chOff x="0" y="0"/>
+          <a:chExt cx="0" cy="0"/>
+        </a:xfrm>
+      </p:grpSpPr>
+      <p:pic>
+        <p:nvPicPr>
+          <p:cNvPr id="20482" name="Picture 3"/>
+          <p:cNvPicPr>
+            <a:picLocks noChangeAspect="1" noChangeArrowheads="1"/>
+          </p:cNvPicPr>
+          <p:nvPr/>
+        </p:nvPicPr>
+        <p:blipFill>
+          <a:blip r:embed="rId2" cstate="print"/>
+          <a:srcRect/>
+          <a:stretch>
+            <a:fillRect/>
+          </a:stretch>
+        </p:blipFill>
+        <p:spPr bwMode="auto">
+          <a:xfrm>
+            <a:off x="6172200" y="1143000"/>
+            <a:ext cx="2133600" cy="2133600"/>
+          </a:xfrm>
+          <a:prstGeom prst="rect">
+            <a:avLst/>
+          </a:prstGeom>
+          <a:noFill/>
+          <a:ln w="9525">
+            <a:noFill/>
+            <a:miter lim="800000"/>
+            <a:headEnd/>
+            <a:tailEnd/>
+          </a:ln>
+        </p:spPr>
+      </p:pic>
+      <p:sp>
+        <p:nvSpPr>
+          <p:cNvPr id="20483" name="Title 1"/>
+          <p:cNvSpPr>
+            <a:spLocks noGrp="1"/>
+          </p:cNvSpPr>
+          <p:nvPr>
+            <p:ph type="title"/>
+          </p:nvPr>
+        </p:nvSpPr>
+        <p:spPr/>
+        <p:txBody>
+          <a:bodyPr/>
+          <a:lstStyle/>
+          <a:p>
+            <a:endParaRPr lang="en-US" smtClean="0"/>
+          </a:p>
+        </p:txBody>
+      </p:sp>
+      <p:pic>
+        <p:nvPicPr>
+          <p:cNvPr id="20484" name="Picture 2"/>
+          <p:cNvPicPr>
+            <a:picLocks noChangeAspect="1" noChangeArrowheads="1"/>
+          </p:cNvPicPr>
+          <p:nvPr/>
+        </p:nvPicPr>
+        <p:blipFill>
+          <a:blip r:embed="rId3" cstate="print"/>
+          <a:srcRect/>
+          <a:stretch>
+            <a:fillRect/>
+          </a:stretch>
+        </p:blipFill>
+        <p:spPr bwMode="auto">
+          <a:xfrm>
+            <a:off x="0" y="-152400"/>
+            <a:ext cx="2438400" cy="1901825"/>
+          </a:xfrm>
+          <a:prstGeom prst="rect">
+            <a:avLst/>
+          </a:prstGeom>
+          <a:noFill/>
+          <a:ln w="9525">
+            <a:noFill/>
+            <a:miter lim="800000"/>
+            <a:headEnd/>
+            <a:tailEnd/>
+          </a:ln>
+        </p:spPr>
+      </p:pic>
+      <p:pic>
+        <p:nvPicPr>
+          <p:cNvPr id="20485" name="Picture 2"/>
+          <p:cNvPicPr>
+            <a:picLocks noChangeAspect="1" noChangeArrowheads="1"/>
+          </p:cNvPicPr>
+          <p:nvPr/>
+        </p:nvPicPr>
+        <p:blipFill>
+          <a:blip r:embed="rId4" cstate="print"/>
+          <a:srcRect/>
+          <a:stretch>
+            <a:fillRect/>
+          </a:stretch>
+        </p:blipFill>
+        <p:spPr bwMode="auto">
+          <a:xfrm>
+            <a:off x="2819400" y="1066800"/>
+            <a:ext cx="3124200" cy="2343150"/>
+          </a:xfrm>
+          <a:prstGeom prst="rect">
+            <a:avLst/>
+          </a:prstGeom>
+          <a:noFill/>
+          <a:ln w="9525">
+            <a:noFill/>
+            <a:miter lim="800000"/>
+            <a:headEnd/>
+            <a:tailEnd/>
+          </a:ln>
+        </p:spPr>
+      </p:pic>
+      <p:pic>
+        <p:nvPicPr>
+          <p:cNvPr id="20486" name="Picture 4"/>
+          <p:cNvPicPr>
+            <a:picLocks noChangeAspect="1" noChangeArrowheads="1"/>
+          </p:cNvPicPr>
+          <p:nvPr/>
+        </p:nvPicPr>
+        <p:blipFill>
+          <a:blip r:embed="rId5" cstate="print"/>
+          <a:srcRect/>
+          <a:stretch>
+            <a:fillRect/>
+          </a:stretch>
+        </p:blipFill>
+        <p:spPr bwMode="auto">
+          <a:xfrm>
+            <a:off x="4953000" y="2438400"/>
+            <a:ext cx="3057525" cy="1495425"/>
+          </a:xfrm>
+          <a:prstGeom prst="rect">
+            <a:avLst/>
+          </a:prstGeom>
+          <a:noFill/>
+          <a:ln w="9525">
+            <a:noFill/>
+            <a:miter lim="800000"/>
+            <a:headEnd/>
+            <a:tailEnd/>
+          </a:ln>
+        </p:spPr>
+      </p:pic>
+      <p:pic>
+        <p:nvPicPr>
+          <p:cNvPr id="20487" name="Picture 5"/>
+          <p:cNvPicPr>
+            <a:picLocks noChangeAspect="1" noChangeArrowheads="1"/>
+          </p:cNvPicPr>
+          <p:nvPr/>
+        </p:nvPicPr>
+        <p:blipFill>
+          <a:blip r:embed="rId6" cstate="print"/>
+          <a:srcRect/>
+          <a:stretch>
+            <a:fillRect/>
+          </a:stretch>
+        </p:blipFill>
+        <p:spPr bwMode="auto">
+          <a:xfrm>
+            <a:off x="-381000" y="2667000"/>
+            <a:ext cx="3067050" cy="1495425"/>
+          </a:xfrm>
+          <a:prstGeom prst="rect">
+            <a:avLst/>
+          </a:prstGeom>
+          <a:noFill/>
+          <a:ln w="9525">
+            <a:noFill/>
+            <a:miter lim="800000"/>
+            <a:headEnd/>
+            <a:tailEnd/>
+          </a:ln>
+        </p:spPr>
+      </p:pic>
+      <p:pic>
+        <p:nvPicPr>
+          <p:cNvPr id="20488" name="Picture 2"/>
+          <p:cNvPicPr>
+            <a:picLocks noGrp="1" noChangeAspect="1" noChangeArrowheads="1"/>
+          </p:cNvPicPr>
+          <p:nvPr>
+            <p:ph idx="1"/>
+          </p:nvPr>
+        </p:nvPicPr>
+        <p:blipFill>
+          <a:blip r:embed="rId7" cstate="print"/>
+          <a:srcRect/>
+          <a:stretch>
+            <a:fillRect/>
+          </a:stretch>
+        </p:blipFill>
+        <p:spPr>
+          <a:xfrm>
+            <a:off x="2590800" y="0"/>
+            <a:ext cx="2593975" cy="1219200"/>
+          </a:xfrm>
+        </p:spPr>
+      </p:pic>
+      <p:pic>
+        <p:nvPicPr>
+          <p:cNvPr id="20489" name="Picture 3"/>
+          <p:cNvPicPr>
+            <a:picLocks noChangeAspect="1" noChangeArrowheads="1"/>
+          </p:cNvPicPr>
+          <p:nvPr/>
+        </p:nvPicPr>
+        <p:blipFill>
+          <a:blip r:embed="rId8" cstate="print"/>
+          <a:srcRect/>
+          <a:stretch>
+            <a:fillRect/>
+          </a:stretch>
+        </p:blipFill>
+        <p:spPr bwMode="auto">
+          <a:xfrm>
+            <a:off x="838200" y="5534025"/>
+            <a:ext cx="3190875" cy="1323975"/>
+          </a:xfrm>
+          <a:prstGeom prst="rect">
+            <a:avLst/>
+          </a:prstGeom>
+          <a:noFill/>
+          <a:ln w="9525">
+            <a:noFill/>
+            <a:miter lim="800000"/>
+            <a:headEnd/>
+            <a:tailEnd/>
+          </a:ln>
+        </p:spPr>
+      </p:pic>
+      <p:pic>
+        <p:nvPicPr>
+          <p:cNvPr id="20490" name="Picture 4"/>
+          <p:cNvPicPr>
+            <a:picLocks noChangeAspect="1" noChangeArrowheads="1"/>
+          </p:cNvPicPr>
+          <p:nvPr/>
+        </p:nvPicPr>
+        <p:blipFill>
+          <a:blip r:embed="rId9" cstate="print"/>
+          <a:srcRect/>
+          <a:stretch>
+            <a:fillRect/>
+          </a:stretch>
+        </p:blipFill>
+        <p:spPr bwMode="auto">
+          <a:xfrm>
+            <a:off x="-381000" y="4267200"/>
+            <a:ext cx="4267200" cy="381000"/>
+          </a:xfrm>
+          <a:prstGeom prst="rect">
+            <a:avLst/>
+          </a:prstGeom>
+          <a:noFill/>
+          <a:ln w="9525">
+            <a:noFill/>
+            <a:miter lim="800000"/>
+            <a:headEnd/>
+            <a:tailEnd/>
+          </a:ln>
+        </p:spPr>
+      </p:pic>
+      <p:pic>
+        <p:nvPicPr>
+          <p:cNvPr id="20491" name="Picture 2" descr="http://upload.wikimedia.org/wikipedia/commons/thumb/5/51/IBM_logo.svg/200px-IBM_logo.svg.png"/>
+          <p:cNvPicPr>
+            <a:picLocks noChangeAspect="1" noChangeArrowheads="1"/>
+          </p:cNvPicPr>
+          <p:nvPr/>
+        </p:nvPicPr>
+        <p:blipFill>
+          <a:blip r:embed="rId10" cstate="print"/>
+          <a:srcRect/>
+          <a:stretch>
+            <a:fillRect/>
+          </a:stretch>
+        </p:blipFill>
+        <p:spPr bwMode="auto">
+          <a:xfrm>
+            <a:off x="5943600" y="152400"/>
+            <a:ext cx="1905000" cy="762000"/>
+          </a:xfrm>
+          <a:prstGeom prst="rect">
+            <a:avLst/>
+          </a:prstGeom>
+          <a:noFill/>
+          <a:ln w="9525">
+            <a:noFill/>
+            <a:miter lim="800000"/>
+            <a:headEnd/>
+            <a:tailEnd/>
+          </a:ln>
+        </p:spPr>
+      </p:pic>
+      <p:sp>
+        <p:nvSpPr>
+          <p:cNvPr id="16" name="Rectangle 15"/>
+          <p:cNvSpPr/>
+          <p:nvPr/>
+        </p:nvSpPr>
+        <p:spPr>
+          <a:xfrm>
+            <a:off x="3200400" y="3505200"/>
+            <a:ext cx="1516121" cy="923330"/>
+          </a:xfrm>
+          <a:prstGeom prst="rect">
+            <a:avLst/>
+          </a:prstGeom>
+          <a:noFill/>
+        </p:spPr>
+        <p:txBody>
+          <a:bodyPr wrap="none">
+            <a:spAutoFit/>
+            <a:scene3d>
+              <a:camera prst="orthographicFront">
+                <a:rot lat="0" lon="0" rev="0"/>
+              </a:camera>
+              <a:lightRig rig="contrasting" dir="t">
+                <a:rot lat="0" lon="0" rev="4500000"/>
+              </a:lightRig>
+            </a:scene3d>
+            <a:sp3d contourW="6350" prstMaterial="metal">
+              <a:bevelT w="127000" h="31750" prst="relaxedInset"/>
+              <a:contourClr>
+                <a:schemeClr val="accent1">
+                  <a:shade val="75000"/>
+                </a:schemeClr>
+              </a:contourClr>
+            </a:sp3d>
+          </a:bodyPr>
+          <a:lstStyle/>
+          <a:p>
+            <a:pPr algn="ctr" fontAlgn="auto">
+              <a:spcBef>
+                <a:spcPts val="0"/>
+              </a:spcBef>
+              <a:spcAft>
+                <a:spcPts val="0"/>
+              </a:spcAft>
+              <a:defRPr/>
+            </a:pPr>
+            <a:r>
+              <a:rPr lang="en-US" sz="5400" b="1" cap="all" dirty="0">
+                <a:ln w="0"/>
+                <a:gradFill flip="none">
+                  <a:gsLst>
+                    <a:gs pos="0">
+                      <a:schemeClr val="accent1">
+                        <a:tint val="75000"/>
+                        <a:shade val="75000"/>
+                        <a:satMod val="170000"/>
+                      </a:schemeClr>
+                    </a:gs>
+                    <a:gs pos="49000">
+                      <a:schemeClr val="accent1">
+                        <a:tint val="88000"/>
+                        <a:shade val="65000"/>
+                        <a:satMod val="172000"/>
+                      </a:schemeClr>
+                    </a:gs>
+                    <a:gs pos="50000">
+                      <a:schemeClr val="accent1">
+                        <a:shade val="65000"/>
+                        <a:satMod val="130000"/>
+                      </a:schemeClr>
+                    </a:gs>
+                    <a:gs pos="92000">
+                      <a:schemeClr val="accent1">
+                        <a:shade val="50000"/>
+                        <a:satMod val="120000"/>
+                      </a:schemeClr>
+                    </a:gs>
+                    <a:gs pos="100000">
+                      <a:schemeClr val="accent1">
+                        <a:shade val="48000"/>
+                        <a:satMod val="120000"/>
+                      </a:schemeClr>
+                    </a:gs>
+                  </a:gsLst>
+                  <a:lin ang="5400000"/>
+                </a:gradFill>
+                <a:effectLst>
+                  <a:reflection blurRad="12700" stA="50000" endPos="50000" dist="5000" dir="5400000" sy="-100000" rotWithShape="0"/>
+                </a:effectLst>
+                <a:latin typeface="+mn-lt"/>
+                <a:cs typeface="+mn-cs"/>
+              </a:rPr>
+              <a:t>STAY</a:t>
+            </a:r>
+          </a:p>
+        </p:txBody>
+      </p:sp>
+      <p:pic>
+        <p:nvPicPr>
+          <p:cNvPr id="20493" name="Content Placeholder 5" descr="SAD NICS-UP.jpg"/>
+          <p:cNvPicPr>
+            <a:picLocks noChangeAspect="1"/>
+          </p:cNvPicPr>
+          <p:nvPr/>
+        </p:nvPicPr>
+        <p:blipFill>
+          <a:blip r:embed="rId11" cstate="print"/>
+          <a:srcRect/>
+          <a:stretch>
+            <a:fillRect/>
+          </a:stretch>
+        </p:blipFill>
+        <p:spPr bwMode="auto">
+          <a:xfrm>
+            <a:off x="4495800" y="4800600"/>
+            <a:ext cx="3657600" cy="2222500"/>
+          </a:xfrm>
+          <a:prstGeom prst="rect">
+            <a:avLst/>
+          </a:prstGeom>
+          <a:noFill/>
+          <a:ln w="9525">
+            <a:noFill/>
+            <a:miter lim="800000"/>
+            <a:headEnd/>
+            <a:tailEnd/>
+          </a:ln>
+        </p:spPr>
+      </p:pic>
+      <p:pic>
+        <p:nvPicPr>
+          <p:cNvPr id="20494" name="Picture 3" descr="C:\workspace\psource\nets-distribusjon\src\site\resources\images\nets-share-logo.png"/>
+          <p:cNvPicPr>
+            <a:picLocks noChangeAspect="1" noChangeArrowheads="1"/>
+          </p:cNvPicPr>
+          <p:nvPr/>
+        </p:nvPicPr>
+        <p:blipFill>
+          <a:blip r:embed="rId12" cstate="print"/>
+          <a:srcRect/>
+          <a:stretch>
+            <a:fillRect/>
+          </a:stretch>
+        </p:blipFill>
+        <p:spPr bwMode="auto">
+          <a:xfrm>
+            <a:off x="7762875" y="3429000"/>
+            <a:ext cx="1381125" cy="2166938"/>
+          </a:xfrm>
+          <a:prstGeom prst="rect">
+            <a:avLst/>
+          </a:prstGeom>
+          <a:noFill/>
+          <a:ln w="9525">
+            <a:noFill/>
+            <a:miter lim="800000"/>
+            <a:headEnd/>
+            <a:tailEnd/>
+          </a:ln>
+        </p:spPr>
+      </p:pic>
+      <p:pic>
+        <p:nvPicPr>
+          <p:cNvPr id="20495" name="Picture 5"/>
+          <p:cNvPicPr>
+            <a:picLocks noChangeAspect="1" noChangeArrowheads="1"/>
+          </p:cNvPicPr>
+          <p:nvPr/>
+        </p:nvPicPr>
+        <p:blipFill>
+          <a:blip r:embed="rId13" cstate="print"/>
+          <a:srcRect/>
+          <a:stretch>
+            <a:fillRect/>
+          </a:stretch>
+        </p:blipFill>
+        <p:spPr bwMode="auto">
+          <a:xfrm>
+            <a:off x="2057400" y="4572000"/>
+            <a:ext cx="2657475" cy="1295400"/>
+          </a:xfrm>
+          <a:prstGeom prst="rect">
+            <a:avLst/>
+          </a:prstGeom>
+          <a:noFill/>
+          <a:ln w="9525">
+            <a:noFill/>
+            <a:miter lim="800000"/>
+            <a:headEnd/>
+            <a:tailEnd/>
+          </a:ln>
+        </p:spPr>
+      </p:pic>
+      <p:pic>
+        <p:nvPicPr>
+          <p:cNvPr id="20496" name="Picture 2"/>
+          <p:cNvPicPr>
+            <a:picLocks noChangeAspect="1" noChangeArrowheads="1"/>
+          </p:cNvPicPr>
+          <p:nvPr/>
+        </p:nvPicPr>
+        <p:blipFill>
+          <a:blip r:embed="rId14" cstate="print"/>
+          <a:srcRect/>
+          <a:stretch>
+            <a:fillRect/>
+          </a:stretch>
+        </p:blipFill>
+        <p:spPr bwMode="auto">
+          <a:xfrm>
+            <a:off x="4724400" y="3733800"/>
+            <a:ext cx="2209800" cy="1217613"/>
+          </a:xfrm>
+          <a:prstGeom prst="rect">
+            <a:avLst/>
+          </a:prstGeom>
+          <a:noFill/>
+          <a:ln w="9525">
+            <a:noFill/>
+            <a:miter lim="800000"/>
+            <a:headEnd/>
+            <a:tailEnd/>
+          </a:ln>
+        </p:spPr>
+      </p:pic>
+    </p:spTree>
+  </p:cSld>
+  <p:clrMapOvr>
+    <a:masterClrMapping/>
+  </p:clrMapOvr>
+  <p:transition advClick="0"/>
+  <p:timing>
+    <p:tnLst>
+      <p:par>
+        <p:cTn id="1" dur="indefinite" restart="never" nodeType="tmRoot"/>
+      </p:par>
+    </p:tnLst>
+  </p:timing>
+</p:sld>
+</file>
+
+<file path=ppt/slides/slide25.xml><?xml version="1.0" encoding="utf-8"?>
+<p:sld xmlns:a="http://schemas.openxmlformats.org/drawingml/2006/main" xmlns:r="http://schemas.openxmlformats.org/officeDocument/2006/relationships" xmlns:p="http://schemas.openxmlformats.org/presentationml/2006/main">
+  <p:cSld>
+    <p:spTree>
+      <p:nvGrpSpPr>
+        <p:cNvPr id="1" name=""/>
+        <p:cNvGrpSpPr/>
+        <p:nvPr/>
+      </p:nvGrpSpPr>
+      <p:grpSpPr>
+        <a:xfrm>
+          <a:off x="0" y="0"/>
+          <a:ext cx="0" cy="0"/>
+          <a:chOff x="0" y="0"/>
+          <a:chExt cx="0" cy="0"/>
+        </a:xfrm>
+      </p:grpSpPr>
+      <p:sp>
+        <p:nvSpPr>
+          <p:cNvPr id="2" name="Title 1"/>
+          <p:cNvSpPr>
+            <a:spLocks noGrp="1"/>
+          </p:cNvSpPr>
+          <p:nvPr>
+            <p:ph type="title"/>
+          </p:nvPr>
+        </p:nvSpPr>
+        <p:spPr>
+          <a:xfrm>
+            <a:off x="381000" y="2971800"/>
+            <a:ext cx="8229600" cy="1143000"/>
+          </a:xfrm>
+        </p:spPr>
+        <p:txBody>
+          <a:bodyPr rtlCol="0">
+            <a:normAutofit fontScale="90000"/>
+          </a:bodyPr>
+          <a:lstStyle/>
+          <a:p>
+            <a:pPr fontAlgn="auto">
+              <a:spcAft>
+                <a:spcPts val="0"/>
+              </a:spcAft>
+              <a:defRPr/>
+            </a:pPr>
+            <a:r>
+              <a:rPr lang="nb-NO" dirty="0" smtClean="0"/>
+              <a:t>Vår motivasjon til å snakke om camel</a:t>
+            </a:r>
+            <a:endParaRPr lang="en-US" dirty="0"/>
+          </a:p>
+        </p:txBody>
+      </p:sp>
+    </p:spTree>
+  </p:cSld>
+  <p:clrMapOvr>
+    <a:masterClrMapping/>
+  </p:clrMapOvr>
+  <p:timing>
+    <p:tnLst>
+      <p:par>
+        <p:cTn id="1" dur="indefinite" restart="never" nodeType="tmRoot"/>
+      </p:par>
+    </p:tnLst>
+  </p:timing>
+</p:sld>
+</file>
+
+<file path=ppt/slides/slide26.xml><?xml version="1.0" encoding="utf-8"?>
+<p:sld xmlns:a="http://schemas.openxmlformats.org/drawingml/2006/main" xmlns:r="http://schemas.openxmlformats.org/officeDocument/2006/relationships" xmlns:p="http://schemas.openxmlformats.org/presentationml/2006/main">
+  <p:cSld>
+    <p:spTree>
+      <p:nvGrpSpPr>
+        <p:cNvPr id="1" name=""/>
+        <p:cNvGrpSpPr/>
+        <p:nvPr/>
+      </p:nvGrpSpPr>
+      <p:grpSpPr>
+        <a:xfrm>
+          <a:off x="0" y="0"/>
+          <a:ext cx="0" cy="0"/>
+          <a:chOff x="0" y="0"/>
+          <a:chExt cx="0" cy="0"/>
+        </a:xfrm>
+      </p:grpSpPr>
+      <p:sp>
+        <p:nvSpPr>
+          <p:cNvPr id="2" name="Title 1"/>
+          <p:cNvSpPr>
+            <a:spLocks noGrp="1"/>
+          </p:cNvSpPr>
+          <p:nvPr>
+            <p:ph type="title"/>
+          </p:nvPr>
+        </p:nvSpPr>
+        <p:spPr>
+          <a:xfrm>
+            <a:off x="457200" y="2743200"/>
+            <a:ext cx="8229600" cy="1143000"/>
+          </a:xfrm>
+        </p:spPr>
+        <p:txBody>
+          <a:bodyPr rtlCol="0">
+            <a:normAutofit fontScale="90000"/>
+          </a:bodyPr>
+          <a:lstStyle/>
+          <a:p>
+            <a:pPr fontAlgn="auto">
+              <a:spcAft>
+                <a:spcPts val="0"/>
+              </a:spcAft>
+              <a:defRPr/>
+            </a:pPr>
+            <a:r>
+              <a:rPr lang="nb-NO" dirty="0" smtClean="0"/>
+              <a:t>Hva vi håper dere sitter igjen med etter dette foredraget?</a:t>
+            </a:r>
+            <a:endParaRPr lang="en-US" dirty="0"/>
+          </a:p>
+        </p:txBody>
+      </p:sp>
+    </p:spTree>
+  </p:cSld>
+  <p:clrMapOvr>
+    <a:masterClrMapping/>
+  </p:clrMapOvr>
+  <p:timing>
+    <p:tnLst>
+      <p:par>
+        <p:cTn id="1" dur="indefinite" restart="never" nodeType="tmRoot"/>
+      </p:par>
+    </p:tnLst>
+  </p:timing>
+</p:sld>
+</file>
+
+<file path=ppt/slides/slide27.xml><?xml version="1.0" encoding="utf-8"?>
 <p:sld xmlns:a="http://schemas.openxmlformats.org/drawingml/2006/main" xmlns:r="http://schemas.openxmlformats.org/officeDocument/2006/relationships" xmlns:p="http://schemas.openxmlformats.org/presentationml/2006/main">
   <p:cSld>
     <p:spTree>
@@ -8398,82 +8885,53 @@
       </p:grpSpPr>
       <p:sp>
         <p:nvSpPr>
-          <p:cNvPr id="7170" name="Title 1"/>
-          <p:cNvSpPr>
-            <a:spLocks noGrp="1"/>
-          </p:cNvSpPr>
-          <p:nvPr>
-            <p:ph type="title"/>
-          </p:nvPr>
-        </p:nvSpPr>
-        <p:spPr/>
-        <p:txBody>
-          <a:bodyPr/>
+          <p:cNvPr id="4" name="TextBox 3"/>
+          <p:cNvSpPr txBox="1"/>
+          <p:nvPr/>
+        </p:nvSpPr>
+        <p:spPr>
+          <a:xfrm>
+            <a:off x="762000" y="2667000"/>
+            <a:ext cx="7239000" cy="923330"/>
+          </a:xfrm>
+          <a:prstGeom prst="rect">
+            <a:avLst/>
+          </a:prstGeom>
+          <a:noFill/>
+        </p:spPr>
+        <p:txBody>
+          <a:bodyPr wrap="square" rtlCol="0">
+            <a:spAutoFit/>
+          </a:bodyPr>
           <a:lstStyle/>
           <a:p>
             <a:r>
-              <a:rPr lang="nb-NO" smtClean="0"/>
-              <a:t>Balance check krav</a:t>
-            </a:r>
-            <a:endParaRPr lang="en-US" smtClean="0"/>
-          </a:p>
-        </p:txBody>
-      </p:sp>
-      <p:sp>
-        <p:nvSpPr>
-          <p:cNvPr id="7171" name="Content Placeholder 2"/>
-          <p:cNvSpPr>
-            <a:spLocks noGrp="1"/>
-          </p:cNvSpPr>
-          <p:nvPr>
-            <p:ph idx="1"/>
-          </p:nvPr>
-        </p:nvSpPr>
-        <p:spPr/>
-        <p:txBody>
-          <a:bodyPr/>
-          <a:lstStyle/>
-          <a:p>
-            <a:pPr>
-              <a:buFont typeface="Wingdings" pitchFamily="2" charset="2"/>
-              <a:buChar char="ü"/>
-            </a:pPr>
-            <a:endParaRPr lang="nb-NO" sz="2000" smtClean="0"/>
-          </a:p>
-          <a:p>
-            <a:pPr>
-              <a:buFont typeface="Wingdings" pitchFamily="2" charset="2"/>
-              <a:buChar char="ü"/>
-            </a:pPr>
-            <a:r>
-              <a:rPr lang="nb-NO" sz="2000" smtClean="0"/>
-              <a:t>Hvis noen transaksjoner mangler dekning skal ingen av transaksjonene i fila til clearing.</a:t>
-            </a:r>
-          </a:p>
-          <a:p>
-            <a:pPr>
-              <a:buFont typeface="Wingdings" pitchFamily="2" charset="2"/>
-              <a:buChar char="ü"/>
-            </a:pPr>
-            <a:endParaRPr lang="nb-NO" sz="2000" smtClean="0"/>
-          </a:p>
-          <a:p>
-            <a:pPr>
-              <a:buFont typeface="Wingdings" pitchFamily="2" charset="2"/>
-              <a:buChar char="ü"/>
-            </a:pPr>
-            <a:r>
-              <a:rPr lang="nb-NO" sz="2000" smtClean="0"/>
-              <a:t>Reserveringer gjort av balance check systemet skal tilbakestilles innen 1 minutt, uavhengig av om pengene faktisk blir clearet eller om det mangler dekning.</a:t>
-            </a:r>
-            <a:endParaRPr lang="nb-NO" smtClean="0"/>
-          </a:p>
-          <a:p>
-            <a:pPr>
-              <a:buFont typeface="Arial" pitchFamily="34" charset="0"/>
-              <a:buNone/>
-            </a:pPr>
-            <a:endParaRPr lang="nb-NO" smtClean="0"/>
+              <a:rPr lang="nb-NO" dirty="0" smtClean="0"/>
+              <a:t>git clone </a:t>
+            </a:r>
+            <a:r>
+              <a:rPr lang="nb-NO" dirty="0" smtClean="0">
+                <a:hlinkClick r:id="rId2"/>
+              </a:rPr>
+              <a:t>https://</a:t>
+            </a:r>
+            <a:r>
+              <a:rPr lang="nb-NO" dirty="0" smtClean="0">
+                <a:hlinkClick r:id="rId2"/>
+              </a:rPr>
+              <a:t>runepeter@github.com/runepeter/camel-stuff.git</a:t>
+            </a:r>
+            <a:endParaRPr lang="nb-NO" dirty="0" smtClean="0"/>
+          </a:p>
+          <a:p>
+            <a:endParaRPr lang="nb-NO" dirty="0" smtClean="0"/>
+          </a:p>
+          <a:p>
+            <a:r>
+              <a:rPr lang="nb-NO" dirty="0" smtClean="0"/>
+              <a:t>git reset --hard v0 (starting point)</a:t>
+            </a:r>
+            <a:endParaRPr lang="en-US" dirty="0"/>
           </a:p>
         </p:txBody>
       </p:sp>
@@ -8482,13 +8940,6 @@
   <p:clrMapOvr>
     <a:masterClrMapping/>
   </p:clrMapOvr>
-  <p:timing>
-    <p:tnLst>
-      <p:par>
-        <p:cTn id="1" dur="indefinite" restart="never" nodeType="tmRoot"/>
-      </p:par>
-    </p:tnLst>
-  </p:timing>
 </p:sld>
 </file>
 
@@ -8511,82 +8962,31 @@
       </p:grpSpPr>
       <p:sp>
         <p:nvSpPr>
-          <p:cNvPr id="8194" name="Title 1"/>
-          <p:cNvSpPr>
-            <a:spLocks noGrp="1"/>
-          </p:cNvSpPr>
-          <p:nvPr>
-            <p:ph type="title"/>
-          </p:nvPr>
-        </p:nvSpPr>
-        <p:spPr/>
-        <p:txBody>
-          <a:bodyPr/>
+          <p:cNvPr id="4" name="TextBox 3"/>
+          <p:cNvSpPr txBox="1"/>
+          <p:nvPr/>
+        </p:nvSpPr>
+        <p:spPr>
+          <a:xfrm>
+            <a:off x="1752600" y="2667000"/>
+            <a:ext cx="5257800" cy="369332"/>
+          </a:xfrm>
+          <a:prstGeom prst="rect">
+            <a:avLst/>
+          </a:prstGeom>
+          <a:noFill/>
+        </p:spPr>
+        <p:txBody>
+          <a:bodyPr wrap="square" rtlCol="0">
+            <a:spAutoFit/>
+          </a:bodyPr>
           <a:lstStyle/>
           <a:p>
             <a:r>
-              <a:rPr lang="nb-NO" smtClean="0"/>
-              <a:t>hmmm</a:t>
-            </a:r>
-            <a:endParaRPr lang="en-US" smtClean="0"/>
-          </a:p>
-        </p:txBody>
-      </p:sp>
-      <p:sp>
-        <p:nvSpPr>
-          <p:cNvPr id="8195" name="Content Placeholder 2"/>
-          <p:cNvSpPr>
-            <a:spLocks noGrp="1"/>
-          </p:cNvSpPr>
-          <p:nvPr>
-            <p:ph idx="1"/>
-          </p:nvPr>
-        </p:nvSpPr>
-        <p:spPr/>
-        <p:txBody>
-          <a:bodyPr/>
-          <a:lstStyle/>
-          <a:p>
-            <a:pPr>
-              <a:buFont typeface="Arial" pitchFamily="34" charset="0"/>
-              <a:buNone/>
-            </a:pPr>
-            <a:endParaRPr lang="nb-NO" sz="2800" smtClean="0"/>
-          </a:p>
-          <a:p>
-            <a:pPr>
-              <a:buFont typeface="Arial" pitchFamily="34" charset="0"/>
-              <a:buNone/>
-            </a:pPr>
-            <a:endParaRPr lang="nb-NO" sz="2800" smtClean="0"/>
-          </a:p>
-          <a:p>
-            <a:pPr algn="ctr">
-              <a:buFont typeface="Arial" pitchFamily="34" charset="0"/>
-              <a:buNone/>
-            </a:pPr>
-            <a:r>
-              <a:rPr lang="nb-NO" sz="2800" smtClean="0"/>
-              <a:t>1,5 sekunder X 1000 = 1500 sekunder = 25 minutter</a:t>
-            </a:r>
-          </a:p>
-          <a:p>
-            <a:pPr>
-              <a:buFont typeface="Arial" pitchFamily="34" charset="0"/>
-              <a:buNone/>
-            </a:pPr>
-            <a:endParaRPr lang="nb-NO" sz="2800" smtClean="0"/>
-          </a:p>
-          <a:p>
-            <a:pPr algn="ctr">
-              <a:buFont typeface="Arial" pitchFamily="34" charset="0"/>
-              <a:buNone/>
-            </a:pPr>
-            <a:r>
-              <a:rPr lang="nb-NO" sz="2800" smtClean="0"/>
-              <a:t>(det finnes maling som tørker raskere)</a:t>
-            </a:r>
-            <a:endParaRPr lang="en-US" sz="2800" smtClean="0"/>
+              <a:rPr lang="nb-NO" dirty="0" smtClean="0"/>
+              <a:t>git reset --hard v1 (first try)</a:t>
+            </a:r>
+            <a:endParaRPr lang="en-US" dirty="0"/>
           </a:p>
         </p:txBody>
       </p:sp>
@@ -8595,13 +8995,6 @@
   <p:clrMapOvr>
     <a:masterClrMapping/>
   </p:clrMapOvr>
-  <p:timing>
-    <p:tnLst>
-      <p:par>
-        <p:cTn id="1" dur="indefinite" restart="never" nodeType="tmRoot"/>
-      </p:par>
-    </p:tnLst>
-  </p:timing>
 </p:sld>
 </file>
 
@@ -8624,7 +9017,7 @@
       </p:grpSpPr>
       <p:sp>
         <p:nvSpPr>
-          <p:cNvPr id="9218" name="Title 1"/>
+          <p:cNvPr id="7170" name="Title 1"/>
           <p:cNvSpPr>
             <a:spLocks noGrp="1"/>
           </p:cNvSpPr>
@@ -8632,19 +9025,14 @@
             <p:ph type="title"/>
           </p:nvPr>
         </p:nvSpPr>
-        <p:spPr>
-          <a:xfrm>
-            <a:off x="457200" y="1600200"/>
-            <a:ext cx="8229600" cy="1143000"/>
-          </a:xfrm>
-        </p:spPr>
+        <p:spPr/>
         <p:txBody>
           <a:bodyPr/>
           <a:lstStyle/>
           <a:p>
             <a:r>
               <a:rPr lang="nb-NO" smtClean="0"/>
-              <a:t>Løs det!</a:t>
+              <a:t>Balance check krav</a:t>
             </a:r>
             <a:endParaRPr lang="en-US" smtClean="0"/>
           </a:p>
@@ -8652,104 +9040,62 @@
       </p:sp>
       <p:sp>
         <p:nvSpPr>
-          <p:cNvPr id="9219" name="AutoShape 2" descr="data:image/jpg;base64,/9j/4AAQSkZJRgABAQAAAQABAAD/2wCEAAkGBhQQEBQUEBQVFBQUFBUUFxcUFBQUFBUUFBQVFRQUFBUXHCYeFxkkGRcUHy8gIycpLCwsFR4xNTAqNSYrLCkBCQoKDgwOGg8PGjUfHR8qLCwsLCwsLCkpLCksKSkpLCosKSwpLSkpKSksKSkpKSksKSksKSwpKSwsKSkpKSwpLP/AABEIAOAA4AMBIgACEQEDEQH/xAAcAAACAgMBAQAAAAAAAAAAAAAAAQIGAwUHBAj/xAA/EAACAQICBQkECAYCAwAAAAAAAQIDEQQSBQYhMUETUWFxgZGhscEHIlLRFBYjMkJikuEVQ1NUgvCDojNEcv/EABoBAQACAwEAAAAAAAAAAAAAAAABAwIEBQb/xAAuEQACAgEDAwEHBAMBAAAAAAAAAQIRAwQSURMhMQUUIkFCUmGRMnGBobHR8BX/2gAMAwEAAhEDEQA/AO4gAAAAAAAAAAAK5XNN694bCtxbdSa3xhts+ZyexGMpKPdlmPFPI9sFbLIBzat7YLP3cPddNTb4RIw9sfPh+6p84lXtGPk3f/L1VXt/tf7Olgc+Xtepr71Ca6pxfojPS9rmGe+nVXZF+pPXx8mD9O1K+Rl6Ap0falhOPKr/AAv5Mzw9peCf8yS66cvRGXVhyVvR6hfI/wAFqArUfaJgX/O74TXoZPr9gv7iP6Z/InqQ5MfZc30P8MsIGgWveC/uId0vkTWu2C/uKfj8hvjyY+z5fpf4ZvANNHXDBv8A9il+oz0tY8NL7tek/wDkj8yd0eSHhyLzF/g2QGOnWjJXi1Jc6aa8CZkVDAAAAAAAAAAAAAAAAAAAAhWqKMW3uSu+wAqvtB1heHoZKcss573xUejmvznGq+Ibb6S06+6RdWrt47epcF3FQkczUSuf7HtPStOseBS+LI3DMDEyg6xOVS5FS2kRoEE51bkcxG40ANyJRqGNsLkgm5ByhAYBLlCSqMxDRAN3ofTVWjJSpzlF9D81xOr6ra4rEJQq2jU4PdGfyZxOi9pa9FSajF8bF+LI4s5+v0OPNC2qfJ2m4yv6sae5aOSo/tIrf8S5+ssB0k7Vo8VkxyxycZAAASVgAAAAAAAAAAAafWXFZaWVb5u3Yt/obcqetmJ9+3wx89vyDLMSuSRyzWOvmry6NhqGj1Y2rmnJ87fmWHQ+rNGWF5fEzlFNv7u618q4NvacpRc5No908sdNiju+yKkRsXD6qYetsw2Ji5cIzW191n4Fax+j50KjhUVpLufSnxREoOPczxamGV0vPD7M8lgsZqGHlOSjFNybskt7fMZ8foupQllqwcW1dXttXRYxp1Zc5xvbfc8QEkjJLDSUVJxeV7nZ2fU9xFEtowgiQOm1vTV+fYSCLAyck7Xs7br22d5FICyNhpHqoaOqVNsKc5LnjFteCIV8FOn9+Mo//UWvMUzFTi3V9xUltLVgFaK6kVegtpa8KvdXUvInH5J1H6DY4TEOnJSi7NO6OkaI0iq9JTW/dJc0lvRzGBYNVtJ8lVUW/dnsfRL8L9O03sUqdHmfUMG+O5eUXwBDNk88AAAAAAAAAAABznW3Gf8All1peR0HFVcsJPmi34HKNbK9qdudleR1Fm9oYb8yX3KTLazomJo0YYCjTxMpQi1HbHfmtm5t20502bHS2sNTEwhGeVKG6ytfZa77jQxzUYvlnrNVp5ZpQp0k7fP2N1hMFgaU41FiZPK8yjl23W1bkajWXSyxVfNBbLKMed2vt67s1Bu9WcfQoSdSupSmvuJJNX5+sbt3uvsiHh6V5e85JUjeaI0bHR9H6RXV6slaEfhvw6HzvhuHp9/TcDGul79NvMlw4SXVuZrauvtdybWTLwi43sua+9mz0JrgqzlTxKpwjKLV0sqfBp3fMXqcJe4n2OfPDqIvryjck77P4cVRRYradSnQo/RqWHrWXKQUYr8yindPg7s59Tw0PpKgpJw5RLNwy5t/cbrXrSKlWpqnJPJHfF3s27711Irxy2RbNnVwefJjgu3l3/g1WO0FOhiI0pK6lJKL4Si2lc3PtBqLPSgkllg33uyXcj36vaap4uMIYm3K02pQk9ma3G/PzriabWusq2OypqyyQvfZ07e1mTUVB7fiyuE8k88VkXeCd8P7nv1jSpaOw9O1nLL4Ru/Fo8mgdC0qdB4rErNFfchwbvZN8+3gZ9fMSpSpU4NNQi27O9r2S8ES0XpOhiMKsNiJcm4/dlw2O6d/Rkuuo/suxXHetMmr96VuvNNnhxOvVZ7KSjTityjFPzPPjtb61ai6dRQae+WXb2cF1nu+pdO93iqWXnur+Z5dMYfB0qeSi5VKt9s7+709DMGppNt/2bWL2ZyShC3zT7fu2ajCRvJdZaqC2Fc0ZD30WSkVQOhqX2SM8D00meeBnpmwjk5PB0TQuP5ajGT3r3ZdaNgVPVDF2nKD3SV11r9vIthtxdo8vnhsyNAAAZFIAAAAAAAa7T9bLQl02RyXW6rdxR0zWqtaMI9b9Pmcn1jqZqvVsNfUP3TtekQvLfBo2Im0KxoHrbIASYmKFiaAYkBYXBjACxJgxisSQPMxDBAgENIEicIkMzibHRNPb1I31M1Oiaey/OzbwM4GvqH3M0DNAwwPRBGwjmZDY6Ir5KsJc0lfqex+Z0A5vRR0PB1c1OD54p+BsQ8HC1q95MzAAFhzwAAAAAEAVDW3EfaP8sV82cn0nXcpuXBsvOu+kbOpbfKTivIpmkstOnFcWu00dTK+3B6r0jHtjufxPAqyYzxrFWMix8eMV3tGish6BwPTlFYxfTIczXaTWIh8Ul2Jme9GG1ksgZBcrH412pjU/wA0fEnciNoOAshPN0x7wu+jvJ3IimRyCyE7vo70F+rvG5DayGUaiPN1d44r80V1jcidrEomajTvvMrwCUMyq03+VN5u5oWFpuTSuYtmcKfc3GDp2ij3RR5KMbJLmPZAviaWbyZoGemjBBHppouic/Iemii6aBq3oxXwtx9fUp1BFp1al7kl+a/p6F8DjatXE3QABacwAAAAMeIqZYSlzJvuRkNZrHiOTw1Rvmt3/tcMmKt0cj1kxXKYhR4R95+bKnpHGOpNvhfZ1Gwx2Ovyk+M20urj6GjntOPmluZ77R4unBLhCbE2MCijcsVwuOwWJoncCkSzEUhtEULJ57i5RkUCFCyWcTrMQxRO4fKByjINBYiiUzJGsbbRuNtJGlR6KE7Mjw7Rn2aov845oKS6yVJni1bxfKU3B9h6qGy65mb0XdM5WVNXF/A9cEemkjzwPTRNiJzch7aC2Fp1dhanf/eLKsnaJcNCwtS/3mLo+Tj6p+7/ACbAAAtOaAAAAFP9p2P5PCZVvnK3h+5b2ct9rmOvWpUl+GOZ9r/YqzOoM3dBj6meK/k5xjJblzI8kjNXd2zE0clq2e6j2RGwrEhWFCxAx2CxFE2IEOwNChZFoZILE0LEwHYLEULEgQ7ARRNiJxYgRi0WRZutA47k6kebcy111ap0SSZQ8POzLnQrZ6FOfGLyv0LsMu1FGpj3UuexsaR7KKPFRZ76KN6Jws3Y9tOF7Lna8y56Ojamu3zKhhleUev0Lnho2hHqRfA4eqfhGUAAsNIAAABHD/aBjuVx1Z8ItQX+Ks/U7bXqqMZSe6KbfYrnztpPEOpOcnvlKUu9mrqX2SO36NC8kpcI1kiLMqiRcTRPVWY7BYnlDKCLINCMmUVhRNkEFjJlFYgWRyhYk4hYCyAx5R2BNkLDsOwNChZFjCxKxFGSZKDLNoDEXpzpvmzLs3+BWIo2mia+WafZ2MhdpWWSW+NFwwU7xRtcOjSaNnvRvMIjexnntWtrZs8BG812/IuUVZFS0RC9Tu8y3G1A89qX7wAAGZqgAAAabXDF8lga8uORxXXK0fU4JiDsntQxGXBJfHUiuxJv0OM1HtNDUu5Ueo9GhWJy5ZjyiaJiNc7NkMoZSdgsBZDKGUyWFYCyGUHEnYGhQsgoCymSw2hQsxZQcTJYLCibMWUMplyiygmzHlCxkyjsQTZBRM2HlZkFEyRRi0XQkWjRNb3l0otGDKTo2ra3Qy7YB3XYbWB2cf1KNdzfaAhefavBFnK/q7Da31v0LAb0fB5TO/fYAAGRQAAABz/2uVvs6EeeU5dyS9TlMt50n2uVftKMeaEn3yt6HNmc7N+tnr/TFWnX/fETQrEmgKjoCAYIAQWHYABBYYABYRIACNgsSYWJJEKxICARSCwx2BIIkkKxKJiyyLPfgZl60PK8E+goOFkXbV2pen1MtwPuafqKvHZeNXado9nm7m5NboKNqfd5GyOkvB4rK7mwAAJKwEMUnZAHJPajis+Lt8FNR7drfn4FGLnrrgakqrqWumuHB3e8qTo9Bzcv6mey0DXQikzDYDJyYnArNwgBPIGQAgBPKGUAgOw7DykgjYCeUMpAIASSFYkkQWJZQsARAlYLAkSJRFYkkQZIzYd7S46rzupLqKbS3ls1Ul9pbnt5onG6mV6xXgZ1PRUbU+09h58DG1OPVfvPQdRHgpeQAAJIAjPcyQmgCp1IHmqYKD3xT7Pmi2vR9P4UQloqm/w+LMWkyxTa8FNlomm99OH6UY56Cov+XH9KRdHoenzPvIfwOn+bvXyI2Lgs68uWUl6v0P6ce4hLVig/5cV1XLs9Aw55eBCWr0fifciOnHgyWpyL5mUiWqdD4P8As/mQep1B7lJf5F4+ry4S/wCv7kfq+/iXcyOlHgzWsyr5mUX6m0U9ub9X7EpamUX8S/y/Yuj1fn8UfEHoOf5e8dKHBPtub6mUWeo9PhKa7mY5ajR3Z33IvctCTW5L9RB6HqfDbqaZj0YcGa1+f6igT1FfCou2P7mN6jz+OPdI6B/Cqi/DLzIywE9zhLuZHQgWL1LPyc9nqRUW6UPH5GN6l1vy/q/Y6H9DkvwvuZH6M/h8COhEzXqmZcHOnqfX+FfqRjnqrXX4L9Ukzo/JPmt4XCNPs/3pI9njyZr1XLwjm31Zr/034fMh/AK39OXcdNdL/XuJwp9RD065LF6vk4RzKGgq39Of6WW7VfQE6clUns2bI8e0ssKfQeyhHcTDTpO7MM/q2TJBwqrNxRjaKXQiYkM2jhgAAAAAAAAAAAAAAAAAAAAAAAAAAAAAAAAAAAAJxRF0Yvgu5EwAMX0aPwx7kL6JD4Y9yMwAGH6JD4V3DWGit0UZQAAAAAAAAD//2Q=="/>
-          <p:cNvSpPr>
-            <a:spLocks noChangeAspect="1" noChangeArrowheads="1"/>
-          </p:cNvSpPr>
-          <p:nvPr/>
-        </p:nvSpPr>
-        <p:spPr bwMode="auto">
-          <a:xfrm>
-            <a:off x="155575" y="-144463"/>
-            <a:ext cx="304800" cy="304801"/>
-          </a:xfrm>
-          <a:prstGeom prst="rect">
-            <a:avLst/>
-          </a:prstGeom>
-          <a:noFill/>
-          <a:ln w="9525">
-            <a:noFill/>
-            <a:miter lim="800000"/>
-            <a:headEnd/>
-            <a:tailEnd/>
-          </a:ln>
-        </p:spPr>
+          <p:cNvPr id="7171" name="Content Placeholder 2"/>
+          <p:cNvSpPr>
+            <a:spLocks noGrp="1"/>
+          </p:cNvSpPr>
+          <p:nvPr>
+            <p:ph idx="1"/>
+          </p:nvPr>
+        </p:nvSpPr>
+        <p:spPr/>
         <p:txBody>
           <a:bodyPr/>
           <a:lstStyle/>
           <a:p>
-            <a:endParaRPr lang="en-US">
-              <a:latin typeface="Calibri" pitchFamily="34" charset="0"/>
-            </a:endParaRPr>
-          </a:p>
-        </p:txBody>
-      </p:sp>
-      <p:sp>
-        <p:nvSpPr>
-          <p:cNvPr id="9220" name="AutoShape 4" descr="data:image/jpg;base64,/9j/4AAQSkZJRgABAQAAAQABAAD/2wCEAAkGBhQQEBQUEBQVFBQUFBUUFxcUFBQUFBUUFBQVFRQUFBUXHCYeFxkkGRcUHy8gIycpLCwsFR4xNTAqNSYrLCkBCQoKDgwOGg8PGjUfHR8qLCwsLCwsLCkpLCksKSkpLCosKSwpLSkpKSksKSkpKSksKSksKSwpKSwsKSkpKSwpLP/AABEIAOAA4AMBIgACEQEDEQH/xAAcAAACAgMBAQAAAAAAAAAAAAAAAQIGAwUHBAj/xAA/EAACAQICBQkECAYCAwAAAAAAAQIDEQQSBQYhMUETUWFxgZGhscEHIlLRFBYjMkJikuEVQ1NUgvCDojNEcv/EABoBAQACAwEAAAAAAAAAAAAAAAABAwIEBQb/xAAuEQACAgEDAwEHBAMBAAAAAAAAAQIRAwQSURMhMQUUIkFCUmGRMnGBobHR8BX/2gAMAwEAAhEDEQA/AO4gAAAAAAAAAAAK5XNN694bCtxbdSa3xhts+ZyexGMpKPdlmPFPI9sFbLIBzat7YLP3cPddNTb4RIw9sfPh+6p84lXtGPk3f/L1VXt/tf7Olgc+Xtepr71Ca6pxfojPS9rmGe+nVXZF+pPXx8mD9O1K+Rl6Ap0falhOPKr/AAv5Mzw9peCf8yS66cvRGXVhyVvR6hfI/wAFqArUfaJgX/O74TXoZPr9gv7iP6Z/InqQ5MfZc30P8MsIGgWveC/uId0vkTWu2C/uKfj8hvjyY+z5fpf4ZvANNHXDBv8A9il+oz0tY8NL7tek/wDkj8yd0eSHhyLzF/g2QGOnWjJXi1Jc6aa8CZkVDAAAAAAAAAAAAAAAAAAAAhWqKMW3uSu+wAqvtB1heHoZKcss573xUejmvznGq+Ibb6S06+6RdWrt47epcF3FQkczUSuf7HtPStOseBS+LI3DMDEyg6xOVS5FS2kRoEE51bkcxG40ANyJRqGNsLkgm5ByhAYBLlCSqMxDRAN3ofTVWjJSpzlF9D81xOr6ra4rEJQq2jU4PdGfyZxOi9pa9FSajF8bF+LI4s5+v0OPNC2qfJ2m4yv6sae5aOSo/tIrf8S5+ssB0k7Vo8VkxyxycZAAASVgAAAAAAAAAAAafWXFZaWVb5u3Yt/obcqetmJ9+3wx89vyDLMSuSRyzWOvmry6NhqGj1Y2rmnJ87fmWHQ+rNGWF5fEzlFNv7u618q4NvacpRc5No908sdNiju+yKkRsXD6qYetsw2Ji5cIzW191n4Fax+j50KjhUVpLufSnxREoOPczxamGV0vPD7M8lgsZqGHlOSjFNybskt7fMZ8foupQllqwcW1dXttXRYxp1Zc5xvbfc8QEkjJLDSUVJxeV7nZ2fU9xFEtowgiQOm1vTV+fYSCLAyck7Xs7br22d5FICyNhpHqoaOqVNsKc5LnjFteCIV8FOn9+Mo//UWvMUzFTi3V9xUltLVgFaK6kVegtpa8KvdXUvInH5J1H6DY4TEOnJSi7NO6OkaI0iq9JTW/dJc0lvRzGBYNVtJ8lVUW/dnsfRL8L9O03sUqdHmfUMG+O5eUXwBDNk88AAAAAAAAAAABznW3Gf8All1peR0HFVcsJPmi34HKNbK9qdudleR1Fm9oYb8yX3KTLazomJo0YYCjTxMpQi1HbHfmtm5t20502bHS2sNTEwhGeVKG6ytfZa77jQxzUYvlnrNVp5ZpQp0k7fP2N1hMFgaU41FiZPK8yjl23W1bkajWXSyxVfNBbLKMed2vt67s1Bu9WcfQoSdSupSmvuJJNX5+sbt3uvsiHh6V5e85JUjeaI0bHR9H6RXV6slaEfhvw6HzvhuHp9/TcDGul79NvMlw4SXVuZrauvtdybWTLwi43sua+9mz0JrgqzlTxKpwjKLV0sqfBp3fMXqcJe4n2OfPDqIvryjck77P4cVRRYradSnQo/RqWHrWXKQUYr8yindPg7s59Tw0PpKgpJw5RLNwy5t/cbrXrSKlWpqnJPJHfF3s27711Irxy2RbNnVwefJjgu3l3/g1WO0FOhiI0pK6lJKL4Si2lc3PtBqLPSgkllg33uyXcj36vaap4uMIYm3K02pQk9ma3G/PzriabWusq2OypqyyQvfZ07e1mTUVB7fiyuE8k88VkXeCd8P7nv1jSpaOw9O1nLL4Ru/Fo8mgdC0qdB4rErNFfchwbvZN8+3gZ9fMSpSpU4NNQi27O9r2S8ES0XpOhiMKsNiJcm4/dlw2O6d/Rkuuo/suxXHetMmr96VuvNNnhxOvVZ7KSjTityjFPzPPjtb61ai6dRQae+WXb2cF1nu+pdO93iqWXnur+Z5dMYfB0qeSi5VKt9s7+709DMGppNt/2bWL2ZyShC3zT7fu2ajCRvJdZaqC2Fc0ZD30WSkVQOhqX2SM8D00meeBnpmwjk5PB0TQuP5ajGT3r3ZdaNgVPVDF2nKD3SV11r9vIthtxdo8vnhsyNAAAZFIAAAAAAAa7T9bLQl02RyXW6rdxR0zWqtaMI9b9Pmcn1jqZqvVsNfUP3TtekQvLfBo2Im0KxoHrbIASYmKFiaAYkBYXBjACxJgxisSQPMxDBAgENIEicIkMzibHRNPb1I31M1Oiaey/OzbwM4GvqH3M0DNAwwPRBGwjmZDY6Ir5KsJc0lfqex+Z0A5vRR0PB1c1OD54p+BsQ8HC1q95MzAAFhzwAAAAAEAVDW3EfaP8sV82cn0nXcpuXBsvOu+kbOpbfKTivIpmkstOnFcWu00dTK+3B6r0jHtjufxPAqyYzxrFWMix8eMV3tGish6BwPTlFYxfTIczXaTWIh8Ul2Jme9GG1ksgZBcrH412pjU/wA0fEnciNoOAshPN0x7wu+jvJ3IimRyCyE7vo70F+rvG5DayGUaiPN1d44r80V1jcidrEomajTvvMrwCUMyq03+VN5u5oWFpuTSuYtmcKfc3GDp2ij3RR5KMbJLmPZAviaWbyZoGemjBBHppouic/Iemii6aBq3oxXwtx9fUp1BFp1al7kl+a/p6F8DjatXE3QABacwAAAAMeIqZYSlzJvuRkNZrHiOTw1Rvmt3/tcMmKt0cj1kxXKYhR4R95+bKnpHGOpNvhfZ1Gwx2Ovyk+M20urj6GjntOPmluZ77R4unBLhCbE2MCijcsVwuOwWJoncCkSzEUhtEULJ57i5RkUCFCyWcTrMQxRO4fKByjINBYiiUzJGsbbRuNtJGlR6KE7Mjw7Rn2aov845oKS6yVJni1bxfKU3B9h6qGy65mb0XdM5WVNXF/A9cEemkjzwPTRNiJzch7aC2Fp1dhanf/eLKsnaJcNCwtS/3mLo+Tj6p+7/ACbAAAtOaAAAAFP9p2P5PCZVvnK3h+5b2ct9rmOvWpUl+GOZ9r/YqzOoM3dBj6meK/k5xjJblzI8kjNXd2zE0clq2e6j2RGwrEhWFCxAx2CxFE2IEOwNChZFoZILE0LEwHYLEULEgQ7ARRNiJxYgRi0WRZutA47k6kebcy111ap0SSZQ8POzLnQrZ6FOfGLyv0LsMu1FGpj3UuexsaR7KKPFRZ76KN6Jws3Y9tOF7Lna8y56Ojamu3zKhhleUev0Lnho2hHqRfA4eqfhGUAAsNIAAABHD/aBjuVx1Z8ItQX+Ks/U7bXqqMZSe6KbfYrnztpPEOpOcnvlKUu9mrqX2SO36NC8kpcI1kiLMqiRcTRPVWY7BYnlDKCLINCMmUVhRNkEFjJlFYgWRyhYk4hYCyAx5R2BNkLDsOwNChZFjCxKxFGSZKDLNoDEXpzpvmzLs3+BWIo2mia+WafZ2MhdpWWSW+NFwwU7xRtcOjSaNnvRvMIjexnntWtrZs8BG812/IuUVZFS0RC9Tu8y3G1A89qX7wAAGZqgAAAabXDF8lga8uORxXXK0fU4JiDsntQxGXBJfHUiuxJv0OM1HtNDUu5Ueo9GhWJy5ZjyiaJiNc7NkMoZSdgsBZDKGUyWFYCyGUHEnYGhQsgoCymSw2hQsxZQcTJYLCibMWUMplyiygmzHlCxkyjsQTZBRM2HlZkFEyRRi0XQkWjRNb3l0otGDKTo2ra3Qy7YB3XYbWB2cf1KNdzfaAhefavBFnK/q7Da31v0LAb0fB5TO/fYAAGRQAAABz/2uVvs6EeeU5dyS9TlMt50n2uVftKMeaEn3yt6HNmc7N+tnr/TFWnX/fETQrEmgKjoCAYIAQWHYABBYYABYRIACNgsSYWJJEKxICARSCwx2BIIkkKxKJiyyLPfgZl60PK8E+goOFkXbV2pen1MtwPuafqKvHZeNXado9nm7m5NboKNqfd5GyOkvB4rK7mwAAJKwEMUnZAHJPajis+Lt8FNR7drfn4FGLnrrgakqrqWumuHB3e8qTo9Bzcv6mey0DXQikzDYDJyYnArNwgBPIGQAgBPKGUAgOw7DykgjYCeUMpAIASSFYkkQWJZQsARAlYLAkSJRFYkkQZIzYd7S46rzupLqKbS3ls1Ul9pbnt5onG6mV6xXgZ1PRUbU+09h58DG1OPVfvPQdRHgpeQAAJIAjPcyQmgCp1IHmqYKD3xT7Pmi2vR9P4UQloqm/w+LMWkyxTa8FNlomm99OH6UY56Cov+XH9KRdHoenzPvIfwOn+bvXyI2Lgs68uWUl6v0P6ce4hLVig/5cV1XLs9Aw55eBCWr0fifciOnHgyWpyL5mUiWqdD4P8As/mQep1B7lJf5F4+ry4S/wCv7kfq+/iXcyOlHgzWsyr5mUX6m0U9ub9X7EpamUX8S/y/Yuj1fn8UfEHoOf5e8dKHBPtub6mUWeo9PhKa7mY5ajR3Z33IvctCTW5L9RB6HqfDbqaZj0YcGa1+f6igT1FfCou2P7mN6jz+OPdI6B/Cqi/DLzIywE9zhLuZHQgWL1LPyc9nqRUW6UPH5GN6l1vy/q/Y6H9DkvwvuZH6M/h8COhEzXqmZcHOnqfX+FfqRjnqrXX4L9Ukzo/JPmt4XCNPs/3pI9njyZr1XLwjm31Zr/034fMh/AK39OXcdNdL/XuJwp9RD065LF6vk4RzKGgq39Of6WW7VfQE6clUns2bI8e0ssKfQeyhHcTDTpO7MM/q2TJBwqrNxRjaKXQiYkM2jhgAAAAAAAAAAAAAAAAAAAAAAAAAAAAAAAAAAAAJxRF0Yvgu5EwAMX0aPwx7kL6JD4Y9yMwAGH6JD4V3DWGit0UZQAAAAAAAAD//2Q=="/>
-          <p:cNvSpPr>
-            <a:spLocks noChangeAspect="1" noChangeArrowheads="1"/>
-          </p:cNvSpPr>
-          <p:nvPr/>
-        </p:nvSpPr>
-        <p:spPr bwMode="auto">
-          <a:xfrm>
-            <a:off x="155575" y="-144463"/>
-            <a:ext cx="304800" cy="304801"/>
-          </a:xfrm>
-          <a:prstGeom prst="rect">
-            <a:avLst/>
-          </a:prstGeom>
-          <a:noFill/>
-          <a:ln w="9525">
-            <a:noFill/>
-            <a:miter lim="800000"/>
-            <a:headEnd/>
-            <a:tailEnd/>
-          </a:ln>
-        </p:spPr>
-        <p:txBody>
-          <a:bodyPr/>
-          <a:lstStyle/>
-          <a:p>
-            <a:endParaRPr lang="en-US">
-              <a:latin typeface="Calibri" pitchFamily="34" charset="0"/>
-            </a:endParaRPr>
-          </a:p>
-        </p:txBody>
-      </p:sp>
-      <p:pic>
-        <p:nvPicPr>
-          <p:cNvPr id="9221" name="Picture 6" descr="http://uv-blog.uio.no/wpmu/wp-content/blogs.dir/18/old-mediafiles/bilder/panic-button.jpg"/>
-          <p:cNvPicPr>
-            <a:picLocks noChangeAspect="1" noChangeArrowheads="1"/>
-          </p:cNvPicPr>
-          <p:nvPr/>
-        </p:nvPicPr>
-        <p:blipFill>
-          <a:blip r:embed="rId2" cstate="print"/>
-          <a:srcRect/>
-          <a:stretch>
-            <a:fillRect/>
-          </a:stretch>
-        </p:blipFill>
-        <p:spPr bwMode="auto">
-          <a:xfrm>
-            <a:off x="3276600" y="2514600"/>
-            <a:ext cx="3305175" cy="3295650"/>
-          </a:xfrm>
-          <a:prstGeom prst="rect">
-            <a:avLst/>
-          </a:prstGeom>
-          <a:noFill/>
-          <a:ln w="9525">
-            <a:noFill/>
-            <a:miter lim="800000"/>
-            <a:headEnd/>
-            <a:tailEnd/>
-          </a:ln>
-        </p:spPr>
-      </p:pic>
+            <a:pPr>
+              <a:buFont typeface="Wingdings" pitchFamily="2" charset="2"/>
+              <a:buChar char="ü"/>
+            </a:pPr>
+            <a:endParaRPr lang="nb-NO" sz="2000" smtClean="0"/>
+          </a:p>
+          <a:p>
+            <a:pPr>
+              <a:buFont typeface="Wingdings" pitchFamily="2" charset="2"/>
+              <a:buChar char="ü"/>
+            </a:pPr>
+            <a:r>
+              <a:rPr lang="nb-NO" sz="2000" smtClean="0"/>
+              <a:t>Hvis noen transaksjoner mangler dekning skal ingen av transaksjonene i fila til clearing.</a:t>
+            </a:r>
+          </a:p>
+          <a:p>
+            <a:pPr>
+              <a:buFont typeface="Wingdings" pitchFamily="2" charset="2"/>
+              <a:buChar char="ü"/>
+            </a:pPr>
+            <a:endParaRPr lang="nb-NO" sz="2000" smtClean="0"/>
+          </a:p>
+          <a:p>
+            <a:pPr>
+              <a:buFont typeface="Wingdings" pitchFamily="2" charset="2"/>
+              <a:buChar char="ü"/>
+            </a:pPr>
+            <a:r>
+              <a:rPr lang="nb-NO" sz="2000" smtClean="0"/>
+              <a:t>Reserveringer gjort av balance check systemet skal tilbakestilles innen 1 minutt, uavhengig av om pengene faktisk blir clearet eller om det mangler dekning.</a:t>
+            </a:r>
+            <a:endParaRPr lang="nb-NO" smtClean="0"/>
+          </a:p>
+          <a:p>
+            <a:pPr>
+              <a:buFont typeface="Arial" pitchFamily="34" charset="0"/>
+              <a:buNone/>
+            </a:pPr>
+            <a:endParaRPr lang="nb-NO" smtClean="0"/>
+          </a:p>
+        </p:txBody>
+      </p:sp>
     </p:spTree>
   </p:cSld>
   <p:clrMapOvr>
@@ -8784,90 +9130,39 @@
       </p:grpSpPr>
       <p:sp>
         <p:nvSpPr>
-          <p:cNvPr id="10242" name="Title 1"/>
-          <p:cNvSpPr>
-            <a:spLocks noGrp="1"/>
-          </p:cNvSpPr>
-          <p:nvPr>
-            <p:ph type="title"/>
-          </p:nvPr>
-        </p:nvSpPr>
-        <p:spPr/>
-        <p:txBody>
-          <a:bodyPr/>
-          <a:lstStyle/>
-          <a:p>
-            <a:r>
-              <a:rPr lang="nb-NO" smtClean="0"/>
-              <a:t>Noen fordeler ved å bruke camel</a:t>
-            </a:r>
-            <a:endParaRPr lang="en-US" smtClean="0"/>
-          </a:p>
-        </p:txBody>
-      </p:sp>
-      <p:sp>
-        <p:nvSpPr>
-          <p:cNvPr id="10243" name="Content Placeholder 2"/>
-          <p:cNvSpPr>
-            <a:spLocks noGrp="1"/>
-          </p:cNvSpPr>
-          <p:nvPr>
-            <p:ph idx="1"/>
-          </p:nvPr>
-        </p:nvSpPr>
-        <p:spPr/>
-        <p:txBody>
-          <a:bodyPr/>
-          <a:lstStyle/>
-          <a:p>
-            <a:endParaRPr lang="en-US" smtClean="0"/>
-          </a:p>
-        </p:txBody>
-      </p:sp>
-      <p:pic>
-        <p:nvPicPr>
-          <p:cNvPr id="10244" name="Picture 2" descr="http://graffletopia.com/images/previews/137/original.png?1250609325"/>
-          <p:cNvPicPr>
-            <a:picLocks noChangeAspect="1" noChangeArrowheads="1"/>
-          </p:cNvPicPr>
+          <p:cNvPr id="4" name="TextBox 3"/>
+          <p:cNvSpPr txBox="1"/>
           <p:nvPr/>
-        </p:nvPicPr>
-        <p:blipFill>
-          <a:blip r:embed="rId3" cstate="print"/>
-          <a:srcRect/>
-          <a:stretch>
-            <a:fillRect/>
-          </a:stretch>
-        </p:blipFill>
-        <p:spPr bwMode="auto">
+        </p:nvSpPr>
+        <p:spPr>
           <a:xfrm>
-            <a:off x="1752600" y="2133600"/>
-            <a:ext cx="5238750" cy="3962400"/>
+            <a:off x="1752600" y="2667000"/>
+            <a:ext cx="5257800" cy="369332"/>
           </a:xfrm>
           <a:prstGeom prst="rect">
             <a:avLst/>
           </a:prstGeom>
           <a:noFill/>
-          <a:ln w="9525">
-            <a:noFill/>
-            <a:miter lim="800000"/>
-            <a:headEnd/>
-            <a:tailEnd/>
-          </a:ln>
-        </p:spPr>
-      </p:pic>
+        </p:spPr>
+        <p:txBody>
+          <a:bodyPr wrap="square" rtlCol="0">
+            <a:spAutoFit/>
+          </a:bodyPr>
+          <a:lstStyle/>
+          <a:p>
+            <a:r>
+              <a:rPr lang="nb-NO" dirty="0" smtClean="0"/>
+              <a:t>git reset --hard v2 (adding jms and transactions)</a:t>
+            </a:r>
+            <a:endParaRPr lang="en-US" dirty="0"/>
+          </a:p>
+        </p:txBody>
+      </p:sp>
     </p:spTree>
   </p:cSld>
   <p:clrMapOvr>
     <a:masterClrMapping/>
   </p:clrMapOvr>
-  <p:timing>
-    <p:tnLst>
-      <p:par>
-        <p:cTn id="1" dur="indefinite" restart="never" nodeType="tmRoot"/>
-      </p:par>
-    </p:tnLst>
-  </p:timing>
 </p:sld>
 </file>
 

--- a/camel-spotting.pptx
+++ b/camel-spotting.pptx
@@ -5,13 +5,13 @@
     <p:sldMasterId id="2147483648" r:id="rId1"/>
   </p:sldMasterIdLst>
   <p:notesMasterIdLst>
-    <p:notesMasterId r:id="rId29"/>
+    <p:notesMasterId r:id="rId31"/>
   </p:notesMasterIdLst>
   <p:sldIdLst>
     <p:sldId id="256" r:id="rId2"/>
     <p:sldId id="257" r:id="rId3"/>
     <p:sldId id="262" r:id="rId4"/>
-    <p:sldId id="264" r:id="rId5"/>
+    <p:sldId id="293" r:id="rId5"/>
     <p:sldId id="280" r:id="rId6"/>
     <p:sldId id="288" r:id="rId7"/>
     <p:sldId id="292" r:id="rId8"/>
@@ -21,20 +21,22 @@
     <p:sldId id="273" r:id="rId12"/>
     <p:sldId id="267" r:id="rId13"/>
     <p:sldId id="290" r:id="rId14"/>
-    <p:sldId id="269" r:id="rId15"/>
-    <p:sldId id="270" r:id="rId16"/>
+    <p:sldId id="296" r:id="rId15"/>
+    <p:sldId id="269" r:id="rId16"/>
     <p:sldId id="283" r:id="rId17"/>
     <p:sldId id="284" r:id="rId18"/>
-    <p:sldId id="271" r:id="rId19"/>
-    <p:sldId id="272" r:id="rId20"/>
-    <p:sldId id="285" r:id="rId21"/>
-    <p:sldId id="286" r:id="rId22"/>
-    <p:sldId id="287" r:id="rId23"/>
-    <p:sldId id="258" r:id="rId24"/>
-    <p:sldId id="282" r:id="rId25"/>
-    <p:sldId id="260" r:id="rId26"/>
-    <p:sldId id="259" r:id="rId27"/>
-    <p:sldId id="261" r:id="rId28"/>
+    <p:sldId id="294" r:id="rId19"/>
+    <p:sldId id="295" r:id="rId20"/>
+    <p:sldId id="286" r:id="rId21"/>
+    <p:sldId id="287" r:id="rId22"/>
+    <p:sldId id="285" r:id="rId23"/>
+    <p:sldId id="271" r:id="rId24"/>
+    <p:sldId id="272" r:id="rId25"/>
+    <p:sldId id="258" r:id="rId26"/>
+    <p:sldId id="282" r:id="rId27"/>
+    <p:sldId id="260" r:id="rId28"/>
+    <p:sldId id="259" r:id="rId29"/>
+    <p:sldId id="261" r:id="rId30"/>
   </p:sldIdLst>
   <p:sldSz cx="9144000" cy="6858000" type="screen4x3"/>
   <p:notesSz cx="6858000" cy="9144000"/>
@@ -787,7 +789,7 @@
       </p:grpSpPr>
       <p:sp>
         <p:nvSpPr>
-          <p:cNvPr id="34818" name="Slide Image Placeholder 1"/>
+          <p:cNvPr id="33794" name="Slide Image Placeholder 1"/>
           <p:cNvSpPr>
             <a:spLocks noGrp="1" noRot="1" noChangeAspect="1" noTextEdit="1"/>
           </p:cNvSpPr>
@@ -809,7 +811,7 @@
       </p:sp>
       <p:sp>
         <p:nvSpPr>
-          <p:cNvPr id="34819" name="Notes Placeholder 2"/>
+          <p:cNvPr id="33795" name="Notes Placeholder 2"/>
           <p:cNvSpPr>
             <a:spLocks noGrp="1"/>
           </p:cNvSpPr>
@@ -835,7 +837,18 @@
             </a:pPr>
             <a:r>
               <a:rPr lang="nb-NO" smtClean="0"/>
-              <a:t>Aktivt community, satsing på lettvektsutvikling.. Mange store bpel orienterte rammeverk etc...</a:t>
+              <a:t>Mainframe</a:t>
+            </a:r>
+          </a:p>
+          <a:p>
+            <a:pPr>
+              <a:spcBef>
+                <a:spcPct val="0"/>
+              </a:spcBef>
+            </a:pPr>
+            <a:r>
+              <a:rPr lang="nb-NO" smtClean="0"/>
+              <a:t>Java – stay etc..</a:t>
             </a:r>
             <a:endParaRPr lang="en-US" smtClean="0"/>
           </a:p>
@@ -843,7 +856,7 @@
       </p:sp>
       <p:sp>
         <p:nvSpPr>
-          <p:cNvPr id="34820" name="Slide Number Placeholder 3"/>
+          <p:cNvPr id="33796" name="Slide Number Placeholder 3"/>
           <p:cNvSpPr>
             <a:spLocks noGrp="1"/>
           </p:cNvSpPr>
@@ -875,7 +888,7 @@
                 <a:spcPct val="0"/>
               </a:spcAft>
             </a:pPr>
-            <a:fld id="{50F2DEF0-BAE7-42EB-98A0-346D655F9FD4}" type="slidenum">
+            <a:fld id="{1351403D-4B64-421B-B3F4-DDBFC716405E}" type="slidenum">
               <a:rPr lang="en-US"/>
               <a:pPr fontAlgn="base">
                 <a:spcBef>
@@ -918,7 +931,7 @@
       </p:grpSpPr>
       <p:sp>
         <p:nvSpPr>
-          <p:cNvPr id="35842" name="Slide Image Placeholder 1"/>
+          <p:cNvPr id="34818" name="Slide Image Placeholder 1"/>
           <p:cNvSpPr>
             <a:spLocks noGrp="1" noRot="1" noChangeAspect="1" noTextEdit="1"/>
           </p:cNvSpPr>
@@ -940,6 +953,137 @@
       </p:sp>
       <p:sp>
         <p:nvSpPr>
+          <p:cNvPr id="34819" name="Notes Placeholder 2"/>
+          <p:cNvSpPr>
+            <a:spLocks noGrp="1"/>
+          </p:cNvSpPr>
+          <p:nvPr>
+            <p:ph type="body" idx="1"/>
+          </p:nvPr>
+        </p:nvSpPr>
+        <p:spPr bwMode="auto">
+          <a:noFill/>
+        </p:spPr>
+        <p:txBody>
+          <a:bodyPr wrap="square" numCol="1" anchor="t" anchorCtr="0" compatLnSpc="1">
+            <a:prstTxWarp prst="textNoShape">
+              <a:avLst/>
+            </a:prstTxWarp>
+          </a:bodyPr>
+          <a:lstStyle/>
+          <a:p>
+            <a:pPr>
+              <a:spcBef>
+                <a:spcPct val="0"/>
+              </a:spcBef>
+            </a:pPr>
+            <a:r>
+              <a:rPr lang="nb-NO" smtClean="0"/>
+              <a:t>Aktivt community, satsing på lettvektsutvikling.. Mange store bpel orienterte rammeverk etc...</a:t>
+            </a:r>
+            <a:endParaRPr lang="en-US" smtClean="0"/>
+          </a:p>
+        </p:txBody>
+      </p:sp>
+      <p:sp>
+        <p:nvSpPr>
+          <p:cNvPr id="34820" name="Slide Number Placeholder 3"/>
+          <p:cNvSpPr>
+            <a:spLocks noGrp="1"/>
+          </p:cNvSpPr>
+          <p:nvPr>
+            <p:ph type="sldNum" sz="quarter" idx="5"/>
+          </p:nvPr>
+        </p:nvSpPr>
+        <p:spPr bwMode="auto">
+          <a:noFill/>
+          <a:ln>
+            <a:miter lim="800000"/>
+            <a:headEnd/>
+            <a:tailEnd/>
+          </a:ln>
+        </p:spPr>
+        <p:txBody>
+          <a:bodyPr wrap="square" numCol="1" anchorCtr="0" compatLnSpc="1">
+            <a:prstTxWarp prst="textNoShape">
+              <a:avLst/>
+            </a:prstTxWarp>
+          </a:bodyPr>
+          <a:lstStyle/>
+          <a:p>
+            <a:pPr fontAlgn="base">
+              <a:spcBef>
+                <a:spcPct val="0"/>
+              </a:spcBef>
+              <a:spcAft>
+                <a:spcPct val="0"/>
+              </a:spcAft>
+            </a:pPr>
+            <a:fld id="{50F2DEF0-BAE7-42EB-98A0-346D655F9FD4}" type="slidenum">
+              <a:rPr lang="en-US"/>
+              <a:pPr fontAlgn="base">
+                <a:spcBef>
+                  <a:spcPct val="0"/>
+                </a:spcBef>
+                <a:spcAft>
+                  <a:spcPct val="0"/>
+                </a:spcAft>
+              </a:pPr>
+              <a:t>27</a:t>
+            </a:fld>
+            <a:endParaRPr lang="en-US"/>
+          </a:p>
+        </p:txBody>
+      </p:sp>
+    </p:spTree>
+  </p:cSld>
+  <p:clrMapOvr>
+    <a:masterClrMapping/>
+  </p:clrMapOvr>
+</p:notes>
+</file>
+
+<file path=ppt/notesSlides/notesSlide12.xml><?xml version="1.0" encoding="utf-8"?>
+<p:notes xmlns:a="http://schemas.openxmlformats.org/drawingml/2006/main" xmlns:r="http://schemas.openxmlformats.org/officeDocument/2006/relationships" xmlns:p="http://schemas.openxmlformats.org/presentationml/2006/main">
+  <p:cSld>
+    <p:spTree>
+      <p:nvGrpSpPr>
+        <p:cNvPr id="1" name=""/>
+        <p:cNvGrpSpPr/>
+        <p:nvPr/>
+      </p:nvGrpSpPr>
+      <p:grpSpPr>
+        <a:xfrm>
+          <a:off x="0" y="0"/>
+          <a:ext cx="0" cy="0"/>
+          <a:chOff x="0" y="0"/>
+          <a:chExt cx="0" cy="0"/>
+        </a:xfrm>
+      </p:grpSpPr>
+      <p:sp>
+        <p:nvSpPr>
+          <p:cNvPr id="35842" name="Slide Image Placeholder 1"/>
+          <p:cNvSpPr>
+            <a:spLocks noGrp="1" noRot="1" noChangeAspect="1" noTextEdit="1"/>
+          </p:cNvSpPr>
+          <p:nvPr>
+            <p:ph type="sldImg"/>
+          </p:nvPr>
+        </p:nvSpPr>
+        <p:spPr bwMode="auto">
+          <a:noFill/>
+          <a:ln>
+            <a:solidFill>
+              <a:srgbClr val="000000"/>
+            </a:solidFill>
+            <a:miter lim="800000"/>
+            <a:headEnd/>
+            <a:tailEnd/>
+          </a:ln>
+        </p:spPr>
+      </p:sp>
+      <p:sp>
+        <p:nvSpPr>
           <p:cNvPr id="35843" name="Notes Placeholder 2"/>
           <p:cNvSpPr>
             <a:spLocks noGrp="1"/>
@@ -1023,7 +1167,7 @@
                   <a:spcPct val="0"/>
                 </a:spcAft>
               </a:pPr>
-              <a:t>26</a:t>
+              <a:t>28</a:t>
             </a:fld>
             <a:endParaRPr lang="en-US"/>
           </a:p>
@@ -1056,7 +1200,7 @@
       </p:grpSpPr>
       <p:sp>
         <p:nvSpPr>
-          <p:cNvPr id="26626" name="Slide Image Placeholder 1"/>
+          <p:cNvPr id="27650" name="Slide Image Placeholder 1"/>
           <p:cNvSpPr>
             <a:spLocks noGrp="1" noRot="1" noChangeAspect="1" noTextEdit="1"/>
           </p:cNvSpPr>
@@ -1078,7 +1222,7 @@
       </p:sp>
       <p:sp>
         <p:nvSpPr>
-          <p:cNvPr id="26627" name="Notes Placeholder 2"/>
+          <p:cNvPr id="27651" name="Notes Placeholder 2"/>
           <p:cNvSpPr>
             <a:spLocks noGrp="1"/>
           </p:cNvSpPr>
@@ -1108,11 +1252,19 @@
             </a:r>
             <a:endParaRPr lang="en-US" smtClean="0"/>
           </a:p>
-        </p:txBody>
-      </p:sp>
-      <p:sp>
-        <p:nvSpPr>
-          <p:cNvPr id="26628" name="Slide Number Placeholder 3"/>
+          <a:p>
+            <a:pPr>
+              <a:spcBef>
+                <a:spcPct val="0"/>
+              </a:spcBef>
+            </a:pPr>
+            <a:endParaRPr lang="en-US" smtClean="0"/>
+          </a:p>
+        </p:txBody>
+      </p:sp>
+      <p:sp>
+        <p:nvSpPr>
+          <p:cNvPr id="27652" name="Slide Number Placeholder 3"/>
           <p:cNvSpPr>
             <a:spLocks noGrp="1"/>
           </p:cNvSpPr>
@@ -1144,7 +1296,7 @@
                 <a:spcPct val="0"/>
               </a:spcAft>
             </a:pPr>
-            <a:fld id="{66F81DCF-263E-42C1-BB78-187353538B67}" type="slidenum">
+            <a:fld id="{B019181C-F302-44A4-95C3-9FC7CF63AA23}" type="slidenum">
               <a:rPr lang="en-US"/>
               <a:pPr fontAlgn="base">
                 <a:spcBef>
@@ -1563,7 +1715,7 @@
                   <a:spcPct val="0"/>
                 </a:spcAft>
               </a:pPr>
-              <a:t>14</a:t>
+              <a:t>15</a:t>
             </a:fld>
             <a:endParaRPr lang="en-US"/>
           </a:p>
@@ -1596,29 +1748,19 @@
       </p:grpSpPr>
       <p:sp>
         <p:nvSpPr>
-          <p:cNvPr id="30722" name="Slide Image Placeholder 1"/>
-          <p:cNvSpPr>
-            <a:spLocks noGrp="1" noRot="1" noChangeAspect="1" noTextEdit="1"/>
+          <p:cNvPr id="2" name="Slide Image Placeholder 1"/>
+          <p:cNvSpPr>
+            <a:spLocks noGrp="1" noRot="1" noChangeAspect="1"/>
           </p:cNvSpPr>
           <p:nvPr>
             <p:ph type="sldImg"/>
           </p:nvPr>
         </p:nvSpPr>
-        <p:spPr bwMode="auto">
-          <a:noFill/>
-          <a:ln>
-            <a:solidFill>
-              <a:srgbClr val="000000"/>
-            </a:solidFill>
-            <a:miter lim="800000"/>
-            <a:headEnd/>
-            <a:tailEnd/>
-          </a:ln>
-        </p:spPr>
-      </p:sp>
-      <p:sp>
-        <p:nvSpPr>
-          <p:cNvPr id="30723" name="Notes Placeholder 2"/>
+        <p:spPr/>
+      </p:sp>
+      <p:sp>
+        <p:nvSpPr>
+          <p:cNvPr id="3" name="Notes Placeholder 2"/>
           <p:cNvSpPr>
             <a:spLocks noGrp="1"/>
           </p:cNvSpPr>
@@ -1626,14 +1768,10 @@
             <p:ph type="body" idx="1"/>
           </p:nvPr>
         </p:nvSpPr>
-        <p:spPr bwMode="auto">
-          <a:noFill/>
-        </p:spPr>
-        <p:txBody>
-          <a:bodyPr wrap="square" numCol="1" anchor="t" anchorCtr="0" compatLnSpc="1">
-            <a:prstTxWarp prst="textNoShape">
-              <a:avLst/>
-            </a:prstTxWarp>
+        <p:spPr/>
+        <p:txBody>
+          <a:bodyPr>
+            <a:normAutofit/>
           </a:bodyPr>
           <a:lstStyle/>
           <a:p>
@@ -1643,7 +1781,7 @@
               </a:spcBef>
             </a:pPr>
             <a:r>
-              <a:rPr lang="nb-NO" smtClean="0"/>
+              <a:rPr lang="nb-NO" dirty="0" smtClean="0"/>
               <a:t>Overdrevet kompleks og lang rute i stedet for en enkelt service som opererer direkte mot database?</a:t>
             </a:r>
           </a:p>
@@ -1653,7 +1791,7 @@
                 <a:spcPct val="0"/>
               </a:spcBef>
             </a:pPr>
-            <a:endParaRPr lang="nb-NO" smtClean="0"/>
+            <a:endParaRPr lang="nb-NO" dirty="0" smtClean="0"/>
           </a:p>
           <a:p>
             <a:pPr>
@@ -1662,58 +1800,40 @@
               </a:spcBef>
             </a:pPr>
             <a:r>
-              <a:rPr lang="nb-NO" smtClean="0"/>
+              <a:rPr lang="nb-NO" dirty="0" smtClean="0"/>
               <a:t>Choice when mrf filter til å hente inn filer med et suffix i stedet for file.listfile(.txt)..</a:t>
             </a:r>
-            <a:endParaRPr lang="en-US" smtClean="0"/>
-          </a:p>
-        </p:txBody>
-      </p:sp>
-      <p:sp>
-        <p:nvSpPr>
-          <p:cNvPr id="30724" name="Slide Number Placeholder 3"/>
-          <p:cNvSpPr>
-            <a:spLocks noGrp="1"/>
-          </p:cNvSpPr>
-          <p:nvPr>
-            <p:ph type="sldNum" sz="quarter" idx="5"/>
-          </p:nvPr>
-        </p:nvSpPr>
-        <p:spPr bwMode="auto">
-          <a:noFill/>
-          <a:ln>
-            <a:miter lim="800000"/>
-            <a:headEnd/>
-            <a:tailEnd/>
-          </a:ln>
-        </p:spPr>
-        <p:txBody>
-          <a:bodyPr wrap="square" numCol="1" anchorCtr="0" compatLnSpc="1">
-            <a:prstTxWarp prst="textNoShape">
-              <a:avLst/>
-            </a:prstTxWarp>
-          </a:bodyPr>
+            <a:endParaRPr lang="en-US" dirty="0" smtClean="0"/>
+          </a:p>
+          <a:p>
+            <a:endParaRPr lang="en-US" dirty="0"/>
+          </a:p>
+        </p:txBody>
+      </p:sp>
+      <p:sp>
+        <p:nvSpPr>
+          <p:cNvPr id="4" name="Slide Number Placeholder 3"/>
+          <p:cNvSpPr>
+            <a:spLocks noGrp="1"/>
+          </p:cNvSpPr>
+          <p:nvPr>
+            <p:ph type="sldNum" sz="quarter" idx="10"/>
+          </p:nvPr>
+        </p:nvSpPr>
+        <p:spPr/>
+        <p:txBody>
+          <a:bodyPr/>
           <a:lstStyle/>
           <a:p>
-            <a:pPr fontAlgn="base">
-              <a:spcBef>
-                <a:spcPct val="0"/>
-              </a:spcBef>
-              <a:spcAft>
-                <a:spcPct val="0"/>
-              </a:spcAft>
-            </a:pPr>
-            <a:fld id="{1EB17CFD-C084-4346-ACD9-9153B34AE76B}" type="slidenum">
-              <a:rPr lang="en-US"/>
-              <a:pPr fontAlgn="base">
-                <a:spcBef>
-                  <a:spcPct val="0"/>
-                </a:spcBef>
-                <a:spcAft>
-                  <a:spcPct val="0"/>
-                </a:spcAft>
+            <a:pPr>
+              <a:defRPr/>
+            </a:pPr>
+            <a:fld id="{FF53409E-C348-4C3A-B1BE-0620CA10F15A}" type="slidenum">
+              <a:rPr lang="en-US" smtClean="0"/>
+              <a:pPr>
+                <a:defRPr/>
               </a:pPr>
-              <a:t>15</a:t>
+              <a:t>16</a:t>
             </a:fld>
             <a:endParaRPr lang="en-US"/>
           </a:p>
@@ -1746,29 +1866,19 @@
       </p:grpSpPr>
       <p:sp>
         <p:nvSpPr>
-          <p:cNvPr id="31746" name="Slide Image Placeholder 1"/>
-          <p:cNvSpPr>
-            <a:spLocks noGrp="1" noRot="1" noChangeAspect="1" noTextEdit="1"/>
+          <p:cNvPr id="2" name="Slide Image Placeholder 1"/>
+          <p:cNvSpPr>
+            <a:spLocks noGrp="1" noRot="1" noChangeAspect="1"/>
           </p:cNvSpPr>
           <p:nvPr>
             <p:ph type="sldImg"/>
           </p:nvPr>
         </p:nvSpPr>
-        <p:spPr bwMode="auto">
-          <a:noFill/>
-          <a:ln>
-            <a:solidFill>
-              <a:srgbClr val="000000"/>
-            </a:solidFill>
-            <a:miter lim="800000"/>
-            <a:headEnd/>
-            <a:tailEnd/>
-          </a:ln>
-        </p:spPr>
-      </p:sp>
-      <p:sp>
-        <p:nvSpPr>
-          <p:cNvPr id="31747" name="Notes Placeholder 2"/>
+        <p:spPr/>
+      </p:sp>
+      <p:sp>
+        <p:nvSpPr>
+          <p:cNvPr id="3" name="Notes Placeholder 2"/>
           <p:cNvSpPr>
             <a:spLocks noGrp="1"/>
           </p:cNvSpPr>
@@ -1776,14 +1886,10 @@
             <p:ph type="body" idx="1"/>
           </p:nvPr>
         </p:nvSpPr>
-        <p:spPr bwMode="auto">
-          <a:noFill/>
-        </p:spPr>
-        <p:txBody>
-          <a:bodyPr wrap="square" numCol="1" anchor="t" anchorCtr="0" compatLnSpc="1">
-            <a:prstTxWarp prst="textNoShape">
-              <a:avLst/>
-            </a:prstTxWarp>
+        <p:spPr/>
+        <p:txBody>
+          <a:bodyPr>
+            <a:normAutofit/>
           </a:bodyPr>
           <a:lstStyle/>
           <a:p>
@@ -1793,58 +1899,81 @@
               </a:spcBef>
             </a:pPr>
             <a:r>
-              <a:rPr lang="nb-NO" smtClean="0"/>
-              <a:t>Spring integration, mule, roll your own?</a:t>
-            </a:r>
-            <a:endParaRPr lang="en-US" smtClean="0"/>
-          </a:p>
-        </p:txBody>
-      </p:sp>
-      <p:sp>
-        <p:nvSpPr>
-          <p:cNvPr id="31748" name="Slide Number Placeholder 3"/>
-          <p:cNvSpPr>
-            <a:spLocks noGrp="1"/>
-          </p:cNvSpPr>
-          <p:nvPr>
-            <p:ph type="sldNum" sz="quarter" idx="5"/>
-          </p:nvPr>
-        </p:nvSpPr>
-        <p:spPr bwMode="auto">
-          <a:noFill/>
-          <a:ln>
-            <a:miter lim="800000"/>
-            <a:headEnd/>
-            <a:tailEnd/>
-          </a:ln>
-        </p:spPr>
-        <p:txBody>
-          <a:bodyPr wrap="square" numCol="1" anchorCtr="0" compatLnSpc="1">
-            <a:prstTxWarp prst="textNoShape">
-              <a:avLst/>
-            </a:prstTxWarp>
-          </a:bodyPr>
-          <a:lstStyle/>
-          <a:p>
-            <a:pPr fontAlgn="base">
+              <a:rPr lang="nb-NO" dirty="0" smtClean="0"/>
+              <a:t>Ja, hvorfor ikke? Du trenger ikke basere hele designet ditt på camel selv om du tar det i bruk.</a:t>
+            </a:r>
+          </a:p>
+          <a:p>
+            <a:pPr>
               <a:spcBef>
                 <a:spcPct val="0"/>
               </a:spcBef>
-              <a:spcAft>
+            </a:pPr>
+            <a:r>
+              <a:rPr lang="nb-NO" dirty="0" smtClean="0"/>
+              <a:t>Særlig om du ikke har noe særlig eget allerede for integrasjon, og kanskje manglende erfaring med integrasjon?</a:t>
+            </a:r>
+          </a:p>
+          <a:p>
+            <a:pPr>
+              <a:spcBef>
                 <a:spcPct val="0"/>
-              </a:spcAft>
-            </a:pPr>
-            <a:fld id="{65F6D26E-3947-40FB-850D-DCD63F1C490E}" type="slidenum">
-              <a:rPr lang="en-US"/>
-              <a:pPr fontAlgn="base">
-                <a:spcBef>
-                  <a:spcPct val="0"/>
-                </a:spcBef>
-                <a:spcAft>
-                  <a:spcPct val="0"/>
-                </a:spcAft>
+              </a:spcBef>
+            </a:pPr>
+            <a:r>
+              <a:rPr lang="nb-NO" dirty="0" smtClean="0"/>
+              <a:t>Men du må fortsatt forvente å bruke meste parten av tiden på å forstå hva som skjer inni camel, antagelig nok tid til at du godt kunne skrevet alt selv, men det hadde ikke blitt noe bedre!</a:t>
+            </a:r>
+          </a:p>
+          <a:p>
+            <a:pPr>
+              <a:spcBef>
+                <a:spcPct val="0"/>
+              </a:spcBef>
+            </a:pPr>
+            <a:endParaRPr lang="nb-NO" dirty="0" smtClean="0"/>
+          </a:p>
+          <a:p>
+            <a:pPr>
+              <a:spcBef>
+                <a:spcPct val="0"/>
+              </a:spcBef>
+            </a:pPr>
+            <a:r>
+              <a:rPr lang="nb-NO" dirty="0" smtClean="0"/>
+              <a:t>Hvis du er som oss veldig opptatt av transaksjoner vil du måtte gjøre en hel del for å få camel ruta di sikker, men dersom du lager applikasjoner som gjør veldig mye integrasjon, og hvor hver melding kanskje ikke har så høy verdi og krav til sikkerhet så vil du kunne få det mye enklere...</a:t>
+            </a:r>
+            <a:endParaRPr lang="en-US" dirty="0" smtClean="0"/>
+          </a:p>
+          <a:p>
+            <a:endParaRPr lang="en-US" dirty="0"/>
+          </a:p>
+        </p:txBody>
+      </p:sp>
+      <p:sp>
+        <p:nvSpPr>
+          <p:cNvPr id="4" name="Slide Number Placeholder 3"/>
+          <p:cNvSpPr>
+            <a:spLocks noGrp="1"/>
+          </p:cNvSpPr>
+          <p:nvPr>
+            <p:ph type="sldNum" sz="quarter" idx="10"/>
+          </p:nvPr>
+        </p:nvSpPr>
+        <p:spPr/>
+        <p:txBody>
+          <a:bodyPr/>
+          <a:lstStyle/>
+          <a:p>
+            <a:pPr>
+              <a:defRPr/>
+            </a:pPr>
+            <a:fld id="{FF53409E-C348-4C3A-B1BE-0620CA10F15A}" type="slidenum">
+              <a:rPr lang="en-US" smtClean="0"/>
+              <a:pPr>
+                <a:defRPr/>
               </a:pPr>
-              <a:t>18</a:t>
+              <a:t>17</a:t>
             </a:fld>
             <a:endParaRPr lang="en-US"/>
           </a:p>
@@ -1877,7 +2006,7 @@
       </p:grpSpPr>
       <p:sp>
         <p:nvSpPr>
-          <p:cNvPr id="32770" name="Slide Image Placeholder 1"/>
+          <p:cNvPr id="31746" name="Slide Image Placeholder 1"/>
           <p:cNvSpPr>
             <a:spLocks noGrp="1" noRot="1" noChangeAspect="1" noTextEdit="1"/>
           </p:cNvSpPr>
@@ -1899,7 +2028,7 @@
       </p:sp>
       <p:sp>
         <p:nvSpPr>
-          <p:cNvPr id="32771" name="Notes Placeholder 2"/>
+          <p:cNvPr id="31747" name="Notes Placeholder 2"/>
           <p:cNvSpPr>
             <a:spLocks noGrp="1"/>
           </p:cNvSpPr>
@@ -1925,48 +2054,7 @@
             </a:pPr>
             <a:r>
               <a:rPr lang="nb-NO" smtClean="0"/>
-              <a:t>Ja, hvorfor ikke? Du trenger ikke basere hele designet ditt på camel selv om du tar det i bruk.</a:t>
-            </a:r>
-          </a:p>
-          <a:p>
-            <a:pPr>
-              <a:spcBef>
-                <a:spcPct val="0"/>
-              </a:spcBef>
-            </a:pPr>
-            <a:r>
-              <a:rPr lang="nb-NO" smtClean="0"/>
-              <a:t>Særlig om du ikke har noe særlig eget allerede for integrasjon, og kanskje manglende erfaring med integrasjon?</a:t>
-            </a:r>
-          </a:p>
-          <a:p>
-            <a:pPr>
-              <a:spcBef>
-                <a:spcPct val="0"/>
-              </a:spcBef>
-            </a:pPr>
-            <a:r>
-              <a:rPr lang="nb-NO" smtClean="0"/>
-              <a:t>Men du må fortsatt forvente å bruke meste parten av tiden på å forstå hva som skjer inni camel, antagelig nok tid til at du godt kunne skrevet alt selv, men det hadde ikke blitt noe bedre!</a:t>
-            </a:r>
-          </a:p>
-          <a:p>
-            <a:pPr>
-              <a:spcBef>
-                <a:spcPct val="0"/>
-              </a:spcBef>
-            </a:pPr>
-            <a:endParaRPr lang="nb-NO" smtClean="0"/>
-          </a:p>
-          <a:p>
-            <a:pPr>
-              <a:spcBef>
-                <a:spcPct val="0"/>
-              </a:spcBef>
-            </a:pPr>
-            <a:r>
-              <a:rPr lang="nb-NO" smtClean="0"/>
-              <a:t>Hvis du er som oss veldig opptatt av transaksjoner vil du måtte gjøre en hel del for å få camel ruta di sikker, men dersom du lager applikasjoner som gjør veldig mye integrasjon, og hvor hver melding kanskje ikke har så høy verdi og krav til sikkerhet så vil du kunne få det mye enklere...</a:t>
+              <a:t>Spring integration, mule, roll your own?</a:t>
             </a:r>
             <a:endParaRPr lang="en-US" smtClean="0"/>
           </a:p>
@@ -1974,7 +2062,7 @@
       </p:sp>
       <p:sp>
         <p:nvSpPr>
-          <p:cNvPr id="32772" name="Slide Number Placeholder 3"/>
+          <p:cNvPr id="31748" name="Slide Number Placeholder 3"/>
           <p:cNvSpPr>
             <a:spLocks noGrp="1"/>
           </p:cNvSpPr>
@@ -2006,7 +2094,7 @@
                 <a:spcPct val="0"/>
               </a:spcAft>
             </a:pPr>
-            <a:fld id="{291480E2-4D1C-4BFD-B4A4-375A3FAA87D7}" type="slidenum">
+            <a:fld id="{65F6D26E-3947-40FB-850D-DCD63F1C490E}" type="slidenum">
               <a:rPr lang="en-US"/>
               <a:pPr fontAlgn="base">
                 <a:spcBef>
@@ -2016,7 +2104,7 @@
                   <a:spcPct val="0"/>
                 </a:spcAft>
               </a:pPr>
-              <a:t>19</a:t>
+              <a:t>23</a:t>
             </a:fld>
             <a:endParaRPr lang="en-US"/>
           </a:p>
@@ -2049,7 +2137,7 @@
       </p:grpSpPr>
       <p:sp>
         <p:nvSpPr>
-          <p:cNvPr id="33794" name="Slide Image Placeholder 1"/>
+          <p:cNvPr id="32770" name="Slide Image Placeholder 1"/>
           <p:cNvSpPr>
             <a:spLocks noGrp="1" noRot="1" noChangeAspect="1" noTextEdit="1"/>
           </p:cNvSpPr>
@@ -2071,7 +2159,7 @@
       </p:sp>
       <p:sp>
         <p:nvSpPr>
-          <p:cNvPr id="33795" name="Notes Placeholder 2"/>
+          <p:cNvPr id="32771" name="Notes Placeholder 2"/>
           <p:cNvSpPr>
             <a:spLocks noGrp="1"/>
           </p:cNvSpPr>
@@ -2096,8 +2184,8 @@
               </a:spcBef>
             </a:pPr>
             <a:r>
-              <a:rPr lang="nb-NO" smtClean="0"/>
-              <a:t>Mainframe</a:t>
+              <a:rPr lang="nb-NO" dirty="0" smtClean="0"/>
+              <a:t>Ja, hvorfor ikke? Du trenger ikke basere hele designet ditt på camel selv om du tar det i bruk.</a:t>
             </a:r>
           </a:p>
           <a:p>
@@ -2107,16 +2195,46 @@
               </a:spcBef>
             </a:pPr>
             <a:r>
-              <a:rPr lang="nb-NO" smtClean="0"/>
-              <a:t>Java – stay etc..</a:t>
-            </a:r>
-            <a:endParaRPr lang="en-US" smtClean="0"/>
-          </a:p>
-        </p:txBody>
-      </p:sp>
-      <p:sp>
-        <p:nvSpPr>
-          <p:cNvPr id="33796" name="Slide Number Placeholder 3"/>
+              <a:rPr lang="nb-NO" dirty="0" smtClean="0"/>
+              <a:t>Særlig om du ikke har noe særlig eget allerede for integrasjon, og kanskje manglende erfaring med integrasjon?</a:t>
+            </a:r>
+          </a:p>
+          <a:p>
+            <a:pPr>
+              <a:spcBef>
+                <a:spcPct val="0"/>
+              </a:spcBef>
+            </a:pPr>
+            <a:r>
+              <a:rPr lang="nb-NO" dirty="0" smtClean="0"/>
+              <a:t>Men du må fortsatt forvente å bruke meste parten av tiden på å forstå hva som skjer inni camel, antagelig nok tid til at du godt kunne skrevet alt selv, men det hadde ikke blitt noe bedre!</a:t>
+            </a:r>
+          </a:p>
+          <a:p>
+            <a:pPr>
+              <a:spcBef>
+                <a:spcPct val="0"/>
+              </a:spcBef>
+            </a:pPr>
+            <a:endParaRPr lang="nb-NO" dirty="0" smtClean="0"/>
+          </a:p>
+          <a:p>
+            <a:pPr>
+              <a:spcBef>
+                <a:spcPct val="0"/>
+              </a:spcBef>
+            </a:pPr>
+            <a:r>
+              <a:rPr lang="nb-NO" dirty="0" smtClean="0"/>
+              <a:t>Hvis du er som oss veldig opptatt av transaksjoner vil du måtte gjøre en hel del for å få camel ruta di sikker, men dersom du lager applikasjoner som gjør veldig mye integrasjon, og hvor hver melding kanskje ikke har så høy verdi og krav til sikkerhet så vil du kunne få det mye enklere...</a:t>
+            </a:r>
+            <a:endParaRPr lang="en-US" dirty="0" smtClean="0"/>
+          </a:p>
+        </p:txBody>
+      </p:sp>
+      <p:sp>
+        <p:nvSpPr>
+          <p:cNvPr id="32772" name="Slide Number Placeholder 3"/>
           <p:cNvSpPr>
             <a:spLocks noGrp="1"/>
           </p:cNvSpPr>
@@ -2148,7 +2266,7 @@
                 <a:spcPct val="0"/>
               </a:spcAft>
             </a:pPr>
-            <a:fld id="{1351403D-4B64-421B-B3F4-DDBFC716405E}" type="slidenum">
+            <a:fld id="{291480E2-4D1C-4BFD-B4A4-375A3FAA87D7}" type="slidenum">
               <a:rPr lang="en-US"/>
               <a:pPr fontAlgn="base">
                 <a:spcBef>
@@ -2158,7 +2276,7 @@
                   <a:spcPct val="0"/>
                 </a:spcAft>
               </a:pPr>
-              <a:t>23</a:t>
+              <a:t>24</a:t>
             </a:fld>
             <a:endParaRPr lang="en-US"/>
           </a:p>
@@ -6368,7 +6486,7 @@
       </p:grpSpPr>
       <p:sp>
         <p:nvSpPr>
-          <p:cNvPr id="10242" name="Title 1"/>
+          <p:cNvPr id="2" name="Title 1"/>
           <p:cNvSpPr>
             <a:spLocks noGrp="1"/>
           </p:cNvSpPr>
@@ -6376,16 +6494,65 @@
             <p:ph type="title"/>
           </p:nvPr>
         </p:nvSpPr>
-        <p:spPr/>
+        <p:spPr>
+          <a:xfrm>
+            <a:off x="457200" y="2667000"/>
+            <a:ext cx="8229600" cy="1143000"/>
+          </a:xfrm>
+        </p:spPr>
         <p:txBody>
           <a:bodyPr/>
           <a:lstStyle/>
           <a:p>
             <a:r>
-              <a:rPr lang="nb-NO" smtClean="0"/>
-              <a:t>Noen fordeler ved å bruke camel</a:t>
-            </a:r>
-            <a:endParaRPr lang="en-US" smtClean="0"/>
+              <a:rPr lang="nb-NO" dirty="0" smtClean="0"/>
+              <a:t>Fordeler, ulemper, konklusjoner</a:t>
+            </a:r>
+            <a:endParaRPr lang="en-US" dirty="0"/>
+          </a:p>
+        </p:txBody>
+      </p:sp>
+    </p:spTree>
+  </p:cSld>
+  <p:clrMapOvr>
+    <a:masterClrMapping/>
+  </p:clrMapOvr>
+</p:sld>
+</file>
+
+<file path=ppt/slides/slide15.xml><?xml version="1.0" encoding="utf-8"?>
+<p:sld xmlns:a="http://schemas.openxmlformats.org/drawingml/2006/main" xmlns:r="http://schemas.openxmlformats.org/officeDocument/2006/relationships" xmlns:p="http://schemas.openxmlformats.org/presentationml/2006/main">
+  <p:cSld>
+    <p:spTree>
+      <p:nvGrpSpPr>
+        <p:cNvPr id="1" name=""/>
+        <p:cNvGrpSpPr/>
+        <p:nvPr/>
+      </p:nvGrpSpPr>
+      <p:grpSpPr>
+        <a:xfrm>
+          <a:off x="0" y="0"/>
+          <a:ext cx="0" cy="0"/>
+          <a:chOff x="0" y="0"/>
+          <a:chExt cx="0" cy="0"/>
+        </a:xfrm>
+      </p:grpSpPr>
+      <p:sp>
+        <p:nvSpPr>
+          <p:cNvPr id="10242" name="Title 1"/>
+          <p:cNvSpPr>
+            <a:spLocks noGrp="1"/>
+          </p:cNvSpPr>
+          <p:nvPr>
+            <p:ph type="title"/>
+          </p:nvPr>
+        </p:nvSpPr>
+        <p:spPr/>
+        <p:txBody>
+          <a:bodyPr/>
+          <a:lstStyle/>
+          <a:p>
+            <a:endParaRPr lang="en-US" dirty="0" smtClean="0"/>
           </a:p>
         </p:txBody>
       </p:sp>
@@ -6440,80 +6607,6 @@
           </a:ln>
         </p:spPr>
       </p:pic>
-    </p:spTree>
-  </p:cSld>
-  <p:clrMapOvr>
-    <a:masterClrMapping/>
-  </p:clrMapOvr>
-  <p:timing>
-    <p:tnLst>
-      <p:par>
-        <p:cTn id="1" dur="indefinite" restart="never" nodeType="tmRoot"/>
-      </p:par>
-    </p:tnLst>
-  </p:timing>
-</p:sld>
-</file>
-
-<file path=ppt/slides/slide15.xml><?xml version="1.0" encoding="utf-8"?>
-<p:sld xmlns:a="http://schemas.openxmlformats.org/drawingml/2006/main" xmlns:r="http://schemas.openxmlformats.org/officeDocument/2006/relationships" xmlns:p="http://schemas.openxmlformats.org/presentationml/2006/main">
-  <p:cSld>
-    <p:spTree>
-      <p:nvGrpSpPr>
-        <p:cNvPr id="1" name=""/>
-        <p:cNvGrpSpPr/>
-        <p:nvPr/>
-      </p:nvGrpSpPr>
-      <p:grpSpPr>
-        <a:xfrm>
-          <a:off x="0" y="0"/>
-          <a:ext cx="0" cy="0"/>
-          <a:chOff x="0" y="0"/>
-          <a:chExt cx="0" cy="0"/>
-        </a:xfrm>
-      </p:grpSpPr>
-      <p:sp>
-        <p:nvSpPr>
-          <p:cNvPr id="11266" name="Title 1"/>
-          <p:cNvSpPr>
-            <a:spLocks noGrp="1"/>
-          </p:cNvSpPr>
-          <p:nvPr>
-            <p:ph type="title"/>
-          </p:nvPr>
-        </p:nvSpPr>
-        <p:spPr/>
-        <p:txBody>
-          <a:bodyPr/>
-          <a:lstStyle/>
-          <a:p>
-            <a:r>
-              <a:rPr lang="nb-NO" smtClean="0"/>
-              <a:t>Ulemper?</a:t>
-            </a:r>
-            <a:endParaRPr lang="en-US" smtClean="0"/>
-          </a:p>
-        </p:txBody>
-      </p:sp>
-      <p:sp>
-        <p:nvSpPr>
-          <p:cNvPr id="11267" name="Content Placeholder 2"/>
-          <p:cNvSpPr>
-            <a:spLocks noGrp="1"/>
-          </p:cNvSpPr>
-          <p:nvPr>
-            <p:ph idx="1"/>
-          </p:nvPr>
-        </p:nvSpPr>
-        <p:spPr/>
-        <p:txBody>
-          <a:bodyPr/>
-          <a:lstStyle/>
-          <a:p>
-            <a:endParaRPr lang="en-US" smtClean="0"/>
-          </a:p>
-        </p:txBody>
-      </p:sp>
     </p:spTree>
   </p:cSld>
   <p:clrMapOvr>
@@ -6555,7 +6648,7 @@
           <p:nvPr/>
         </p:nvPicPr>
         <p:blipFill>
-          <a:blip r:embed="rId2" cstate="print"/>
+          <a:blip r:embed="rId3" cstate="print"/>
           <a:srcRect/>
           <a:stretch>
             <a:fillRect/>
@@ -6612,7 +6705,7 @@
           <p:nvPr/>
         </p:nvPicPr>
         <p:blipFill>
-          <a:blip r:embed="rId2" cstate="print"/>
+          <a:blip r:embed="rId3" cstate="print"/>
           <a:srcRect/>
           <a:stretch>
             <a:fillRect/>
@@ -6660,156 +6753,11 @@
           <a:chExt cx="0" cy="0"/>
         </a:xfrm>
       </p:grpSpPr>
-      <p:sp>
-        <p:nvSpPr>
-          <p:cNvPr id="14338" name="Title 1"/>
-          <p:cNvSpPr>
-            <a:spLocks noGrp="1"/>
-          </p:cNvSpPr>
-          <p:nvPr>
-            <p:ph type="title"/>
-          </p:nvPr>
-        </p:nvSpPr>
-        <p:spPr/>
-        <p:txBody>
-          <a:bodyPr/>
-          <a:lstStyle/>
-          <a:p>
-            <a:r>
-              <a:rPr lang="nb-NO" smtClean="0"/>
-              <a:t>Alternativer?</a:t>
-            </a:r>
-            <a:endParaRPr lang="en-US" smtClean="0"/>
-          </a:p>
-        </p:txBody>
-      </p:sp>
-      <p:sp>
-        <p:nvSpPr>
-          <p:cNvPr id="14339" name="Content Placeholder 2"/>
-          <p:cNvSpPr>
-            <a:spLocks noGrp="1"/>
-          </p:cNvSpPr>
-          <p:nvPr>
-            <p:ph idx="1"/>
-          </p:nvPr>
-        </p:nvSpPr>
-        <p:spPr/>
-        <p:txBody>
-          <a:bodyPr/>
-          <a:lstStyle/>
-          <a:p>
-            <a:endParaRPr lang="en-US" smtClean="0"/>
-          </a:p>
-        </p:txBody>
-      </p:sp>
-      <p:pic>
-        <p:nvPicPr>
-          <p:cNvPr id="14340" name="Picture 2"/>
-          <p:cNvPicPr>
-            <a:picLocks noChangeAspect="1" noChangeArrowheads="1"/>
-          </p:cNvPicPr>
-          <p:nvPr/>
-        </p:nvPicPr>
-        <p:blipFill>
-          <a:blip r:embed="rId3" cstate="print"/>
-          <a:srcRect/>
-          <a:stretch>
-            <a:fillRect/>
-          </a:stretch>
-        </p:blipFill>
-        <p:spPr bwMode="auto">
-          <a:xfrm>
-            <a:off x="914400" y="2886075"/>
-            <a:ext cx="3038475" cy="1152525"/>
-          </a:xfrm>
-          <a:prstGeom prst="rect">
-            <a:avLst/>
-          </a:prstGeom>
-          <a:noFill/>
-          <a:ln w="9525">
-            <a:noFill/>
-            <a:miter lim="800000"/>
-            <a:headEnd/>
-            <a:tailEnd/>
-          </a:ln>
-        </p:spPr>
-      </p:pic>
-      <p:pic>
-        <p:nvPicPr>
-          <p:cNvPr id="14341" name="Picture 3"/>
-          <p:cNvPicPr>
-            <a:picLocks noChangeAspect="1" noChangeArrowheads="1"/>
-          </p:cNvPicPr>
-          <p:nvPr/>
-        </p:nvPicPr>
-        <p:blipFill>
-          <a:blip r:embed="rId4" cstate="print"/>
-          <a:srcRect/>
-          <a:stretch>
-            <a:fillRect/>
-          </a:stretch>
-        </p:blipFill>
-        <p:spPr bwMode="auto">
-          <a:xfrm>
-            <a:off x="4559300" y="1919288"/>
-            <a:ext cx="2076450" cy="447675"/>
-          </a:xfrm>
-          <a:prstGeom prst="rect">
-            <a:avLst/>
-          </a:prstGeom>
-          <a:noFill/>
-          <a:ln w="9525">
-            <a:noFill/>
-            <a:miter lim="800000"/>
-            <a:headEnd/>
-            <a:tailEnd/>
-          </a:ln>
-        </p:spPr>
-      </p:pic>
-      <p:pic>
-        <p:nvPicPr>
-          <p:cNvPr id="14342" name="Picture 4"/>
-          <p:cNvPicPr>
-            <a:picLocks noChangeAspect="1" noChangeArrowheads="1"/>
-          </p:cNvPicPr>
-          <p:nvPr/>
-        </p:nvPicPr>
-        <p:blipFill>
-          <a:blip r:embed="rId5" cstate="print"/>
-          <a:srcRect/>
-          <a:stretch>
-            <a:fillRect/>
-          </a:stretch>
-        </p:blipFill>
-        <p:spPr bwMode="auto">
-          <a:xfrm>
-            <a:off x="5181600" y="4038600"/>
-            <a:ext cx="2628900" cy="1743075"/>
-          </a:xfrm>
-          <a:prstGeom prst="rect">
-            <a:avLst/>
-          </a:prstGeom>
-          <a:noFill/>
-          <a:ln w="9525">
-            <a:noFill/>
-            <a:miter lim="800000"/>
-            <a:headEnd/>
-            <a:tailEnd/>
-          </a:ln>
-        </p:spPr>
-      </p:pic>
     </p:spTree>
   </p:cSld>
   <p:clrMapOvr>
     <a:masterClrMapping/>
   </p:clrMapOvr>
-  <p:timing>
-    <p:tnLst>
-      <p:par>
-        <p:cTn id="1" dur="indefinite" restart="never" nodeType="tmRoot"/>
-      </p:par>
-    </p:tnLst>
-  </p:timing>
 </p:sld>
 </file>
 
@@ -6830,60 +6778,11 @@
           <a:chExt cx="0" cy="0"/>
         </a:xfrm>
       </p:grpSpPr>
-      <p:sp>
-        <p:nvSpPr>
-          <p:cNvPr id="15362" name="Title 1"/>
-          <p:cNvSpPr>
-            <a:spLocks noGrp="1"/>
-          </p:cNvSpPr>
-          <p:nvPr>
-            <p:ph type="title"/>
-          </p:nvPr>
-        </p:nvSpPr>
-        <p:spPr/>
-        <p:txBody>
-          <a:bodyPr/>
-          <a:lstStyle/>
-          <a:p>
-            <a:r>
-              <a:rPr lang="nb-NO" smtClean="0"/>
-              <a:t>Bør du ta camel i bruk?</a:t>
-            </a:r>
-            <a:endParaRPr lang="en-US" smtClean="0"/>
-          </a:p>
-        </p:txBody>
-      </p:sp>
-      <p:sp>
-        <p:nvSpPr>
-          <p:cNvPr id="15363" name="Content Placeholder 2"/>
-          <p:cNvSpPr>
-            <a:spLocks noGrp="1"/>
-          </p:cNvSpPr>
-          <p:nvPr>
-            <p:ph idx="1"/>
-          </p:nvPr>
-        </p:nvSpPr>
-        <p:spPr/>
-        <p:txBody>
-          <a:bodyPr/>
-          <a:lstStyle/>
-          <a:p>
-            <a:endParaRPr lang="en-US" smtClean="0"/>
-          </a:p>
-        </p:txBody>
-      </p:sp>
     </p:spTree>
   </p:cSld>
   <p:clrMapOvr>
     <a:masterClrMapping/>
   </p:clrMapOvr>
-  <p:timing>
-    <p:tnLst>
-      <p:par>
-        <p:cTn id="1" dur="indefinite" restart="never" nodeType="tmRoot"/>
-      </p:par>
-    </p:tnLst>
-  </p:timing>
 </p:sld>
 </file>
 
@@ -7077,7 +6976,7 @@
       </p:grpSpPr>
       <p:sp>
         <p:nvSpPr>
-          <p:cNvPr id="16386" name="Title 1"/>
+          <p:cNvPr id="17410" name="Title 1"/>
           <p:cNvSpPr>
             <a:spLocks noGrp="1"/>
           </p:cNvSpPr>
@@ -7096,7 +6995,7 @@
       </p:sp>
       <p:sp>
         <p:nvSpPr>
-          <p:cNvPr id="16387" name="Content Placeholder 2"/>
+          <p:cNvPr id="17411" name="Content Placeholder 2"/>
           <p:cNvSpPr>
             <a:spLocks noGrp="1"/>
           </p:cNvSpPr>
@@ -7140,7 +7039,7 @@
       </p:grpSpPr>
       <p:sp>
         <p:nvSpPr>
-          <p:cNvPr id="17410" name="Title 1"/>
+          <p:cNvPr id="18434" name="Title 1"/>
           <p:cNvSpPr>
             <a:spLocks noGrp="1"/>
           </p:cNvSpPr>
@@ -7159,7 +7058,7 @@
       </p:sp>
       <p:sp>
         <p:nvSpPr>
-          <p:cNvPr id="17411" name="Content Placeholder 2"/>
+          <p:cNvPr id="18435" name="Content Placeholder 2"/>
           <p:cNvSpPr>
             <a:spLocks noGrp="1"/>
           </p:cNvSpPr>
@@ -7203,7 +7102,7 @@
       </p:grpSpPr>
       <p:sp>
         <p:nvSpPr>
-          <p:cNvPr id="18434" name="Title 1"/>
+          <p:cNvPr id="16386" name="Title 1"/>
           <p:cNvSpPr>
             <a:spLocks noGrp="1"/>
           </p:cNvSpPr>
@@ -7222,7 +7121,7 @@
       </p:sp>
       <p:sp>
         <p:nvSpPr>
-          <p:cNvPr id="18435" name="Content Placeholder 2"/>
+          <p:cNvPr id="16387" name="Content Placeholder 2"/>
           <p:cNvSpPr>
             <a:spLocks noGrp="1"/>
           </p:cNvSpPr>
@@ -7266,7 +7165,7 @@
       </p:grpSpPr>
       <p:sp>
         <p:nvSpPr>
-          <p:cNvPr id="19458" name="Title 1"/>
+          <p:cNvPr id="14338" name="Title 1"/>
           <p:cNvSpPr>
             <a:spLocks noGrp="1"/>
           </p:cNvSpPr>
@@ -7274,24 +7173,134 @@
             <p:ph type="title"/>
           </p:nvPr>
         </p:nvSpPr>
-        <p:spPr>
-          <a:xfrm>
-            <a:off x="381000" y="2895600"/>
-            <a:ext cx="8229600" cy="1143000"/>
-          </a:xfrm>
-        </p:spPr>
+        <p:spPr/>
         <p:txBody>
           <a:bodyPr/>
           <a:lstStyle/>
           <a:p>
             <a:r>
               <a:rPr lang="nb-NO" smtClean="0"/>
-              <a:t>Litt om vår bakgrunn</a:t>
+              <a:t>Alternativer?</a:t>
             </a:r>
             <a:endParaRPr lang="en-US" smtClean="0"/>
           </a:p>
         </p:txBody>
       </p:sp>
+      <p:sp>
+        <p:nvSpPr>
+          <p:cNvPr id="14339" name="Content Placeholder 2"/>
+          <p:cNvSpPr>
+            <a:spLocks noGrp="1"/>
+          </p:cNvSpPr>
+          <p:nvPr>
+            <p:ph idx="1"/>
+          </p:nvPr>
+        </p:nvSpPr>
+        <p:spPr/>
+        <p:txBody>
+          <a:bodyPr/>
+          <a:lstStyle/>
+          <a:p>
+            <a:endParaRPr lang="en-US" smtClean="0"/>
+          </a:p>
+        </p:txBody>
+      </p:sp>
+      <p:pic>
+        <p:nvPicPr>
+          <p:cNvPr id="14340" name="Picture 2"/>
+          <p:cNvPicPr>
+            <a:picLocks noChangeAspect="1" noChangeArrowheads="1"/>
+          </p:cNvPicPr>
+          <p:nvPr/>
+        </p:nvPicPr>
+        <p:blipFill>
+          <a:blip r:embed="rId3" cstate="print"/>
+          <a:srcRect/>
+          <a:stretch>
+            <a:fillRect/>
+          </a:stretch>
+        </p:blipFill>
+        <p:spPr bwMode="auto">
+          <a:xfrm>
+            <a:off x="914400" y="2886075"/>
+            <a:ext cx="3038475" cy="1152525"/>
+          </a:xfrm>
+          <a:prstGeom prst="rect">
+            <a:avLst/>
+          </a:prstGeom>
+          <a:noFill/>
+          <a:ln w="9525">
+            <a:noFill/>
+            <a:miter lim="800000"/>
+            <a:headEnd/>
+            <a:tailEnd/>
+          </a:ln>
+        </p:spPr>
+      </p:pic>
+      <p:pic>
+        <p:nvPicPr>
+          <p:cNvPr id="14341" name="Picture 3"/>
+          <p:cNvPicPr>
+            <a:picLocks noChangeAspect="1" noChangeArrowheads="1"/>
+          </p:cNvPicPr>
+          <p:nvPr/>
+        </p:nvPicPr>
+        <p:blipFill>
+          <a:blip r:embed="rId4" cstate="print"/>
+          <a:srcRect/>
+          <a:stretch>
+            <a:fillRect/>
+          </a:stretch>
+        </p:blipFill>
+        <p:spPr bwMode="auto">
+          <a:xfrm>
+            <a:off x="4559300" y="1919288"/>
+            <a:ext cx="2076450" cy="447675"/>
+          </a:xfrm>
+          <a:prstGeom prst="rect">
+            <a:avLst/>
+          </a:prstGeom>
+          <a:noFill/>
+          <a:ln w="9525">
+            <a:noFill/>
+            <a:miter lim="800000"/>
+            <a:headEnd/>
+            <a:tailEnd/>
+          </a:ln>
+        </p:spPr>
+      </p:pic>
+      <p:pic>
+        <p:nvPicPr>
+          <p:cNvPr id="14342" name="Picture 4"/>
+          <p:cNvPicPr>
+            <a:picLocks noChangeAspect="1" noChangeArrowheads="1"/>
+          </p:cNvPicPr>
+          <p:nvPr/>
+        </p:nvPicPr>
+        <p:blipFill>
+          <a:blip r:embed="rId5" cstate="print"/>
+          <a:srcRect/>
+          <a:stretch>
+            <a:fillRect/>
+          </a:stretch>
+        </p:blipFill>
+        <p:spPr bwMode="auto">
+          <a:xfrm>
+            <a:off x="5181600" y="4038600"/>
+            <a:ext cx="2628900" cy="1743075"/>
+          </a:xfrm>
+          <a:prstGeom prst="rect">
+            <a:avLst/>
+          </a:prstGeom>
+          <a:noFill/>
+          <a:ln w="9525">
+            <a:noFill/>
+            <a:miter lim="800000"/>
+            <a:headEnd/>
+            <a:tailEnd/>
+          </a:ln>
+        </p:spPr>
+      </p:pic>
     </p:spTree>
   </p:cSld>
   <p:clrMapOvr>
@@ -7308,6 +7317,140 @@
 </file>
 
 <file path=ppt/slides/slide24.xml><?xml version="1.0" encoding="utf-8"?>
+<p:sld xmlns:a="http://schemas.openxmlformats.org/drawingml/2006/main" xmlns:r="http://schemas.openxmlformats.org/officeDocument/2006/relationships" xmlns:p="http://schemas.openxmlformats.org/presentationml/2006/main">
+  <p:cSld>
+    <p:spTree>
+      <p:nvGrpSpPr>
+        <p:cNvPr id="1" name=""/>
+        <p:cNvGrpSpPr/>
+        <p:nvPr/>
+      </p:nvGrpSpPr>
+      <p:grpSpPr>
+        <a:xfrm>
+          <a:off x="0" y="0"/>
+          <a:ext cx="0" cy="0"/>
+          <a:chOff x="0" y="0"/>
+          <a:chExt cx="0" cy="0"/>
+        </a:xfrm>
+      </p:grpSpPr>
+      <p:sp>
+        <p:nvSpPr>
+          <p:cNvPr id="15362" name="Title 1"/>
+          <p:cNvSpPr>
+            <a:spLocks noGrp="1"/>
+          </p:cNvSpPr>
+          <p:nvPr>
+            <p:ph type="title"/>
+          </p:nvPr>
+        </p:nvSpPr>
+        <p:spPr/>
+        <p:txBody>
+          <a:bodyPr/>
+          <a:lstStyle/>
+          <a:p>
+            <a:r>
+              <a:rPr lang="nb-NO" smtClean="0"/>
+              <a:t>Bør du ta camel i bruk?</a:t>
+            </a:r>
+            <a:endParaRPr lang="en-US" smtClean="0"/>
+          </a:p>
+        </p:txBody>
+      </p:sp>
+      <p:sp>
+        <p:nvSpPr>
+          <p:cNvPr id="15363" name="Content Placeholder 2"/>
+          <p:cNvSpPr>
+            <a:spLocks noGrp="1"/>
+          </p:cNvSpPr>
+          <p:nvPr>
+            <p:ph idx="1"/>
+          </p:nvPr>
+        </p:nvSpPr>
+        <p:spPr/>
+        <p:txBody>
+          <a:bodyPr/>
+          <a:lstStyle/>
+          <a:p>
+            <a:endParaRPr lang="en-US" smtClean="0"/>
+          </a:p>
+        </p:txBody>
+      </p:sp>
+    </p:spTree>
+  </p:cSld>
+  <p:clrMapOvr>
+    <a:masterClrMapping/>
+  </p:clrMapOvr>
+  <p:timing>
+    <p:tnLst>
+      <p:par>
+        <p:cTn id="1" dur="indefinite" restart="never" nodeType="tmRoot"/>
+      </p:par>
+    </p:tnLst>
+  </p:timing>
+</p:sld>
+</file>
+
+<file path=ppt/slides/slide25.xml><?xml version="1.0" encoding="utf-8"?>
+<p:sld xmlns:a="http://schemas.openxmlformats.org/drawingml/2006/main" xmlns:r="http://schemas.openxmlformats.org/officeDocument/2006/relationships" xmlns:p="http://schemas.openxmlformats.org/presentationml/2006/main">
+  <p:cSld>
+    <p:spTree>
+      <p:nvGrpSpPr>
+        <p:cNvPr id="1" name=""/>
+        <p:cNvGrpSpPr/>
+        <p:nvPr/>
+      </p:nvGrpSpPr>
+      <p:grpSpPr>
+        <a:xfrm>
+          <a:off x="0" y="0"/>
+          <a:ext cx="0" cy="0"/>
+          <a:chOff x="0" y="0"/>
+          <a:chExt cx="0" cy="0"/>
+        </a:xfrm>
+      </p:grpSpPr>
+      <p:sp>
+        <p:nvSpPr>
+          <p:cNvPr id="19458" name="Title 1"/>
+          <p:cNvSpPr>
+            <a:spLocks noGrp="1"/>
+          </p:cNvSpPr>
+          <p:nvPr>
+            <p:ph type="title"/>
+          </p:nvPr>
+        </p:nvSpPr>
+        <p:spPr>
+          <a:xfrm>
+            <a:off x="381000" y="2895600"/>
+            <a:ext cx="8229600" cy="1143000"/>
+          </a:xfrm>
+        </p:spPr>
+        <p:txBody>
+          <a:bodyPr/>
+          <a:lstStyle/>
+          <a:p>
+            <a:r>
+              <a:rPr lang="nb-NO" smtClean="0"/>
+              <a:t>Litt om vår bakgrunn</a:t>
+            </a:r>
+            <a:endParaRPr lang="en-US" smtClean="0"/>
+          </a:p>
+        </p:txBody>
+      </p:sp>
+    </p:spTree>
+  </p:cSld>
+  <p:clrMapOvr>
+    <a:masterClrMapping/>
+  </p:clrMapOvr>
+  <p:timing>
+    <p:tnLst>
+      <p:par>
+        <p:cTn id="1" dur="indefinite" restart="never" nodeType="tmRoot"/>
+      </p:par>
+    </p:tnLst>
+  </p:timing>
+</p:sld>
+</file>
+
+<file path=ppt/slides/slide26.xml><?xml version="1.0" encoding="utf-8"?>
 <p:sld xmlns:a="http://schemas.openxmlformats.org/drawingml/2006/main" xmlns:r="http://schemas.openxmlformats.org/officeDocument/2006/relationships" xmlns:p="http://schemas.openxmlformats.org/presentationml/2006/main">
   <p:cSld>
     <p:spTree>
@@ -7865,7 +8008,7 @@
 </p:sld>
 </file>
 
-<file path=ppt/slides/slide25.xml><?xml version="1.0" encoding="utf-8"?>
+<file path=ppt/slides/slide27.xml><?xml version="1.0" encoding="utf-8"?>
 <p:sld xmlns:a="http://schemas.openxmlformats.org/drawingml/2006/main" xmlns:r="http://schemas.openxmlformats.org/officeDocument/2006/relationships" xmlns:p="http://schemas.openxmlformats.org/presentationml/2006/main">
   <p:cSld>
     <p:spTree>
@@ -7933,7 +8076,7 @@
 </p:sld>
 </file>
 
-<file path=ppt/slides/slide26.xml><?xml version="1.0" encoding="utf-8"?>
+<file path=ppt/slides/slide28.xml><?xml version="1.0" encoding="utf-8"?>
 <p:sld xmlns:a="http://schemas.openxmlformats.org/drawingml/2006/main" xmlns:r="http://schemas.openxmlformats.org/officeDocument/2006/relationships" xmlns:p="http://schemas.openxmlformats.org/presentationml/2006/main">
   <p:cSld>
     <p:spTree>
@@ -8001,7 +8144,7 @@
 </p:sld>
 </file>
 
-<file path=ppt/slides/slide27.xml><?xml version="1.0" encoding="utf-8"?>
+<file path=ppt/slides/slide29.xml><?xml version="1.0" encoding="utf-8"?>
 <p:sld xmlns:a="http://schemas.openxmlformats.org/drawingml/2006/main" xmlns:r="http://schemas.openxmlformats.org/officeDocument/2006/relationships" xmlns:p="http://schemas.openxmlformats.org/presentationml/2006/main">
   <p:cSld>
     <p:spTree>
@@ -8204,7 +8347,7 @@
       </p:grpSpPr>
       <p:sp>
         <p:nvSpPr>
-          <p:cNvPr id="5122" name="Title 1"/>
+          <p:cNvPr id="6146" name="Title 1"/>
           <p:cNvSpPr>
             <a:spLocks noGrp="1"/>
           </p:cNvSpPr>
@@ -8243,7 +8386,7 @@
         </p:spPr>
         <p:txBody>
           <a:bodyPr rtlCol="0">
-            <a:normAutofit fontScale="62500" lnSpcReduction="20000"/>
+            <a:normAutofit fontScale="70000" lnSpcReduction="20000"/>
           </a:bodyPr>
           <a:lstStyle/>
           <a:p>
@@ -8257,7 +8400,7 @@
             </a:pPr>
             <a:r>
               <a:rPr lang="nb-NO" dirty="0" smtClean="0"/>
-              <a:t>Ta i mot fil med 1000 betalingstransaksjoner. Betalingstransaksjonsdata er kommaseparert, med en linje per betalingstransaksjon</a:t>
+              <a:t>Ta i mot fil med 1000 betalingstransaksjoner. </a:t>
             </a:r>
           </a:p>
           <a:p>
@@ -8282,7 +8425,7 @@
             </a:pPr>
             <a:r>
               <a:rPr lang="nb-NO" dirty="0" smtClean="0"/>
-              <a:t>Hver transaksjon skal sendes til dekningskontrollsystem individuelt</a:t>
+              <a:t>Hver betalingstransaksjon sendes individuelt til dekningskontrollsystem</a:t>
             </a:r>
           </a:p>
           <a:p>
@@ -8307,7 +8450,7 @@
             </a:pPr>
             <a:r>
               <a:rPr lang="nb-NO" dirty="0" smtClean="0"/>
-              <a:t>Etter at transaksjonene er dekningskontrollert OK individuelt skal transaksjonene samlet sendes til clearing systemet.</a:t>
+              <a:t>Betalingstransaksjonene sendes samlet til clearing, KUN hvis alle kom ok gjennom dekningskontroll</a:t>
             </a:r>
           </a:p>
           <a:p>
@@ -8324,15 +8467,14 @@
               <a:spcAft>
                 <a:spcPts val="0"/>
               </a:spcAft>
-              <a:buFont typeface="Arial" pitchFamily="34" charset="0"/>
               <a:buNone/>
               <a:defRPr/>
             </a:pPr>
             <a:r>
-              <a:rPr lang="nb-NO" dirty="0" smtClean="0"/>
+              <a:rPr lang="nb-NO" sz="1800" dirty="0" smtClean="0"/>
               <a:t> (dekningskontroll og clearing ligger på mainframe. Det finnes allerede spring beans som kan snakke med disse.)</a:t>
             </a:r>
-            <a:endParaRPr lang="en-US" dirty="0"/>
+            <a:endParaRPr lang="en-US" sz="1800" dirty="0"/>
           </a:p>
         </p:txBody>
       </p:sp>
@@ -8409,7 +8551,7 @@
         </p:spPr>
         <p:txBody>
           <a:bodyPr rtlCol="0">
-            <a:normAutofit fontScale="62500" lnSpcReduction="20000"/>
+            <a:normAutofit fontScale="70000" lnSpcReduction="20000"/>
           </a:bodyPr>
           <a:lstStyle/>
           <a:p>
@@ -8423,7 +8565,7 @@
             </a:pPr>
             <a:r>
               <a:rPr lang="nb-NO" dirty="0" smtClean="0"/>
-              <a:t>Ta i mot fil med 1000 betalingstransaksjoner. Betalingstransaksjonsdata er kommaseparert, med en linje per betalingstransaksjon</a:t>
+              <a:t>Ta i mot fil med 1000 betalingstransaksjoner. </a:t>
             </a:r>
           </a:p>
           <a:p>
@@ -8448,7 +8590,7 @@
             </a:pPr>
             <a:r>
               <a:rPr lang="nb-NO" dirty="0" smtClean="0"/>
-              <a:t>Hver transaksjon skal sendes til dekningskontrollsystem individuelt</a:t>
+              <a:t>Hver betalingstransaksjon sendes individuelt til dekningskontrollsystem</a:t>
             </a:r>
           </a:p>
           <a:p>
@@ -8473,7 +8615,7 @@
             </a:pPr>
             <a:r>
               <a:rPr lang="nb-NO" dirty="0" smtClean="0"/>
-              <a:t>Etter at transaksjonene er dekningskontrollert OK individuelt skal transaksjonene samlet sendes til clearing systemet.</a:t>
+              <a:t>Betalingstransaksjonene sendes samlet til clearing, KUN hvis alle kom ok gjennom dekningskontroll</a:t>
             </a:r>
           </a:p>
           <a:p>
@@ -8490,15 +8632,14 @@
               <a:spcAft>
                 <a:spcPts val="0"/>
               </a:spcAft>
-              <a:buFont typeface="Arial" pitchFamily="34" charset="0"/>
               <a:buNone/>
               <a:defRPr/>
             </a:pPr>
             <a:r>
-              <a:rPr lang="nb-NO" dirty="0" smtClean="0"/>
+              <a:rPr lang="nb-NO" sz="1800" dirty="0" smtClean="0"/>
               <a:t> (dekningskontroll og clearing ligger på mainframe. Det finnes allerede spring beans som kan snakke med disse.)</a:t>
             </a:r>
-            <a:endParaRPr lang="en-US" dirty="0"/>
+            <a:endParaRPr lang="en-US" sz="1800" dirty="0"/>
           </a:p>
         </p:txBody>
       </p:sp>
